--- a/content/docs/theory-analysis/argo-rollouts/images/images.pptx
+++ b/content/docs/theory-analysis/argo-rollouts/images/images.pptx
@@ -5,16 +5,12 @@
     <p:sldMasterId id="2147483648" r:id="rId1"/>
   </p:sldMasterIdLst>
   <p:notesMasterIdLst>
-    <p:notesMasterId r:id="rId9"/>
+    <p:notesMasterId r:id="rId5"/>
   </p:notesMasterIdLst>
   <p:sldIdLst>
     <p:sldId id="422" r:id="rId2"/>
     <p:sldId id="423" r:id="rId3"/>
-    <p:sldId id="417" r:id="rId4"/>
-    <p:sldId id="418" r:id="rId5"/>
-    <p:sldId id="419" r:id="rId6"/>
-    <p:sldId id="420" r:id="rId7"/>
-    <p:sldId id="421" r:id="rId8"/>
+    <p:sldId id="424" r:id="rId4"/>
   </p:sldIdLst>
   <p:sldSz cx="9144000" cy="5143500" type="screen16x9"/>
   <p:notesSz cx="6858000" cy="9144000"/>
@@ -615,7 +611,13 @@
   <p:cSld>
     <p:spTree>
       <p:nvGrpSpPr>
-        <p:cNvPr id="1" name=""/>
+        <p:cNvPr id="1" name="">
+          <a:extLst>
+            <a:ext uri="{FF2B5EF4-FFF2-40B4-BE49-F238E27FC236}">
+              <a16:creationId xmlns:a16="http://schemas.microsoft.com/office/drawing/2014/main" id="{5B4B9892-39E1-4C15-E3E1-E9A01C2ECB41}"/>
+            </a:ext>
+          </a:extLst>
+        </p:cNvPr>
         <p:cNvGrpSpPr/>
         <p:nvPr/>
       </p:nvGrpSpPr>
@@ -629,7 +631,13 @@
       </p:grpSpPr>
       <p:sp>
         <p:nvSpPr>
-          <p:cNvPr id="2" name="슬라이드 이미지 개체 틀 1"/>
+          <p:cNvPr id="2" name="슬라이드 이미지 개체 틀 1">
+            <a:extLst>
+              <a:ext uri="{FF2B5EF4-FFF2-40B4-BE49-F238E27FC236}">
+                <a16:creationId xmlns:a16="http://schemas.microsoft.com/office/drawing/2014/main" id="{BF650D19-D810-44DC-C25B-D27C1182CA59}"/>
+              </a:ext>
+            </a:extLst>
+          </p:cNvPr>
           <p:cNvSpPr>
             <a:spLocks noGrp="1" noRot="1" noChangeAspect="1"/>
           </p:cNvSpPr>
@@ -641,7 +649,13 @@
       </p:sp>
       <p:sp>
         <p:nvSpPr>
-          <p:cNvPr id="3" name="슬라이드 노트 개체 틀 2"/>
+          <p:cNvPr id="3" name="슬라이드 노트 개체 틀 2">
+            <a:extLst>
+              <a:ext uri="{FF2B5EF4-FFF2-40B4-BE49-F238E27FC236}">
+                <a16:creationId xmlns:a16="http://schemas.microsoft.com/office/drawing/2014/main" id="{661EB99E-8A93-FF62-C653-7A55B3FA24A9}"/>
+              </a:ext>
+            </a:extLst>
+          </p:cNvPr>
           <p:cNvSpPr>
             <a:spLocks noGrp="1"/>
           </p:cNvSpPr>
@@ -676,7 +690,13 @@
       </p:sp>
       <p:sp>
         <p:nvSpPr>
-          <p:cNvPr id="4" name="슬라이드 번호 개체 틀 3"/>
+          <p:cNvPr id="4" name="슬라이드 번호 개체 틀 3">
+            <a:extLst>
+              <a:ext uri="{FF2B5EF4-FFF2-40B4-BE49-F238E27FC236}">
+                <a16:creationId xmlns:a16="http://schemas.microsoft.com/office/drawing/2014/main" id="{B4B33C79-E2D5-4C9C-6E35-6C3F0B084BC5}"/>
+              </a:ext>
+            </a:extLst>
+          </p:cNvPr>
           <p:cNvSpPr>
             <a:spLocks noGrp="1"/>
           </p:cNvSpPr>
@@ -700,407 +720,7 @@
     </p:spTree>
     <p:extLst>
       <p:ext uri="{BB962C8B-B14F-4D97-AF65-F5344CB8AC3E}">
-        <p14:creationId xmlns:p14="http://schemas.microsoft.com/office/powerpoint/2010/main" val="2887953239"/>
-      </p:ext>
-    </p:extLst>
-  </p:cSld>
-  <p:clrMapOvr>
-    <a:masterClrMapping/>
-  </p:clrMapOvr>
-</p:notes>
-</file>
-
-<file path=ppt/notesSlides/notesSlide3.xml><?xml version="1.0" encoding="utf-8"?>
-<p:notes xmlns:a="http://schemas.openxmlformats.org/drawingml/2006/main" xmlns:r="http://schemas.openxmlformats.org/officeDocument/2006/relationships" xmlns:p="http://schemas.openxmlformats.org/presentationml/2006/main">
-  <p:cSld>
-    <p:spTree>
-      <p:nvGrpSpPr>
-        <p:cNvPr id="1" name=""/>
-        <p:cNvGrpSpPr/>
-        <p:nvPr/>
-      </p:nvGrpSpPr>
-      <p:grpSpPr>
-        <a:xfrm>
-          <a:off x="0" y="0"/>
-          <a:ext cx="0" cy="0"/>
-          <a:chOff x="0" y="0"/>
-          <a:chExt cx="0" cy="0"/>
-        </a:xfrm>
-      </p:grpSpPr>
-      <p:sp>
-        <p:nvSpPr>
-          <p:cNvPr id="2" name="슬라이드 이미지 개체 틀 1"/>
-          <p:cNvSpPr>
-            <a:spLocks noGrp="1" noRot="1" noChangeAspect="1"/>
-          </p:cNvSpPr>
-          <p:nvPr>
-            <p:ph type="sldImg"/>
-          </p:nvPr>
-        </p:nvSpPr>
-        <p:spPr/>
-      </p:sp>
-      <p:sp>
-        <p:nvSpPr>
-          <p:cNvPr id="3" name="슬라이드 노트 개체 틀 2"/>
-          <p:cNvSpPr>
-            <a:spLocks noGrp="1"/>
-          </p:cNvSpPr>
-          <p:nvPr>
-            <p:ph type="body" idx="1"/>
-          </p:nvPr>
-        </p:nvSpPr>
-        <p:spPr/>
-        <p:txBody>
-          <a:bodyPr/>
-          <a:lstStyle/>
-          <a:p>
-            <a:r>
-              <a:rPr lang="en-US" altLang="ko-KR" dirty="0"/>
-              <a:t>1. </a:t>
-            </a:r>
-            <a:r>
-              <a:rPr lang="en-US" altLang="ko-KR" dirty="0" err="1"/>
-              <a:t>AppArmor</a:t>
-            </a:r>
-            <a:r>
-              <a:rPr lang="en-US" altLang="ko-KR" baseline="0" dirty="0"/>
-              <a:t> </a:t>
-            </a:r>
-            <a:r>
-              <a:rPr lang="ko-KR" altLang="en-US" baseline="0" dirty="0"/>
-              <a:t>변경 권한</a:t>
-            </a:r>
-            <a:endParaRPr lang="ko-KR" altLang="en-US" dirty="0"/>
-          </a:p>
-        </p:txBody>
-      </p:sp>
-      <p:sp>
-        <p:nvSpPr>
-          <p:cNvPr id="4" name="슬라이드 번호 개체 틀 3"/>
-          <p:cNvSpPr>
-            <a:spLocks noGrp="1"/>
-          </p:cNvSpPr>
-          <p:nvPr>
-            <p:ph type="sldNum" sz="quarter" idx="10"/>
-          </p:nvPr>
-        </p:nvSpPr>
-        <p:spPr/>
-        <p:txBody>
-          <a:bodyPr/>
-          <a:lstStyle/>
-          <a:p>
-            <a:fld id="{BA5DFA43-8D57-47FB-BC46-057616015C3B}" type="slidenum">
-              <a:rPr lang="ko-KR" altLang="en-US" smtClean="0"/>
-              <a:t>4</a:t>
-            </a:fld>
-            <a:endParaRPr lang="ko-KR" altLang="en-US"/>
-          </a:p>
-        </p:txBody>
-      </p:sp>
-    </p:spTree>
-    <p:extLst>
-      <p:ext uri="{BB962C8B-B14F-4D97-AF65-F5344CB8AC3E}">
-        <p14:creationId xmlns:p14="http://schemas.microsoft.com/office/powerpoint/2010/main" val="1387041608"/>
-      </p:ext>
-    </p:extLst>
-  </p:cSld>
-  <p:clrMapOvr>
-    <a:masterClrMapping/>
-  </p:clrMapOvr>
-</p:notes>
-</file>
-
-<file path=ppt/notesSlides/notesSlide4.xml><?xml version="1.0" encoding="utf-8"?>
-<p:notes xmlns:a="http://schemas.openxmlformats.org/drawingml/2006/main" xmlns:r="http://schemas.openxmlformats.org/officeDocument/2006/relationships" xmlns:p="http://schemas.openxmlformats.org/presentationml/2006/main">
-  <p:cSld>
-    <p:spTree>
-      <p:nvGrpSpPr>
-        <p:cNvPr id="1" name=""/>
-        <p:cNvGrpSpPr/>
-        <p:nvPr/>
-      </p:nvGrpSpPr>
-      <p:grpSpPr>
-        <a:xfrm>
-          <a:off x="0" y="0"/>
-          <a:ext cx="0" cy="0"/>
-          <a:chOff x="0" y="0"/>
-          <a:chExt cx="0" cy="0"/>
-        </a:xfrm>
-      </p:grpSpPr>
-      <p:sp>
-        <p:nvSpPr>
-          <p:cNvPr id="2" name="슬라이드 이미지 개체 틀 1"/>
-          <p:cNvSpPr>
-            <a:spLocks noGrp="1" noRot="1" noChangeAspect="1"/>
-          </p:cNvSpPr>
-          <p:nvPr>
-            <p:ph type="sldImg"/>
-          </p:nvPr>
-        </p:nvSpPr>
-        <p:spPr/>
-      </p:sp>
-      <p:sp>
-        <p:nvSpPr>
-          <p:cNvPr id="3" name="슬라이드 노트 개체 틀 2"/>
-          <p:cNvSpPr>
-            <a:spLocks noGrp="1"/>
-          </p:cNvSpPr>
-          <p:nvPr>
-            <p:ph type="body" idx="1"/>
-          </p:nvPr>
-        </p:nvSpPr>
-        <p:spPr/>
-        <p:txBody>
-          <a:bodyPr/>
-          <a:lstStyle/>
-          <a:p>
-            <a:r>
-              <a:rPr lang="en-US" altLang="ko-KR" dirty="0"/>
-              <a:t>1. </a:t>
-            </a:r>
-            <a:r>
-              <a:rPr lang="en-US" altLang="ko-KR" dirty="0" err="1"/>
-              <a:t>AppArmor</a:t>
-            </a:r>
-            <a:r>
-              <a:rPr lang="en-US" altLang="ko-KR" baseline="0" dirty="0"/>
-              <a:t> </a:t>
-            </a:r>
-            <a:r>
-              <a:rPr lang="ko-KR" altLang="en-US" baseline="0" dirty="0"/>
-              <a:t>변경 권한</a:t>
-            </a:r>
-            <a:endParaRPr lang="ko-KR" altLang="en-US" dirty="0"/>
-          </a:p>
-        </p:txBody>
-      </p:sp>
-      <p:sp>
-        <p:nvSpPr>
-          <p:cNvPr id="4" name="슬라이드 번호 개체 틀 3"/>
-          <p:cNvSpPr>
-            <a:spLocks noGrp="1"/>
-          </p:cNvSpPr>
-          <p:nvPr>
-            <p:ph type="sldNum" sz="quarter" idx="10"/>
-          </p:nvPr>
-        </p:nvSpPr>
-        <p:spPr/>
-        <p:txBody>
-          <a:bodyPr/>
-          <a:lstStyle/>
-          <a:p>
-            <a:fld id="{BA5DFA43-8D57-47FB-BC46-057616015C3B}" type="slidenum">
-              <a:rPr lang="ko-KR" altLang="en-US" smtClean="0"/>
-              <a:t>5</a:t>
-            </a:fld>
-            <a:endParaRPr lang="ko-KR" altLang="en-US"/>
-          </a:p>
-        </p:txBody>
-      </p:sp>
-    </p:spTree>
-    <p:extLst>
-      <p:ext uri="{BB962C8B-B14F-4D97-AF65-F5344CB8AC3E}">
-        <p14:creationId xmlns:p14="http://schemas.microsoft.com/office/powerpoint/2010/main" val="2243999130"/>
-      </p:ext>
-    </p:extLst>
-  </p:cSld>
-  <p:clrMapOvr>
-    <a:masterClrMapping/>
-  </p:clrMapOvr>
-</p:notes>
-</file>
-
-<file path=ppt/notesSlides/notesSlide5.xml><?xml version="1.0" encoding="utf-8"?>
-<p:notes xmlns:a="http://schemas.openxmlformats.org/drawingml/2006/main" xmlns:r="http://schemas.openxmlformats.org/officeDocument/2006/relationships" xmlns:p="http://schemas.openxmlformats.org/presentationml/2006/main">
-  <p:cSld>
-    <p:spTree>
-      <p:nvGrpSpPr>
-        <p:cNvPr id="1" name=""/>
-        <p:cNvGrpSpPr/>
-        <p:nvPr/>
-      </p:nvGrpSpPr>
-      <p:grpSpPr>
-        <a:xfrm>
-          <a:off x="0" y="0"/>
-          <a:ext cx="0" cy="0"/>
-          <a:chOff x="0" y="0"/>
-          <a:chExt cx="0" cy="0"/>
-        </a:xfrm>
-      </p:grpSpPr>
-      <p:sp>
-        <p:nvSpPr>
-          <p:cNvPr id="2" name="슬라이드 이미지 개체 틀 1"/>
-          <p:cNvSpPr>
-            <a:spLocks noGrp="1" noRot="1" noChangeAspect="1"/>
-          </p:cNvSpPr>
-          <p:nvPr>
-            <p:ph type="sldImg"/>
-          </p:nvPr>
-        </p:nvSpPr>
-        <p:spPr/>
-      </p:sp>
-      <p:sp>
-        <p:nvSpPr>
-          <p:cNvPr id="3" name="슬라이드 노트 개체 틀 2"/>
-          <p:cNvSpPr>
-            <a:spLocks noGrp="1"/>
-          </p:cNvSpPr>
-          <p:nvPr>
-            <p:ph type="body" idx="1"/>
-          </p:nvPr>
-        </p:nvSpPr>
-        <p:spPr/>
-        <p:txBody>
-          <a:bodyPr/>
-          <a:lstStyle/>
-          <a:p>
-            <a:r>
-              <a:rPr lang="en-US" altLang="ko-KR" dirty="0"/>
-              <a:t>1. </a:t>
-            </a:r>
-            <a:r>
-              <a:rPr lang="en-US" altLang="ko-KR" dirty="0" err="1"/>
-              <a:t>AppArmor</a:t>
-            </a:r>
-            <a:r>
-              <a:rPr lang="en-US" altLang="ko-KR" baseline="0" dirty="0"/>
-              <a:t> </a:t>
-            </a:r>
-            <a:r>
-              <a:rPr lang="ko-KR" altLang="en-US" baseline="0" dirty="0"/>
-              <a:t>변경 권한</a:t>
-            </a:r>
-            <a:endParaRPr lang="ko-KR" altLang="en-US" dirty="0"/>
-          </a:p>
-        </p:txBody>
-      </p:sp>
-      <p:sp>
-        <p:nvSpPr>
-          <p:cNvPr id="4" name="슬라이드 번호 개체 틀 3"/>
-          <p:cNvSpPr>
-            <a:spLocks noGrp="1"/>
-          </p:cNvSpPr>
-          <p:nvPr>
-            <p:ph type="sldNum" sz="quarter" idx="10"/>
-          </p:nvPr>
-        </p:nvSpPr>
-        <p:spPr/>
-        <p:txBody>
-          <a:bodyPr/>
-          <a:lstStyle/>
-          <a:p>
-            <a:fld id="{BA5DFA43-8D57-47FB-BC46-057616015C3B}" type="slidenum">
-              <a:rPr lang="ko-KR" altLang="en-US" smtClean="0"/>
-              <a:t>6</a:t>
-            </a:fld>
-            <a:endParaRPr lang="ko-KR" altLang="en-US"/>
-          </a:p>
-        </p:txBody>
-      </p:sp>
-    </p:spTree>
-    <p:extLst>
-      <p:ext uri="{BB962C8B-B14F-4D97-AF65-F5344CB8AC3E}">
-        <p14:creationId xmlns:p14="http://schemas.microsoft.com/office/powerpoint/2010/main" val="1290690892"/>
-      </p:ext>
-    </p:extLst>
-  </p:cSld>
-  <p:clrMapOvr>
-    <a:masterClrMapping/>
-  </p:clrMapOvr>
-</p:notes>
-</file>
-
-<file path=ppt/notesSlides/notesSlide6.xml><?xml version="1.0" encoding="utf-8"?>
-<p:notes xmlns:a="http://schemas.openxmlformats.org/drawingml/2006/main" xmlns:r="http://schemas.openxmlformats.org/officeDocument/2006/relationships" xmlns:p="http://schemas.openxmlformats.org/presentationml/2006/main">
-  <p:cSld>
-    <p:spTree>
-      <p:nvGrpSpPr>
-        <p:cNvPr id="1" name=""/>
-        <p:cNvGrpSpPr/>
-        <p:nvPr/>
-      </p:nvGrpSpPr>
-      <p:grpSpPr>
-        <a:xfrm>
-          <a:off x="0" y="0"/>
-          <a:ext cx="0" cy="0"/>
-          <a:chOff x="0" y="0"/>
-          <a:chExt cx="0" cy="0"/>
-        </a:xfrm>
-      </p:grpSpPr>
-      <p:sp>
-        <p:nvSpPr>
-          <p:cNvPr id="2" name="슬라이드 이미지 개체 틀 1"/>
-          <p:cNvSpPr>
-            <a:spLocks noGrp="1" noRot="1" noChangeAspect="1"/>
-          </p:cNvSpPr>
-          <p:nvPr>
-            <p:ph type="sldImg"/>
-          </p:nvPr>
-        </p:nvSpPr>
-        <p:spPr/>
-      </p:sp>
-      <p:sp>
-        <p:nvSpPr>
-          <p:cNvPr id="3" name="슬라이드 노트 개체 틀 2"/>
-          <p:cNvSpPr>
-            <a:spLocks noGrp="1"/>
-          </p:cNvSpPr>
-          <p:nvPr>
-            <p:ph type="body" idx="1"/>
-          </p:nvPr>
-        </p:nvSpPr>
-        <p:spPr/>
-        <p:txBody>
-          <a:bodyPr/>
-          <a:lstStyle/>
-          <a:p>
-            <a:r>
-              <a:rPr lang="en-US" altLang="ko-KR" dirty="0"/>
-              <a:t>1. </a:t>
-            </a:r>
-            <a:r>
-              <a:rPr lang="en-US" altLang="ko-KR" dirty="0" err="1"/>
-              <a:t>AppArmor</a:t>
-            </a:r>
-            <a:r>
-              <a:rPr lang="en-US" altLang="ko-KR" baseline="0" dirty="0"/>
-              <a:t> </a:t>
-            </a:r>
-            <a:r>
-              <a:rPr lang="ko-KR" altLang="en-US" baseline="0" dirty="0"/>
-              <a:t>변경 권한</a:t>
-            </a:r>
-            <a:endParaRPr lang="ko-KR" altLang="en-US" dirty="0"/>
-          </a:p>
-        </p:txBody>
-      </p:sp>
-      <p:sp>
-        <p:nvSpPr>
-          <p:cNvPr id="4" name="슬라이드 번호 개체 틀 3"/>
-          <p:cNvSpPr>
-            <a:spLocks noGrp="1"/>
-          </p:cNvSpPr>
-          <p:nvPr>
-            <p:ph type="sldNum" sz="quarter" idx="10"/>
-          </p:nvPr>
-        </p:nvSpPr>
-        <p:spPr/>
-        <p:txBody>
-          <a:bodyPr/>
-          <a:lstStyle/>
-          <a:p>
-            <a:fld id="{BA5DFA43-8D57-47FB-BC46-057616015C3B}" type="slidenum">
-              <a:rPr lang="ko-KR" altLang="en-US" smtClean="0"/>
-              <a:t>7</a:t>
-            </a:fld>
-            <a:endParaRPr lang="ko-KR" altLang="en-US"/>
-          </a:p>
-        </p:txBody>
-      </p:sp>
-    </p:spTree>
-    <p:extLst>
-      <p:ext uri="{BB962C8B-B14F-4D97-AF65-F5344CB8AC3E}">
-        <p14:creationId xmlns:p14="http://schemas.microsoft.com/office/powerpoint/2010/main" val="4017809536"/>
+        <p14:creationId xmlns:p14="http://schemas.microsoft.com/office/powerpoint/2010/main" val="3076620744"/>
       </p:ext>
     </p:extLst>
   </p:cSld>
@@ -4037,8 +3657,8 @@
         </p:nvSpPr>
         <p:spPr>
           <a:xfrm>
-            <a:off x="1915108" y="220800"/>
-            <a:ext cx="5313784" cy="987127"/>
+            <a:off x="264038" y="843558"/>
+            <a:ext cx="8628442" cy="929136"/>
           </a:xfrm>
           <a:prstGeom prst="roundRect">
             <a:avLst>
@@ -4067,23 +3687,23 @@
           <a:p>
             <a:pPr algn="ctr"/>
             <a:r>
-              <a:rPr lang="en-US" altLang="ko-KR" sz="1000" b="1"/>
-              <a:t>Argo Rollout </a:t>
-            </a:r>
-            <a:r>
-              <a:rPr lang="en-US" altLang="ko-KR" sz="1000" b="1" dirty="0"/>
+              <a:rPr lang="en-US" altLang="ko-KR" sz="900" b="1"/>
+              <a:t>Argo Rollouts </a:t>
+            </a:r>
+            <a:r>
+              <a:rPr lang="en-US" altLang="ko-KR" sz="900" b="1" dirty="0"/>
               <a:t>Controller</a:t>
             </a:r>
-            <a:endParaRPr lang="ko-KR" altLang="en-US" sz="1000" b="1" dirty="0"/>
-          </a:p>
-        </p:txBody>
-      </p:sp>
-      <p:sp>
-        <p:nvSpPr>
-          <p:cNvPr id="19" name="모서리가 둥근 직사각형 18">
-            <a:extLst>
-              <a:ext uri="{FF2B5EF4-FFF2-40B4-BE49-F238E27FC236}">
-                <a16:creationId xmlns:a16="http://schemas.microsoft.com/office/drawing/2014/main" id="{15E3A077-F0C0-C686-C4C2-D92BD5B4C32E}"/>
+            <a:endParaRPr lang="ko-KR" altLang="en-US" sz="900" b="1" dirty="0"/>
+          </a:p>
+        </p:txBody>
+      </p:sp>
+      <p:sp>
+        <p:nvSpPr>
+          <p:cNvPr id="23" name="모서리가 둥근 직사각형 22">
+            <a:extLst>
+              <a:ext uri="{FF2B5EF4-FFF2-40B4-BE49-F238E27FC236}">
+                <a16:creationId xmlns:a16="http://schemas.microsoft.com/office/drawing/2014/main" id="{2F8A9377-3602-A456-4F52-BF1938178B0A}"/>
               </a:ext>
             </a:extLst>
           </p:cNvPr>
@@ -4092,14 +3712,19 @@
         </p:nvSpPr>
         <p:spPr>
           <a:xfrm>
-            <a:off x="4695299" y="6899655"/>
-            <a:ext cx="1224136" cy="360040"/>
+            <a:off x="7609187" y="2095760"/>
+            <a:ext cx="1139733" cy="467698"/>
           </a:xfrm>
           <a:prstGeom prst="roundRect">
             <a:avLst>
               <a:gd name="adj" fmla="val 18479"/>
             </a:avLst>
           </a:prstGeom>
+          <a:solidFill>
+            <a:schemeClr val="bg1">
+              <a:lumMod val="95000"/>
+            </a:schemeClr>
+          </a:solidFill>
           <a:ln w="12700"/>
         </p:spPr>
         <p:style>
@@ -4122,19 +3747,25 @@
           <a:p>
             <a:pPr algn="ctr"/>
             <a:r>
-              <a:rPr lang="en-US" altLang="ko-KR" sz="1000"/>
-              <a:t>ReplicaSet</a:t>
-            </a:r>
-            <a:endParaRPr lang="ko-KR" altLang="en-US" sz="1000" dirty="0"/>
-          </a:p>
-        </p:txBody>
-      </p:sp>
-      <p:sp>
-        <p:nvSpPr>
-          <p:cNvPr id="23" name="모서리가 둥근 직사각형 22">
-            <a:extLst>
-              <a:ext uri="{FF2B5EF4-FFF2-40B4-BE49-F238E27FC236}">
-                <a16:creationId xmlns:a16="http://schemas.microsoft.com/office/drawing/2014/main" id="{2F8A9377-3602-A456-4F52-BF1938178B0A}"/>
+              <a:rPr lang="en-US" altLang="ko-KR" sz="900" dirty="0"/>
+              <a:t>Prometheus</a:t>
+            </a:r>
+          </a:p>
+          <a:p>
+            <a:pPr algn="ctr"/>
+            <a:r>
+              <a:rPr lang="en-US" altLang="ko-KR" sz="900" dirty="0"/>
+              <a:t>Server</a:t>
+            </a:r>
+          </a:p>
+        </p:txBody>
+      </p:sp>
+      <p:sp>
+        <p:nvSpPr>
+          <p:cNvPr id="24" name="모서리가 둥근 직사각형 23">
+            <a:extLst>
+              <a:ext uri="{FF2B5EF4-FFF2-40B4-BE49-F238E27FC236}">
+                <a16:creationId xmlns:a16="http://schemas.microsoft.com/office/drawing/2014/main" id="{33E4ACE6-0741-B646-9F4F-0C763B44C55F}"/>
               </a:ext>
             </a:extLst>
           </p:cNvPr>
@@ -4143,8 +3774,8 @@
         </p:nvSpPr>
         <p:spPr>
           <a:xfrm>
-            <a:off x="7452329" y="2896140"/>
-            <a:ext cx="1080120" cy="467698"/>
+            <a:off x="3934627" y="1169922"/>
+            <a:ext cx="1139733" cy="467698"/>
           </a:xfrm>
           <a:prstGeom prst="roundRect">
             <a:avLst>
@@ -4173,18 +3804,26 @@
           <a:p>
             <a:pPr algn="ctr"/>
             <a:r>
-              <a:rPr lang="en-US" altLang="ko-KR" sz="1000" dirty="0"/>
-              <a:t>Prometheus</a:t>
-            </a:r>
-          </a:p>
-        </p:txBody>
-      </p:sp>
-      <p:sp>
-        <p:nvSpPr>
-          <p:cNvPr id="24" name="모서리가 둥근 직사각형 23">
-            <a:extLst>
-              <a:ext uri="{FF2B5EF4-FFF2-40B4-BE49-F238E27FC236}">
-                <a16:creationId xmlns:a16="http://schemas.microsoft.com/office/drawing/2014/main" id="{33E4ACE6-0741-B646-9F4F-0C763B44C55F}"/>
+              <a:rPr lang="en-US" altLang="ko-KR" sz="900" dirty="0"/>
+              <a:t>Rollouts</a:t>
+            </a:r>
+          </a:p>
+          <a:p>
+            <a:pPr algn="ctr"/>
+            <a:r>
+              <a:rPr lang="en-US" altLang="ko-KR" sz="900" dirty="0"/>
+              <a:t>Controller</a:t>
+            </a:r>
+            <a:endParaRPr lang="ko-KR" altLang="en-US" sz="900" dirty="0"/>
+          </a:p>
+        </p:txBody>
+      </p:sp>
+      <p:sp>
+        <p:nvSpPr>
+          <p:cNvPr id="25" name="모서리가 둥근 직사각형 24">
+            <a:extLst>
+              <a:ext uri="{FF2B5EF4-FFF2-40B4-BE49-F238E27FC236}">
+                <a16:creationId xmlns:a16="http://schemas.microsoft.com/office/drawing/2014/main" id="{4F256076-5840-F6AA-219A-9E05E41A352B}"/>
               </a:ext>
             </a:extLst>
           </p:cNvPr>
@@ -4193,8 +3832,8 @@
         </p:nvSpPr>
         <p:spPr>
           <a:xfrm>
-            <a:off x="2699802" y="696939"/>
-            <a:ext cx="1080120" cy="467698"/>
+            <a:off x="2095657" y="1174964"/>
+            <a:ext cx="1139733" cy="467698"/>
           </a:xfrm>
           <a:prstGeom prst="roundRect">
             <a:avLst>
@@ -4223,26 +3862,26 @@
           <a:p>
             <a:pPr algn="ctr"/>
             <a:r>
-              <a:rPr lang="en-US" altLang="ko-KR" sz="1000" dirty="0"/>
-              <a:t>Rollout</a:t>
-            </a:r>
-          </a:p>
-          <a:p>
-            <a:pPr algn="ctr"/>
-            <a:r>
-              <a:rPr lang="en-US" altLang="ko-KR" sz="1000" dirty="0"/>
-              <a:t>Controller</a:t>
-            </a:r>
-            <a:endParaRPr lang="ko-KR" altLang="en-US" sz="1000" dirty="0"/>
-          </a:p>
-        </p:txBody>
-      </p:sp>
-      <p:sp>
-        <p:nvSpPr>
-          <p:cNvPr id="25" name="모서리가 둥근 직사각형 24">
-            <a:extLst>
-              <a:ext uri="{FF2B5EF4-FFF2-40B4-BE49-F238E27FC236}">
-                <a16:creationId xmlns:a16="http://schemas.microsoft.com/office/drawing/2014/main" id="{4F256076-5840-F6AA-219A-9E05E41A352B}"/>
+              <a:rPr lang="en-US" altLang="ko-KR" sz="900" dirty="0"/>
+              <a:t>TrafficRouting</a:t>
+            </a:r>
+            <a:br>
+              <a:rPr lang="en-US" altLang="ko-KR" sz="900" dirty="0"/>
+            </a:br>
+            <a:r>
+              <a:rPr lang="en-US" altLang="ko-KR" sz="900" dirty="0"/>
+              <a:t>Reconciler</a:t>
+            </a:r>
+            <a:endParaRPr lang="ko-KR" altLang="en-US" sz="900" dirty="0"/>
+          </a:p>
+        </p:txBody>
+      </p:sp>
+      <p:sp>
+        <p:nvSpPr>
+          <p:cNvPr id="27" name="모서리가 둥근 직사각형 26">
+            <a:extLst>
+              <a:ext uri="{FF2B5EF4-FFF2-40B4-BE49-F238E27FC236}">
+                <a16:creationId xmlns:a16="http://schemas.microsoft.com/office/drawing/2014/main" id="{87163407-7DB7-FB50-771F-1772E64165BC}"/>
               </a:ext>
             </a:extLst>
           </p:cNvPr>
@@ -4251,7 +3890,7 @@
         </p:nvSpPr>
         <p:spPr>
           <a:xfrm>
-            <a:off x="3884226" y="690575"/>
+            <a:off x="5773598" y="1169922"/>
             <a:ext cx="1139733" cy="467698"/>
           </a:xfrm>
           <a:prstGeom prst="roundRect">
@@ -4281,26 +3920,26 @@
           <a:p>
             <a:pPr algn="ctr"/>
             <a:r>
-              <a:rPr lang="en-US" altLang="ko-KR" sz="1000" dirty="0"/>
+              <a:rPr lang="en-US" altLang="ko-KR" sz="900" dirty="0"/>
               <a:t>Analysis</a:t>
             </a:r>
           </a:p>
           <a:p>
             <a:pPr algn="ctr"/>
             <a:r>
-              <a:rPr lang="en-US" altLang="ko-KR" sz="1000" dirty="0"/>
+              <a:rPr lang="en-US" altLang="ko-KR" sz="900" dirty="0"/>
               <a:t>Controller</a:t>
             </a:r>
-            <a:endParaRPr lang="ko-KR" altLang="en-US" sz="1000" dirty="0"/>
-          </a:p>
-        </p:txBody>
-      </p:sp>
-      <p:sp>
-        <p:nvSpPr>
-          <p:cNvPr id="27" name="모서리가 둥근 직사각형 26">
-            <a:extLst>
-              <a:ext uri="{FF2B5EF4-FFF2-40B4-BE49-F238E27FC236}">
-                <a16:creationId xmlns:a16="http://schemas.microsoft.com/office/drawing/2014/main" id="{87163407-7DB7-FB50-771F-1772E64165BC}"/>
+            <a:endParaRPr lang="ko-KR" altLang="en-US" sz="900" dirty="0"/>
+          </a:p>
+        </p:txBody>
+      </p:sp>
+      <p:sp>
+        <p:nvSpPr>
+          <p:cNvPr id="57" name="모서리가 둥근 직사각형 56">
+            <a:extLst>
+              <a:ext uri="{FF2B5EF4-FFF2-40B4-BE49-F238E27FC236}">
+                <a16:creationId xmlns:a16="http://schemas.microsoft.com/office/drawing/2014/main" id="{7488D09A-F04E-4B58-5A2F-8162B16AB849}"/>
               </a:ext>
             </a:extLst>
           </p:cNvPr>
@@ -4309,8 +3948,112 @@
         </p:nvSpPr>
         <p:spPr>
           <a:xfrm>
-            <a:off x="5244026" y="696596"/>
-            <a:ext cx="1080120" cy="467698"/>
+            <a:off x="5630042" y="2886524"/>
+            <a:ext cx="1426855" cy="1779924"/>
+          </a:xfrm>
+          <a:prstGeom prst="roundRect">
+            <a:avLst>
+              <a:gd name="adj" fmla="val 7808"/>
+            </a:avLst>
+          </a:prstGeom>
+          <a:ln w="12700">
+            <a:prstDash val="dash"/>
+          </a:ln>
+        </p:spPr>
+        <p:style>
+          <a:lnRef idx="2">
+            <a:schemeClr val="dk1"/>
+          </a:lnRef>
+          <a:fillRef idx="1">
+            <a:schemeClr val="lt1"/>
+          </a:fillRef>
+          <a:effectRef idx="0">
+            <a:schemeClr val="dk1"/>
+          </a:effectRef>
+          <a:fontRef idx="minor">
+            <a:schemeClr val="dk1"/>
+          </a:fontRef>
+        </p:style>
+        <p:txBody>
+          <a:bodyPr rtlCol="0" anchor="t"/>
+          <a:lstStyle/>
+          <a:p>
+            <a:pPr algn="ctr"/>
+            <a:r>
+              <a:rPr lang="en-US" altLang="ko-KR" sz="900" b="1" dirty="0"/>
+              <a:t>AnalysisRuns Objects</a:t>
+            </a:r>
+          </a:p>
+        </p:txBody>
+      </p:sp>
+      <p:sp>
+        <p:nvSpPr>
+          <p:cNvPr id="33" name="모서리가 둥근 직사각형 32">
+            <a:extLst>
+              <a:ext uri="{FF2B5EF4-FFF2-40B4-BE49-F238E27FC236}">
+                <a16:creationId xmlns:a16="http://schemas.microsoft.com/office/drawing/2014/main" id="{F8A0554C-971E-4FA5-D6BF-C50BE3A17FD8}"/>
+              </a:ext>
+            </a:extLst>
+          </p:cNvPr>
+          <p:cNvSpPr/>
+          <p:nvPr/>
+        </p:nvSpPr>
+        <p:spPr>
+          <a:xfrm>
+            <a:off x="3791068" y="2886524"/>
+            <a:ext cx="1426855" cy="1779924"/>
+          </a:xfrm>
+          <a:prstGeom prst="roundRect">
+            <a:avLst>
+              <a:gd name="adj" fmla="val 7808"/>
+            </a:avLst>
+          </a:prstGeom>
+          <a:ln w="12700">
+            <a:prstDash val="dash"/>
+          </a:ln>
+        </p:spPr>
+        <p:style>
+          <a:lnRef idx="2">
+            <a:schemeClr val="dk1"/>
+          </a:lnRef>
+          <a:fillRef idx="1">
+            <a:schemeClr val="lt1"/>
+          </a:fillRef>
+          <a:effectRef idx="0">
+            <a:schemeClr val="dk1"/>
+          </a:effectRef>
+          <a:fontRef idx="minor">
+            <a:schemeClr val="dk1"/>
+          </a:fontRef>
+        </p:style>
+        <p:txBody>
+          <a:bodyPr rtlCol="0" anchor="t"/>
+          <a:lstStyle/>
+          <a:p>
+            <a:pPr algn="ctr"/>
+            <a:r>
+              <a:rPr lang="en-US" altLang="ko-KR" sz="900" b="1" dirty="0"/>
+              <a:t>ReplicaSet Objects</a:t>
+            </a:r>
+          </a:p>
+        </p:txBody>
+      </p:sp>
+      <p:sp>
+        <p:nvSpPr>
+          <p:cNvPr id="18" name="모서리가 둥근 직사각형 17">
+            <a:extLst>
+              <a:ext uri="{FF2B5EF4-FFF2-40B4-BE49-F238E27FC236}">
+                <a16:creationId xmlns:a16="http://schemas.microsoft.com/office/drawing/2014/main" id="{184E8C7C-C56E-A0D1-5FEF-47E311B6C37D}"/>
+              </a:ext>
+            </a:extLst>
+          </p:cNvPr>
+          <p:cNvSpPr/>
+          <p:nvPr/>
+        </p:nvSpPr>
+        <p:spPr>
+          <a:xfrm>
+            <a:off x="3936161" y="3234374"/>
+            <a:ext cx="1139733" cy="467698"/>
           </a:xfrm>
           <a:prstGeom prst="roundRect">
             <a:avLst>
@@ -4339,26 +4082,25 @@
           <a:p>
             <a:pPr algn="ctr"/>
             <a:r>
-              <a:rPr lang="en-US" altLang="ko-KR" sz="1000" dirty="0"/>
-              <a:t>Experiment</a:t>
-            </a:r>
-          </a:p>
-          <a:p>
-            <a:pPr algn="ctr"/>
-            <a:r>
-              <a:rPr lang="en-US" altLang="ko-KR" sz="1000" dirty="0"/>
-              <a:t>Controller</a:t>
-            </a:r>
-            <a:endParaRPr lang="ko-KR" altLang="en-US" sz="1000" dirty="0"/>
-          </a:p>
-        </p:txBody>
-      </p:sp>
-      <p:sp>
-        <p:nvSpPr>
-          <p:cNvPr id="57" name="모서리가 둥근 직사각형 56">
-            <a:extLst>
-              <a:ext uri="{FF2B5EF4-FFF2-40B4-BE49-F238E27FC236}">
-                <a16:creationId xmlns:a16="http://schemas.microsoft.com/office/drawing/2014/main" id="{7488D09A-F04E-4B58-5A2F-8162B16AB849}"/>
+              <a:rPr lang="en-US" altLang="ko-KR" sz="900"/>
+              <a:t>ReplicaSet</a:t>
+            </a:r>
+          </a:p>
+          <a:p>
+            <a:pPr algn="ctr"/>
+            <a:r>
+              <a:rPr lang="en-US" altLang="ko-KR" sz="900"/>
+              <a:t>revision:5</a:t>
+            </a:r>
+          </a:p>
+        </p:txBody>
+      </p:sp>
+      <p:sp>
+        <p:nvSpPr>
+          <p:cNvPr id="20" name="모서리가 둥근 직사각형 19">
+            <a:extLst>
+              <a:ext uri="{FF2B5EF4-FFF2-40B4-BE49-F238E27FC236}">
+                <a16:creationId xmlns:a16="http://schemas.microsoft.com/office/drawing/2014/main" id="{F4699FC0-4670-DB1E-C918-533FBEE0F3E7}"/>
               </a:ext>
             </a:extLst>
           </p:cNvPr>
@@ -4367,111 +4109,7 @@
         </p:nvSpPr>
         <p:spPr>
           <a:xfrm>
-            <a:off x="5716724" y="2283718"/>
-            <a:ext cx="1426855" cy="1779924"/>
-          </a:xfrm>
-          <a:prstGeom prst="roundRect">
-            <a:avLst>
-              <a:gd name="adj" fmla="val 7808"/>
-            </a:avLst>
-          </a:prstGeom>
-          <a:ln w="12700">
-            <a:prstDash val="dash"/>
-          </a:ln>
-        </p:spPr>
-        <p:style>
-          <a:lnRef idx="2">
-            <a:schemeClr val="dk1"/>
-          </a:lnRef>
-          <a:fillRef idx="1">
-            <a:schemeClr val="lt1"/>
-          </a:fillRef>
-          <a:effectRef idx="0">
-            <a:schemeClr val="dk1"/>
-          </a:effectRef>
-          <a:fontRef idx="minor">
-            <a:schemeClr val="dk1"/>
-          </a:fontRef>
-        </p:style>
-        <p:txBody>
-          <a:bodyPr rtlCol="0" anchor="t"/>
-          <a:lstStyle/>
-          <a:p>
-            <a:pPr algn="ctr"/>
-            <a:r>
-              <a:rPr lang="en-US" altLang="ko-KR" sz="1000" b="1" dirty="0"/>
-              <a:t>Analysis Objects</a:t>
-            </a:r>
-          </a:p>
-        </p:txBody>
-      </p:sp>
-      <p:sp>
-        <p:nvSpPr>
-          <p:cNvPr id="33" name="모서리가 둥근 직사각형 32">
-            <a:extLst>
-              <a:ext uri="{FF2B5EF4-FFF2-40B4-BE49-F238E27FC236}">
-                <a16:creationId xmlns:a16="http://schemas.microsoft.com/office/drawing/2014/main" id="{F8A0554C-971E-4FA5-D6BF-C50BE3A17FD8}"/>
-              </a:ext>
-            </a:extLst>
-          </p:cNvPr>
-          <p:cNvSpPr/>
-          <p:nvPr/>
-        </p:nvSpPr>
-        <p:spPr>
-          <a:xfrm>
-            <a:off x="3746486" y="2283718"/>
-            <a:ext cx="1426855" cy="1779924"/>
-          </a:xfrm>
-          <a:prstGeom prst="roundRect">
-            <a:avLst>
-              <a:gd name="adj" fmla="val 7808"/>
-            </a:avLst>
-          </a:prstGeom>
-          <a:ln w="12700">
-            <a:prstDash val="dash"/>
-          </a:ln>
-        </p:spPr>
-        <p:style>
-          <a:lnRef idx="2">
-            <a:schemeClr val="dk1"/>
-          </a:lnRef>
-          <a:fillRef idx="1">
-            <a:schemeClr val="lt1"/>
-          </a:fillRef>
-          <a:effectRef idx="0">
-            <a:schemeClr val="dk1"/>
-          </a:effectRef>
-          <a:fontRef idx="minor">
-            <a:schemeClr val="dk1"/>
-          </a:fontRef>
-        </p:style>
-        <p:txBody>
-          <a:bodyPr rtlCol="0" anchor="t"/>
-          <a:lstStyle/>
-          <a:p>
-            <a:pPr algn="ctr"/>
-            <a:r>
-              <a:rPr lang="en-US" altLang="ko-KR" sz="1000" b="1" dirty="0"/>
-              <a:t>ReplicaSet Objects</a:t>
-            </a:r>
-          </a:p>
-        </p:txBody>
-      </p:sp>
-      <p:sp>
-        <p:nvSpPr>
-          <p:cNvPr id="18" name="모서리가 둥근 직사각형 17">
-            <a:extLst>
-              <a:ext uri="{FF2B5EF4-FFF2-40B4-BE49-F238E27FC236}">
-                <a16:creationId xmlns:a16="http://schemas.microsoft.com/office/drawing/2014/main" id="{184E8C7C-C56E-A0D1-5FEF-47E311B6C37D}"/>
-              </a:ext>
-            </a:extLst>
-          </p:cNvPr>
-          <p:cNvSpPr/>
-          <p:nvPr/>
-        </p:nvSpPr>
-        <p:spPr>
-          <a:xfrm>
-            <a:off x="3891579" y="2631568"/>
+            <a:off x="4872230" y="2095760"/>
             <a:ext cx="1139733" cy="467698"/>
           </a:xfrm>
           <a:prstGeom prst="roundRect">
@@ -4501,25 +4139,33 @@
           <a:p>
             <a:pPr algn="ctr"/>
             <a:r>
-              <a:rPr lang="en-US" altLang="ko-KR" sz="1000"/>
-              <a:t>ReplicaSet</a:t>
-            </a:r>
-          </a:p>
-          <a:p>
-            <a:pPr algn="ctr"/>
-            <a:r>
-              <a:rPr lang="en-US" altLang="ko-KR" sz="1000"/>
-              <a:t>revision:5</a:t>
-            </a:r>
-          </a:p>
-        </p:txBody>
-      </p:sp>
-      <p:sp>
-        <p:nvSpPr>
-          <p:cNvPr id="20" name="모서리가 둥근 직사각형 19">
-            <a:extLst>
-              <a:ext uri="{FF2B5EF4-FFF2-40B4-BE49-F238E27FC236}">
-                <a16:creationId xmlns:a16="http://schemas.microsoft.com/office/drawing/2014/main" id="{F4699FC0-4670-DB1E-C918-533FBEE0F3E7}"/>
+              <a:rPr lang="en-US" altLang="ko-KR" sz="900" b="1" dirty="0"/>
+              <a:t>Analysis</a:t>
+            </a:r>
+          </a:p>
+          <a:p>
+            <a:pPr algn="ctr"/>
+            <a:r>
+              <a:rPr lang="en-US" altLang="ko-KR" sz="900" b="1" dirty="0"/>
+              <a:t>Templates</a:t>
+            </a:r>
+          </a:p>
+          <a:p>
+            <a:pPr algn="ctr"/>
+            <a:r>
+              <a:rPr lang="en-US" altLang="ko-KR" sz="900" b="1" dirty="0"/>
+              <a:t>Object</a:t>
+            </a:r>
+            <a:endParaRPr lang="ko-KR" altLang="en-US" sz="900" b="1" dirty="0"/>
+          </a:p>
+        </p:txBody>
+      </p:sp>
+      <p:sp>
+        <p:nvSpPr>
+          <p:cNvPr id="22" name="모서리가 둥근 직사각형 21">
+            <a:extLst>
+              <a:ext uri="{FF2B5EF4-FFF2-40B4-BE49-F238E27FC236}">
+                <a16:creationId xmlns:a16="http://schemas.microsoft.com/office/drawing/2014/main" id="{A5F87D2A-0057-B780-60F0-5FEA5658DCC9}"/>
               </a:ext>
             </a:extLst>
           </p:cNvPr>
@@ -4528,7 +4174,7 @@
         </p:nvSpPr>
         <p:spPr>
           <a:xfrm>
-            <a:off x="5860285" y="1611371"/>
+            <a:off x="5773603" y="3228740"/>
             <a:ext cx="1139733" cy="467698"/>
           </a:xfrm>
           <a:prstGeom prst="roundRect">
@@ -4558,33 +4204,18 @@
           <a:p>
             <a:pPr algn="ctr"/>
             <a:r>
-              <a:rPr lang="en-US" altLang="ko-KR" sz="1000" b="1" dirty="0"/>
+              <a:rPr lang="en-US" altLang="ko-KR" sz="900" dirty="0"/>
               <a:t>Analysis</a:t>
             </a:r>
           </a:p>
-          <a:p>
-            <a:pPr algn="ctr"/>
-            <a:r>
-              <a:rPr lang="en-US" altLang="ko-KR" sz="1000" b="1" dirty="0"/>
-              <a:t>Template</a:t>
-            </a:r>
-          </a:p>
-          <a:p>
-            <a:pPr algn="ctr"/>
-            <a:r>
-              <a:rPr lang="en-US" altLang="ko-KR" sz="1000" b="1" dirty="0"/>
-              <a:t>Object</a:t>
-            </a:r>
-            <a:endParaRPr lang="ko-KR" altLang="en-US" sz="1000" b="1" dirty="0"/>
-          </a:p>
-        </p:txBody>
-      </p:sp>
-      <p:sp>
-        <p:nvSpPr>
-          <p:cNvPr id="22" name="모서리가 둥근 직사각형 21">
-            <a:extLst>
-              <a:ext uri="{FF2B5EF4-FFF2-40B4-BE49-F238E27FC236}">
-                <a16:creationId xmlns:a16="http://schemas.microsoft.com/office/drawing/2014/main" id="{A5F87D2A-0057-B780-60F0-5FEA5658DCC9}"/>
+        </p:txBody>
+      </p:sp>
+      <p:sp>
+        <p:nvSpPr>
+          <p:cNvPr id="28" name="모서리가 둥근 직사각형 27">
+            <a:extLst>
+              <a:ext uri="{FF2B5EF4-FFF2-40B4-BE49-F238E27FC236}">
+                <a16:creationId xmlns:a16="http://schemas.microsoft.com/office/drawing/2014/main" id="{5D4EDBBA-E25B-C0BB-EFDF-85E33E5A4AE4}"/>
               </a:ext>
             </a:extLst>
           </p:cNvPr>
@@ -4593,7 +4224,7 @@
         </p:nvSpPr>
         <p:spPr>
           <a:xfrm>
-            <a:off x="5860285" y="2625934"/>
+            <a:off x="3033258" y="2095760"/>
             <a:ext cx="1139733" cy="467698"/>
           </a:xfrm>
           <a:prstGeom prst="roundRect">
@@ -4623,18 +4254,25 @@
           <a:p>
             <a:pPr algn="ctr"/>
             <a:r>
-              <a:rPr lang="en-US" altLang="ko-KR" sz="1000" dirty="0"/>
-              <a:t>Analysis</a:t>
-            </a:r>
-          </a:p>
-        </p:txBody>
-      </p:sp>
-      <p:sp>
-        <p:nvSpPr>
-          <p:cNvPr id="28" name="모서리가 둥근 직사각형 27">
-            <a:extLst>
-              <a:ext uri="{FF2B5EF4-FFF2-40B4-BE49-F238E27FC236}">
-                <a16:creationId xmlns:a16="http://schemas.microsoft.com/office/drawing/2014/main" id="{5D4EDBBA-E25B-C0BB-EFDF-85E33E5A4AE4}"/>
+              <a:rPr lang="en-US" altLang="ko-KR" sz="900" b="1" dirty="0"/>
+              <a:t>Rollouts</a:t>
+            </a:r>
+          </a:p>
+          <a:p>
+            <a:pPr algn="ctr"/>
+            <a:r>
+              <a:rPr lang="en-US" altLang="ko-KR" sz="900" b="1" dirty="0"/>
+              <a:t>Object</a:t>
+            </a:r>
+          </a:p>
+        </p:txBody>
+      </p:sp>
+      <p:sp>
+        <p:nvSpPr>
+          <p:cNvPr id="31" name="모서리가 둥근 직사각형 30">
+            <a:extLst>
+              <a:ext uri="{FF2B5EF4-FFF2-40B4-BE49-F238E27FC236}">
+                <a16:creationId xmlns:a16="http://schemas.microsoft.com/office/drawing/2014/main" id="{5E95F04B-5627-1300-A8F4-25B927511C03}"/>
               </a:ext>
             </a:extLst>
           </p:cNvPr>
@@ -4643,7 +4281,7 @@
         </p:nvSpPr>
         <p:spPr>
           <a:xfrm>
-            <a:off x="3890047" y="1611371"/>
+            <a:off x="3934629" y="3822010"/>
             <a:ext cx="1139733" cy="467698"/>
           </a:xfrm>
           <a:prstGeom prst="roundRect">
@@ -4673,25 +4311,25 @@
           <a:p>
             <a:pPr algn="ctr"/>
             <a:r>
-              <a:rPr lang="en-US" altLang="ko-KR" sz="1000" b="1" dirty="0"/>
-              <a:t>Rollout</a:t>
-            </a:r>
-          </a:p>
-          <a:p>
-            <a:pPr algn="ctr"/>
-            <a:r>
-              <a:rPr lang="en-US" altLang="ko-KR" sz="1000" b="1" dirty="0"/>
-              <a:t>Object</a:t>
-            </a:r>
-          </a:p>
-        </p:txBody>
-      </p:sp>
-      <p:sp>
-        <p:nvSpPr>
-          <p:cNvPr id="31" name="모서리가 둥근 직사각형 30">
-            <a:extLst>
-              <a:ext uri="{FF2B5EF4-FFF2-40B4-BE49-F238E27FC236}">
-                <a16:creationId xmlns:a16="http://schemas.microsoft.com/office/drawing/2014/main" id="{5E95F04B-5627-1300-A8F4-25B927511C03}"/>
+              <a:rPr lang="en-US" altLang="ko-KR" sz="900"/>
+              <a:t>ReplicaSet</a:t>
+            </a:r>
+          </a:p>
+          <a:p>
+            <a:pPr algn="ctr"/>
+            <a:r>
+              <a:rPr lang="en-US" altLang="ko-KR" sz="900"/>
+              <a:t>revision:6</a:t>
+            </a:r>
+          </a:p>
+        </p:txBody>
+      </p:sp>
+      <p:sp>
+        <p:nvSpPr>
+          <p:cNvPr id="34" name="타원 33">
+            <a:extLst>
+              <a:ext uri="{FF2B5EF4-FFF2-40B4-BE49-F238E27FC236}">
+                <a16:creationId xmlns:a16="http://schemas.microsoft.com/office/drawing/2014/main" id="{CD50E901-1479-1BDF-2D74-3E9904EE828A}"/>
               </a:ext>
             </a:extLst>
           </p:cNvPr>
@@ -4700,64 +4338,7 @@
         </p:nvSpPr>
         <p:spPr>
           <a:xfrm>
-            <a:off x="3890047" y="3219204"/>
-            <a:ext cx="1139733" cy="467698"/>
-          </a:xfrm>
-          <a:prstGeom prst="roundRect">
-            <a:avLst>
-              <a:gd name="adj" fmla="val 18479"/>
-            </a:avLst>
-          </a:prstGeom>
-          <a:ln w="12700"/>
-        </p:spPr>
-        <p:style>
-          <a:lnRef idx="2">
-            <a:schemeClr val="dk1"/>
-          </a:lnRef>
-          <a:fillRef idx="1">
-            <a:schemeClr val="lt1"/>
-          </a:fillRef>
-          <a:effectRef idx="0">
-            <a:schemeClr val="dk1"/>
-          </a:effectRef>
-          <a:fontRef idx="minor">
-            <a:schemeClr val="dk1"/>
-          </a:fontRef>
-        </p:style>
-        <p:txBody>
-          <a:bodyPr rtlCol="0" anchor="ctr"/>
-          <a:lstStyle/>
-          <a:p>
-            <a:pPr algn="ctr"/>
-            <a:r>
-              <a:rPr lang="en-US" altLang="ko-KR" sz="1000"/>
-              <a:t>ReplicaSet</a:t>
-            </a:r>
-          </a:p>
-          <a:p>
-            <a:pPr algn="ctr"/>
-            <a:r>
-              <a:rPr lang="en-US" altLang="ko-KR" sz="1000"/>
-              <a:t>revision:6</a:t>
-            </a:r>
-          </a:p>
-        </p:txBody>
-      </p:sp>
-      <p:sp>
-        <p:nvSpPr>
-          <p:cNvPr id="34" name="타원 33">
-            <a:extLst>
-              <a:ext uri="{FF2B5EF4-FFF2-40B4-BE49-F238E27FC236}">
-                <a16:creationId xmlns:a16="http://schemas.microsoft.com/office/drawing/2014/main" id="{CD50E901-1479-1BDF-2D74-3E9904EE828A}"/>
-              </a:ext>
-            </a:extLst>
-          </p:cNvPr>
-          <p:cNvSpPr/>
-          <p:nvPr/>
-        </p:nvSpPr>
-        <p:spPr>
-          <a:xfrm>
-            <a:off x="4433430" y="3745751"/>
+            <a:off x="4478012" y="4348557"/>
             <a:ext cx="52966" cy="50196"/>
           </a:xfrm>
           <a:prstGeom prst="ellipse">
@@ -4791,57 +4372,10 @@
           <a:lstStyle/>
           <a:p>
             <a:pPr algn="ctr"/>
-            <a:endParaRPr kumimoji="1" lang="ko-KR" altLang="en-US"/>
-          </a:p>
-        </p:txBody>
-      </p:sp>
-      <p:cxnSp>
-        <p:nvCxnSpPr>
-          <p:cNvPr id="41" name="직선 화살표 연결선 40">
-            <a:extLst>
-              <a:ext uri="{FF2B5EF4-FFF2-40B4-BE49-F238E27FC236}">
-                <a16:creationId xmlns:a16="http://schemas.microsoft.com/office/drawing/2014/main" id="{DAF40478-79A0-394F-E329-D0B973FD6733}"/>
-              </a:ext>
-            </a:extLst>
-          </p:cNvPr>
-          <p:cNvCxnSpPr>
-            <a:cxnSpLocks/>
-            <a:stCxn id="28" idx="2"/>
-            <a:endCxn id="33" idx="0"/>
-          </p:cNvCxnSpPr>
-          <p:nvPr/>
-        </p:nvCxnSpPr>
-        <p:spPr>
-          <a:xfrm>
-            <a:off x="4459914" y="2079069"/>
-            <a:ext cx="0" cy="204649"/>
-          </a:xfrm>
-          <a:prstGeom prst="straightConnector1">
-            <a:avLst/>
-          </a:prstGeom>
-          <a:ln w="12700">
-            <a:solidFill>
-              <a:schemeClr val="tx1"/>
-            </a:solidFill>
-            <a:prstDash val="dash"/>
-            <a:tailEnd type="triangle"/>
-          </a:ln>
-        </p:spPr>
-        <p:style>
-          <a:lnRef idx="1">
-            <a:schemeClr val="accent1"/>
-          </a:lnRef>
-          <a:fillRef idx="0">
-            <a:schemeClr val="accent1"/>
-          </a:fillRef>
-          <a:effectRef idx="0">
-            <a:schemeClr val="accent1"/>
-          </a:effectRef>
-          <a:fontRef idx="minor">
-            <a:schemeClr val="tx1"/>
-          </a:fontRef>
-        </p:style>
-      </p:cxnSp>
+            <a:endParaRPr kumimoji="1" lang="ko-KR" altLang="en-US" sz="900"/>
+          </a:p>
+        </p:txBody>
+      </p:sp>
       <p:sp>
         <p:nvSpPr>
           <p:cNvPr id="48" name="타원 47">
@@ -4856,7 +4390,7 @@
         </p:nvSpPr>
         <p:spPr>
           <a:xfrm>
-            <a:off x="4433430" y="3843352"/>
+            <a:off x="4478012" y="4446158"/>
             <a:ext cx="52966" cy="50196"/>
           </a:xfrm>
           <a:prstGeom prst="ellipse">
@@ -4890,7 +4424,7 @@
           <a:lstStyle/>
           <a:p>
             <a:pPr algn="ctr"/>
-            <a:endParaRPr kumimoji="1" lang="ko-KR" altLang="en-US"/>
+            <a:endParaRPr kumimoji="1" lang="ko-KR" altLang="en-US" sz="900"/>
           </a:p>
         </p:txBody>
       </p:sp>
@@ -4908,7 +4442,7 @@
         </p:nvSpPr>
         <p:spPr>
           <a:xfrm>
-            <a:off x="4433430" y="3945094"/>
+            <a:off x="4478012" y="4547900"/>
             <a:ext cx="52966" cy="50196"/>
           </a:xfrm>
           <a:prstGeom prst="ellipse">
@@ -4942,57 +4476,10 @@
           <a:lstStyle/>
           <a:p>
             <a:pPr algn="ctr"/>
-            <a:endParaRPr kumimoji="1" lang="ko-KR" altLang="en-US"/>
-          </a:p>
-        </p:txBody>
-      </p:sp>
-      <p:cxnSp>
-        <p:nvCxnSpPr>
-          <p:cNvPr id="58" name="직선 화살표 연결선 57">
-            <a:extLst>
-              <a:ext uri="{FF2B5EF4-FFF2-40B4-BE49-F238E27FC236}">
-                <a16:creationId xmlns:a16="http://schemas.microsoft.com/office/drawing/2014/main" id="{95B9C9E6-250B-8A50-B07F-236B603683EC}"/>
-              </a:ext>
-            </a:extLst>
-          </p:cNvPr>
-          <p:cNvCxnSpPr>
-            <a:cxnSpLocks/>
-            <a:stCxn id="20" idx="2"/>
-            <a:endCxn id="57" idx="0"/>
-          </p:cNvCxnSpPr>
-          <p:nvPr/>
-        </p:nvCxnSpPr>
-        <p:spPr>
-          <a:xfrm>
-            <a:off x="6430152" y="2079069"/>
-            <a:ext cx="0" cy="204649"/>
-          </a:xfrm>
-          <a:prstGeom prst="straightConnector1">
-            <a:avLst/>
-          </a:prstGeom>
-          <a:ln w="12700">
-            <a:solidFill>
-              <a:schemeClr val="tx1"/>
-            </a:solidFill>
-            <a:prstDash val="dash"/>
-            <a:tailEnd type="triangle"/>
-          </a:ln>
-        </p:spPr>
-        <p:style>
-          <a:lnRef idx="1">
-            <a:schemeClr val="accent1"/>
-          </a:lnRef>
-          <a:fillRef idx="0">
-            <a:schemeClr val="accent1"/>
-          </a:fillRef>
-          <a:effectRef idx="0">
-            <a:schemeClr val="accent1"/>
-          </a:effectRef>
-          <a:fontRef idx="minor">
-            <a:schemeClr val="tx1"/>
-          </a:fontRef>
-        </p:style>
-      </p:cxnSp>
+            <a:endParaRPr kumimoji="1" lang="ko-KR" altLang="en-US" sz="900"/>
+          </a:p>
+        </p:txBody>
+      </p:sp>
       <p:sp>
         <p:nvSpPr>
           <p:cNvPr id="61" name="모서리가 둥근 직사각형 60">
@@ -5007,7 +4494,7 @@
         </p:nvSpPr>
         <p:spPr>
           <a:xfrm>
-            <a:off x="5860285" y="3219204"/>
+            <a:off x="5773603" y="3822010"/>
             <a:ext cx="1139733" cy="467698"/>
           </a:xfrm>
           <a:prstGeom prst="roundRect">
@@ -5037,7 +4524,7 @@
           <a:p>
             <a:pPr algn="ctr"/>
             <a:r>
-              <a:rPr lang="en-US" altLang="ko-KR" sz="1000" dirty="0"/>
+              <a:rPr lang="en-US" altLang="ko-KR" sz="900" dirty="0"/>
               <a:t>Analysis</a:t>
             </a:r>
           </a:p>
@@ -5057,7 +4544,7 @@
         </p:nvSpPr>
         <p:spPr>
           <a:xfrm>
-            <a:off x="6403668" y="3745751"/>
+            <a:off x="6316986" y="4348557"/>
             <a:ext cx="52966" cy="50196"/>
           </a:xfrm>
           <a:prstGeom prst="ellipse">
@@ -5091,7 +4578,7 @@
           <a:lstStyle/>
           <a:p>
             <a:pPr algn="ctr"/>
-            <a:endParaRPr kumimoji="1" lang="ko-KR" altLang="en-US"/>
+            <a:endParaRPr kumimoji="1" lang="ko-KR" altLang="en-US" sz="900"/>
           </a:p>
         </p:txBody>
       </p:sp>
@@ -5109,7 +4596,7 @@
         </p:nvSpPr>
         <p:spPr>
           <a:xfrm>
-            <a:off x="6403668" y="3843352"/>
+            <a:off x="6316986" y="4446158"/>
             <a:ext cx="52966" cy="50196"/>
           </a:xfrm>
           <a:prstGeom prst="ellipse">
@@ -5143,7 +4630,7 @@
           <a:lstStyle/>
           <a:p>
             <a:pPr algn="ctr"/>
-            <a:endParaRPr kumimoji="1" lang="ko-KR" altLang="en-US"/>
+            <a:endParaRPr kumimoji="1" lang="ko-KR" altLang="en-US" sz="900"/>
           </a:p>
         </p:txBody>
       </p:sp>
@@ -5161,7 +4648,7 @@
         </p:nvSpPr>
         <p:spPr>
           <a:xfrm>
-            <a:off x="6403668" y="3945094"/>
+            <a:off x="6316986" y="4547900"/>
             <a:ext cx="52966" cy="50196"/>
           </a:xfrm>
           <a:prstGeom prst="ellipse">
@@ -5195,57 +4682,10 @@
           <a:lstStyle/>
           <a:p>
             <a:pPr algn="ctr"/>
-            <a:endParaRPr kumimoji="1" lang="ko-KR" altLang="en-US"/>
-          </a:p>
-        </p:txBody>
-      </p:sp>
-      <p:cxnSp>
-        <p:nvCxnSpPr>
-          <p:cNvPr id="65" name="직선 화살표 연결선 64">
-            <a:extLst>
-              <a:ext uri="{FF2B5EF4-FFF2-40B4-BE49-F238E27FC236}">
-                <a16:creationId xmlns:a16="http://schemas.microsoft.com/office/drawing/2014/main" id="{21527E2C-049C-425F-A124-218C9E3D2F87}"/>
-              </a:ext>
-            </a:extLst>
-          </p:cNvPr>
-          <p:cNvCxnSpPr>
-            <a:cxnSpLocks/>
-            <a:stCxn id="28" idx="3"/>
-            <a:endCxn id="20" idx="1"/>
-          </p:cNvCxnSpPr>
-          <p:nvPr/>
-        </p:nvCxnSpPr>
-        <p:spPr>
-          <a:xfrm>
-            <a:off x="5029780" y="1845220"/>
-            <a:ext cx="830505" cy="0"/>
-          </a:xfrm>
-          <a:prstGeom prst="straightConnector1">
-            <a:avLst/>
-          </a:prstGeom>
-          <a:ln w="12700">
-            <a:solidFill>
-              <a:schemeClr val="tx1"/>
-            </a:solidFill>
-            <a:prstDash val="dash"/>
-            <a:tailEnd type="triangle"/>
-          </a:ln>
-        </p:spPr>
-        <p:style>
-          <a:lnRef idx="1">
-            <a:schemeClr val="accent1"/>
-          </a:lnRef>
-          <a:fillRef idx="0">
-            <a:schemeClr val="accent1"/>
-          </a:fillRef>
-          <a:effectRef idx="0">
-            <a:schemeClr val="accent1"/>
-          </a:effectRef>
-          <a:fontRef idx="minor">
-            <a:schemeClr val="tx1"/>
-          </a:fontRef>
-        </p:style>
-      </p:cxnSp>
+            <a:endParaRPr kumimoji="1" lang="ko-KR" altLang="en-US" sz="900"/>
+          </a:p>
+        </p:txBody>
+      </p:sp>
       <p:sp>
         <p:nvSpPr>
           <p:cNvPr id="69" name="모서리가 둥근 직사각형 68">
@@ -5260,8 +4700,8 @@
         </p:nvSpPr>
         <p:spPr>
           <a:xfrm>
-            <a:off x="1907514" y="2283718"/>
-            <a:ext cx="1426855" cy="2339082"/>
+            <a:off x="1952096" y="2886524"/>
+            <a:ext cx="1426855" cy="1779924"/>
           </a:xfrm>
           <a:prstGeom prst="roundRect">
             <a:avLst>
@@ -5292,7 +4732,7 @@
           <a:p>
             <a:pPr algn="ctr"/>
             <a:r>
-              <a:rPr lang="en-US" altLang="ko-KR" sz="1000" b="1" dirty="0"/>
+              <a:rPr lang="en-US" altLang="ko-KR" sz="900" b="1" dirty="0"/>
               <a:t>TrafficRouting</a:t>
             </a:r>
           </a:p>
@@ -5312,7 +4752,7 @@
         </p:nvSpPr>
         <p:spPr>
           <a:xfrm>
-            <a:off x="2051075" y="3222021"/>
+            <a:off x="2095657" y="3824827"/>
             <a:ext cx="1139733" cy="462064"/>
           </a:xfrm>
           <a:prstGeom prst="roundRect">
@@ -5342,22 +4782,8 @@
           <a:p>
             <a:pPr algn="ctr"/>
             <a:r>
-              <a:rPr lang="en-US" altLang="ko-KR" sz="1000"/>
-              <a:t>Istio</a:t>
-            </a:r>
-          </a:p>
-          <a:p>
-            <a:pPr algn="ctr"/>
-            <a:r>
-              <a:rPr lang="en-US" altLang="ko-KR" sz="1000"/>
-              <a:t>VirtualService</a:t>
-            </a:r>
-          </a:p>
-          <a:p>
-            <a:pPr algn="ctr"/>
-            <a:r>
-              <a:rPr lang="en-US" altLang="ko-KR" sz="1000"/>
-              <a:t>DestinationRule</a:t>
+              <a:rPr lang="en-US" altLang="ko-KR" sz="900"/>
+              <a:t>Ingress Nginx</a:t>
             </a:r>
           </a:p>
         </p:txBody>
@@ -5376,7 +4802,7 @@
         </p:nvSpPr>
         <p:spPr>
           <a:xfrm>
-            <a:off x="2051075" y="2628751"/>
+            <a:off x="2095657" y="3231557"/>
             <a:ext cx="1139733" cy="462064"/>
           </a:xfrm>
           <a:prstGeom prst="roundRect">
@@ -5406,25 +4832,32 @@
           <a:p>
             <a:pPr algn="ctr"/>
             <a:r>
-              <a:rPr lang="en-US" altLang="ko-KR" sz="1000"/>
-              <a:t>Kubernetes</a:t>
-            </a:r>
-          </a:p>
-          <a:p>
-            <a:pPr algn="ctr"/>
-            <a:r>
-              <a:rPr lang="en-US" altLang="ko-KR" sz="1000"/>
-              <a:t>Services</a:t>
-            </a:r>
-          </a:p>
-        </p:txBody>
-      </p:sp>
-      <p:sp>
-        <p:nvSpPr>
-          <p:cNvPr id="74" name="모서리가 둥근 직사각형 73">
-            <a:extLst>
-              <a:ext uri="{FF2B5EF4-FFF2-40B4-BE49-F238E27FC236}">
-                <a16:creationId xmlns:a16="http://schemas.microsoft.com/office/drawing/2014/main" id="{88B47288-5CF8-2E82-0225-B559AF4FAC0A}"/>
+              <a:rPr lang="en-US" altLang="ko-KR" sz="900"/>
+              <a:t>Istio</a:t>
+            </a:r>
+          </a:p>
+          <a:p>
+            <a:pPr algn="ctr"/>
+            <a:r>
+              <a:rPr lang="en-US" altLang="ko-KR" sz="900"/>
+              <a:t>VirtualService</a:t>
+            </a:r>
+          </a:p>
+          <a:p>
+            <a:pPr algn="ctr"/>
+            <a:r>
+              <a:rPr lang="en-US" altLang="ko-KR" sz="900"/>
+              <a:t>DestinationRule</a:t>
+            </a:r>
+          </a:p>
+        </p:txBody>
+      </p:sp>
+      <p:sp>
+        <p:nvSpPr>
+          <p:cNvPr id="75" name="타원 74">
+            <a:extLst>
+              <a:ext uri="{FF2B5EF4-FFF2-40B4-BE49-F238E27FC236}">
+                <a16:creationId xmlns:a16="http://schemas.microsoft.com/office/drawing/2014/main" id="{871D3B9D-9BAC-45B7-C3F6-EC7DAE138705}"/>
               </a:ext>
             </a:extLst>
           </p:cNvPr>
@@ -5433,57 +4866,7 @@
         </p:nvSpPr>
         <p:spPr>
           <a:xfrm>
-            <a:off x="2051075" y="3815291"/>
-            <a:ext cx="1139733" cy="462064"/>
-          </a:xfrm>
-          <a:prstGeom prst="roundRect">
-            <a:avLst>
-              <a:gd name="adj" fmla="val 18479"/>
-            </a:avLst>
-          </a:prstGeom>
-          <a:ln w="12700"/>
-        </p:spPr>
-        <p:style>
-          <a:lnRef idx="2">
-            <a:schemeClr val="dk1"/>
-          </a:lnRef>
-          <a:fillRef idx="1">
-            <a:schemeClr val="lt1"/>
-          </a:fillRef>
-          <a:effectRef idx="0">
-            <a:schemeClr val="dk1"/>
-          </a:effectRef>
-          <a:fontRef idx="minor">
-            <a:schemeClr val="dk1"/>
-          </a:fontRef>
-        </p:style>
-        <p:txBody>
-          <a:bodyPr rtlCol="0" anchor="ctr"/>
-          <a:lstStyle/>
-          <a:p>
-            <a:pPr algn="ctr"/>
-            <a:r>
-              <a:rPr lang="en-US" altLang="ko-KR" sz="1000"/>
-              <a:t>Ingress Nginx</a:t>
-            </a:r>
-          </a:p>
-        </p:txBody>
-      </p:sp>
-      <p:sp>
-        <p:nvSpPr>
-          <p:cNvPr id="75" name="타원 74">
-            <a:extLst>
-              <a:ext uri="{FF2B5EF4-FFF2-40B4-BE49-F238E27FC236}">
-                <a16:creationId xmlns:a16="http://schemas.microsoft.com/office/drawing/2014/main" id="{871D3B9D-9BAC-45B7-C3F6-EC7DAE138705}"/>
-              </a:ext>
-            </a:extLst>
-          </p:cNvPr>
-          <p:cNvSpPr/>
-          <p:nvPr/>
-        </p:nvSpPr>
-        <p:spPr>
-          <a:xfrm>
-            <a:off x="2601310" y="4338435"/>
+            <a:off x="2645892" y="4348557"/>
             <a:ext cx="52966" cy="50196"/>
           </a:xfrm>
           <a:prstGeom prst="ellipse">
@@ -5517,7 +4900,7 @@
           <a:lstStyle/>
           <a:p>
             <a:pPr algn="ctr"/>
-            <a:endParaRPr kumimoji="1" lang="ko-KR" altLang="en-US"/>
+            <a:endParaRPr kumimoji="1" lang="ko-KR" altLang="en-US" sz="900"/>
           </a:p>
         </p:txBody>
       </p:sp>
@@ -5535,7 +4918,7 @@
         </p:nvSpPr>
         <p:spPr>
           <a:xfrm>
-            <a:off x="2601310" y="4436036"/>
+            <a:off x="2645892" y="4446158"/>
             <a:ext cx="52966" cy="50196"/>
           </a:xfrm>
           <a:prstGeom prst="ellipse">
@@ -5569,7 +4952,7 @@
           <a:lstStyle/>
           <a:p>
             <a:pPr algn="ctr"/>
-            <a:endParaRPr kumimoji="1" lang="ko-KR" altLang="en-US"/>
+            <a:endParaRPr kumimoji="1" lang="ko-KR" altLang="en-US" sz="900"/>
           </a:p>
         </p:txBody>
       </p:sp>
@@ -5587,7 +4970,7 @@
         </p:nvSpPr>
         <p:spPr>
           <a:xfrm>
-            <a:off x="2601310" y="4537778"/>
+            <a:off x="2645892" y="4547900"/>
             <a:ext cx="52966" cy="50196"/>
           </a:xfrm>
           <a:prstGeom prst="ellipse">
@@ -5621,30 +5004,85 @@
           <a:lstStyle/>
           <a:p>
             <a:pPr algn="ctr"/>
-            <a:endParaRPr kumimoji="1" lang="ko-KR" altLang="en-US"/>
+            <a:endParaRPr kumimoji="1" lang="ko-KR" altLang="en-US" sz="900"/>
+          </a:p>
+        </p:txBody>
+      </p:sp>
+      <p:sp>
+        <p:nvSpPr>
+          <p:cNvPr id="95" name="모서리가 둥근 직사각형 94">
+            <a:extLst>
+              <a:ext uri="{FF2B5EF4-FFF2-40B4-BE49-F238E27FC236}">
+                <a16:creationId xmlns:a16="http://schemas.microsoft.com/office/drawing/2014/main" id="{E07D839B-0E90-CBF6-4C1E-3FEA683A516F}"/>
+              </a:ext>
+            </a:extLst>
+          </p:cNvPr>
+          <p:cNvSpPr/>
+          <p:nvPr/>
+        </p:nvSpPr>
+        <p:spPr>
+          <a:xfrm>
+            <a:off x="400228" y="3822010"/>
+            <a:ext cx="1139733" cy="467698"/>
+          </a:xfrm>
+          <a:prstGeom prst="roundRect">
+            <a:avLst>
+              <a:gd name="adj" fmla="val 18479"/>
+            </a:avLst>
+          </a:prstGeom>
+          <a:solidFill>
+            <a:schemeClr val="bg1">
+              <a:lumMod val="95000"/>
+            </a:schemeClr>
+          </a:solidFill>
+          <a:ln w="12700"/>
+        </p:spPr>
+        <p:style>
+          <a:lnRef idx="2">
+            <a:schemeClr val="dk1"/>
+          </a:lnRef>
+          <a:fillRef idx="1">
+            <a:schemeClr val="lt1"/>
+          </a:fillRef>
+          <a:effectRef idx="0">
+            <a:schemeClr val="dk1"/>
+          </a:effectRef>
+          <a:fontRef idx="minor">
+            <a:schemeClr val="dk1"/>
+          </a:fontRef>
+        </p:style>
+        <p:txBody>
+          <a:bodyPr rtlCol="0" anchor="ctr"/>
+          <a:lstStyle/>
+          <a:p>
+            <a:pPr algn="ctr"/>
+            <a:r>
+              <a:rPr lang="en-US" altLang="ko-KR" sz="900" dirty="0"/>
+              <a:t>Client</a:t>
+            </a:r>
           </a:p>
         </p:txBody>
       </p:sp>
       <p:cxnSp>
         <p:nvCxnSpPr>
-          <p:cNvPr id="78" name="직선 화살표 연결선 77">
-            <a:extLst>
-              <a:ext uri="{FF2B5EF4-FFF2-40B4-BE49-F238E27FC236}">
-                <a16:creationId xmlns:a16="http://schemas.microsoft.com/office/drawing/2014/main" id="{B5B240EE-2957-728E-0407-8E45FB28CBB4}"/>
+          <p:cNvPr id="96" name="직선 화살표 연결선 95">
+            <a:extLst>
+              <a:ext uri="{FF2B5EF4-FFF2-40B4-BE49-F238E27FC236}">
+                <a16:creationId xmlns:a16="http://schemas.microsoft.com/office/drawing/2014/main" id="{0A122F52-7CC3-EB4B-0195-CF1F3C180CDA}"/>
               </a:ext>
             </a:extLst>
           </p:cNvPr>
           <p:cNvCxnSpPr>
             <a:cxnSpLocks/>
             <a:stCxn id="69" idx="3"/>
-            <a:endCxn id="18" idx="1"/>
+            <a:endCxn id="33" idx="1"/>
           </p:cNvCxnSpPr>
           <p:nvPr/>
         </p:nvCxnSpPr>
         <p:spPr>
-          <a:xfrm flipV="1">
-            <a:off x="3334369" y="2865417"/>
-            <a:ext cx="557210" cy="587842"/>
+          <a:xfrm>
+            <a:off x="3378951" y="3776486"/>
+            <a:ext cx="412117" cy="0"/>
           </a:xfrm>
           <a:prstGeom prst="straightConnector1">
             <a:avLst/>
@@ -5674,31 +5112,31 @@
       </p:cxnSp>
       <p:cxnSp>
         <p:nvCxnSpPr>
-          <p:cNvPr id="81" name="직선 화살표 연결선 80">
-            <a:extLst>
-              <a:ext uri="{FF2B5EF4-FFF2-40B4-BE49-F238E27FC236}">
-                <a16:creationId xmlns:a16="http://schemas.microsoft.com/office/drawing/2014/main" id="{80DB6FAA-BB8F-8C8B-847E-E5E9DA130221}"/>
+          <p:cNvPr id="99" name="직선 화살표 연결선 98">
+            <a:extLst>
+              <a:ext uri="{FF2B5EF4-FFF2-40B4-BE49-F238E27FC236}">
+                <a16:creationId xmlns:a16="http://schemas.microsoft.com/office/drawing/2014/main" id="{5EB07871-56F5-ABBA-EEAF-7FC1DE6EE1F4}"/>
               </a:ext>
             </a:extLst>
           </p:cNvPr>
           <p:cNvCxnSpPr>
             <a:cxnSpLocks/>
-            <a:stCxn id="69" idx="3"/>
-            <a:endCxn id="31" idx="1"/>
+            <a:stCxn id="25" idx="2"/>
+            <a:endCxn id="69" idx="0"/>
           </p:cNvCxnSpPr>
           <p:nvPr/>
         </p:nvCxnSpPr>
         <p:spPr>
-          <a:xfrm flipV="1">
-            <a:off x="3334369" y="3453053"/>
-            <a:ext cx="555678" cy="206"/>
+          <a:xfrm>
+            <a:off x="2665524" y="1642662"/>
+            <a:ext cx="0" cy="1243862"/>
           </a:xfrm>
           <a:prstGeom prst="straightConnector1">
             <a:avLst/>
           </a:prstGeom>
           <a:ln w="12700">
             <a:solidFill>
-              <a:schemeClr val="tx2"/>
+              <a:srgbClr val="C00000"/>
             </a:solidFill>
             <a:prstDash val="solid"/>
             <a:tailEnd type="triangle"/>
@@ -5721,31 +5159,31 @@
       </p:cxnSp>
       <p:cxnSp>
         <p:nvCxnSpPr>
-          <p:cNvPr id="87" name="직선 화살표 연결선 86">
-            <a:extLst>
-              <a:ext uri="{FF2B5EF4-FFF2-40B4-BE49-F238E27FC236}">
-                <a16:creationId xmlns:a16="http://schemas.microsoft.com/office/drawing/2014/main" id="{65855C7F-A3D0-B3B9-A470-900993490F66}"/>
+          <p:cNvPr id="103" name="직선 화살표 연결선 102">
+            <a:extLst>
+              <a:ext uri="{FF2B5EF4-FFF2-40B4-BE49-F238E27FC236}">
+                <a16:creationId xmlns:a16="http://schemas.microsoft.com/office/drawing/2014/main" id="{06F19AA2-37C5-AFC5-092C-C159873BCD7F}"/>
               </a:ext>
             </a:extLst>
           </p:cNvPr>
           <p:cNvCxnSpPr>
             <a:cxnSpLocks/>
-            <a:stCxn id="22" idx="3"/>
-            <a:endCxn id="23" idx="1"/>
+            <a:stCxn id="24" idx="1"/>
+            <a:endCxn id="25" idx="3"/>
           </p:cNvCxnSpPr>
           <p:nvPr/>
         </p:nvCxnSpPr>
         <p:spPr>
-          <a:xfrm>
-            <a:off x="7000018" y="2859783"/>
-            <a:ext cx="452311" cy="270206"/>
+          <a:xfrm flipH="1">
+            <a:off x="3235390" y="1403771"/>
+            <a:ext cx="699237" cy="5042"/>
           </a:xfrm>
           <a:prstGeom prst="straightConnector1">
             <a:avLst/>
           </a:prstGeom>
           <a:ln w="12700">
             <a:solidFill>
-              <a:schemeClr val="tx1"/>
+              <a:srgbClr val="C00000"/>
             </a:solidFill>
             <a:prstDash val="solid"/>
             <a:tailEnd type="triangle"/>
@@ -5768,31 +5206,31 @@
       </p:cxnSp>
       <p:cxnSp>
         <p:nvCxnSpPr>
-          <p:cNvPr id="90" name="직선 화살표 연결선 89">
-            <a:extLst>
-              <a:ext uri="{FF2B5EF4-FFF2-40B4-BE49-F238E27FC236}">
-                <a16:creationId xmlns:a16="http://schemas.microsoft.com/office/drawing/2014/main" id="{07B89F9A-A0CF-9A9F-DAD2-C904FF048392}"/>
+          <p:cNvPr id="107" name="직선 화살표 연결선 106">
+            <a:extLst>
+              <a:ext uri="{FF2B5EF4-FFF2-40B4-BE49-F238E27FC236}">
+                <a16:creationId xmlns:a16="http://schemas.microsoft.com/office/drawing/2014/main" id="{0B7BF6D0-9B50-C201-72F4-942DB9FDDF40}"/>
               </a:ext>
             </a:extLst>
           </p:cNvPr>
           <p:cNvCxnSpPr>
             <a:cxnSpLocks/>
-            <a:stCxn id="61" idx="3"/>
-            <a:endCxn id="23" idx="1"/>
+            <a:stCxn id="24" idx="2"/>
+            <a:endCxn id="33" idx="0"/>
           </p:cNvCxnSpPr>
           <p:nvPr/>
         </p:nvCxnSpPr>
         <p:spPr>
-          <a:xfrm flipV="1">
-            <a:off x="7000018" y="3129989"/>
-            <a:ext cx="452311" cy="323064"/>
+          <a:xfrm>
+            <a:off x="4504494" y="1637620"/>
+            <a:ext cx="2" cy="1248904"/>
           </a:xfrm>
           <a:prstGeom prst="straightConnector1">
             <a:avLst/>
           </a:prstGeom>
           <a:ln w="12700">
             <a:solidFill>
-              <a:schemeClr val="tx1"/>
+              <a:srgbClr val="C00000"/>
             </a:solidFill>
             <a:prstDash val="solid"/>
             <a:tailEnd type="triangle"/>
@@ -5813,62 +5251,12 @@
           </a:fontRef>
         </p:style>
       </p:cxnSp>
-      <p:sp>
-        <p:nvSpPr>
-          <p:cNvPr id="95" name="모서리가 둥근 직사각형 94">
-            <a:extLst>
-              <a:ext uri="{FF2B5EF4-FFF2-40B4-BE49-F238E27FC236}">
-                <a16:creationId xmlns:a16="http://schemas.microsoft.com/office/drawing/2014/main" id="{E07D839B-0E90-CBF6-4C1E-3FEA683A516F}"/>
-              </a:ext>
-            </a:extLst>
-          </p:cNvPr>
-          <p:cNvSpPr/>
-          <p:nvPr/>
-        </p:nvSpPr>
-        <p:spPr>
-          <a:xfrm>
-            <a:off x="430895" y="3219204"/>
-            <a:ext cx="1080120" cy="467698"/>
-          </a:xfrm>
-          <a:prstGeom prst="roundRect">
-            <a:avLst>
-              <a:gd name="adj" fmla="val 18479"/>
-            </a:avLst>
-          </a:prstGeom>
-          <a:ln w="12700"/>
-        </p:spPr>
-        <p:style>
-          <a:lnRef idx="2">
-            <a:schemeClr val="dk1"/>
-          </a:lnRef>
-          <a:fillRef idx="1">
-            <a:schemeClr val="lt1"/>
-          </a:fillRef>
-          <a:effectRef idx="0">
-            <a:schemeClr val="dk1"/>
-          </a:effectRef>
-          <a:fontRef idx="minor">
-            <a:schemeClr val="dk1"/>
-          </a:fontRef>
-        </p:style>
-        <p:txBody>
-          <a:bodyPr rtlCol="0" anchor="ctr"/>
-          <a:lstStyle/>
-          <a:p>
-            <a:pPr algn="ctr"/>
-            <a:r>
-              <a:rPr lang="en-US" altLang="ko-KR" sz="1000" dirty="0"/>
-              <a:t>Client</a:t>
-            </a:r>
-          </a:p>
-        </p:txBody>
-      </p:sp>
       <p:cxnSp>
         <p:nvCxnSpPr>
-          <p:cNvPr id="96" name="직선 화살표 연결선 95">
-            <a:extLst>
-              <a:ext uri="{FF2B5EF4-FFF2-40B4-BE49-F238E27FC236}">
-                <a16:creationId xmlns:a16="http://schemas.microsoft.com/office/drawing/2014/main" id="{0A122F52-7CC3-EB4B-0195-CF1F3C180CDA}"/>
+          <p:cNvPr id="137" name="꺾인 연결선[E] 136">
+            <a:extLst>
+              <a:ext uri="{FF2B5EF4-FFF2-40B4-BE49-F238E27FC236}">
+                <a16:creationId xmlns:a16="http://schemas.microsoft.com/office/drawing/2014/main" id="{4D2DD216-C001-CA68-A634-081E7C7D6E96}"/>
               </a:ext>
             </a:extLst>
           </p:cNvPr>
@@ -5880,17 +5268,255 @@
           <p:nvPr/>
         </p:nvCxnSpPr>
         <p:spPr>
-          <a:xfrm>
-            <a:off x="1511015" y="3453053"/>
-            <a:ext cx="396499" cy="206"/>
-          </a:xfrm>
-          <a:prstGeom prst="straightConnector1">
+          <a:xfrm flipV="1">
+            <a:off x="1539961" y="3776486"/>
+            <a:ext cx="412135" cy="279373"/>
+          </a:xfrm>
+          <a:prstGeom prst="bentConnector3">
             <a:avLst/>
           </a:prstGeom>
           <a:ln w="12700">
             <a:solidFill>
               <a:schemeClr val="tx2"/>
             </a:solidFill>
+            <a:tailEnd type="triangle"/>
+          </a:ln>
+        </p:spPr>
+        <p:style>
+          <a:lnRef idx="1">
+            <a:schemeClr val="accent1"/>
+          </a:lnRef>
+          <a:fillRef idx="0">
+            <a:schemeClr val="accent1"/>
+          </a:fillRef>
+          <a:effectRef idx="0">
+            <a:schemeClr val="accent1"/>
+          </a:effectRef>
+          <a:fontRef idx="minor">
+            <a:schemeClr val="tx1"/>
+          </a:fontRef>
+        </p:style>
+      </p:cxnSp>
+      <p:cxnSp>
+        <p:nvCxnSpPr>
+          <p:cNvPr id="140" name="꺾인 연결선[E] 139">
+            <a:extLst>
+              <a:ext uri="{FF2B5EF4-FFF2-40B4-BE49-F238E27FC236}">
+                <a16:creationId xmlns:a16="http://schemas.microsoft.com/office/drawing/2014/main" id="{1A18118B-1279-F65C-A74A-A78E498A9EC0}"/>
+              </a:ext>
+            </a:extLst>
+          </p:cNvPr>
+          <p:cNvCxnSpPr>
+            <a:cxnSpLocks/>
+            <a:stCxn id="24" idx="2"/>
+            <a:endCxn id="57" idx="0"/>
+          </p:cNvCxnSpPr>
+          <p:nvPr/>
+        </p:nvCxnSpPr>
+        <p:spPr>
+          <a:xfrm rot="16200000" flipH="1">
+            <a:off x="4799530" y="1342584"/>
+            <a:ext cx="1248904" cy="1838976"/>
+          </a:xfrm>
+          <a:prstGeom prst="bentConnector3">
+            <a:avLst>
+              <a:gd name="adj1" fmla="val 22509"/>
+            </a:avLst>
+          </a:prstGeom>
+          <a:ln w="12700">
+            <a:solidFill>
+              <a:srgbClr val="C00000"/>
+            </a:solidFill>
+            <a:tailEnd type="triangle"/>
+          </a:ln>
+        </p:spPr>
+        <p:style>
+          <a:lnRef idx="1">
+            <a:schemeClr val="accent1"/>
+          </a:lnRef>
+          <a:fillRef idx="0">
+            <a:schemeClr val="accent1"/>
+          </a:fillRef>
+          <a:effectRef idx="0">
+            <a:schemeClr val="accent1"/>
+          </a:effectRef>
+          <a:fontRef idx="minor">
+            <a:schemeClr val="tx1"/>
+          </a:fontRef>
+        </p:style>
+      </p:cxnSp>
+      <p:sp>
+        <p:nvSpPr>
+          <p:cNvPr id="172" name="모서리가 둥근 직사각형 171">
+            <a:extLst>
+              <a:ext uri="{FF2B5EF4-FFF2-40B4-BE49-F238E27FC236}">
+                <a16:creationId xmlns:a16="http://schemas.microsoft.com/office/drawing/2014/main" id="{A3D41D0E-DD2B-7ACB-F06F-DD6B666C038D}"/>
+              </a:ext>
+            </a:extLst>
+          </p:cNvPr>
+          <p:cNvSpPr/>
+          <p:nvPr/>
+        </p:nvSpPr>
+        <p:spPr>
+          <a:xfrm>
+            <a:off x="5630040" y="3448577"/>
+            <a:ext cx="675934" cy="467698"/>
+          </a:xfrm>
+          <a:prstGeom prst="roundRect">
+            <a:avLst>
+              <a:gd name="adj" fmla="val 18479"/>
+            </a:avLst>
+          </a:prstGeom>
+          <a:noFill/>
+          <a:ln w="12700">
+            <a:noFill/>
+          </a:ln>
+        </p:spPr>
+        <p:style>
+          <a:lnRef idx="2">
+            <a:schemeClr val="dk1"/>
+          </a:lnRef>
+          <a:fillRef idx="1">
+            <a:schemeClr val="lt1"/>
+          </a:fillRef>
+          <a:effectRef idx="0">
+            <a:schemeClr val="dk1"/>
+          </a:effectRef>
+          <a:fontRef idx="minor">
+            <a:schemeClr val="dk1"/>
+          </a:fontRef>
+        </p:style>
+        <p:txBody>
+          <a:bodyPr rtlCol="0" anchor="ctr"/>
+          <a:lstStyle/>
+          <a:p>
+            <a:pPr algn="ctr"/>
+            <a:endParaRPr lang="en-US" altLang="ko-KR" sz="900" dirty="0"/>
+          </a:p>
+        </p:txBody>
+      </p:sp>
+      <p:cxnSp>
+        <p:nvCxnSpPr>
+          <p:cNvPr id="190" name="꺾인 연결선[E] 189">
+            <a:extLst>
+              <a:ext uri="{FF2B5EF4-FFF2-40B4-BE49-F238E27FC236}">
+                <a16:creationId xmlns:a16="http://schemas.microsoft.com/office/drawing/2014/main" id="{776BF57E-DB37-6F5B-EB0B-1261B0491EEA}"/>
+              </a:ext>
+            </a:extLst>
+          </p:cNvPr>
+          <p:cNvCxnSpPr>
+            <a:cxnSpLocks/>
+            <a:stCxn id="24" idx="2"/>
+            <a:endCxn id="28" idx="0"/>
+          </p:cNvCxnSpPr>
+          <p:nvPr/>
+        </p:nvCxnSpPr>
+        <p:spPr>
+          <a:xfrm rot="5400000">
+            <a:off x="3824740" y="1416006"/>
+            <a:ext cx="458140" cy="901369"/>
+          </a:xfrm>
+          <a:prstGeom prst="bentConnector3">
+            <a:avLst>
+              <a:gd name="adj1" fmla="val 61088"/>
+            </a:avLst>
+          </a:prstGeom>
+          <a:ln w="12700">
+            <a:solidFill>
+              <a:srgbClr val="C00000"/>
+            </a:solidFill>
+            <a:tailEnd type="triangle"/>
+          </a:ln>
+        </p:spPr>
+        <p:style>
+          <a:lnRef idx="1">
+            <a:schemeClr val="accent1"/>
+          </a:lnRef>
+          <a:fillRef idx="0">
+            <a:schemeClr val="accent1"/>
+          </a:fillRef>
+          <a:effectRef idx="0">
+            <a:schemeClr val="accent1"/>
+          </a:effectRef>
+          <a:fontRef idx="minor">
+            <a:schemeClr val="tx1"/>
+          </a:fontRef>
+        </p:style>
+      </p:cxnSp>
+      <p:cxnSp>
+        <p:nvCxnSpPr>
+          <p:cNvPr id="213" name="꺾인 연결선[E] 212">
+            <a:extLst>
+              <a:ext uri="{FF2B5EF4-FFF2-40B4-BE49-F238E27FC236}">
+                <a16:creationId xmlns:a16="http://schemas.microsoft.com/office/drawing/2014/main" id="{D6135AA6-458E-B542-6A01-B76682F97AAD}"/>
+              </a:ext>
+            </a:extLst>
+          </p:cNvPr>
+          <p:cNvCxnSpPr>
+            <a:cxnSpLocks/>
+            <a:stCxn id="24" idx="2"/>
+            <a:endCxn id="20" idx="0"/>
+          </p:cNvCxnSpPr>
+          <p:nvPr/>
+        </p:nvCxnSpPr>
+        <p:spPr>
+          <a:xfrm rot="16200000" flipH="1">
+            <a:off x="4744225" y="1397888"/>
+            <a:ext cx="458140" cy="937603"/>
+          </a:xfrm>
+          <a:prstGeom prst="bentConnector3">
+            <a:avLst>
+              <a:gd name="adj1" fmla="val 61088"/>
+            </a:avLst>
+          </a:prstGeom>
+          <a:ln w="12700">
+            <a:solidFill>
+              <a:srgbClr val="C00000"/>
+            </a:solidFill>
+            <a:tailEnd type="triangle"/>
+          </a:ln>
+        </p:spPr>
+        <p:style>
+          <a:lnRef idx="1">
+            <a:schemeClr val="accent1"/>
+          </a:lnRef>
+          <a:fillRef idx="0">
+            <a:schemeClr val="accent1"/>
+          </a:fillRef>
+          <a:effectRef idx="0">
+            <a:schemeClr val="accent1"/>
+          </a:effectRef>
+          <a:fontRef idx="minor">
+            <a:schemeClr val="tx1"/>
+          </a:fontRef>
+        </p:style>
+      </p:cxnSp>
+      <p:cxnSp>
+        <p:nvCxnSpPr>
+          <p:cNvPr id="218" name="직선 화살표 연결선 217">
+            <a:extLst>
+              <a:ext uri="{FF2B5EF4-FFF2-40B4-BE49-F238E27FC236}">
+                <a16:creationId xmlns:a16="http://schemas.microsoft.com/office/drawing/2014/main" id="{AFDC5BD4-A1D3-5B3A-70C2-10F9F4544271}"/>
+              </a:ext>
+            </a:extLst>
+          </p:cNvPr>
+          <p:cNvCxnSpPr>
+            <a:cxnSpLocks/>
+          </p:cNvCxnSpPr>
+          <p:nvPr/>
+        </p:nvCxnSpPr>
+        <p:spPr>
+          <a:xfrm>
+            <a:off x="6465420" y="1637620"/>
+            <a:ext cx="5" cy="1248904"/>
+          </a:xfrm>
+          <a:prstGeom prst="straightConnector1">
+            <a:avLst/>
+          </a:prstGeom>
+          <a:ln w="12700">
+            <a:solidFill>
+              <a:schemeClr val="accent3"/>
+            </a:solidFill>
             <a:prstDash val="solid"/>
             <a:tailEnd type="triangle"/>
           </a:ln>
@@ -5910,35 +5536,91 @@
           </a:fontRef>
         </p:style>
       </p:cxnSp>
+      <p:sp>
+        <p:nvSpPr>
+          <p:cNvPr id="232" name="모서리가 둥근 직사각형 231">
+            <a:extLst>
+              <a:ext uri="{FF2B5EF4-FFF2-40B4-BE49-F238E27FC236}">
+                <a16:creationId xmlns:a16="http://schemas.microsoft.com/office/drawing/2014/main" id="{9F756680-FD86-0AE3-AD8E-06D684FC0E4F}"/>
+              </a:ext>
+            </a:extLst>
+          </p:cNvPr>
+          <p:cNvSpPr/>
+          <p:nvPr/>
+        </p:nvSpPr>
+        <p:spPr>
+          <a:xfrm>
+            <a:off x="400228" y="2886524"/>
+            <a:ext cx="1139733" cy="467698"/>
+          </a:xfrm>
+          <a:prstGeom prst="roundRect">
+            <a:avLst>
+              <a:gd name="adj" fmla="val 18479"/>
+            </a:avLst>
+          </a:prstGeom>
+          <a:solidFill>
+            <a:schemeClr val="bg1">
+              <a:lumMod val="95000"/>
+            </a:schemeClr>
+          </a:solidFill>
+          <a:ln w="12700"/>
+        </p:spPr>
+        <p:style>
+          <a:lnRef idx="2">
+            <a:schemeClr val="dk1"/>
+          </a:lnRef>
+          <a:fillRef idx="1">
+            <a:schemeClr val="lt1"/>
+          </a:fillRef>
+          <a:effectRef idx="0">
+            <a:schemeClr val="dk1"/>
+          </a:effectRef>
+          <a:fontRef idx="minor">
+            <a:schemeClr val="dk1"/>
+          </a:fontRef>
+        </p:style>
+        <p:txBody>
+          <a:bodyPr rtlCol="0" anchor="ctr"/>
+          <a:lstStyle/>
+          <a:p>
+            <a:pPr algn="ctr"/>
+            <a:r>
+              <a:rPr lang="en-US" altLang="ko-KR" sz="900" dirty="0"/>
+              <a:t>User</a:t>
+            </a:r>
+          </a:p>
+        </p:txBody>
+      </p:sp>
       <p:cxnSp>
         <p:nvCxnSpPr>
-          <p:cNvPr id="99" name="직선 화살표 연결선 98">
-            <a:extLst>
-              <a:ext uri="{FF2B5EF4-FFF2-40B4-BE49-F238E27FC236}">
-                <a16:creationId xmlns:a16="http://schemas.microsoft.com/office/drawing/2014/main" id="{5EB07871-56F5-ABBA-EEAF-7FC1DE6EE1F4}"/>
+          <p:cNvPr id="234" name="꺾인 연결선[E] 233">
+            <a:extLst>
+              <a:ext uri="{FF2B5EF4-FFF2-40B4-BE49-F238E27FC236}">
+                <a16:creationId xmlns:a16="http://schemas.microsoft.com/office/drawing/2014/main" id="{2997F2EC-6529-A001-5D63-788550853661}"/>
               </a:ext>
             </a:extLst>
           </p:cNvPr>
           <p:cNvCxnSpPr>
             <a:cxnSpLocks/>
-            <a:stCxn id="28" idx="1"/>
-            <a:endCxn id="69" idx="0"/>
+            <a:stCxn id="232" idx="0"/>
+            <a:endCxn id="28" idx="2"/>
           </p:cNvCxnSpPr>
           <p:nvPr/>
         </p:nvCxnSpPr>
         <p:spPr>
-          <a:xfrm flipH="1">
-            <a:off x="2620942" y="1845220"/>
-            <a:ext cx="1269105" cy="438498"/>
-          </a:xfrm>
-          <a:prstGeom prst="straightConnector1">
-            <a:avLst/>
+          <a:xfrm rot="5400000" flipH="1" flipV="1">
+            <a:off x="2125077" y="1408476"/>
+            <a:ext cx="323066" cy="2633030"/>
+          </a:xfrm>
+          <a:prstGeom prst="bentConnector3">
+            <a:avLst>
+              <a:gd name="adj1" fmla="val 50000"/>
+            </a:avLst>
           </a:prstGeom>
           <a:ln w="12700">
             <a:solidFill>
-              <a:schemeClr val="tx1"/>
+              <a:schemeClr val="accent6"/>
             </a:solidFill>
-            <a:prstDash val="dash"/>
             <a:tailEnd type="triangle"/>
           </a:ln>
         </p:spPr>
@@ -5957,6 +5639,1278 @@
           </a:fontRef>
         </p:style>
       </p:cxnSp>
+      <p:cxnSp>
+        <p:nvCxnSpPr>
+          <p:cNvPr id="237" name="꺾인 연결선[E] 236">
+            <a:extLst>
+              <a:ext uri="{FF2B5EF4-FFF2-40B4-BE49-F238E27FC236}">
+                <a16:creationId xmlns:a16="http://schemas.microsoft.com/office/drawing/2014/main" id="{135DFB1A-FF7C-1C6C-5B10-303EE297D968}"/>
+              </a:ext>
+            </a:extLst>
+          </p:cNvPr>
+          <p:cNvCxnSpPr>
+            <a:cxnSpLocks/>
+            <a:stCxn id="232" idx="0"/>
+            <a:endCxn id="20" idx="2"/>
+          </p:cNvCxnSpPr>
+          <p:nvPr/>
+        </p:nvCxnSpPr>
+        <p:spPr>
+          <a:xfrm rot="5400000" flipH="1" flipV="1">
+            <a:off x="3044563" y="488990"/>
+            <a:ext cx="323066" cy="4472002"/>
+          </a:xfrm>
+          <a:prstGeom prst="bentConnector3">
+            <a:avLst>
+              <a:gd name="adj1" fmla="val 50000"/>
+            </a:avLst>
+          </a:prstGeom>
+          <a:ln w="12700">
+            <a:solidFill>
+              <a:schemeClr val="accent6"/>
+            </a:solidFill>
+            <a:tailEnd type="triangle"/>
+          </a:ln>
+        </p:spPr>
+        <p:style>
+          <a:lnRef idx="1">
+            <a:schemeClr val="accent1"/>
+          </a:lnRef>
+          <a:fillRef idx="0">
+            <a:schemeClr val="accent1"/>
+          </a:fillRef>
+          <a:effectRef idx="0">
+            <a:schemeClr val="accent1"/>
+          </a:effectRef>
+          <a:fontRef idx="minor">
+            <a:schemeClr val="tx1"/>
+          </a:fontRef>
+        </p:style>
+      </p:cxnSp>
+      <p:cxnSp>
+        <p:nvCxnSpPr>
+          <p:cNvPr id="244" name="꺾인 연결선[E] 243">
+            <a:extLst>
+              <a:ext uri="{FF2B5EF4-FFF2-40B4-BE49-F238E27FC236}">
+                <a16:creationId xmlns:a16="http://schemas.microsoft.com/office/drawing/2014/main" id="{E56E4B13-C5A6-3DBE-4A97-56365919908F}"/>
+              </a:ext>
+            </a:extLst>
+          </p:cNvPr>
+          <p:cNvCxnSpPr>
+            <a:cxnSpLocks/>
+            <a:stCxn id="27" idx="3"/>
+            <a:endCxn id="23" idx="1"/>
+          </p:cNvCxnSpPr>
+          <p:nvPr/>
+        </p:nvCxnSpPr>
+        <p:spPr>
+          <a:xfrm>
+            <a:off x="6913331" y="1403771"/>
+            <a:ext cx="695856" cy="925838"/>
+          </a:xfrm>
+          <a:prstGeom prst="bentConnector3">
+            <a:avLst>
+              <a:gd name="adj1" fmla="val 50000"/>
+            </a:avLst>
+          </a:prstGeom>
+          <a:ln w="12700">
+            <a:solidFill>
+              <a:schemeClr val="accent3"/>
+            </a:solidFill>
+            <a:tailEnd type="triangle"/>
+          </a:ln>
+        </p:spPr>
+        <p:style>
+          <a:lnRef idx="1">
+            <a:schemeClr val="accent1"/>
+          </a:lnRef>
+          <a:fillRef idx="0">
+            <a:schemeClr val="accent1"/>
+          </a:fillRef>
+          <a:effectRef idx="0">
+            <a:schemeClr val="accent1"/>
+          </a:effectRef>
+          <a:fontRef idx="minor">
+            <a:schemeClr val="tx1"/>
+          </a:fontRef>
+        </p:style>
+      </p:cxnSp>
+      <p:sp>
+        <p:nvSpPr>
+          <p:cNvPr id="273" name="모서리가 둥근 직사각형 272">
+            <a:extLst>
+              <a:ext uri="{FF2B5EF4-FFF2-40B4-BE49-F238E27FC236}">
+                <a16:creationId xmlns:a16="http://schemas.microsoft.com/office/drawing/2014/main" id="{BF3D1F65-EF42-E96F-EDAA-0EDC5D41145A}"/>
+              </a:ext>
+            </a:extLst>
+          </p:cNvPr>
+          <p:cNvSpPr/>
+          <p:nvPr/>
+        </p:nvSpPr>
+        <p:spPr>
+          <a:xfrm>
+            <a:off x="7612569" y="1169922"/>
+            <a:ext cx="1139733" cy="467698"/>
+          </a:xfrm>
+          <a:prstGeom prst="roundRect">
+            <a:avLst>
+              <a:gd name="adj" fmla="val 18479"/>
+            </a:avLst>
+          </a:prstGeom>
+          <a:ln w="12700"/>
+        </p:spPr>
+        <p:style>
+          <a:lnRef idx="2">
+            <a:schemeClr val="dk1"/>
+          </a:lnRef>
+          <a:fillRef idx="1">
+            <a:schemeClr val="lt1"/>
+          </a:fillRef>
+          <a:effectRef idx="0">
+            <a:schemeClr val="dk1"/>
+          </a:effectRef>
+          <a:fontRef idx="minor">
+            <a:schemeClr val="dk1"/>
+          </a:fontRef>
+        </p:style>
+        <p:txBody>
+          <a:bodyPr rtlCol="0" anchor="ctr"/>
+          <a:lstStyle/>
+          <a:p>
+            <a:pPr algn="ctr"/>
+            <a:r>
+              <a:rPr lang="en-US" altLang="ko-KR" sz="900" dirty="0"/>
+              <a:t>Notifications</a:t>
+            </a:r>
+          </a:p>
+          <a:p>
+            <a:pPr algn="ctr"/>
+            <a:r>
+              <a:rPr lang="en-US" altLang="ko-KR" sz="900" dirty="0"/>
+              <a:t>Controller</a:t>
+            </a:r>
+            <a:endParaRPr lang="ko-KR" altLang="en-US" sz="900" dirty="0"/>
+          </a:p>
+        </p:txBody>
+      </p:sp>
+      <p:sp>
+        <p:nvSpPr>
+          <p:cNvPr id="281" name="모서리가 둥근 직사각형 280">
+            <a:extLst>
+              <a:ext uri="{FF2B5EF4-FFF2-40B4-BE49-F238E27FC236}">
+                <a16:creationId xmlns:a16="http://schemas.microsoft.com/office/drawing/2014/main" id="{9963C06A-E3E5-0CF4-A8D6-FE09B8278BB8}"/>
+              </a:ext>
+            </a:extLst>
+          </p:cNvPr>
+          <p:cNvSpPr/>
+          <p:nvPr/>
+        </p:nvSpPr>
+        <p:spPr>
+          <a:xfrm>
+            <a:off x="7465625" y="2886524"/>
+            <a:ext cx="1426855" cy="1779924"/>
+          </a:xfrm>
+          <a:prstGeom prst="roundRect">
+            <a:avLst>
+              <a:gd name="adj" fmla="val 7808"/>
+            </a:avLst>
+          </a:prstGeom>
+          <a:ln w="12700">
+            <a:prstDash val="dash"/>
+          </a:ln>
+        </p:spPr>
+        <p:style>
+          <a:lnRef idx="2">
+            <a:schemeClr val="dk1"/>
+          </a:lnRef>
+          <a:fillRef idx="1">
+            <a:schemeClr val="lt1"/>
+          </a:fillRef>
+          <a:effectRef idx="0">
+            <a:schemeClr val="dk1"/>
+          </a:effectRef>
+          <a:fontRef idx="minor">
+            <a:schemeClr val="dk1"/>
+          </a:fontRef>
+        </p:style>
+        <p:txBody>
+          <a:bodyPr rtlCol="0" anchor="t"/>
+          <a:lstStyle/>
+          <a:p>
+            <a:pPr algn="ctr"/>
+            <a:r>
+              <a:rPr lang="en-US" altLang="ko-KR" sz="900" b="1" dirty="0"/>
+              <a:t>Notification Services</a:t>
+            </a:r>
+          </a:p>
+        </p:txBody>
+      </p:sp>
+      <p:sp>
+        <p:nvSpPr>
+          <p:cNvPr id="282" name="모서리가 둥근 직사각형 281">
+            <a:extLst>
+              <a:ext uri="{FF2B5EF4-FFF2-40B4-BE49-F238E27FC236}">
+                <a16:creationId xmlns:a16="http://schemas.microsoft.com/office/drawing/2014/main" id="{E7454D3B-E05E-260C-3A8B-6E78D5F73E42}"/>
+              </a:ext>
+            </a:extLst>
+          </p:cNvPr>
+          <p:cNvSpPr/>
+          <p:nvPr/>
+        </p:nvSpPr>
+        <p:spPr>
+          <a:xfrm>
+            <a:off x="7609187" y="3231557"/>
+            <a:ext cx="1139733" cy="462064"/>
+          </a:xfrm>
+          <a:prstGeom prst="roundRect">
+            <a:avLst>
+              <a:gd name="adj" fmla="val 18479"/>
+            </a:avLst>
+          </a:prstGeom>
+          <a:solidFill>
+            <a:schemeClr val="bg1">
+              <a:lumMod val="95000"/>
+            </a:schemeClr>
+          </a:solidFill>
+          <a:ln w="12700"/>
+        </p:spPr>
+        <p:style>
+          <a:lnRef idx="2">
+            <a:schemeClr val="dk1"/>
+          </a:lnRef>
+          <a:fillRef idx="1">
+            <a:schemeClr val="lt1"/>
+          </a:fillRef>
+          <a:effectRef idx="0">
+            <a:schemeClr val="dk1"/>
+          </a:effectRef>
+          <a:fontRef idx="minor">
+            <a:schemeClr val="dk1"/>
+          </a:fontRef>
+        </p:style>
+        <p:txBody>
+          <a:bodyPr rtlCol="0" anchor="ctr"/>
+          <a:lstStyle/>
+          <a:p>
+            <a:pPr algn="ctr"/>
+            <a:r>
+              <a:rPr lang="en-US" altLang="ko-KR" sz="900"/>
+              <a:t>Slack</a:t>
+            </a:r>
+          </a:p>
+        </p:txBody>
+      </p:sp>
+      <p:sp>
+        <p:nvSpPr>
+          <p:cNvPr id="283" name="모서리가 둥근 직사각형 282">
+            <a:extLst>
+              <a:ext uri="{FF2B5EF4-FFF2-40B4-BE49-F238E27FC236}">
+                <a16:creationId xmlns:a16="http://schemas.microsoft.com/office/drawing/2014/main" id="{D3AEA9A2-68BB-E83D-0730-C967B026E1E8}"/>
+              </a:ext>
+            </a:extLst>
+          </p:cNvPr>
+          <p:cNvSpPr/>
+          <p:nvPr/>
+        </p:nvSpPr>
+        <p:spPr>
+          <a:xfrm>
+            <a:off x="7609187" y="3824827"/>
+            <a:ext cx="1139733" cy="462064"/>
+          </a:xfrm>
+          <a:prstGeom prst="roundRect">
+            <a:avLst>
+              <a:gd name="adj" fmla="val 18479"/>
+            </a:avLst>
+          </a:prstGeom>
+          <a:solidFill>
+            <a:schemeClr val="bg1">
+              <a:lumMod val="95000"/>
+            </a:schemeClr>
+          </a:solidFill>
+          <a:ln w="12700"/>
+        </p:spPr>
+        <p:style>
+          <a:lnRef idx="2">
+            <a:schemeClr val="dk1"/>
+          </a:lnRef>
+          <a:fillRef idx="1">
+            <a:schemeClr val="lt1"/>
+          </a:fillRef>
+          <a:effectRef idx="0">
+            <a:schemeClr val="dk1"/>
+          </a:effectRef>
+          <a:fontRef idx="minor">
+            <a:schemeClr val="dk1"/>
+          </a:fontRef>
+        </p:style>
+        <p:txBody>
+          <a:bodyPr rtlCol="0" anchor="ctr"/>
+          <a:lstStyle/>
+          <a:p>
+            <a:pPr algn="ctr"/>
+            <a:r>
+              <a:rPr lang="en-US" altLang="ko-KR" sz="900"/>
+              <a:t>E-mail</a:t>
+            </a:r>
+          </a:p>
+        </p:txBody>
+      </p:sp>
+      <p:cxnSp>
+        <p:nvCxnSpPr>
+          <p:cNvPr id="285" name="꺾인 연결선[E] 284">
+            <a:extLst>
+              <a:ext uri="{FF2B5EF4-FFF2-40B4-BE49-F238E27FC236}">
+                <a16:creationId xmlns:a16="http://schemas.microsoft.com/office/drawing/2014/main" id="{B1583C1F-B602-2445-7A1F-A4102976F9CE}"/>
+              </a:ext>
+            </a:extLst>
+          </p:cNvPr>
+          <p:cNvCxnSpPr>
+            <a:cxnSpLocks/>
+            <a:stCxn id="273" idx="2"/>
+            <a:endCxn id="281" idx="3"/>
+          </p:cNvCxnSpPr>
+          <p:nvPr/>
+        </p:nvCxnSpPr>
+        <p:spPr>
+          <a:xfrm rot="16200000" flipH="1">
+            <a:off x="7468025" y="2352031"/>
+            <a:ext cx="2138866" cy="710044"/>
+          </a:xfrm>
+          <a:prstGeom prst="bentConnector4">
+            <a:avLst>
+              <a:gd name="adj1" fmla="val 15833"/>
+              <a:gd name="adj2" fmla="val 117974"/>
+            </a:avLst>
+          </a:prstGeom>
+          <a:ln w="12700">
+            <a:solidFill>
+              <a:schemeClr val="accent4"/>
+            </a:solidFill>
+            <a:tailEnd type="triangle"/>
+          </a:ln>
+        </p:spPr>
+        <p:style>
+          <a:lnRef idx="1">
+            <a:schemeClr val="accent1"/>
+          </a:lnRef>
+          <a:fillRef idx="0">
+            <a:schemeClr val="accent1"/>
+          </a:fillRef>
+          <a:effectRef idx="0">
+            <a:schemeClr val="accent1"/>
+          </a:effectRef>
+          <a:fontRef idx="minor">
+            <a:schemeClr val="tx1"/>
+          </a:fontRef>
+        </p:style>
+      </p:cxnSp>
+      <p:cxnSp>
+        <p:nvCxnSpPr>
+          <p:cNvPr id="289" name="꺾인 연결선[E] 288">
+            <a:extLst>
+              <a:ext uri="{FF2B5EF4-FFF2-40B4-BE49-F238E27FC236}">
+                <a16:creationId xmlns:a16="http://schemas.microsoft.com/office/drawing/2014/main" id="{A96AD404-253C-F4D3-9DFD-8F9962F53808}"/>
+              </a:ext>
+            </a:extLst>
+          </p:cNvPr>
+          <p:cNvCxnSpPr>
+            <a:cxnSpLocks/>
+            <a:stCxn id="273" idx="2"/>
+            <a:endCxn id="301" idx="0"/>
+          </p:cNvCxnSpPr>
+          <p:nvPr/>
+        </p:nvCxnSpPr>
+        <p:spPr>
+          <a:xfrm rot="5400000">
+            <a:off x="5722040" y="-364636"/>
+            <a:ext cx="458140" cy="4462652"/>
+          </a:xfrm>
+          <a:prstGeom prst="bentConnector3">
+            <a:avLst>
+              <a:gd name="adj1" fmla="val 74719"/>
+            </a:avLst>
+          </a:prstGeom>
+          <a:ln w="12700">
+            <a:solidFill>
+              <a:schemeClr val="accent4"/>
+            </a:solidFill>
+            <a:tailEnd type="triangle"/>
+          </a:ln>
+        </p:spPr>
+        <p:style>
+          <a:lnRef idx="1">
+            <a:schemeClr val="accent1"/>
+          </a:lnRef>
+          <a:fillRef idx="0">
+            <a:schemeClr val="accent1"/>
+          </a:fillRef>
+          <a:effectRef idx="0">
+            <a:schemeClr val="accent1"/>
+          </a:effectRef>
+          <a:fontRef idx="minor">
+            <a:schemeClr val="tx1"/>
+          </a:fontRef>
+        </p:style>
+      </p:cxnSp>
+      <p:sp>
+        <p:nvSpPr>
+          <p:cNvPr id="301" name="모서리가 둥근 직사각형 300">
+            <a:extLst>
+              <a:ext uri="{FF2B5EF4-FFF2-40B4-BE49-F238E27FC236}">
+                <a16:creationId xmlns:a16="http://schemas.microsoft.com/office/drawing/2014/main" id="{8AA78C4A-998E-7D94-4BD0-A72B1B6515E2}"/>
+              </a:ext>
+            </a:extLst>
+          </p:cNvPr>
+          <p:cNvSpPr/>
+          <p:nvPr/>
+        </p:nvSpPr>
+        <p:spPr>
+          <a:xfrm>
+            <a:off x="3149917" y="2095760"/>
+            <a:ext cx="1139733" cy="467698"/>
+          </a:xfrm>
+          <a:prstGeom prst="roundRect">
+            <a:avLst>
+              <a:gd name="adj" fmla="val 18479"/>
+            </a:avLst>
+          </a:prstGeom>
+          <a:noFill/>
+          <a:ln w="12700">
+            <a:noFill/>
+          </a:ln>
+        </p:spPr>
+        <p:style>
+          <a:lnRef idx="2">
+            <a:schemeClr val="dk1"/>
+          </a:lnRef>
+          <a:fillRef idx="1">
+            <a:schemeClr val="lt1"/>
+          </a:fillRef>
+          <a:effectRef idx="0">
+            <a:schemeClr val="dk1"/>
+          </a:effectRef>
+          <a:fontRef idx="minor">
+            <a:schemeClr val="dk1"/>
+          </a:fontRef>
+        </p:style>
+        <p:txBody>
+          <a:bodyPr rtlCol="0" anchor="ctr"/>
+          <a:lstStyle/>
+          <a:p>
+            <a:pPr algn="ctr"/>
+            <a:endParaRPr lang="en-US" altLang="ko-KR" sz="900" b="1" dirty="0"/>
+          </a:p>
+        </p:txBody>
+      </p:sp>
+      <p:sp>
+        <p:nvSpPr>
+          <p:cNvPr id="307" name="모서리가 둥근 직사각형 306">
+            <a:extLst>
+              <a:ext uri="{FF2B5EF4-FFF2-40B4-BE49-F238E27FC236}">
+                <a16:creationId xmlns:a16="http://schemas.microsoft.com/office/drawing/2014/main" id="{56ABA2F3-262F-3E21-0F19-AE204BDB3B6B}"/>
+              </a:ext>
+            </a:extLst>
+          </p:cNvPr>
+          <p:cNvSpPr/>
+          <p:nvPr/>
+        </p:nvSpPr>
+        <p:spPr>
+          <a:xfrm>
+            <a:off x="400228" y="1174964"/>
+            <a:ext cx="1139733" cy="467698"/>
+          </a:xfrm>
+          <a:prstGeom prst="roundRect">
+            <a:avLst>
+              <a:gd name="adj" fmla="val 18479"/>
+            </a:avLst>
+          </a:prstGeom>
+          <a:ln w="12700"/>
+        </p:spPr>
+        <p:style>
+          <a:lnRef idx="2">
+            <a:schemeClr val="dk1"/>
+          </a:lnRef>
+          <a:fillRef idx="1">
+            <a:schemeClr val="lt1"/>
+          </a:fillRef>
+          <a:effectRef idx="0">
+            <a:schemeClr val="dk1"/>
+          </a:effectRef>
+          <a:fontRef idx="minor">
+            <a:schemeClr val="dk1"/>
+          </a:fontRef>
+        </p:style>
+        <p:txBody>
+          <a:bodyPr rtlCol="0" anchor="ctr"/>
+          <a:lstStyle/>
+          <a:p>
+            <a:pPr algn="ctr"/>
+            <a:r>
+              <a:rPr lang="en-US" altLang="ko-KR" sz="900" dirty="0"/>
+              <a:t>Experiment Controller</a:t>
+            </a:r>
+            <a:endParaRPr lang="ko-KR" altLang="en-US" sz="900" dirty="0"/>
+          </a:p>
+        </p:txBody>
+      </p:sp>
+      <p:sp>
+        <p:nvSpPr>
+          <p:cNvPr id="311" name="타원 310">
+            <a:extLst>
+              <a:ext uri="{FF2B5EF4-FFF2-40B4-BE49-F238E27FC236}">
+                <a16:creationId xmlns:a16="http://schemas.microsoft.com/office/drawing/2014/main" id="{E443DD95-DBF4-1FAF-4910-5837F44EB505}"/>
+              </a:ext>
+            </a:extLst>
+          </p:cNvPr>
+          <p:cNvSpPr/>
+          <p:nvPr/>
+        </p:nvSpPr>
+        <p:spPr>
+          <a:xfrm>
+            <a:off x="8155953" y="4348557"/>
+            <a:ext cx="52966" cy="50196"/>
+          </a:xfrm>
+          <a:prstGeom prst="ellipse">
+            <a:avLst/>
+          </a:prstGeom>
+          <a:solidFill>
+            <a:schemeClr val="tx1"/>
+          </a:solidFill>
+          <a:ln>
+            <a:noFill/>
+          </a:ln>
+        </p:spPr>
+        <p:style>
+          <a:lnRef idx="2">
+            <a:schemeClr val="accent1">
+              <a:shade val="15000"/>
+            </a:schemeClr>
+          </a:lnRef>
+          <a:fillRef idx="1">
+            <a:schemeClr val="accent1"/>
+          </a:fillRef>
+          <a:effectRef idx="0">
+            <a:schemeClr val="accent1"/>
+          </a:effectRef>
+          <a:fontRef idx="minor">
+            <a:schemeClr val="lt1"/>
+          </a:fontRef>
+        </p:style>
+        <p:txBody>
+          <a:bodyPr rtlCol="0" anchor="ctr"/>
+          <a:lstStyle/>
+          <a:p>
+            <a:pPr algn="ctr"/>
+            <a:endParaRPr kumimoji="1" lang="ko-KR" altLang="en-US" sz="900"/>
+          </a:p>
+        </p:txBody>
+      </p:sp>
+      <p:sp>
+        <p:nvSpPr>
+          <p:cNvPr id="312" name="타원 311">
+            <a:extLst>
+              <a:ext uri="{FF2B5EF4-FFF2-40B4-BE49-F238E27FC236}">
+                <a16:creationId xmlns:a16="http://schemas.microsoft.com/office/drawing/2014/main" id="{C61EAB73-F867-FE95-4E80-F4572369BBBA}"/>
+              </a:ext>
+            </a:extLst>
+          </p:cNvPr>
+          <p:cNvSpPr/>
+          <p:nvPr/>
+        </p:nvSpPr>
+        <p:spPr>
+          <a:xfrm>
+            <a:off x="8155953" y="4446158"/>
+            <a:ext cx="52966" cy="50196"/>
+          </a:xfrm>
+          <a:prstGeom prst="ellipse">
+            <a:avLst/>
+          </a:prstGeom>
+          <a:solidFill>
+            <a:schemeClr val="tx1"/>
+          </a:solidFill>
+          <a:ln>
+            <a:noFill/>
+          </a:ln>
+        </p:spPr>
+        <p:style>
+          <a:lnRef idx="2">
+            <a:schemeClr val="accent1">
+              <a:shade val="15000"/>
+            </a:schemeClr>
+          </a:lnRef>
+          <a:fillRef idx="1">
+            <a:schemeClr val="accent1"/>
+          </a:fillRef>
+          <a:effectRef idx="0">
+            <a:schemeClr val="accent1"/>
+          </a:effectRef>
+          <a:fontRef idx="minor">
+            <a:schemeClr val="lt1"/>
+          </a:fontRef>
+        </p:style>
+        <p:txBody>
+          <a:bodyPr rtlCol="0" anchor="ctr"/>
+          <a:lstStyle/>
+          <a:p>
+            <a:pPr algn="ctr"/>
+            <a:endParaRPr kumimoji="1" lang="ko-KR" altLang="en-US" sz="900"/>
+          </a:p>
+        </p:txBody>
+      </p:sp>
+      <p:sp>
+        <p:nvSpPr>
+          <p:cNvPr id="313" name="타원 312">
+            <a:extLst>
+              <a:ext uri="{FF2B5EF4-FFF2-40B4-BE49-F238E27FC236}">
+                <a16:creationId xmlns:a16="http://schemas.microsoft.com/office/drawing/2014/main" id="{253DF1A1-3F75-D97C-A99B-CC8FBA1668E0}"/>
+              </a:ext>
+            </a:extLst>
+          </p:cNvPr>
+          <p:cNvSpPr/>
+          <p:nvPr/>
+        </p:nvSpPr>
+        <p:spPr>
+          <a:xfrm>
+            <a:off x="8155953" y="4547900"/>
+            <a:ext cx="52966" cy="50196"/>
+          </a:xfrm>
+          <a:prstGeom prst="ellipse">
+            <a:avLst/>
+          </a:prstGeom>
+          <a:solidFill>
+            <a:schemeClr val="tx1"/>
+          </a:solidFill>
+          <a:ln>
+            <a:noFill/>
+          </a:ln>
+        </p:spPr>
+        <p:style>
+          <a:lnRef idx="2">
+            <a:schemeClr val="accent1">
+              <a:shade val="15000"/>
+            </a:schemeClr>
+          </a:lnRef>
+          <a:fillRef idx="1">
+            <a:schemeClr val="accent1"/>
+          </a:fillRef>
+          <a:effectRef idx="0">
+            <a:schemeClr val="accent1"/>
+          </a:effectRef>
+          <a:fontRef idx="minor">
+            <a:schemeClr val="lt1"/>
+          </a:fontRef>
+        </p:style>
+        <p:txBody>
+          <a:bodyPr rtlCol="0" anchor="ctr"/>
+          <a:lstStyle/>
+          <a:p>
+            <a:pPr algn="ctr"/>
+            <a:endParaRPr kumimoji="1" lang="ko-KR" altLang="en-US" sz="900"/>
+          </a:p>
+        </p:txBody>
+      </p:sp>
+      <p:sp>
+        <p:nvSpPr>
+          <p:cNvPr id="316" name="모서리가 둥근 직사각형 315">
+            <a:extLst>
+              <a:ext uri="{FF2B5EF4-FFF2-40B4-BE49-F238E27FC236}">
+                <a16:creationId xmlns:a16="http://schemas.microsoft.com/office/drawing/2014/main" id="{5D18BC1F-A1E1-999A-C3F2-59B43D282602}"/>
+              </a:ext>
+            </a:extLst>
+          </p:cNvPr>
+          <p:cNvSpPr/>
+          <p:nvPr/>
+        </p:nvSpPr>
+        <p:spPr>
+          <a:xfrm>
+            <a:off x="64609" y="2091348"/>
+            <a:ext cx="1139733" cy="467698"/>
+          </a:xfrm>
+          <a:prstGeom prst="roundRect">
+            <a:avLst>
+              <a:gd name="adj" fmla="val 18479"/>
+            </a:avLst>
+          </a:prstGeom>
+          <a:ln w="12700"/>
+        </p:spPr>
+        <p:style>
+          <a:lnRef idx="2">
+            <a:schemeClr val="dk1"/>
+          </a:lnRef>
+          <a:fillRef idx="1">
+            <a:schemeClr val="lt1"/>
+          </a:fillRef>
+          <a:effectRef idx="0">
+            <a:schemeClr val="dk1"/>
+          </a:effectRef>
+          <a:fontRef idx="minor">
+            <a:schemeClr val="dk1"/>
+          </a:fontRef>
+        </p:style>
+        <p:txBody>
+          <a:bodyPr rtlCol="0" anchor="ctr"/>
+          <a:lstStyle/>
+          <a:p>
+            <a:pPr algn="ctr"/>
+            <a:r>
+              <a:rPr lang="en-US" altLang="ko-KR" sz="900" b="1" dirty="0"/>
+              <a:t>Experiments</a:t>
+            </a:r>
+          </a:p>
+          <a:p>
+            <a:pPr algn="ctr"/>
+            <a:r>
+              <a:rPr lang="en-US" altLang="ko-KR" sz="900" b="1" dirty="0"/>
+              <a:t>Object</a:t>
+            </a:r>
+          </a:p>
+        </p:txBody>
+      </p:sp>
+      <p:cxnSp>
+        <p:nvCxnSpPr>
+          <p:cNvPr id="320" name="꺾인 연결선[E] 319">
+            <a:extLst>
+              <a:ext uri="{FF2B5EF4-FFF2-40B4-BE49-F238E27FC236}">
+                <a16:creationId xmlns:a16="http://schemas.microsoft.com/office/drawing/2014/main" id="{72C86897-D04A-1ABB-EE48-0A6B4B79C463}"/>
+              </a:ext>
+            </a:extLst>
+          </p:cNvPr>
+          <p:cNvCxnSpPr>
+            <a:cxnSpLocks/>
+            <a:stCxn id="307" idx="2"/>
+            <a:endCxn id="324" idx="0"/>
+          </p:cNvCxnSpPr>
+          <p:nvPr/>
+        </p:nvCxnSpPr>
+        <p:spPr>
+          <a:xfrm rot="16200000" flipH="1">
+            <a:off x="2922190" y="-309434"/>
+            <a:ext cx="453098" cy="4357289"/>
+          </a:xfrm>
+          <a:prstGeom prst="bentConnector3">
+            <a:avLst>
+              <a:gd name="adj1" fmla="val 48031"/>
+            </a:avLst>
+          </a:prstGeom>
+          <a:ln w="12700">
+            <a:solidFill>
+              <a:schemeClr val="accent5"/>
+            </a:solidFill>
+            <a:tailEnd type="triangle"/>
+          </a:ln>
+        </p:spPr>
+        <p:style>
+          <a:lnRef idx="1">
+            <a:schemeClr val="accent1"/>
+          </a:lnRef>
+          <a:fillRef idx="0">
+            <a:schemeClr val="accent1"/>
+          </a:fillRef>
+          <a:effectRef idx="0">
+            <a:schemeClr val="accent1"/>
+          </a:effectRef>
+          <a:fontRef idx="minor">
+            <a:schemeClr val="tx1"/>
+          </a:fontRef>
+        </p:style>
+      </p:cxnSp>
+      <p:sp>
+        <p:nvSpPr>
+          <p:cNvPr id="324" name="모서리가 둥근 직사각형 323">
+            <a:extLst>
+              <a:ext uri="{FF2B5EF4-FFF2-40B4-BE49-F238E27FC236}">
+                <a16:creationId xmlns:a16="http://schemas.microsoft.com/office/drawing/2014/main" id="{A999657E-BE5B-5E24-4A04-7B197E08223E}"/>
+              </a:ext>
+            </a:extLst>
+          </p:cNvPr>
+          <p:cNvSpPr/>
+          <p:nvPr/>
+        </p:nvSpPr>
+        <p:spPr>
+          <a:xfrm>
+            <a:off x="4757517" y="2095760"/>
+            <a:ext cx="1139733" cy="467698"/>
+          </a:xfrm>
+          <a:prstGeom prst="roundRect">
+            <a:avLst>
+              <a:gd name="adj" fmla="val 18479"/>
+            </a:avLst>
+          </a:prstGeom>
+          <a:noFill/>
+          <a:ln w="12700">
+            <a:noFill/>
+          </a:ln>
+        </p:spPr>
+        <p:style>
+          <a:lnRef idx="2">
+            <a:schemeClr val="dk1"/>
+          </a:lnRef>
+          <a:fillRef idx="1">
+            <a:schemeClr val="lt1"/>
+          </a:fillRef>
+          <a:effectRef idx="0">
+            <a:schemeClr val="dk1"/>
+          </a:effectRef>
+          <a:fontRef idx="minor">
+            <a:schemeClr val="dk1"/>
+          </a:fontRef>
+        </p:style>
+        <p:txBody>
+          <a:bodyPr rtlCol="0" anchor="ctr"/>
+          <a:lstStyle/>
+          <a:p>
+            <a:pPr algn="ctr"/>
+            <a:endParaRPr lang="en-US" altLang="ko-KR" sz="900" b="1" dirty="0"/>
+          </a:p>
+        </p:txBody>
+      </p:sp>
+      <p:cxnSp>
+        <p:nvCxnSpPr>
+          <p:cNvPr id="333" name="꺾인 연결선[E] 332">
+            <a:extLst>
+              <a:ext uri="{FF2B5EF4-FFF2-40B4-BE49-F238E27FC236}">
+                <a16:creationId xmlns:a16="http://schemas.microsoft.com/office/drawing/2014/main" id="{BC2A35EE-8184-2DB5-15C9-645FAE7AF98A}"/>
+              </a:ext>
+            </a:extLst>
+          </p:cNvPr>
+          <p:cNvCxnSpPr>
+            <a:cxnSpLocks/>
+            <a:stCxn id="307" idx="2"/>
+            <a:endCxn id="339" idx="0"/>
+          </p:cNvCxnSpPr>
+          <p:nvPr/>
+        </p:nvCxnSpPr>
+        <p:spPr>
+          <a:xfrm rot="16200000" flipH="1">
+            <a:off x="2972836" y="-360080"/>
+            <a:ext cx="1245315" cy="5250797"/>
+          </a:xfrm>
+          <a:prstGeom prst="bentConnector3">
+            <a:avLst>
+              <a:gd name="adj1" fmla="val 17532"/>
+            </a:avLst>
+          </a:prstGeom>
+          <a:ln w="12700">
+            <a:solidFill>
+              <a:schemeClr val="accent5"/>
+            </a:solidFill>
+            <a:tailEnd type="triangle"/>
+          </a:ln>
+        </p:spPr>
+        <p:style>
+          <a:lnRef idx="1">
+            <a:schemeClr val="accent1"/>
+          </a:lnRef>
+          <a:fillRef idx="0">
+            <a:schemeClr val="accent1"/>
+          </a:fillRef>
+          <a:effectRef idx="0">
+            <a:schemeClr val="accent1"/>
+          </a:effectRef>
+          <a:fontRef idx="minor">
+            <a:schemeClr val="tx1"/>
+          </a:fontRef>
+        </p:style>
+      </p:cxnSp>
+      <p:sp>
+        <p:nvSpPr>
+          <p:cNvPr id="339" name="모서리가 둥근 직사각형 338">
+            <a:extLst>
+              <a:ext uri="{FF2B5EF4-FFF2-40B4-BE49-F238E27FC236}">
+                <a16:creationId xmlns:a16="http://schemas.microsoft.com/office/drawing/2014/main" id="{65FA3FE6-1A7A-0863-2025-CD734B51AE02}"/>
+              </a:ext>
+            </a:extLst>
+          </p:cNvPr>
+          <p:cNvSpPr/>
+          <p:nvPr/>
+        </p:nvSpPr>
+        <p:spPr>
+          <a:xfrm>
+            <a:off x="5651025" y="2887977"/>
+            <a:ext cx="1139733" cy="467698"/>
+          </a:xfrm>
+          <a:prstGeom prst="roundRect">
+            <a:avLst>
+              <a:gd name="adj" fmla="val 18479"/>
+            </a:avLst>
+          </a:prstGeom>
+          <a:noFill/>
+          <a:ln w="12700">
+            <a:noFill/>
+          </a:ln>
+        </p:spPr>
+        <p:style>
+          <a:lnRef idx="2">
+            <a:schemeClr val="dk1"/>
+          </a:lnRef>
+          <a:fillRef idx="1">
+            <a:schemeClr val="lt1"/>
+          </a:fillRef>
+          <a:effectRef idx="0">
+            <a:schemeClr val="dk1"/>
+          </a:effectRef>
+          <a:fontRef idx="minor">
+            <a:schemeClr val="dk1"/>
+          </a:fontRef>
+        </p:style>
+        <p:txBody>
+          <a:bodyPr rtlCol="0" anchor="ctr"/>
+          <a:lstStyle/>
+          <a:p>
+            <a:pPr algn="ctr"/>
+            <a:endParaRPr lang="en-US" altLang="ko-KR" sz="900" b="1" dirty="0"/>
+          </a:p>
+        </p:txBody>
+      </p:sp>
+      <p:sp>
+        <p:nvSpPr>
+          <p:cNvPr id="348" name="모서리가 둥근 직사각형 347">
+            <a:extLst>
+              <a:ext uri="{FF2B5EF4-FFF2-40B4-BE49-F238E27FC236}">
+                <a16:creationId xmlns:a16="http://schemas.microsoft.com/office/drawing/2014/main" id="{07B30FAE-1C5B-3BD1-D380-9E1AD7136547}"/>
+              </a:ext>
+            </a:extLst>
+          </p:cNvPr>
+          <p:cNvSpPr/>
+          <p:nvPr/>
+        </p:nvSpPr>
+        <p:spPr>
+          <a:xfrm>
+            <a:off x="3815864" y="2887977"/>
+            <a:ext cx="1139733" cy="467698"/>
+          </a:xfrm>
+          <a:prstGeom prst="roundRect">
+            <a:avLst>
+              <a:gd name="adj" fmla="val 18479"/>
+            </a:avLst>
+          </a:prstGeom>
+          <a:noFill/>
+          <a:ln w="12700">
+            <a:noFill/>
+          </a:ln>
+        </p:spPr>
+        <p:style>
+          <a:lnRef idx="2">
+            <a:schemeClr val="dk1"/>
+          </a:lnRef>
+          <a:fillRef idx="1">
+            <a:schemeClr val="lt1"/>
+          </a:fillRef>
+          <a:effectRef idx="0">
+            <a:schemeClr val="dk1"/>
+          </a:effectRef>
+          <a:fontRef idx="minor">
+            <a:schemeClr val="dk1"/>
+          </a:fontRef>
+        </p:style>
+        <p:txBody>
+          <a:bodyPr rtlCol="0" anchor="ctr"/>
+          <a:lstStyle/>
+          <a:p>
+            <a:pPr algn="ctr"/>
+            <a:endParaRPr lang="en-US" altLang="ko-KR" sz="900" b="1" dirty="0"/>
+          </a:p>
+        </p:txBody>
+      </p:sp>
+      <p:cxnSp>
+        <p:nvCxnSpPr>
+          <p:cNvPr id="349" name="꺾인 연결선[E] 348">
+            <a:extLst>
+              <a:ext uri="{FF2B5EF4-FFF2-40B4-BE49-F238E27FC236}">
+                <a16:creationId xmlns:a16="http://schemas.microsoft.com/office/drawing/2014/main" id="{33F47843-0A05-AA5B-8F38-0B27DC301E49}"/>
+              </a:ext>
+            </a:extLst>
+          </p:cNvPr>
+          <p:cNvCxnSpPr>
+            <a:cxnSpLocks/>
+            <a:stCxn id="307" idx="2"/>
+            <a:endCxn id="348" idx="0"/>
+          </p:cNvCxnSpPr>
+          <p:nvPr/>
+        </p:nvCxnSpPr>
+        <p:spPr>
+          <a:xfrm rot="16200000" flipH="1">
+            <a:off x="2055256" y="557501"/>
+            <a:ext cx="1245315" cy="3415636"/>
+          </a:xfrm>
+          <a:prstGeom prst="bentConnector3">
+            <a:avLst>
+              <a:gd name="adj1" fmla="val 17659"/>
+            </a:avLst>
+          </a:prstGeom>
+          <a:ln w="12700">
+            <a:solidFill>
+              <a:schemeClr val="accent5"/>
+            </a:solidFill>
+            <a:tailEnd type="triangle"/>
+          </a:ln>
+        </p:spPr>
+        <p:style>
+          <a:lnRef idx="1">
+            <a:schemeClr val="accent1"/>
+          </a:lnRef>
+          <a:fillRef idx="0">
+            <a:schemeClr val="accent1"/>
+          </a:fillRef>
+          <a:effectRef idx="0">
+            <a:schemeClr val="accent1"/>
+          </a:effectRef>
+          <a:fontRef idx="minor">
+            <a:schemeClr val="tx1"/>
+          </a:fontRef>
+        </p:style>
+      </p:cxnSp>
+      <p:sp>
+        <p:nvSpPr>
+          <p:cNvPr id="375" name="모서리가 둥근 직사각형 374">
+            <a:extLst>
+              <a:ext uri="{FF2B5EF4-FFF2-40B4-BE49-F238E27FC236}">
+                <a16:creationId xmlns:a16="http://schemas.microsoft.com/office/drawing/2014/main" id="{A9C56AE2-5E6B-B5D4-8899-1529D9124641}"/>
+              </a:ext>
+            </a:extLst>
+          </p:cNvPr>
+          <p:cNvSpPr/>
+          <p:nvPr/>
+        </p:nvSpPr>
+        <p:spPr>
+          <a:xfrm>
+            <a:off x="1360040" y="2092074"/>
+            <a:ext cx="1139733" cy="467698"/>
+          </a:xfrm>
+          <a:prstGeom prst="roundRect">
+            <a:avLst>
+              <a:gd name="adj" fmla="val 18479"/>
+            </a:avLst>
+          </a:prstGeom>
+          <a:ln w="12700"/>
+        </p:spPr>
+        <p:style>
+          <a:lnRef idx="2">
+            <a:schemeClr val="dk1"/>
+          </a:lnRef>
+          <a:fillRef idx="1">
+            <a:schemeClr val="lt1"/>
+          </a:fillRef>
+          <a:effectRef idx="0">
+            <a:schemeClr val="dk1"/>
+          </a:effectRef>
+          <a:fontRef idx="minor">
+            <a:schemeClr val="dk1"/>
+          </a:fontRef>
+        </p:style>
+        <p:txBody>
+          <a:bodyPr rtlCol="0" anchor="ctr"/>
+          <a:lstStyle/>
+          <a:p>
+            <a:pPr algn="ctr"/>
+            <a:r>
+              <a:rPr lang="en-US" altLang="ko-KR" sz="900"/>
+              <a:t>Kubernetes</a:t>
+            </a:r>
+          </a:p>
+          <a:p>
+            <a:pPr algn="ctr"/>
+            <a:r>
+              <a:rPr lang="en-US" altLang="ko-KR" sz="900"/>
+              <a:t>Services Object</a:t>
+            </a:r>
+          </a:p>
+        </p:txBody>
+      </p:sp>
+      <p:cxnSp>
+        <p:nvCxnSpPr>
+          <p:cNvPr id="377" name="꺾인 연결선[E] 376">
+            <a:extLst>
+              <a:ext uri="{FF2B5EF4-FFF2-40B4-BE49-F238E27FC236}">
+                <a16:creationId xmlns:a16="http://schemas.microsoft.com/office/drawing/2014/main" id="{B4472C1B-67A4-5897-6B2E-90D938DCA21E}"/>
+              </a:ext>
+            </a:extLst>
+          </p:cNvPr>
+          <p:cNvCxnSpPr>
+            <a:cxnSpLocks/>
+            <a:stCxn id="307" idx="2"/>
+            <a:endCxn id="316" idx="0"/>
+          </p:cNvCxnSpPr>
+          <p:nvPr/>
+        </p:nvCxnSpPr>
+        <p:spPr>
+          <a:xfrm rot="5400000">
+            <a:off x="577943" y="1699196"/>
+            <a:ext cx="448686" cy="335619"/>
+          </a:xfrm>
+          <a:prstGeom prst="bentConnector3">
+            <a:avLst>
+              <a:gd name="adj1" fmla="val 50000"/>
+            </a:avLst>
+          </a:prstGeom>
+          <a:ln w="12700">
+            <a:solidFill>
+              <a:schemeClr val="accent5"/>
+            </a:solidFill>
+            <a:tailEnd type="triangle"/>
+          </a:ln>
+        </p:spPr>
+        <p:style>
+          <a:lnRef idx="1">
+            <a:schemeClr val="accent1"/>
+          </a:lnRef>
+          <a:fillRef idx="0">
+            <a:schemeClr val="accent1"/>
+          </a:fillRef>
+          <a:effectRef idx="0">
+            <a:schemeClr val="accent1"/>
+          </a:effectRef>
+          <a:fontRef idx="minor">
+            <a:schemeClr val="tx1"/>
+          </a:fontRef>
+        </p:style>
+      </p:cxnSp>
+      <p:cxnSp>
+        <p:nvCxnSpPr>
+          <p:cNvPr id="382" name="꺾인 연결선[E] 381">
+            <a:extLst>
+              <a:ext uri="{FF2B5EF4-FFF2-40B4-BE49-F238E27FC236}">
+                <a16:creationId xmlns:a16="http://schemas.microsoft.com/office/drawing/2014/main" id="{C619A486-C47F-6643-45D2-54A1287EEE54}"/>
+              </a:ext>
+            </a:extLst>
+          </p:cNvPr>
+          <p:cNvCxnSpPr>
+            <a:cxnSpLocks/>
+            <a:stCxn id="307" idx="2"/>
+            <a:endCxn id="375" idx="0"/>
+          </p:cNvCxnSpPr>
+          <p:nvPr/>
+        </p:nvCxnSpPr>
+        <p:spPr>
+          <a:xfrm rot="16200000" flipH="1">
+            <a:off x="1225295" y="1387462"/>
+            <a:ext cx="449412" cy="959812"/>
+          </a:xfrm>
+          <a:prstGeom prst="bentConnector3">
+            <a:avLst>
+              <a:gd name="adj1" fmla="val 50000"/>
+            </a:avLst>
+          </a:prstGeom>
+          <a:ln w="12700">
+            <a:solidFill>
+              <a:schemeClr val="accent5"/>
+            </a:solidFill>
+            <a:tailEnd type="triangle"/>
+          </a:ln>
+        </p:spPr>
+        <p:style>
+          <a:lnRef idx="1">
+            <a:schemeClr val="accent1"/>
+          </a:lnRef>
+          <a:fillRef idx="0">
+            <a:schemeClr val="accent1"/>
+          </a:fillRef>
+          <a:effectRef idx="0">
+            <a:schemeClr val="accent1"/>
+          </a:effectRef>
+          <a:fontRef idx="minor">
+            <a:schemeClr val="tx1"/>
+          </a:fontRef>
+        </p:style>
+      </p:cxnSp>
+      <p:cxnSp>
+        <p:nvCxnSpPr>
+          <p:cNvPr id="386" name="꺾인 연결선[E] 385">
+            <a:extLst>
+              <a:ext uri="{FF2B5EF4-FFF2-40B4-BE49-F238E27FC236}">
+                <a16:creationId xmlns:a16="http://schemas.microsoft.com/office/drawing/2014/main" id="{BE0DE0A6-C0CA-23A3-BC9E-BFFA80FA98BC}"/>
+              </a:ext>
+            </a:extLst>
+          </p:cNvPr>
+          <p:cNvCxnSpPr>
+            <a:cxnSpLocks/>
+            <a:stCxn id="24" idx="2"/>
+            <a:endCxn id="391" idx="0"/>
+          </p:cNvCxnSpPr>
+          <p:nvPr/>
+        </p:nvCxnSpPr>
+        <p:spPr>
+          <a:xfrm rot="5400000">
+            <a:off x="3048164" y="639430"/>
+            <a:ext cx="458140" cy="2454520"/>
+          </a:xfrm>
+          <a:prstGeom prst="bentConnector3">
+            <a:avLst>
+              <a:gd name="adj1" fmla="val 61297"/>
+            </a:avLst>
+          </a:prstGeom>
+          <a:ln w="12700">
+            <a:solidFill>
+              <a:srgbClr val="C00000"/>
+            </a:solidFill>
+            <a:tailEnd type="triangle"/>
+          </a:ln>
+        </p:spPr>
+        <p:style>
+          <a:lnRef idx="1">
+            <a:schemeClr val="accent1"/>
+          </a:lnRef>
+          <a:fillRef idx="0">
+            <a:schemeClr val="accent1"/>
+          </a:fillRef>
+          <a:effectRef idx="0">
+            <a:schemeClr val="accent1"/>
+          </a:effectRef>
+          <a:fontRef idx="minor">
+            <a:schemeClr val="tx1"/>
+          </a:fontRef>
+        </p:style>
+      </p:cxnSp>
+      <p:sp>
+        <p:nvSpPr>
+          <p:cNvPr id="391" name="모서리가 둥근 직사각형 390">
+            <a:extLst>
+              <a:ext uri="{FF2B5EF4-FFF2-40B4-BE49-F238E27FC236}">
+                <a16:creationId xmlns:a16="http://schemas.microsoft.com/office/drawing/2014/main" id="{618B872A-D955-A003-7DB0-FBB2B7049118}"/>
+              </a:ext>
+            </a:extLst>
+          </p:cNvPr>
+          <p:cNvSpPr/>
+          <p:nvPr/>
+        </p:nvSpPr>
+        <p:spPr>
+          <a:xfrm>
+            <a:off x="1480107" y="2095760"/>
+            <a:ext cx="1139733" cy="467698"/>
+          </a:xfrm>
+          <a:prstGeom prst="roundRect">
+            <a:avLst>
+              <a:gd name="adj" fmla="val 18479"/>
+            </a:avLst>
+          </a:prstGeom>
+          <a:noFill/>
+          <a:ln w="12700">
+            <a:noFill/>
+          </a:ln>
+        </p:spPr>
+        <p:style>
+          <a:lnRef idx="2">
+            <a:schemeClr val="dk1"/>
+          </a:lnRef>
+          <a:fillRef idx="1">
+            <a:schemeClr val="lt1"/>
+          </a:fillRef>
+          <a:effectRef idx="0">
+            <a:schemeClr val="dk1"/>
+          </a:effectRef>
+          <a:fontRef idx="minor">
+            <a:schemeClr val="dk1"/>
+          </a:fontRef>
+        </p:style>
+        <p:txBody>
+          <a:bodyPr rtlCol="0" anchor="ctr"/>
+          <a:lstStyle/>
+          <a:p>
+            <a:pPr algn="ctr"/>
+            <a:endParaRPr lang="en-US" altLang="ko-KR" sz="900" b="1" dirty="0"/>
+          </a:p>
+        </p:txBody>
+      </p:sp>
     </p:spTree>
     <p:extLst>
       <p:ext uri="{BB962C8B-B14F-4D97-AF65-F5344CB8AC3E}">
@@ -6005,7 +6959,13 @@
   <p:cSld>
     <p:spTree>
       <p:nvGrpSpPr>
-        <p:cNvPr id="1" name=""/>
+        <p:cNvPr id="1" name="">
+          <a:extLst>
+            <a:ext uri="{FF2B5EF4-FFF2-40B4-BE49-F238E27FC236}">
+              <a16:creationId xmlns:a16="http://schemas.microsoft.com/office/drawing/2014/main" id="{2C5241EB-B325-AF31-33CE-022508F6F153}"/>
+            </a:ext>
+          </a:extLst>
+        </p:cNvPr>
         <p:cNvGrpSpPr/>
         <p:nvPr/>
       </p:nvGrpSpPr>
@@ -6019,48 +6979,27 @@
       </p:grpSpPr>
       <p:sp>
         <p:nvSpPr>
-          <p:cNvPr id="6" name="제목 1"/>
-          <p:cNvSpPr>
-            <a:spLocks noGrp="1"/>
-          </p:cNvSpPr>
-          <p:nvPr>
-            <p:ph type="title"/>
-          </p:nvPr>
-        </p:nvSpPr>
-        <p:spPr>
-          <a:xfrm>
-            <a:off x="457200" y="-20538"/>
-            <a:ext cx="8229600" cy="857250"/>
-          </a:xfrm>
-        </p:spPr>
-        <p:txBody>
-          <a:bodyPr>
-            <a:normAutofit/>
-          </a:bodyPr>
-          <a:lstStyle/>
-          <a:p>
-            <a:r>
-              <a:rPr lang="en-US" altLang="ko-KR" dirty="0" err="1"/>
-              <a:t>AMQP</a:t>
-            </a:r>
-            <a:endParaRPr lang="ko-KR" altLang="en-US" dirty="0"/>
-          </a:p>
-        </p:txBody>
-      </p:sp>
-      <p:sp>
-        <p:nvSpPr>
-          <p:cNvPr id="4" name="모서리가 둥근 직사각형 3"/>
+          <p:cNvPr id="7" name="모서리가 둥근 직사각형 6">
+            <a:extLst>
+              <a:ext uri="{FF2B5EF4-FFF2-40B4-BE49-F238E27FC236}">
+                <a16:creationId xmlns:a16="http://schemas.microsoft.com/office/drawing/2014/main" id="{43F5CE88-D2A7-F9D6-2495-335EDEC7F9D5}"/>
+              </a:ext>
+            </a:extLst>
+          </p:cNvPr>
           <p:cNvSpPr/>
           <p:nvPr/>
         </p:nvSpPr>
         <p:spPr>
           <a:xfrm>
-            <a:off x="107504" y="1923678"/>
-            <a:ext cx="1296144" cy="504056"/>
+            <a:off x="264038" y="843558"/>
+            <a:ext cx="8628442" cy="929136"/>
           </a:xfrm>
           <a:prstGeom prst="roundRect">
-            <a:avLst/>
-          </a:prstGeom>
+            <a:avLst>
+              <a:gd name="adj" fmla="val 7898"/>
+            </a:avLst>
+          </a:prstGeom>
+          <a:ln w="12700"/>
         </p:spPr>
         <p:style>
           <a:lnRef idx="2">
@@ -6077,34 +7016,50 @@
           </a:fontRef>
         </p:style>
         <p:txBody>
-          <a:bodyPr rtlCol="0" anchor="ctr"/>
-          <a:lstStyle/>
-          <a:p>
-            <a:pPr algn="ctr"/>
-            <a:r>
-              <a:rPr lang="en-US" altLang="ko-KR" sz="1600"/>
-              <a:t>Producer</a:t>
-            </a:r>
-            <a:endParaRPr lang="ko-KR" altLang="en-US" sz="1600" dirty="0"/>
-          </a:p>
-        </p:txBody>
-      </p:sp>
-      <p:sp>
-        <p:nvSpPr>
-          <p:cNvPr id="8" name="모서리가 둥근 직사각형 7"/>
+          <a:bodyPr rtlCol="0" anchor="t"/>
+          <a:lstStyle/>
+          <a:p>
+            <a:pPr algn="ctr"/>
+            <a:r>
+              <a:rPr lang="en-US" altLang="ko-KR" sz="900" b="1"/>
+              <a:t>Argo Rollouts </a:t>
+            </a:r>
+            <a:r>
+              <a:rPr lang="en-US" altLang="ko-KR" sz="900" b="1" dirty="0"/>
+              <a:t>Controller</a:t>
+            </a:r>
+            <a:endParaRPr lang="ko-KR" altLang="en-US" sz="900" b="1" dirty="0"/>
+          </a:p>
+        </p:txBody>
+      </p:sp>
+      <p:sp>
+        <p:nvSpPr>
+          <p:cNvPr id="23" name="모서리가 둥근 직사각형 22">
+            <a:extLst>
+              <a:ext uri="{FF2B5EF4-FFF2-40B4-BE49-F238E27FC236}">
+                <a16:creationId xmlns:a16="http://schemas.microsoft.com/office/drawing/2014/main" id="{6FC99357-7FE5-63AA-ACA1-E649CA484429}"/>
+              </a:ext>
+            </a:extLst>
+          </p:cNvPr>
           <p:cNvSpPr/>
           <p:nvPr/>
         </p:nvSpPr>
         <p:spPr>
           <a:xfrm>
-            <a:off x="2519423" y="1779662"/>
-            <a:ext cx="3924786" cy="2160240"/>
+            <a:off x="7609187" y="2095760"/>
+            <a:ext cx="1139733" cy="467698"/>
           </a:xfrm>
           <a:prstGeom prst="roundRect">
             <a:avLst>
-              <a:gd name="adj" fmla="val 7088"/>
+              <a:gd name="adj" fmla="val 18479"/>
             </a:avLst>
           </a:prstGeom>
+          <a:solidFill>
+            <a:schemeClr val="bg1">
+              <a:lumMod val="95000"/>
+            </a:schemeClr>
+          </a:solidFill>
+          <a:ln w="12700"/>
         </p:spPr>
         <p:style>
           <a:lnRef idx="2">
@@ -6121,32 +7076,47 @@
           </a:fontRef>
         </p:style>
         <p:txBody>
-          <a:bodyPr rtlCol="0" anchor="b"/>
-          <a:lstStyle/>
-          <a:p>
-            <a:pPr algn="ctr"/>
-            <a:r>
-              <a:rPr lang="en-US" altLang="ko-KR" b="1" dirty="0"/>
-              <a:t>Broker</a:t>
-            </a:r>
-            <a:endParaRPr lang="ko-KR" altLang="en-US" b="1" dirty="0"/>
-          </a:p>
-        </p:txBody>
-      </p:sp>
-      <p:sp>
-        <p:nvSpPr>
-          <p:cNvPr id="10" name="모서리가 둥근 직사각형 9"/>
+          <a:bodyPr rtlCol="0" anchor="ctr"/>
+          <a:lstStyle/>
+          <a:p>
+            <a:pPr algn="ctr"/>
+            <a:r>
+              <a:rPr lang="en-US" altLang="ko-KR" sz="900" dirty="0"/>
+              <a:t>Prometheus</a:t>
+            </a:r>
+          </a:p>
+          <a:p>
+            <a:pPr algn="ctr"/>
+            <a:r>
+              <a:rPr lang="en-US" altLang="ko-KR" sz="900" dirty="0"/>
+              <a:t>Server</a:t>
+            </a:r>
+          </a:p>
+        </p:txBody>
+      </p:sp>
+      <p:sp>
+        <p:nvSpPr>
+          <p:cNvPr id="24" name="모서리가 둥근 직사각형 23">
+            <a:extLst>
+              <a:ext uri="{FF2B5EF4-FFF2-40B4-BE49-F238E27FC236}">
+                <a16:creationId xmlns:a16="http://schemas.microsoft.com/office/drawing/2014/main" id="{7831A6F3-1F51-1EFB-7699-1E089A0DE452}"/>
+              </a:ext>
+            </a:extLst>
+          </p:cNvPr>
           <p:cNvSpPr/>
           <p:nvPr/>
         </p:nvSpPr>
         <p:spPr>
           <a:xfrm>
-            <a:off x="7008113" y="2917305"/>
-            <a:ext cx="1296144" cy="504056"/>
+            <a:off x="3934627" y="1169922"/>
+            <a:ext cx="1139733" cy="467698"/>
           </a:xfrm>
           <a:prstGeom prst="roundRect">
-            <a:avLst/>
-          </a:prstGeom>
+            <a:avLst>
+              <a:gd name="adj" fmla="val 18479"/>
+            </a:avLst>
+          </a:prstGeom>
+          <a:ln w="12700"/>
         </p:spPr>
         <p:style>
           <a:lnRef idx="2">
@@ -6168,27 +7138,43 @@
           <a:p>
             <a:pPr algn="ctr"/>
             <a:r>
-              <a:rPr lang="en-US" altLang="ko-KR" sz="1600"/>
-              <a:t>Consumer</a:t>
-            </a:r>
-            <a:endParaRPr lang="ko-KR" altLang="en-US" sz="1600" dirty="0"/>
-          </a:p>
-        </p:txBody>
-      </p:sp>
-      <p:sp>
-        <p:nvSpPr>
-          <p:cNvPr id="11" name="모서리가 둥근 직사각형 10"/>
+              <a:rPr lang="en-US" altLang="ko-KR" sz="900" dirty="0"/>
+              <a:t>Rollouts</a:t>
+            </a:r>
+          </a:p>
+          <a:p>
+            <a:pPr algn="ctr"/>
+            <a:r>
+              <a:rPr lang="en-US" altLang="ko-KR" sz="900" dirty="0"/>
+              <a:t>Controller</a:t>
+            </a:r>
+            <a:endParaRPr lang="ko-KR" altLang="en-US" sz="900" dirty="0"/>
+          </a:p>
+        </p:txBody>
+      </p:sp>
+      <p:sp>
+        <p:nvSpPr>
+          <p:cNvPr id="25" name="모서리가 둥근 직사각형 24">
+            <a:extLst>
+              <a:ext uri="{FF2B5EF4-FFF2-40B4-BE49-F238E27FC236}">
+                <a16:creationId xmlns:a16="http://schemas.microsoft.com/office/drawing/2014/main" id="{C45A81B8-1A2E-C8B0-2DDF-579C13445C39}"/>
+              </a:ext>
+            </a:extLst>
+          </p:cNvPr>
           <p:cNvSpPr/>
           <p:nvPr/>
         </p:nvSpPr>
         <p:spPr>
           <a:xfrm>
-            <a:off x="2699792" y="1923678"/>
-            <a:ext cx="1296144" cy="504056"/>
+            <a:off x="2095657" y="1174964"/>
+            <a:ext cx="1139733" cy="467698"/>
           </a:xfrm>
           <a:prstGeom prst="roundRect">
-            <a:avLst/>
-          </a:prstGeom>
+            <a:avLst>
+              <a:gd name="adj" fmla="val 18479"/>
+            </a:avLst>
+          </a:prstGeom>
+          <a:ln w="12700"/>
         </p:spPr>
         <p:style>
           <a:lnRef idx="2">
@@ -6210,27 +7196,43 @@
           <a:p>
             <a:pPr algn="ctr"/>
             <a:r>
-              <a:rPr lang="en-US" altLang="ko-KR" sz="1600" dirty="0"/>
-              <a:t>Exchange</a:t>
-            </a:r>
-            <a:endParaRPr lang="ko-KR" altLang="en-US" sz="1600" dirty="0"/>
-          </a:p>
-        </p:txBody>
-      </p:sp>
-      <p:sp>
-        <p:nvSpPr>
-          <p:cNvPr id="12" name="모서리가 둥근 직사각형 11"/>
+              <a:rPr lang="en-US" altLang="ko-KR" sz="900" dirty="0"/>
+              <a:t>TrafficRouting</a:t>
+            </a:r>
+            <a:br>
+              <a:rPr lang="en-US" altLang="ko-KR" sz="900" dirty="0"/>
+            </a:br>
+            <a:r>
+              <a:rPr lang="en-US" altLang="ko-KR" sz="900" dirty="0"/>
+              <a:t>Reconciler</a:t>
+            </a:r>
+            <a:endParaRPr lang="ko-KR" altLang="en-US" sz="900" dirty="0"/>
+          </a:p>
+        </p:txBody>
+      </p:sp>
+      <p:sp>
+        <p:nvSpPr>
+          <p:cNvPr id="27" name="모서리가 둥근 직사각형 26">
+            <a:extLst>
+              <a:ext uri="{FF2B5EF4-FFF2-40B4-BE49-F238E27FC236}">
+                <a16:creationId xmlns:a16="http://schemas.microsoft.com/office/drawing/2014/main" id="{DC26A8B5-B2F1-2344-4E1A-A913C4C99C7C}"/>
+              </a:ext>
+            </a:extLst>
+          </p:cNvPr>
           <p:cNvSpPr/>
           <p:nvPr/>
         </p:nvSpPr>
         <p:spPr>
           <a:xfrm>
-            <a:off x="3059832" y="2645945"/>
-            <a:ext cx="1296144" cy="504056"/>
+            <a:off x="5773598" y="1169922"/>
+            <a:ext cx="1139733" cy="467698"/>
           </a:xfrm>
           <a:prstGeom prst="roundRect">
-            <a:avLst/>
-          </a:prstGeom>
+            <a:avLst>
+              <a:gd name="adj" fmla="val 18479"/>
+            </a:avLst>
+          </a:prstGeom>
+          <a:ln w="12700"/>
         </p:spPr>
         <p:style>
           <a:lnRef idx="2">
@@ -6252,27 +7254,45 @@
           <a:p>
             <a:pPr algn="ctr"/>
             <a:r>
-              <a:rPr lang="en-US" altLang="ko-KR" sz="1600" dirty="0"/>
-              <a:t>Exchange</a:t>
-            </a:r>
-            <a:endParaRPr lang="ko-KR" altLang="en-US" sz="1600" dirty="0"/>
-          </a:p>
-        </p:txBody>
-      </p:sp>
-      <p:sp>
-        <p:nvSpPr>
-          <p:cNvPr id="13" name="모서리가 둥근 직사각형 12"/>
+              <a:rPr lang="en-US" altLang="ko-KR" sz="900" dirty="0"/>
+              <a:t>Analysis</a:t>
+            </a:r>
+          </a:p>
+          <a:p>
+            <a:pPr algn="ctr"/>
+            <a:r>
+              <a:rPr lang="en-US" altLang="ko-KR" sz="900" dirty="0"/>
+              <a:t>Controller</a:t>
+            </a:r>
+            <a:endParaRPr lang="ko-KR" altLang="en-US" sz="900" dirty="0"/>
+          </a:p>
+        </p:txBody>
+      </p:sp>
+      <p:sp>
+        <p:nvSpPr>
+          <p:cNvPr id="57" name="모서리가 둥근 직사각형 56">
+            <a:extLst>
+              <a:ext uri="{FF2B5EF4-FFF2-40B4-BE49-F238E27FC236}">
+                <a16:creationId xmlns:a16="http://schemas.microsoft.com/office/drawing/2014/main" id="{AEB5F101-6F87-C231-47C4-0E1EF9A32614}"/>
+              </a:ext>
+            </a:extLst>
+          </p:cNvPr>
           <p:cNvSpPr/>
           <p:nvPr/>
         </p:nvSpPr>
         <p:spPr>
           <a:xfrm>
-            <a:off x="7008113" y="1558461"/>
-            <a:ext cx="1296144" cy="504056"/>
+            <a:off x="5630042" y="2886524"/>
+            <a:ext cx="1426855" cy="1779924"/>
           </a:xfrm>
           <a:prstGeom prst="roundRect">
-            <a:avLst/>
-          </a:prstGeom>
+            <a:avLst>
+              <a:gd name="adj" fmla="val 7808"/>
+            </a:avLst>
+          </a:prstGeom>
+          <a:ln w="12700">
+            <a:prstDash val="dash"/>
+          </a:ln>
         </p:spPr>
         <p:style>
           <a:lnRef idx="2">
@@ -6289,32 +7309,42 @@
           </a:fontRef>
         </p:style>
         <p:txBody>
-          <a:bodyPr rtlCol="0" anchor="ctr"/>
-          <a:lstStyle/>
-          <a:p>
-            <a:pPr algn="ctr"/>
-            <a:r>
-              <a:rPr lang="en-US" altLang="ko-KR" sz="1600"/>
-              <a:t>Consumer</a:t>
-            </a:r>
-            <a:endParaRPr lang="ko-KR" altLang="en-US" dirty="0"/>
-          </a:p>
-        </p:txBody>
-      </p:sp>
-      <p:sp>
-        <p:nvSpPr>
-          <p:cNvPr id="14" name="모서리가 둥근 직사각형 13"/>
+          <a:bodyPr rtlCol="0" anchor="t"/>
+          <a:lstStyle/>
+          <a:p>
+            <a:pPr algn="ctr"/>
+            <a:r>
+              <a:rPr lang="en-US" altLang="ko-KR" sz="900" b="1" dirty="0"/>
+              <a:t>AnalysisRuns Objects</a:t>
+            </a:r>
+          </a:p>
+        </p:txBody>
+      </p:sp>
+      <p:sp>
+        <p:nvSpPr>
+          <p:cNvPr id="33" name="모서리가 둥근 직사각형 32">
+            <a:extLst>
+              <a:ext uri="{FF2B5EF4-FFF2-40B4-BE49-F238E27FC236}">
+                <a16:creationId xmlns:a16="http://schemas.microsoft.com/office/drawing/2014/main" id="{1DD866B3-5C60-940C-6EF3-C13F8398FF9F}"/>
+              </a:ext>
+            </a:extLst>
+          </p:cNvPr>
           <p:cNvSpPr/>
           <p:nvPr/>
         </p:nvSpPr>
         <p:spPr>
           <a:xfrm>
-            <a:off x="4945388" y="3290333"/>
-            <a:ext cx="1296144" cy="504056"/>
+            <a:off x="3791068" y="2886524"/>
+            <a:ext cx="1426855" cy="1779924"/>
           </a:xfrm>
           <a:prstGeom prst="roundRect">
-            <a:avLst/>
-          </a:prstGeom>
+            <a:avLst>
+              <a:gd name="adj" fmla="val 7808"/>
+            </a:avLst>
+          </a:prstGeom>
+          <a:ln w="12700">
+            <a:prstDash val="dash"/>
+          </a:ln>
         </p:spPr>
         <p:style>
           <a:lnRef idx="2">
@@ -6331,32 +7361,40 @@
           </a:fontRef>
         </p:style>
         <p:txBody>
-          <a:bodyPr rtlCol="0" anchor="ctr"/>
-          <a:lstStyle/>
-          <a:p>
-            <a:pPr algn="ctr"/>
-            <a:r>
-              <a:rPr lang="en-US" altLang="ko-KR" sz="1600" dirty="0"/>
-              <a:t>Queue</a:t>
-            </a:r>
-            <a:endParaRPr lang="ko-KR" altLang="en-US" sz="1600" dirty="0"/>
-          </a:p>
-        </p:txBody>
-      </p:sp>
-      <p:sp>
-        <p:nvSpPr>
-          <p:cNvPr id="15" name="모서리가 둥근 직사각형 14"/>
+          <a:bodyPr rtlCol="0" anchor="t"/>
+          <a:lstStyle/>
+          <a:p>
+            <a:pPr algn="ctr"/>
+            <a:r>
+              <a:rPr lang="en-US" altLang="ko-KR" sz="900" b="1" dirty="0"/>
+              <a:t>ReplicaSet Objects</a:t>
+            </a:r>
+          </a:p>
+        </p:txBody>
+      </p:sp>
+      <p:sp>
+        <p:nvSpPr>
+          <p:cNvPr id="18" name="모서리가 둥근 직사각형 17">
+            <a:extLst>
+              <a:ext uri="{FF2B5EF4-FFF2-40B4-BE49-F238E27FC236}">
+                <a16:creationId xmlns:a16="http://schemas.microsoft.com/office/drawing/2014/main" id="{AC217EC4-846B-C03F-506F-B0381DCD3D2C}"/>
+              </a:ext>
+            </a:extLst>
+          </p:cNvPr>
           <p:cNvSpPr/>
           <p:nvPr/>
         </p:nvSpPr>
         <p:spPr>
           <a:xfrm>
-            <a:off x="4945388" y="1923678"/>
-            <a:ext cx="1296144" cy="504056"/>
+            <a:off x="3936161" y="3234374"/>
+            <a:ext cx="1139733" cy="467698"/>
           </a:xfrm>
           <a:prstGeom prst="roundRect">
-            <a:avLst/>
-          </a:prstGeom>
+            <a:avLst>
+              <a:gd name="adj" fmla="val 18479"/>
+            </a:avLst>
+          </a:prstGeom>
+          <a:ln w="12700"/>
         </p:spPr>
         <p:style>
           <a:lnRef idx="2">
@@ -6378,43 +7416,1028 @@
           <a:p>
             <a:pPr algn="ctr"/>
             <a:r>
-              <a:rPr lang="en-US" altLang="ko-KR" sz="1600" dirty="0"/>
-              <a:t>Queue</a:t>
-            </a:r>
-            <a:endParaRPr lang="ko-KR" altLang="en-US" sz="1600" dirty="0"/>
+              <a:rPr lang="en-US" altLang="ko-KR" sz="900"/>
+              <a:t>ReplicaSet</a:t>
+            </a:r>
+          </a:p>
+          <a:p>
+            <a:pPr algn="ctr"/>
+            <a:r>
+              <a:rPr lang="en-US" altLang="ko-KR" sz="900"/>
+              <a:t>revision:5</a:t>
+            </a:r>
+          </a:p>
+        </p:txBody>
+      </p:sp>
+      <p:sp>
+        <p:nvSpPr>
+          <p:cNvPr id="20" name="모서리가 둥근 직사각형 19">
+            <a:extLst>
+              <a:ext uri="{FF2B5EF4-FFF2-40B4-BE49-F238E27FC236}">
+                <a16:creationId xmlns:a16="http://schemas.microsoft.com/office/drawing/2014/main" id="{745A19A6-B11D-7332-9FDB-C4E4E6C42C4A}"/>
+              </a:ext>
+            </a:extLst>
+          </p:cNvPr>
+          <p:cNvSpPr/>
+          <p:nvPr/>
+        </p:nvSpPr>
+        <p:spPr>
+          <a:xfrm>
+            <a:off x="4872230" y="2095760"/>
+            <a:ext cx="1139733" cy="467698"/>
+          </a:xfrm>
+          <a:prstGeom prst="roundRect">
+            <a:avLst>
+              <a:gd name="adj" fmla="val 18479"/>
+            </a:avLst>
+          </a:prstGeom>
+          <a:ln w="12700"/>
+        </p:spPr>
+        <p:style>
+          <a:lnRef idx="2">
+            <a:schemeClr val="dk1"/>
+          </a:lnRef>
+          <a:fillRef idx="1">
+            <a:schemeClr val="lt1"/>
+          </a:fillRef>
+          <a:effectRef idx="0">
+            <a:schemeClr val="dk1"/>
+          </a:effectRef>
+          <a:fontRef idx="minor">
+            <a:schemeClr val="dk1"/>
+          </a:fontRef>
+        </p:style>
+        <p:txBody>
+          <a:bodyPr rtlCol="0" anchor="ctr"/>
+          <a:lstStyle/>
+          <a:p>
+            <a:pPr algn="ctr"/>
+            <a:r>
+              <a:rPr lang="en-US" altLang="ko-KR" sz="900" b="1" dirty="0"/>
+              <a:t>Analysis</a:t>
+            </a:r>
+          </a:p>
+          <a:p>
+            <a:pPr algn="ctr"/>
+            <a:r>
+              <a:rPr lang="en-US" altLang="ko-KR" sz="900" b="1" dirty="0"/>
+              <a:t>Templates</a:t>
+            </a:r>
+          </a:p>
+          <a:p>
+            <a:pPr algn="ctr"/>
+            <a:r>
+              <a:rPr lang="en-US" altLang="ko-KR" sz="900" b="1" dirty="0"/>
+              <a:t>Object</a:t>
+            </a:r>
+            <a:endParaRPr lang="ko-KR" altLang="en-US" sz="900" b="1" dirty="0"/>
+          </a:p>
+        </p:txBody>
+      </p:sp>
+      <p:sp>
+        <p:nvSpPr>
+          <p:cNvPr id="22" name="모서리가 둥근 직사각형 21">
+            <a:extLst>
+              <a:ext uri="{FF2B5EF4-FFF2-40B4-BE49-F238E27FC236}">
+                <a16:creationId xmlns:a16="http://schemas.microsoft.com/office/drawing/2014/main" id="{6C4AB0B1-496F-EE91-BD5E-E47541AEF628}"/>
+              </a:ext>
+            </a:extLst>
+          </p:cNvPr>
+          <p:cNvSpPr/>
+          <p:nvPr/>
+        </p:nvSpPr>
+        <p:spPr>
+          <a:xfrm>
+            <a:off x="5773603" y="3228740"/>
+            <a:ext cx="1139733" cy="467698"/>
+          </a:xfrm>
+          <a:prstGeom prst="roundRect">
+            <a:avLst>
+              <a:gd name="adj" fmla="val 18479"/>
+            </a:avLst>
+          </a:prstGeom>
+          <a:ln w="12700"/>
+        </p:spPr>
+        <p:style>
+          <a:lnRef idx="2">
+            <a:schemeClr val="dk1"/>
+          </a:lnRef>
+          <a:fillRef idx="1">
+            <a:schemeClr val="lt1"/>
+          </a:fillRef>
+          <a:effectRef idx="0">
+            <a:schemeClr val="dk1"/>
+          </a:effectRef>
+          <a:fontRef idx="minor">
+            <a:schemeClr val="dk1"/>
+          </a:fontRef>
+        </p:style>
+        <p:txBody>
+          <a:bodyPr rtlCol="0" anchor="ctr"/>
+          <a:lstStyle/>
+          <a:p>
+            <a:pPr algn="ctr"/>
+            <a:r>
+              <a:rPr lang="en-US" altLang="ko-KR" sz="900" dirty="0"/>
+              <a:t>Analysis</a:t>
+            </a:r>
+          </a:p>
+        </p:txBody>
+      </p:sp>
+      <p:sp>
+        <p:nvSpPr>
+          <p:cNvPr id="28" name="모서리가 둥근 직사각형 27">
+            <a:extLst>
+              <a:ext uri="{FF2B5EF4-FFF2-40B4-BE49-F238E27FC236}">
+                <a16:creationId xmlns:a16="http://schemas.microsoft.com/office/drawing/2014/main" id="{7D1D35B3-B6D2-F0A5-E0D7-AEF659D6CB4E}"/>
+              </a:ext>
+            </a:extLst>
+          </p:cNvPr>
+          <p:cNvSpPr/>
+          <p:nvPr/>
+        </p:nvSpPr>
+        <p:spPr>
+          <a:xfrm>
+            <a:off x="3033258" y="2095760"/>
+            <a:ext cx="1139733" cy="467698"/>
+          </a:xfrm>
+          <a:prstGeom prst="roundRect">
+            <a:avLst>
+              <a:gd name="adj" fmla="val 18479"/>
+            </a:avLst>
+          </a:prstGeom>
+          <a:ln w="12700"/>
+        </p:spPr>
+        <p:style>
+          <a:lnRef idx="2">
+            <a:schemeClr val="dk1"/>
+          </a:lnRef>
+          <a:fillRef idx="1">
+            <a:schemeClr val="lt1"/>
+          </a:fillRef>
+          <a:effectRef idx="0">
+            <a:schemeClr val="dk1"/>
+          </a:effectRef>
+          <a:fontRef idx="minor">
+            <a:schemeClr val="dk1"/>
+          </a:fontRef>
+        </p:style>
+        <p:txBody>
+          <a:bodyPr rtlCol="0" anchor="ctr"/>
+          <a:lstStyle/>
+          <a:p>
+            <a:pPr algn="ctr"/>
+            <a:r>
+              <a:rPr lang="en-US" altLang="ko-KR" sz="900" b="1" dirty="0"/>
+              <a:t>Rollouts</a:t>
+            </a:r>
+          </a:p>
+          <a:p>
+            <a:pPr algn="ctr"/>
+            <a:r>
+              <a:rPr lang="en-US" altLang="ko-KR" sz="900" b="1" dirty="0"/>
+              <a:t>Object</a:t>
+            </a:r>
+          </a:p>
+        </p:txBody>
+      </p:sp>
+      <p:sp>
+        <p:nvSpPr>
+          <p:cNvPr id="31" name="모서리가 둥근 직사각형 30">
+            <a:extLst>
+              <a:ext uri="{FF2B5EF4-FFF2-40B4-BE49-F238E27FC236}">
+                <a16:creationId xmlns:a16="http://schemas.microsoft.com/office/drawing/2014/main" id="{32FB4FCE-C562-3D69-BA1B-A1E5024A9A2F}"/>
+              </a:ext>
+            </a:extLst>
+          </p:cNvPr>
+          <p:cNvSpPr/>
+          <p:nvPr/>
+        </p:nvSpPr>
+        <p:spPr>
+          <a:xfrm>
+            <a:off x="3934629" y="3822010"/>
+            <a:ext cx="1139733" cy="467698"/>
+          </a:xfrm>
+          <a:prstGeom prst="roundRect">
+            <a:avLst>
+              <a:gd name="adj" fmla="val 18479"/>
+            </a:avLst>
+          </a:prstGeom>
+          <a:ln w="12700"/>
+        </p:spPr>
+        <p:style>
+          <a:lnRef idx="2">
+            <a:schemeClr val="dk1"/>
+          </a:lnRef>
+          <a:fillRef idx="1">
+            <a:schemeClr val="lt1"/>
+          </a:fillRef>
+          <a:effectRef idx="0">
+            <a:schemeClr val="dk1"/>
+          </a:effectRef>
+          <a:fontRef idx="minor">
+            <a:schemeClr val="dk1"/>
+          </a:fontRef>
+        </p:style>
+        <p:txBody>
+          <a:bodyPr rtlCol="0" anchor="ctr"/>
+          <a:lstStyle/>
+          <a:p>
+            <a:pPr algn="ctr"/>
+            <a:r>
+              <a:rPr lang="en-US" altLang="ko-KR" sz="900"/>
+              <a:t>ReplicaSet</a:t>
+            </a:r>
+          </a:p>
+          <a:p>
+            <a:pPr algn="ctr"/>
+            <a:r>
+              <a:rPr lang="en-US" altLang="ko-KR" sz="900"/>
+              <a:t>revision:6</a:t>
+            </a:r>
+          </a:p>
+        </p:txBody>
+      </p:sp>
+      <p:sp>
+        <p:nvSpPr>
+          <p:cNvPr id="34" name="타원 33">
+            <a:extLst>
+              <a:ext uri="{FF2B5EF4-FFF2-40B4-BE49-F238E27FC236}">
+                <a16:creationId xmlns:a16="http://schemas.microsoft.com/office/drawing/2014/main" id="{94BD2512-A8B5-C4FB-1E3D-084F8C32C542}"/>
+              </a:ext>
+            </a:extLst>
+          </p:cNvPr>
+          <p:cNvSpPr/>
+          <p:nvPr/>
+        </p:nvSpPr>
+        <p:spPr>
+          <a:xfrm>
+            <a:off x="4478012" y="4348557"/>
+            <a:ext cx="52966" cy="50196"/>
+          </a:xfrm>
+          <a:prstGeom prst="ellipse">
+            <a:avLst/>
+          </a:prstGeom>
+          <a:solidFill>
+            <a:schemeClr val="tx1"/>
+          </a:solidFill>
+          <a:ln>
+            <a:noFill/>
+          </a:ln>
+        </p:spPr>
+        <p:style>
+          <a:lnRef idx="2">
+            <a:schemeClr val="accent1">
+              <a:shade val="15000"/>
+            </a:schemeClr>
+          </a:lnRef>
+          <a:fillRef idx="1">
+            <a:schemeClr val="accent1"/>
+          </a:fillRef>
+          <a:effectRef idx="0">
+            <a:schemeClr val="accent1"/>
+          </a:effectRef>
+          <a:fontRef idx="minor">
+            <a:schemeClr val="lt1"/>
+          </a:fontRef>
+        </p:style>
+        <p:txBody>
+          <a:bodyPr rtlCol="0" anchor="ctr"/>
+          <a:lstStyle/>
+          <a:p>
+            <a:pPr algn="ctr"/>
+            <a:endParaRPr kumimoji="1" lang="ko-KR" altLang="en-US" sz="900"/>
+          </a:p>
+        </p:txBody>
+      </p:sp>
+      <p:sp>
+        <p:nvSpPr>
+          <p:cNvPr id="48" name="타원 47">
+            <a:extLst>
+              <a:ext uri="{FF2B5EF4-FFF2-40B4-BE49-F238E27FC236}">
+                <a16:creationId xmlns:a16="http://schemas.microsoft.com/office/drawing/2014/main" id="{CEE2B609-EE13-0694-CAA9-D6800754FF8F}"/>
+              </a:ext>
+            </a:extLst>
+          </p:cNvPr>
+          <p:cNvSpPr/>
+          <p:nvPr/>
+        </p:nvSpPr>
+        <p:spPr>
+          <a:xfrm>
+            <a:off x="4478012" y="4446158"/>
+            <a:ext cx="52966" cy="50196"/>
+          </a:xfrm>
+          <a:prstGeom prst="ellipse">
+            <a:avLst/>
+          </a:prstGeom>
+          <a:solidFill>
+            <a:schemeClr val="tx1"/>
+          </a:solidFill>
+          <a:ln>
+            <a:noFill/>
+          </a:ln>
+        </p:spPr>
+        <p:style>
+          <a:lnRef idx="2">
+            <a:schemeClr val="accent1">
+              <a:shade val="15000"/>
+            </a:schemeClr>
+          </a:lnRef>
+          <a:fillRef idx="1">
+            <a:schemeClr val="accent1"/>
+          </a:fillRef>
+          <a:effectRef idx="0">
+            <a:schemeClr val="accent1"/>
+          </a:effectRef>
+          <a:fontRef idx="minor">
+            <a:schemeClr val="lt1"/>
+          </a:fontRef>
+        </p:style>
+        <p:txBody>
+          <a:bodyPr rtlCol="0" anchor="ctr"/>
+          <a:lstStyle/>
+          <a:p>
+            <a:pPr algn="ctr"/>
+            <a:endParaRPr kumimoji="1" lang="ko-KR" altLang="en-US" sz="900"/>
+          </a:p>
+        </p:txBody>
+      </p:sp>
+      <p:sp>
+        <p:nvSpPr>
+          <p:cNvPr id="49" name="타원 48">
+            <a:extLst>
+              <a:ext uri="{FF2B5EF4-FFF2-40B4-BE49-F238E27FC236}">
+                <a16:creationId xmlns:a16="http://schemas.microsoft.com/office/drawing/2014/main" id="{870AFF56-3E8D-4156-B038-A0E98C4CD91B}"/>
+              </a:ext>
+            </a:extLst>
+          </p:cNvPr>
+          <p:cNvSpPr/>
+          <p:nvPr/>
+        </p:nvSpPr>
+        <p:spPr>
+          <a:xfrm>
+            <a:off x="4478012" y="4547900"/>
+            <a:ext cx="52966" cy="50196"/>
+          </a:xfrm>
+          <a:prstGeom prst="ellipse">
+            <a:avLst/>
+          </a:prstGeom>
+          <a:solidFill>
+            <a:schemeClr val="tx1"/>
+          </a:solidFill>
+          <a:ln>
+            <a:noFill/>
+          </a:ln>
+        </p:spPr>
+        <p:style>
+          <a:lnRef idx="2">
+            <a:schemeClr val="accent1">
+              <a:shade val="15000"/>
+            </a:schemeClr>
+          </a:lnRef>
+          <a:fillRef idx="1">
+            <a:schemeClr val="accent1"/>
+          </a:fillRef>
+          <a:effectRef idx="0">
+            <a:schemeClr val="accent1"/>
+          </a:effectRef>
+          <a:fontRef idx="minor">
+            <a:schemeClr val="lt1"/>
+          </a:fontRef>
+        </p:style>
+        <p:txBody>
+          <a:bodyPr rtlCol="0" anchor="ctr"/>
+          <a:lstStyle/>
+          <a:p>
+            <a:pPr algn="ctr"/>
+            <a:endParaRPr kumimoji="1" lang="ko-KR" altLang="en-US" sz="900"/>
+          </a:p>
+        </p:txBody>
+      </p:sp>
+      <p:sp>
+        <p:nvSpPr>
+          <p:cNvPr id="61" name="모서리가 둥근 직사각형 60">
+            <a:extLst>
+              <a:ext uri="{FF2B5EF4-FFF2-40B4-BE49-F238E27FC236}">
+                <a16:creationId xmlns:a16="http://schemas.microsoft.com/office/drawing/2014/main" id="{2680110B-35E7-2694-4260-7A7F1870FE87}"/>
+              </a:ext>
+            </a:extLst>
+          </p:cNvPr>
+          <p:cNvSpPr/>
+          <p:nvPr/>
+        </p:nvSpPr>
+        <p:spPr>
+          <a:xfrm>
+            <a:off x="5773603" y="3822010"/>
+            <a:ext cx="1139733" cy="467698"/>
+          </a:xfrm>
+          <a:prstGeom prst="roundRect">
+            <a:avLst>
+              <a:gd name="adj" fmla="val 18479"/>
+            </a:avLst>
+          </a:prstGeom>
+          <a:ln w="12700"/>
+        </p:spPr>
+        <p:style>
+          <a:lnRef idx="2">
+            <a:schemeClr val="dk1"/>
+          </a:lnRef>
+          <a:fillRef idx="1">
+            <a:schemeClr val="lt1"/>
+          </a:fillRef>
+          <a:effectRef idx="0">
+            <a:schemeClr val="dk1"/>
+          </a:effectRef>
+          <a:fontRef idx="minor">
+            <a:schemeClr val="dk1"/>
+          </a:fontRef>
+        </p:style>
+        <p:txBody>
+          <a:bodyPr rtlCol="0" anchor="ctr"/>
+          <a:lstStyle/>
+          <a:p>
+            <a:pPr algn="ctr"/>
+            <a:r>
+              <a:rPr lang="en-US" altLang="ko-KR" sz="900" dirty="0"/>
+              <a:t>Analysis</a:t>
+            </a:r>
+          </a:p>
+        </p:txBody>
+      </p:sp>
+      <p:sp>
+        <p:nvSpPr>
+          <p:cNvPr id="62" name="타원 61">
+            <a:extLst>
+              <a:ext uri="{FF2B5EF4-FFF2-40B4-BE49-F238E27FC236}">
+                <a16:creationId xmlns:a16="http://schemas.microsoft.com/office/drawing/2014/main" id="{78596DE7-94F2-6989-9EA6-BDE525416CE6}"/>
+              </a:ext>
+            </a:extLst>
+          </p:cNvPr>
+          <p:cNvSpPr/>
+          <p:nvPr/>
+        </p:nvSpPr>
+        <p:spPr>
+          <a:xfrm>
+            <a:off x="6316986" y="4348557"/>
+            <a:ext cx="52966" cy="50196"/>
+          </a:xfrm>
+          <a:prstGeom prst="ellipse">
+            <a:avLst/>
+          </a:prstGeom>
+          <a:solidFill>
+            <a:schemeClr val="tx1"/>
+          </a:solidFill>
+          <a:ln>
+            <a:noFill/>
+          </a:ln>
+        </p:spPr>
+        <p:style>
+          <a:lnRef idx="2">
+            <a:schemeClr val="accent1">
+              <a:shade val="15000"/>
+            </a:schemeClr>
+          </a:lnRef>
+          <a:fillRef idx="1">
+            <a:schemeClr val="accent1"/>
+          </a:fillRef>
+          <a:effectRef idx="0">
+            <a:schemeClr val="accent1"/>
+          </a:effectRef>
+          <a:fontRef idx="minor">
+            <a:schemeClr val="lt1"/>
+          </a:fontRef>
+        </p:style>
+        <p:txBody>
+          <a:bodyPr rtlCol="0" anchor="ctr"/>
+          <a:lstStyle/>
+          <a:p>
+            <a:pPr algn="ctr"/>
+            <a:endParaRPr kumimoji="1" lang="ko-KR" altLang="en-US" sz="900"/>
+          </a:p>
+        </p:txBody>
+      </p:sp>
+      <p:sp>
+        <p:nvSpPr>
+          <p:cNvPr id="63" name="타원 62">
+            <a:extLst>
+              <a:ext uri="{FF2B5EF4-FFF2-40B4-BE49-F238E27FC236}">
+                <a16:creationId xmlns:a16="http://schemas.microsoft.com/office/drawing/2014/main" id="{2CEFF003-E47A-3B72-07DA-47E99E735300}"/>
+              </a:ext>
+            </a:extLst>
+          </p:cNvPr>
+          <p:cNvSpPr/>
+          <p:nvPr/>
+        </p:nvSpPr>
+        <p:spPr>
+          <a:xfrm>
+            <a:off x="6316986" y="4446158"/>
+            <a:ext cx="52966" cy="50196"/>
+          </a:xfrm>
+          <a:prstGeom prst="ellipse">
+            <a:avLst/>
+          </a:prstGeom>
+          <a:solidFill>
+            <a:schemeClr val="tx1"/>
+          </a:solidFill>
+          <a:ln>
+            <a:noFill/>
+          </a:ln>
+        </p:spPr>
+        <p:style>
+          <a:lnRef idx="2">
+            <a:schemeClr val="accent1">
+              <a:shade val="15000"/>
+            </a:schemeClr>
+          </a:lnRef>
+          <a:fillRef idx="1">
+            <a:schemeClr val="accent1"/>
+          </a:fillRef>
+          <a:effectRef idx="0">
+            <a:schemeClr val="accent1"/>
+          </a:effectRef>
+          <a:fontRef idx="minor">
+            <a:schemeClr val="lt1"/>
+          </a:fontRef>
+        </p:style>
+        <p:txBody>
+          <a:bodyPr rtlCol="0" anchor="ctr"/>
+          <a:lstStyle/>
+          <a:p>
+            <a:pPr algn="ctr"/>
+            <a:endParaRPr kumimoji="1" lang="ko-KR" altLang="en-US" sz="900"/>
+          </a:p>
+        </p:txBody>
+      </p:sp>
+      <p:sp>
+        <p:nvSpPr>
+          <p:cNvPr id="64" name="타원 63">
+            <a:extLst>
+              <a:ext uri="{FF2B5EF4-FFF2-40B4-BE49-F238E27FC236}">
+                <a16:creationId xmlns:a16="http://schemas.microsoft.com/office/drawing/2014/main" id="{86ED9150-CED2-C4D7-EA01-587E6E7C8BE8}"/>
+              </a:ext>
+            </a:extLst>
+          </p:cNvPr>
+          <p:cNvSpPr/>
+          <p:nvPr/>
+        </p:nvSpPr>
+        <p:spPr>
+          <a:xfrm>
+            <a:off x="6316986" y="4547900"/>
+            <a:ext cx="52966" cy="50196"/>
+          </a:xfrm>
+          <a:prstGeom prst="ellipse">
+            <a:avLst/>
+          </a:prstGeom>
+          <a:solidFill>
+            <a:schemeClr val="tx1"/>
+          </a:solidFill>
+          <a:ln>
+            <a:noFill/>
+          </a:ln>
+        </p:spPr>
+        <p:style>
+          <a:lnRef idx="2">
+            <a:schemeClr val="accent1">
+              <a:shade val="15000"/>
+            </a:schemeClr>
+          </a:lnRef>
+          <a:fillRef idx="1">
+            <a:schemeClr val="accent1"/>
+          </a:fillRef>
+          <a:effectRef idx="0">
+            <a:schemeClr val="accent1"/>
+          </a:effectRef>
+          <a:fontRef idx="minor">
+            <a:schemeClr val="lt1"/>
+          </a:fontRef>
+        </p:style>
+        <p:txBody>
+          <a:bodyPr rtlCol="0" anchor="ctr"/>
+          <a:lstStyle/>
+          <a:p>
+            <a:pPr algn="ctr"/>
+            <a:endParaRPr kumimoji="1" lang="ko-KR" altLang="en-US" sz="900"/>
+          </a:p>
+        </p:txBody>
+      </p:sp>
+      <p:sp>
+        <p:nvSpPr>
+          <p:cNvPr id="69" name="모서리가 둥근 직사각형 68">
+            <a:extLst>
+              <a:ext uri="{FF2B5EF4-FFF2-40B4-BE49-F238E27FC236}">
+                <a16:creationId xmlns:a16="http://schemas.microsoft.com/office/drawing/2014/main" id="{8C48CC71-AC90-3E96-A18A-9BD784213BC1}"/>
+              </a:ext>
+            </a:extLst>
+          </p:cNvPr>
+          <p:cNvSpPr/>
+          <p:nvPr/>
+        </p:nvSpPr>
+        <p:spPr>
+          <a:xfrm>
+            <a:off x="1952096" y="2886524"/>
+            <a:ext cx="1426855" cy="1779924"/>
+          </a:xfrm>
+          <a:prstGeom prst="roundRect">
+            <a:avLst>
+              <a:gd name="adj" fmla="val 7808"/>
+            </a:avLst>
+          </a:prstGeom>
+          <a:ln w="12700">
+            <a:prstDash val="dash"/>
+          </a:ln>
+        </p:spPr>
+        <p:style>
+          <a:lnRef idx="2">
+            <a:schemeClr val="dk1"/>
+          </a:lnRef>
+          <a:fillRef idx="1">
+            <a:schemeClr val="lt1"/>
+          </a:fillRef>
+          <a:effectRef idx="0">
+            <a:schemeClr val="dk1"/>
+          </a:effectRef>
+          <a:fontRef idx="minor">
+            <a:schemeClr val="dk1"/>
+          </a:fontRef>
+        </p:style>
+        <p:txBody>
+          <a:bodyPr rtlCol="0" anchor="t"/>
+          <a:lstStyle/>
+          <a:p>
+            <a:pPr algn="ctr"/>
+            <a:r>
+              <a:rPr lang="en-US" altLang="ko-KR" sz="900" b="1" dirty="0"/>
+              <a:t>TrafficRouting</a:t>
+            </a:r>
+          </a:p>
+        </p:txBody>
+      </p:sp>
+      <p:sp>
+        <p:nvSpPr>
+          <p:cNvPr id="71" name="모서리가 둥근 직사각형 70">
+            <a:extLst>
+              <a:ext uri="{FF2B5EF4-FFF2-40B4-BE49-F238E27FC236}">
+                <a16:creationId xmlns:a16="http://schemas.microsoft.com/office/drawing/2014/main" id="{25F5531D-A7E4-B0F5-248F-725AB9B62CED}"/>
+              </a:ext>
+            </a:extLst>
+          </p:cNvPr>
+          <p:cNvSpPr/>
+          <p:nvPr/>
+        </p:nvSpPr>
+        <p:spPr>
+          <a:xfrm>
+            <a:off x="2095657" y="3824827"/>
+            <a:ext cx="1139733" cy="462064"/>
+          </a:xfrm>
+          <a:prstGeom prst="roundRect">
+            <a:avLst>
+              <a:gd name="adj" fmla="val 18479"/>
+            </a:avLst>
+          </a:prstGeom>
+          <a:ln w="12700"/>
+        </p:spPr>
+        <p:style>
+          <a:lnRef idx="2">
+            <a:schemeClr val="dk1"/>
+          </a:lnRef>
+          <a:fillRef idx="1">
+            <a:schemeClr val="lt1"/>
+          </a:fillRef>
+          <a:effectRef idx="0">
+            <a:schemeClr val="dk1"/>
+          </a:effectRef>
+          <a:fontRef idx="minor">
+            <a:schemeClr val="dk1"/>
+          </a:fontRef>
+        </p:style>
+        <p:txBody>
+          <a:bodyPr rtlCol="0" anchor="ctr"/>
+          <a:lstStyle/>
+          <a:p>
+            <a:pPr algn="ctr"/>
+            <a:r>
+              <a:rPr lang="en-US" altLang="ko-KR" sz="900"/>
+              <a:t>Ingress Nginx</a:t>
+            </a:r>
+          </a:p>
+        </p:txBody>
+      </p:sp>
+      <p:sp>
+        <p:nvSpPr>
+          <p:cNvPr id="72" name="모서리가 둥근 직사각형 71">
+            <a:extLst>
+              <a:ext uri="{FF2B5EF4-FFF2-40B4-BE49-F238E27FC236}">
+                <a16:creationId xmlns:a16="http://schemas.microsoft.com/office/drawing/2014/main" id="{3EED813A-F92A-ACE3-EED1-240232513023}"/>
+              </a:ext>
+            </a:extLst>
+          </p:cNvPr>
+          <p:cNvSpPr/>
+          <p:nvPr/>
+        </p:nvSpPr>
+        <p:spPr>
+          <a:xfrm>
+            <a:off x="2095657" y="3231557"/>
+            <a:ext cx="1139733" cy="462064"/>
+          </a:xfrm>
+          <a:prstGeom prst="roundRect">
+            <a:avLst>
+              <a:gd name="adj" fmla="val 18479"/>
+            </a:avLst>
+          </a:prstGeom>
+          <a:ln w="12700"/>
+        </p:spPr>
+        <p:style>
+          <a:lnRef idx="2">
+            <a:schemeClr val="dk1"/>
+          </a:lnRef>
+          <a:fillRef idx="1">
+            <a:schemeClr val="lt1"/>
+          </a:fillRef>
+          <a:effectRef idx="0">
+            <a:schemeClr val="dk1"/>
+          </a:effectRef>
+          <a:fontRef idx="minor">
+            <a:schemeClr val="dk1"/>
+          </a:fontRef>
+        </p:style>
+        <p:txBody>
+          <a:bodyPr rtlCol="0" anchor="ctr"/>
+          <a:lstStyle/>
+          <a:p>
+            <a:pPr algn="ctr"/>
+            <a:r>
+              <a:rPr lang="en-US" altLang="ko-KR" sz="900"/>
+              <a:t>Istio</a:t>
+            </a:r>
+          </a:p>
+          <a:p>
+            <a:pPr algn="ctr"/>
+            <a:r>
+              <a:rPr lang="en-US" altLang="ko-KR" sz="900"/>
+              <a:t>VirtualService</a:t>
+            </a:r>
+          </a:p>
+          <a:p>
+            <a:pPr algn="ctr"/>
+            <a:r>
+              <a:rPr lang="en-US" altLang="ko-KR" sz="900"/>
+              <a:t>DestinationRule</a:t>
+            </a:r>
+          </a:p>
+        </p:txBody>
+      </p:sp>
+      <p:sp>
+        <p:nvSpPr>
+          <p:cNvPr id="75" name="타원 74">
+            <a:extLst>
+              <a:ext uri="{FF2B5EF4-FFF2-40B4-BE49-F238E27FC236}">
+                <a16:creationId xmlns:a16="http://schemas.microsoft.com/office/drawing/2014/main" id="{91445D3F-C3EB-7337-EAAB-971299805183}"/>
+              </a:ext>
+            </a:extLst>
+          </p:cNvPr>
+          <p:cNvSpPr/>
+          <p:nvPr/>
+        </p:nvSpPr>
+        <p:spPr>
+          <a:xfrm>
+            <a:off x="2645892" y="4348557"/>
+            <a:ext cx="52966" cy="50196"/>
+          </a:xfrm>
+          <a:prstGeom prst="ellipse">
+            <a:avLst/>
+          </a:prstGeom>
+          <a:solidFill>
+            <a:schemeClr val="tx1"/>
+          </a:solidFill>
+          <a:ln>
+            <a:noFill/>
+          </a:ln>
+        </p:spPr>
+        <p:style>
+          <a:lnRef idx="2">
+            <a:schemeClr val="accent1">
+              <a:shade val="15000"/>
+            </a:schemeClr>
+          </a:lnRef>
+          <a:fillRef idx="1">
+            <a:schemeClr val="accent1"/>
+          </a:fillRef>
+          <a:effectRef idx="0">
+            <a:schemeClr val="accent1"/>
+          </a:effectRef>
+          <a:fontRef idx="minor">
+            <a:schemeClr val="lt1"/>
+          </a:fontRef>
+        </p:style>
+        <p:txBody>
+          <a:bodyPr rtlCol="0" anchor="ctr"/>
+          <a:lstStyle/>
+          <a:p>
+            <a:pPr algn="ctr"/>
+            <a:endParaRPr kumimoji="1" lang="ko-KR" altLang="en-US" sz="900"/>
+          </a:p>
+        </p:txBody>
+      </p:sp>
+      <p:sp>
+        <p:nvSpPr>
+          <p:cNvPr id="76" name="타원 75">
+            <a:extLst>
+              <a:ext uri="{FF2B5EF4-FFF2-40B4-BE49-F238E27FC236}">
+                <a16:creationId xmlns:a16="http://schemas.microsoft.com/office/drawing/2014/main" id="{E5B4EE97-1DE4-C2FF-703E-B369CA512A8E}"/>
+              </a:ext>
+            </a:extLst>
+          </p:cNvPr>
+          <p:cNvSpPr/>
+          <p:nvPr/>
+        </p:nvSpPr>
+        <p:spPr>
+          <a:xfrm>
+            <a:off x="2645892" y="4446158"/>
+            <a:ext cx="52966" cy="50196"/>
+          </a:xfrm>
+          <a:prstGeom prst="ellipse">
+            <a:avLst/>
+          </a:prstGeom>
+          <a:solidFill>
+            <a:schemeClr val="tx1"/>
+          </a:solidFill>
+          <a:ln>
+            <a:noFill/>
+          </a:ln>
+        </p:spPr>
+        <p:style>
+          <a:lnRef idx="2">
+            <a:schemeClr val="accent1">
+              <a:shade val="15000"/>
+            </a:schemeClr>
+          </a:lnRef>
+          <a:fillRef idx="1">
+            <a:schemeClr val="accent1"/>
+          </a:fillRef>
+          <a:effectRef idx="0">
+            <a:schemeClr val="accent1"/>
+          </a:effectRef>
+          <a:fontRef idx="minor">
+            <a:schemeClr val="lt1"/>
+          </a:fontRef>
+        </p:style>
+        <p:txBody>
+          <a:bodyPr rtlCol="0" anchor="ctr"/>
+          <a:lstStyle/>
+          <a:p>
+            <a:pPr algn="ctr"/>
+            <a:endParaRPr kumimoji="1" lang="ko-KR" altLang="en-US" sz="900"/>
+          </a:p>
+        </p:txBody>
+      </p:sp>
+      <p:sp>
+        <p:nvSpPr>
+          <p:cNvPr id="77" name="타원 76">
+            <a:extLst>
+              <a:ext uri="{FF2B5EF4-FFF2-40B4-BE49-F238E27FC236}">
+                <a16:creationId xmlns:a16="http://schemas.microsoft.com/office/drawing/2014/main" id="{6C4E4C0E-A8ED-41DD-17FF-66D64D3F58EC}"/>
+              </a:ext>
+            </a:extLst>
+          </p:cNvPr>
+          <p:cNvSpPr/>
+          <p:nvPr/>
+        </p:nvSpPr>
+        <p:spPr>
+          <a:xfrm>
+            <a:off x="2645892" y="4547900"/>
+            <a:ext cx="52966" cy="50196"/>
+          </a:xfrm>
+          <a:prstGeom prst="ellipse">
+            <a:avLst/>
+          </a:prstGeom>
+          <a:solidFill>
+            <a:schemeClr val="tx1"/>
+          </a:solidFill>
+          <a:ln>
+            <a:noFill/>
+          </a:ln>
+        </p:spPr>
+        <p:style>
+          <a:lnRef idx="2">
+            <a:schemeClr val="accent1">
+              <a:shade val="15000"/>
+            </a:schemeClr>
+          </a:lnRef>
+          <a:fillRef idx="1">
+            <a:schemeClr val="accent1"/>
+          </a:fillRef>
+          <a:effectRef idx="0">
+            <a:schemeClr val="accent1"/>
+          </a:effectRef>
+          <a:fontRef idx="minor">
+            <a:schemeClr val="lt1"/>
+          </a:fontRef>
+        </p:style>
+        <p:txBody>
+          <a:bodyPr rtlCol="0" anchor="ctr"/>
+          <a:lstStyle/>
+          <a:p>
+            <a:pPr algn="ctr"/>
+            <a:endParaRPr kumimoji="1" lang="ko-KR" altLang="en-US" sz="900"/>
+          </a:p>
+        </p:txBody>
+      </p:sp>
+      <p:sp>
+        <p:nvSpPr>
+          <p:cNvPr id="95" name="모서리가 둥근 직사각형 94">
+            <a:extLst>
+              <a:ext uri="{FF2B5EF4-FFF2-40B4-BE49-F238E27FC236}">
+                <a16:creationId xmlns:a16="http://schemas.microsoft.com/office/drawing/2014/main" id="{C5C73557-EE9A-F266-FB7C-392025CF7EE9}"/>
+              </a:ext>
+            </a:extLst>
+          </p:cNvPr>
+          <p:cNvSpPr/>
+          <p:nvPr/>
+        </p:nvSpPr>
+        <p:spPr>
+          <a:xfrm>
+            <a:off x="400228" y="3822010"/>
+            <a:ext cx="1139733" cy="467698"/>
+          </a:xfrm>
+          <a:prstGeom prst="roundRect">
+            <a:avLst>
+              <a:gd name="adj" fmla="val 18479"/>
+            </a:avLst>
+          </a:prstGeom>
+          <a:solidFill>
+            <a:schemeClr val="bg1">
+              <a:lumMod val="95000"/>
+            </a:schemeClr>
+          </a:solidFill>
+          <a:ln w="12700"/>
+        </p:spPr>
+        <p:style>
+          <a:lnRef idx="2">
+            <a:schemeClr val="dk1"/>
+          </a:lnRef>
+          <a:fillRef idx="1">
+            <a:schemeClr val="lt1"/>
+          </a:fillRef>
+          <a:effectRef idx="0">
+            <a:schemeClr val="dk1"/>
+          </a:effectRef>
+          <a:fontRef idx="minor">
+            <a:schemeClr val="dk1"/>
+          </a:fontRef>
+        </p:style>
+        <p:txBody>
+          <a:bodyPr rtlCol="0" anchor="ctr"/>
+          <a:lstStyle/>
+          <a:p>
+            <a:pPr algn="ctr"/>
+            <a:r>
+              <a:rPr lang="en-US" altLang="ko-KR" sz="900" dirty="0"/>
+              <a:t>Client</a:t>
+            </a:r>
           </a:p>
         </p:txBody>
       </p:sp>
       <p:cxnSp>
         <p:nvCxnSpPr>
-          <p:cNvPr id="16" name="직선 화살표 연결선 15"/>
+          <p:cNvPr id="96" name="직선 화살표 연결선 95">
+            <a:extLst>
+              <a:ext uri="{FF2B5EF4-FFF2-40B4-BE49-F238E27FC236}">
+                <a16:creationId xmlns:a16="http://schemas.microsoft.com/office/drawing/2014/main" id="{18BDC8E3-0B4B-D456-0FC8-076A1E66EFFE}"/>
+              </a:ext>
+            </a:extLst>
+          </p:cNvPr>
           <p:cNvCxnSpPr>
-            <a:stCxn id="4" idx="3"/>
-            <a:endCxn id="11" idx="1"/>
+            <a:cxnSpLocks/>
+            <a:stCxn id="69" idx="3"/>
+            <a:endCxn id="33" idx="1"/>
           </p:cNvCxnSpPr>
           <p:nvPr/>
         </p:nvCxnSpPr>
         <p:spPr>
           <a:xfrm>
-            <a:off x="1403648" y="2175706"/>
-            <a:ext cx="1296144" cy="0"/>
+            <a:off x="3378951" y="3776486"/>
+            <a:ext cx="412117" cy="0"/>
           </a:xfrm>
           <a:prstGeom prst="straightConnector1">
             <a:avLst/>
           </a:prstGeom>
-          <a:ln w="28575">
-            <a:tailEnd type="arrow"/>
+          <a:ln w="12700">
+            <a:solidFill>
+              <a:schemeClr val="tx2"/>
+            </a:solidFill>
+            <a:prstDash val="solid"/>
+            <a:tailEnd type="triangle"/>
           </a:ln>
         </p:spPr>
         <p:style>
           <a:lnRef idx="1">
-            <a:schemeClr val="dk1"/>
+            <a:schemeClr val="accent1"/>
           </a:lnRef>
           <a:fillRef idx="0">
-            <a:schemeClr val="dk1"/>
-          </a:fillRef>
-          <a:effectRef idx="0">
-            <a:schemeClr val="dk1"/>
+            <a:schemeClr val="accent1"/>
+          </a:fillRef>
+          <a:effectRef idx="0">
+            <a:schemeClr val="accent1"/>
           </a:effectRef>
           <a:fontRef idx="minor">
             <a:schemeClr val="tx1"/>
@@ -6423,34 +8446,45 @@
       </p:cxnSp>
       <p:cxnSp>
         <p:nvCxnSpPr>
-          <p:cNvPr id="21" name="직선 화살표 연결선 20"/>
+          <p:cNvPr id="99" name="직선 화살표 연결선 98">
+            <a:extLst>
+              <a:ext uri="{FF2B5EF4-FFF2-40B4-BE49-F238E27FC236}">
+                <a16:creationId xmlns:a16="http://schemas.microsoft.com/office/drawing/2014/main" id="{7763EC69-B91B-47AB-84CC-9AE2B7AC768F}"/>
+              </a:ext>
+            </a:extLst>
+          </p:cNvPr>
           <p:cNvCxnSpPr>
-            <a:stCxn id="12" idx="3"/>
-            <a:endCxn id="14" idx="1"/>
+            <a:cxnSpLocks/>
+            <a:stCxn id="25" idx="2"/>
+            <a:endCxn id="69" idx="0"/>
           </p:cNvCxnSpPr>
           <p:nvPr/>
         </p:nvCxnSpPr>
         <p:spPr>
           <a:xfrm>
-            <a:off x="4355976" y="2897973"/>
-            <a:ext cx="589412" cy="644388"/>
+            <a:off x="2665524" y="1642662"/>
+            <a:ext cx="0" cy="1243862"/>
           </a:xfrm>
           <a:prstGeom prst="straightConnector1">
             <a:avLst/>
           </a:prstGeom>
-          <a:ln w="28575">
-            <a:tailEnd type="arrow"/>
+          <a:ln w="12700">
+            <a:solidFill>
+              <a:srgbClr val="C00000"/>
+            </a:solidFill>
+            <a:prstDash val="solid"/>
+            <a:tailEnd type="triangle"/>
           </a:ln>
         </p:spPr>
         <p:style>
           <a:lnRef idx="1">
-            <a:schemeClr val="dk1"/>
+            <a:schemeClr val="accent1"/>
           </a:lnRef>
           <a:fillRef idx="0">
-            <a:schemeClr val="dk1"/>
-          </a:fillRef>
-          <a:effectRef idx="0">
-            <a:schemeClr val="dk1"/>
+            <a:schemeClr val="accent1"/>
+          </a:fillRef>
+          <a:effectRef idx="0">
+            <a:schemeClr val="accent1"/>
           </a:effectRef>
           <a:fontRef idx="minor">
             <a:schemeClr val="tx1"/>
@@ -6459,33 +8493,45 @@
       </p:cxnSp>
       <p:cxnSp>
         <p:nvCxnSpPr>
-          <p:cNvPr id="26" name="직선 화살표 연결선 25"/>
+          <p:cNvPr id="103" name="직선 화살표 연결선 102">
+            <a:extLst>
+              <a:ext uri="{FF2B5EF4-FFF2-40B4-BE49-F238E27FC236}">
+                <a16:creationId xmlns:a16="http://schemas.microsoft.com/office/drawing/2014/main" id="{C76A23CD-F4BB-943F-A384-19414F8F5278}"/>
+              </a:ext>
+            </a:extLst>
+          </p:cNvPr>
           <p:cNvCxnSpPr>
-            <a:endCxn id="12" idx="0"/>
+            <a:cxnSpLocks/>
+            <a:stCxn id="24" idx="1"/>
+            <a:endCxn id="25" idx="3"/>
           </p:cNvCxnSpPr>
           <p:nvPr/>
         </p:nvCxnSpPr>
         <p:spPr>
-          <a:xfrm>
-            <a:off x="3347864" y="2427734"/>
-            <a:ext cx="360040" cy="218211"/>
+          <a:xfrm flipH="1">
+            <a:off x="3235390" y="1403771"/>
+            <a:ext cx="699237" cy="5042"/>
           </a:xfrm>
           <a:prstGeom prst="straightConnector1">
             <a:avLst/>
           </a:prstGeom>
-          <a:ln w="28575">
-            <a:tailEnd type="arrow"/>
+          <a:ln w="12700">
+            <a:solidFill>
+              <a:srgbClr val="C00000"/>
+            </a:solidFill>
+            <a:prstDash val="solid"/>
+            <a:tailEnd type="triangle"/>
           </a:ln>
         </p:spPr>
         <p:style>
           <a:lnRef idx="1">
-            <a:schemeClr val="dk1"/>
+            <a:schemeClr val="accent1"/>
           </a:lnRef>
           <a:fillRef idx="0">
-            <a:schemeClr val="dk1"/>
-          </a:fillRef>
-          <a:effectRef idx="0">
-            <a:schemeClr val="dk1"/>
+            <a:schemeClr val="accent1"/>
+          </a:fillRef>
+          <a:effectRef idx="0">
+            <a:schemeClr val="accent1"/>
           </a:effectRef>
           <a:fontRef idx="minor">
             <a:schemeClr val="tx1"/>
@@ -6494,34 +8540,45 @@
       </p:cxnSp>
       <p:cxnSp>
         <p:nvCxnSpPr>
-          <p:cNvPr id="29" name="직선 화살표 연결선 28"/>
+          <p:cNvPr id="107" name="직선 화살표 연결선 106">
+            <a:extLst>
+              <a:ext uri="{FF2B5EF4-FFF2-40B4-BE49-F238E27FC236}">
+                <a16:creationId xmlns:a16="http://schemas.microsoft.com/office/drawing/2014/main" id="{BB26C3E6-D6BF-3555-DE4E-38AF2AEC5821}"/>
+              </a:ext>
+            </a:extLst>
+          </p:cNvPr>
           <p:cNvCxnSpPr>
-            <a:stCxn id="11" idx="3"/>
-            <a:endCxn id="15" idx="1"/>
+            <a:cxnSpLocks/>
+            <a:stCxn id="24" idx="2"/>
+            <a:endCxn id="33" idx="0"/>
           </p:cNvCxnSpPr>
           <p:nvPr/>
         </p:nvCxnSpPr>
         <p:spPr>
           <a:xfrm>
-            <a:off x="3995936" y="2175706"/>
-            <a:ext cx="949452" cy="0"/>
+            <a:off x="4504494" y="1637620"/>
+            <a:ext cx="2" cy="1248904"/>
           </a:xfrm>
           <a:prstGeom prst="straightConnector1">
             <a:avLst/>
           </a:prstGeom>
-          <a:ln w="28575">
-            <a:tailEnd type="arrow"/>
+          <a:ln w="12700">
+            <a:solidFill>
+              <a:srgbClr val="C00000"/>
+            </a:solidFill>
+            <a:prstDash val="solid"/>
+            <a:tailEnd type="triangle"/>
           </a:ln>
         </p:spPr>
         <p:style>
           <a:lnRef idx="1">
-            <a:schemeClr val="dk1"/>
+            <a:schemeClr val="accent1"/>
           </a:lnRef>
           <a:fillRef idx="0">
-            <a:schemeClr val="dk1"/>
-          </a:fillRef>
-          <a:effectRef idx="0">
-            <a:schemeClr val="dk1"/>
+            <a:schemeClr val="accent1"/>
+          </a:fillRef>
+          <a:effectRef idx="0">
+            <a:schemeClr val="accent1"/>
           </a:effectRef>
           <a:fontRef idx="minor">
             <a:schemeClr val="tx1"/>
@@ -6530,190 +8587,44 @@
       </p:cxnSp>
       <p:cxnSp>
         <p:nvCxnSpPr>
-          <p:cNvPr id="32" name="직선 화살표 연결선 31"/>
+          <p:cNvPr id="137" name="꺾인 연결선[E] 136">
+            <a:extLst>
+              <a:ext uri="{FF2B5EF4-FFF2-40B4-BE49-F238E27FC236}">
+                <a16:creationId xmlns:a16="http://schemas.microsoft.com/office/drawing/2014/main" id="{26CD8818-4C71-C82C-6F74-10B9E5682F7A}"/>
+              </a:ext>
+            </a:extLst>
+          </p:cNvPr>
           <p:cNvCxnSpPr>
-            <a:stCxn id="15" idx="3"/>
-            <a:endCxn id="13" idx="1"/>
+            <a:cxnSpLocks/>
+            <a:stCxn id="95" idx="3"/>
+            <a:endCxn id="69" idx="1"/>
           </p:cNvCxnSpPr>
           <p:nvPr/>
         </p:nvCxnSpPr>
         <p:spPr>
           <a:xfrm flipV="1">
-            <a:off x="6241532" y="1810489"/>
-            <a:ext cx="766581" cy="365217"/>
-          </a:xfrm>
-          <a:prstGeom prst="straightConnector1">
+            <a:off x="1539961" y="3776486"/>
+            <a:ext cx="412135" cy="279373"/>
+          </a:xfrm>
+          <a:prstGeom prst="bentConnector3">
             <a:avLst/>
           </a:prstGeom>
-          <a:ln w="28575">
-            <a:tailEnd type="arrow"/>
+          <a:ln w="12700">
+            <a:solidFill>
+              <a:schemeClr val="tx2"/>
+            </a:solidFill>
+            <a:tailEnd type="triangle"/>
           </a:ln>
         </p:spPr>
         <p:style>
           <a:lnRef idx="1">
-            <a:schemeClr val="dk1"/>
+            <a:schemeClr val="accent1"/>
           </a:lnRef>
           <a:fillRef idx="0">
-            <a:schemeClr val="dk1"/>
-          </a:fillRef>
-          <a:effectRef idx="0">
-            <a:schemeClr val="dk1"/>
-          </a:effectRef>
-          <a:fontRef idx="minor">
-            <a:schemeClr val="tx1"/>
-          </a:fontRef>
-        </p:style>
-      </p:cxnSp>
-      <p:sp>
-        <p:nvSpPr>
-          <p:cNvPr id="36" name="모서리가 둥근 직사각형 35"/>
-          <p:cNvSpPr/>
-          <p:nvPr/>
-        </p:nvSpPr>
-        <p:spPr>
-          <a:xfrm>
-            <a:off x="4945388" y="2607754"/>
-            <a:ext cx="1296144" cy="504056"/>
-          </a:xfrm>
-          <a:prstGeom prst="roundRect">
-            <a:avLst/>
-          </a:prstGeom>
-        </p:spPr>
-        <p:style>
-          <a:lnRef idx="2">
-            <a:schemeClr val="dk1"/>
-          </a:lnRef>
-          <a:fillRef idx="1">
-            <a:schemeClr val="lt1"/>
-          </a:fillRef>
-          <a:effectRef idx="0">
-            <a:schemeClr val="dk1"/>
-          </a:effectRef>
-          <a:fontRef idx="minor">
-            <a:schemeClr val="dk1"/>
-          </a:fontRef>
-        </p:style>
-        <p:txBody>
-          <a:bodyPr rtlCol="0" anchor="ctr"/>
-          <a:lstStyle/>
-          <a:p>
-            <a:pPr algn="ctr"/>
-            <a:r>
-              <a:rPr lang="en-US" altLang="ko-KR" sz="1600" dirty="0"/>
-              <a:t>Queue</a:t>
-            </a:r>
-            <a:endParaRPr lang="ko-KR" altLang="en-US" sz="1600" dirty="0"/>
-          </a:p>
-        </p:txBody>
-      </p:sp>
-      <p:cxnSp>
-        <p:nvCxnSpPr>
-          <p:cNvPr id="39" name="직선 화살표 연결선 38"/>
-          <p:cNvCxnSpPr>
-            <a:stCxn id="12" idx="3"/>
-            <a:endCxn id="36" idx="1"/>
-          </p:cNvCxnSpPr>
-          <p:nvPr/>
-        </p:nvCxnSpPr>
-        <p:spPr>
-          <a:xfrm flipV="1">
-            <a:off x="4355976" y="2859782"/>
-            <a:ext cx="589412" cy="38191"/>
-          </a:xfrm>
-          <a:prstGeom prst="straightConnector1">
-            <a:avLst/>
-          </a:prstGeom>
-          <a:ln w="28575">
-            <a:tailEnd type="arrow"/>
-          </a:ln>
-        </p:spPr>
-        <p:style>
-          <a:lnRef idx="1">
-            <a:schemeClr val="dk1"/>
-          </a:lnRef>
-          <a:fillRef idx="0">
-            <a:schemeClr val="dk1"/>
-          </a:fillRef>
-          <a:effectRef idx="0">
-            <a:schemeClr val="dk1"/>
-          </a:effectRef>
-          <a:fontRef idx="minor">
-            <a:schemeClr val="tx1"/>
-          </a:fontRef>
-        </p:style>
-      </p:cxnSp>
-      <p:sp>
-        <p:nvSpPr>
-          <p:cNvPr id="42" name="모서리가 둥근 직사각형 41"/>
-          <p:cNvSpPr/>
-          <p:nvPr/>
-        </p:nvSpPr>
-        <p:spPr>
-          <a:xfrm>
-            <a:off x="7008113" y="3599884"/>
-            <a:ext cx="1296144" cy="504056"/>
-          </a:xfrm>
-          <a:prstGeom prst="roundRect">
-            <a:avLst/>
-          </a:prstGeom>
-        </p:spPr>
-        <p:style>
-          <a:lnRef idx="2">
-            <a:schemeClr val="dk1"/>
-          </a:lnRef>
-          <a:fillRef idx="1">
-            <a:schemeClr val="lt1"/>
-          </a:fillRef>
-          <a:effectRef idx="0">
-            <a:schemeClr val="dk1"/>
-          </a:effectRef>
-          <a:fontRef idx="minor">
-            <a:schemeClr val="dk1"/>
-          </a:fontRef>
-        </p:style>
-        <p:txBody>
-          <a:bodyPr rtlCol="0" anchor="ctr"/>
-          <a:lstStyle/>
-          <a:p>
-            <a:pPr algn="ctr"/>
-            <a:r>
-              <a:rPr lang="en-US" altLang="ko-KR" sz="1600"/>
-              <a:t>Consumer</a:t>
-            </a:r>
-            <a:endParaRPr lang="ko-KR" altLang="en-US" sz="1600" dirty="0"/>
-          </a:p>
-        </p:txBody>
-      </p:sp>
-      <p:cxnSp>
-        <p:nvCxnSpPr>
-          <p:cNvPr id="47" name="직선 화살표 연결선 46"/>
-          <p:cNvCxnSpPr>
-            <a:stCxn id="36" idx="3"/>
-            <a:endCxn id="10" idx="1"/>
-          </p:cNvCxnSpPr>
-          <p:nvPr/>
-        </p:nvCxnSpPr>
-        <p:spPr>
-          <a:xfrm>
-            <a:off x="6241532" y="2859782"/>
-            <a:ext cx="766581" cy="309551"/>
-          </a:xfrm>
-          <a:prstGeom prst="straightConnector1">
-            <a:avLst/>
-          </a:prstGeom>
-          <a:ln w="28575">
-            <a:tailEnd type="arrow"/>
-          </a:ln>
-        </p:spPr>
-        <p:style>
-          <a:lnRef idx="1">
-            <a:schemeClr val="dk1"/>
-          </a:lnRef>
-          <a:fillRef idx="0">
-            <a:schemeClr val="dk1"/>
-          </a:fillRef>
-          <a:effectRef idx="0">
-            <a:schemeClr val="dk1"/>
+            <a:schemeClr val="accent1"/>
+          </a:fillRef>
+          <a:effectRef idx="0">
+            <a:schemeClr val="accent1"/>
           </a:effectRef>
           <a:fontRef idx="minor">
             <a:schemeClr val="tx1"/>
@@ -6722,34 +8633,237 @@
       </p:cxnSp>
       <p:cxnSp>
         <p:nvCxnSpPr>
-          <p:cNvPr id="50" name="직선 화살표 연결선 49"/>
+          <p:cNvPr id="140" name="꺾인 연결선[E] 139">
+            <a:extLst>
+              <a:ext uri="{FF2B5EF4-FFF2-40B4-BE49-F238E27FC236}">
+                <a16:creationId xmlns:a16="http://schemas.microsoft.com/office/drawing/2014/main" id="{0FBF144D-E3BE-164B-D5AF-AAAA05609D26}"/>
+              </a:ext>
+            </a:extLst>
+          </p:cNvPr>
           <p:cNvCxnSpPr>
-            <a:stCxn id="14" idx="3"/>
-            <a:endCxn id="42" idx="1"/>
+            <a:cxnSpLocks/>
+            <a:stCxn id="24" idx="2"/>
+            <a:endCxn id="57" idx="0"/>
           </p:cNvCxnSpPr>
           <p:nvPr/>
         </p:nvCxnSpPr>
         <p:spPr>
-          <a:xfrm>
-            <a:off x="6241532" y="3542361"/>
-            <a:ext cx="766581" cy="309551"/>
+          <a:xfrm rot="16200000" flipH="1">
+            <a:off x="4799530" y="1342584"/>
+            <a:ext cx="1248904" cy="1838976"/>
+          </a:xfrm>
+          <a:prstGeom prst="bentConnector3">
+            <a:avLst>
+              <a:gd name="adj1" fmla="val 22509"/>
+            </a:avLst>
+          </a:prstGeom>
+          <a:ln w="12700">
+            <a:solidFill>
+              <a:srgbClr val="C00000"/>
+            </a:solidFill>
+            <a:tailEnd type="triangle"/>
+          </a:ln>
+        </p:spPr>
+        <p:style>
+          <a:lnRef idx="1">
+            <a:schemeClr val="accent1"/>
+          </a:lnRef>
+          <a:fillRef idx="0">
+            <a:schemeClr val="accent1"/>
+          </a:fillRef>
+          <a:effectRef idx="0">
+            <a:schemeClr val="accent1"/>
+          </a:effectRef>
+          <a:fontRef idx="minor">
+            <a:schemeClr val="tx1"/>
+          </a:fontRef>
+        </p:style>
+      </p:cxnSp>
+      <p:sp>
+        <p:nvSpPr>
+          <p:cNvPr id="172" name="모서리가 둥근 직사각형 171">
+            <a:extLst>
+              <a:ext uri="{FF2B5EF4-FFF2-40B4-BE49-F238E27FC236}">
+                <a16:creationId xmlns:a16="http://schemas.microsoft.com/office/drawing/2014/main" id="{F93399AD-5B8B-BD9B-8EB7-55947747ACBE}"/>
+              </a:ext>
+            </a:extLst>
+          </p:cNvPr>
+          <p:cNvSpPr/>
+          <p:nvPr/>
+        </p:nvSpPr>
+        <p:spPr>
+          <a:xfrm>
+            <a:off x="5630040" y="3448577"/>
+            <a:ext cx="675934" cy="467698"/>
+          </a:xfrm>
+          <a:prstGeom prst="roundRect">
+            <a:avLst>
+              <a:gd name="adj" fmla="val 18479"/>
+            </a:avLst>
+          </a:prstGeom>
+          <a:noFill/>
+          <a:ln w="12700">
+            <a:noFill/>
+          </a:ln>
+        </p:spPr>
+        <p:style>
+          <a:lnRef idx="2">
+            <a:schemeClr val="dk1"/>
+          </a:lnRef>
+          <a:fillRef idx="1">
+            <a:schemeClr val="lt1"/>
+          </a:fillRef>
+          <a:effectRef idx="0">
+            <a:schemeClr val="dk1"/>
+          </a:effectRef>
+          <a:fontRef idx="minor">
+            <a:schemeClr val="dk1"/>
+          </a:fontRef>
+        </p:style>
+        <p:txBody>
+          <a:bodyPr rtlCol="0" anchor="ctr"/>
+          <a:lstStyle/>
+          <a:p>
+            <a:pPr algn="ctr"/>
+            <a:endParaRPr lang="en-US" altLang="ko-KR" sz="900" dirty="0"/>
+          </a:p>
+        </p:txBody>
+      </p:sp>
+      <p:cxnSp>
+        <p:nvCxnSpPr>
+          <p:cNvPr id="190" name="꺾인 연결선[E] 189">
+            <a:extLst>
+              <a:ext uri="{FF2B5EF4-FFF2-40B4-BE49-F238E27FC236}">
+                <a16:creationId xmlns:a16="http://schemas.microsoft.com/office/drawing/2014/main" id="{6D45E366-74A4-56F1-3F9D-560B6C1AABD7}"/>
+              </a:ext>
+            </a:extLst>
+          </p:cNvPr>
+          <p:cNvCxnSpPr>
+            <a:cxnSpLocks/>
+            <a:stCxn id="24" idx="2"/>
+            <a:endCxn id="28" idx="0"/>
+          </p:cNvCxnSpPr>
+          <p:nvPr/>
+        </p:nvCxnSpPr>
+        <p:spPr>
+          <a:xfrm rot="5400000">
+            <a:off x="3824740" y="1416006"/>
+            <a:ext cx="458140" cy="901369"/>
+          </a:xfrm>
+          <a:prstGeom prst="bentConnector3">
+            <a:avLst>
+              <a:gd name="adj1" fmla="val 61088"/>
+            </a:avLst>
+          </a:prstGeom>
+          <a:ln w="12700">
+            <a:solidFill>
+              <a:srgbClr val="C00000"/>
+            </a:solidFill>
+            <a:tailEnd type="triangle"/>
+          </a:ln>
+        </p:spPr>
+        <p:style>
+          <a:lnRef idx="1">
+            <a:schemeClr val="accent1"/>
+          </a:lnRef>
+          <a:fillRef idx="0">
+            <a:schemeClr val="accent1"/>
+          </a:fillRef>
+          <a:effectRef idx="0">
+            <a:schemeClr val="accent1"/>
+          </a:effectRef>
+          <a:fontRef idx="minor">
+            <a:schemeClr val="tx1"/>
+          </a:fontRef>
+        </p:style>
+      </p:cxnSp>
+      <p:cxnSp>
+        <p:nvCxnSpPr>
+          <p:cNvPr id="213" name="꺾인 연결선[E] 212">
+            <a:extLst>
+              <a:ext uri="{FF2B5EF4-FFF2-40B4-BE49-F238E27FC236}">
+                <a16:creationId xmlns:a16="http://schemas.microsoft.com/office/drawing/2014/main" id="{BEC622B7-8BE2-0DE5-66E2-FEF4FFB7F1A9}"/>
+              </a:ext>
+            </a:extLst>
+          </p:cNvPr>
+          <p:cNvCxnSpPr>
+            <a:cxnSpLocks/>
+            <a:stCxn id="24" idx="2"/>
+            <a:endCxn id="20" idx="0"/>
+          </p:cNvCxnSpPr>
+          <p:nvPr/>
+        </p:nvCxnSpPr>
+        <p:spPr>
+          <a:xfrm rot="16200000" flipH="1">
+            <a:off x="4744225" y="1397888"/>
+            <a:ext cx="458140" cy="937603"/>
+          </a:xfrm>
+          <a:prstGeom prst="bentConnector3">
+            <a:avLst>
+              <a:gd name="adj1" fmla="val 61088"/>
+            </a:avLst>
+          </a:prstGeom>
+          <a:ln w="12700">
+            <a:solidFill>
+              <a:srgbClr val="C00000"/>
+            </a:solidFill>
+            <a:tailEnd type="triangle"/>
+          </a:ln>
+        </p:spPr>
+        <p:style>
+          <a:lnRef idx="1">
+            <a:schemeClr val="accent1"/>
+          </a:lnRef>
+          <a:fillRef idx="0">
+            <a:schemeClr val="accent1"/>
+          </a:fillRef>
+          <a:effectRef idx="0">
+            <a:schemeClr val="accent1"/>
+          </a:effectRef>
+          <a:fontRef idx="minor">
+            <a:schemeClr val="tx1"/>
+          </a:fontRef>
+        </p:style>
+      </p:cxnSp>
+      <p:cxnSp>
+        <p:nvCxnSpPr>
+          <p:cNvPr id="218" name="직선 화살표 연결선 217">
+            <a:extLst>
+              <a:ext uri="{FF2B5EF4-FFF2-40B4-BE49-F238E27FC236}">
+                <a16:creationId xmlns:a16="http://schemas.microsoft.com/office/drawing/2014/main" id="{C0339CF6-9526-A9CA-8795-28A80906CFA9}"/>
+              </a:ext>
+            </a:extLst>
+          </p:cNvPr>
+          <p:cNvCxnSpPr>
+            <a:cxnSpLocks/>
+          </p:cNvCxnSpPr>
+          <p:nvPr/>
+        </p:nvCxnSpPr>
+        <p:spPr>
+          <a:xfrm>
+            <a:off x="6465420" y="1637620"/>
+            <a:ext cx="5" cy="1248904"/>
           </a:xfrm>
           <a:prstGeom prst="straightConnector1">
             <a:avLst/>
           </a:prstGeom>
-          <a:ln w="28575">
-            <a:tailEnd type="arrow"/>
+          <a:ln w="12700">
+            <a:solidFill>
+              <a:schemeClr val="accent3"/>
+            </a:solidFill>
+            <a:prstDash val="solid"/>
+            <a:tailEnd type="triangle"/>
           </a:ln>
         </p:spPr>
         <p:style>
           <a:lnRef idx="1">
-            <a:schemeClr val="dk1"/>
+            <a:schemeClr val="accent1"/>
           </a:lnRef>
           <a:fillRef idx="0">
-            <a:schemeClr val="dk1"/>
-          </a:fillRef>
-          <a:effectRef idx="0">
-            <a:schemeClr val="dk1"/>
+            <a:schemeClr val="accent1"/>
+          </a:fillRef>
+          <a:effectRef idx="0">
+            <a:schemeClr val="accent1"/>
           </a:effectRef>
           <a:fontRef idx="minor">
             <a:schemeClr val="tx1"/>
@@ -6758,18 +8872,32 @@
       </p:cxnSp>
       <p:sp>
         <p:nvSpPr>
-          <p:cNvPr id="30" name="모서리가 둥근 직사각형 29"/>
+          <p:cNvPr id="232" name="모서리가 둥근 직사각형 231">
+            <a:extLst>
+              <a:ext uri="{FF2B5EF4-FFF2-40B4-BE49-F238E27FC236}">
+                <a16:creationId xmlns:a16="http://schemas.microsoft.com/office/drawing/2014/main" id="{50DF4BC8-B15B-FA9C-CA8B-B31A3ED07425}"/>
+              </a:ext>
+            </a:extLst>
+          </p:cNvPr>
           <p:cNvSpPr/>
           <p:nvPr/>
         </p:nvSpPr>
         <p:spPr>
           <a:xfrm>
-            <a:off x="7008113" y="2233229"/>
-            <a:ext cx="1296144" cy="504056"/>
+            <a:off x="400228" y="2886524"/>
+            <a:ext cx="1139733" cy="467698"/>
           </a:xfrm>
           <a:prstGeom prst="roundRect">
-            <a:avLst/>
-          </a:prstGeom>
+            <a:avLst>
+              <a:gd name="adj" fmla="val 18479"/>
+            </a:avLst>
+          </a:prstGeom>
+          <a:solidFill>
+            <a:schemeClr val="bg1">
+              <a:lumMod val="95000"/>
+            </a:schemeClr>
+          </a:solidFill>
+          <a:ln w="12700"/>
         </p:spPr>
         <p:style>
           <a:lnRef idx="2">
@@ -6791,43 +8919,819 @@
           <a:p>
             <a:pPr algn="ctr"/>
             <a:r>
-              <a:rPr lang="en-US" altLang="ko-KR" sz="1600"/>
-              <a:t>Consumer</a:t>
-            </a:r>
-            <a:endParaRPr lang="ko-KR" altLang="en-US" sz="1600" dirty="0"/>
+              <a:rPr lang="en-US" altLang="ko-KR" sz="900" dirty="0"/>
+              <a:t>User</a:t>
+            </a:r>
           </a:p>
         </p:txBody>
       </p:sp>
       <p:cxnSp>
         <p:nvCxnSpPr>
-          <p:cNvPr id="35" name="직선 화살표 연결선 34"/>
+          <p:cNvPr id="234" name="꺾인 연결선[E] 233">
+            <a:extLst>
+              <a:ext uri="{FF2B5EF4-FFF2-40B4-BE49-F238E27FC236}">
+                <a16:creationId xmlns:a16="http://schemas.microsoft.com/office/drawing/2014/main" id="{EC4EFD35-F84F-F0DA-05B0-2AA78FBEC37A}"/>
+              </a:ext>
+            </a:extLst>
+          </p:cNvPr>
           <p:cNvCxnSpPr>
-            <a:stCxn id="15" idx="3"/>
-            <a:endCxn id="30" idx="1"/>
+            <a:cxnSpLocks/>
+            <a:stCxn id="232" idx="0"/>
+            <a:endCxn id="28" idx="2"/>
           </p:cNvCxnSpPr>
           <p:nvPr/>
         </p:nvCxnSpPr>
         <p:spPr>
-          <a:xfrm>
-            <a:off x="6241532" y="2175706"/>
-            <a:ext cx="766581" cy="309551"/>
-          </a:xfrm>
-          <a:prstGeom prst="straightConnector1">
+          <a:xfrm rot="5400000" flipH="1" flipV="1">
+            <a:off x="2125077" y="1408476"/>
+            <a:ext cx="323066" cy="2633030"/>
+          </a:xfrm>
+          <a:prstGeom prst="bentConnector3">
+            <a:avLst>
+              <a:gd name="adj1" fmla="val 50000"/>
+            </a:avLst>
+          </a:prstGeom>
+          <a:ln w="12700">
+            <a:solidFill>
+              <a:schemeClr val="accent6"/>
+            </a:solidFill>
+            <a:tailEnd type="triangle"/>
+          </a:ln>
+        </p:spPr>
+        <p:style>
+          <a:lnRef idx="1">
+            <a:schemeClr val="accent1"/>
+          </a:lnRef>
+          <a:fillRef idx="0">
+            <a:schemeClr val="accent1"/>
+          </a:fillRef>
+          <a:effectRef idx="0">
+            <a:schemeClr val="accent1"/>
+          </a:effectRef>
+          <a:fontRef idx="minor">
+            <a:schemeClr val="tx1"/>
+          </a:fontRef>
+        </p:style>
+      </p:cxnSp>
+      <p:cxnSp>
+        <p:nvCxnSpPr>
+          <p:cNvPr id="237" name="꺾인 연결선[E] 236">
+            <a:extLst>
+              <a:ext uri="{FF2B5EF4-FFF2-40B4-BE49-F238E27FC236}">
+                <a16:creationId xmlns:a16="http://schemas.microsoft.com/office/drawing/2014/main" id="{02B6CF8D-6951-0A1D-2F98-3702B70F6B16}"/>
+              </a:ext>
+            </a:extLst>
+          </p:cNvPr>
+          <p:cNvCxnSpPr>
+            <a:cxnSpLocks/>
+            <a:stCxn id="232" idx="0"/>
+            <a:endCxn id="20" idx="2"/>
+          </p:cNvCxnSpPr>
+          <p:nvPr/>
+        </p:nvCxnSpPr>
+        <p:spPr>
+          <a:xfrm rot="5400000" flipH="1" flipV="1">
+            <a:off x="3044563" y="488990"/>
+            <a:ext cx="323066" cy="4472002"/>
+          </a:xfrm>
+          <a:prstGeom prst="bentConnector3">
+            <a:avLst>
+              <a:gd name="adj1" fmla="val 50000"/>
+            </a:avLst>
+          </a:prstGeom>
+          <a:ln w="12700">
+            <a:solidFill>
+              <a:schemeClr val="accent6"/>
+            </a:solidFill>
+            <a:tailEnd type="triangle"/>
+          </a:ln>
+        </p:spPr>
+        <p:style>
+          <a:lnRef idx="1">
+            <a:schemeClr val="accent1"/>
+          </a:lnRef>
+          <a:fillRef idx="0">
+            <a:schemeClr val="accent1"/>
+          </a:fillRef>
+          <a:effectRef idx="0">
+            <a:schemeClr val="accent1"/>
+          </a:effectRef>
+          <a:fontRef idx="minor">
+            <a:schemeClr val="tx1"/>
+          </a:fontRef>
+        </p:style>
+      </p:cxnSp>
+      <p:cxnSp>
+        <p:nvCxnSpPr>
+          <p:cNvPr id="244" name="꺾인 연결선[E] 243">
+            <a:extLst>
+              <a:ext uri="{FF2B5EF4-FFF2-40B4-BE49-F238E27FC236}">
+                <a16:creationId xmlns:a16="http://schemas.microsoft.com/office/drawing/2014/main" id="{A9869AD9-750E-A5AB-20A6-9E81B7451256}"/>
+              </a:ext>
+            </a:extLst>
+          </p:cNvPr>
+          <p:cNvCxnSpPr>
+            <a:cxnSpLocks/>
+            <a:stCxn id="27" idx="3"/>
+            <a:endCxn id="23" idx="1"/>
+          </p:cNvCxnSpPr>
+          <p:nvPr/>
+        </p:nvCxnSpPr>
+        <p:spPr>
+          <a:xfrm>
+            <a:off x="6913331" y="1403771"/>
+            <a:ext cx="695856" cy="925838"/>
+          </a:xfrm>
+          <a:prstGeom prst="bentConnector3">
+            <a:avLst>
+              <a:gd name="adj1" fmla="val 50000"/>
+            </a:avLst>
+          </a:prstGeom>
+          <a:ln w="12700">
+            <a:solidFill>
+              <a:schemeClr val="accent3"/>
+            </a:solidFill>
+            <a:tailEnd type="triangle"/>
+          </a:ln>
+        </p:spPr>
+        <p:style>
+          <a:lnRef idx="1">
+            <a:schemeClr val="accent1"/>
+          </a:lnRef>
+          <a:fillRef idx="0">
+            <a:schemeClr val="accent1"/>
+          </a:fillRef>
+          <a:effectRef idx="0">
+            <a:schemeClr val="accent1"/>
+          </a:effectRef>
+          <a:fontRef idx="minor">
+            <a:schemeClr val="tx1"/>
+          </a:fontRef>
+        </p:style>
+      </p:cxnSp>
+      <p:sp>
+        <p:nvSpPr>
+          <p:cNvPr id="273" name="모서리가 둥근 직사각형 272">
+            <a:extLst>
+              <a:ext uri="{FF2B5EF4-FFF2-40B4-BE49-F238E27FC236}">
+                <a16:creationId xmlns:a16="http://schemas.microsoft.com/office/drawing/2014/main" id="{E63E84FC-EAAA-CA35-2C94-2D2E7DA68F82}"/>
+              </a:ext>
+            </a:extLst>
+          </p:cNvPr>
+          <p:cNvSpPr/>
+          <p:nvPr/>
+        </p:nvSpPr>
+        <p:spPr>
+          <a:xfrm>
+            <a:off x="7612569" y="1169922"/>
+            <a:ext cx="1139733" cy="467698"/>
+          </a:xfrm>
+          <a:prstGeom prst="roundRect">
+            <a:avLst>
+              <a:gd name="adj" fmla="val 18479"/>
+            </a:avLst>
+          </a:prstGeom>
+          <a:ln w="12700"/>
+        </p:spPr>
+        <p:style>
+          <a:lnRef idx="2">
+            <a:schemeClr val="dk1"/>
+          </a:lnRef>
+          <a:fillRef idx="1">
+            <a:schemeClr val="lt1"/>
+          </a:fillRef>
+          <a:effectRef idx="0">
+            <a:schemeClr val="dk1"/>
+          </a:effectRef>
+          <a:fontRef idx="minor">
+            <a:schemeClr val="dk1"/>
+          </a:fontRef>
+        </p:style>
+        <p:txBody>
+          <a:bodyPr rtlCol="0" anchor="ctr"/>
+          <a:lstStyle/>
+          <a:p>
+            <a:pPr algn="ctr"/>
+            <a:r>
+              <a:rPr lang="en-US" altLang="ko-KR" sz="900" dirty="0"/>
+              <a:t>Notifications</a:t>
+            </a:r>
+          </a:p>
+          <a:p>
+            <a:pPr algn="ctr"/>
+            <a:r>
+              <a:rPr lang="en-US" altLang="ko-KR" sz="900" dirty="0"/>
+              <a:t>Controller</a:t>
+            </a:r>
+            <a:endParaRPr lang="ko-KR" altLang="en-US" sz="900" dirty="0"/>
+          </a:p>
+        </p:txBody>
+      </p:sp>
+      <p:sp>
+        <p:nvSpPr>
+          <p:cNvPr id="281" name="모서리가 둥근 직사각형 280">
+            <a:extLst>
+              <a:ext uri="{FF2B5EF4-FFF2-40B4-BE49-F238E27FC236}">
+                <a16:creationId xmlns:a16="http://schemas.microsoft.com/office/drawing/2014/main" id="{531FCF01-CB7C-6636-2117-9FD81DE0FABA}"/>
+              </a:ext>
+            </a:extLst>
+          </p:cNvPr>
+          <p:cNvSpPr/>
+          <p:nvPr/>
+        </p:nvSpPr>
+        <p:spPr>
+          <a:xfrm>
+            <a:off x="7465625" y="2886524"/>
+            <a:ext cx="1426855" cy="1779924"/>
+          </a:xfrm>
+          <a:prstGeom prst="roundRect">
+            <a:avLst>
+              <a:gd name="adj" fmla="val 7808"/>
+            </a:avLst>
+          </a:prstGeom>
+          <a:ln w="12700">
+            <a:prstDash val="dash"/>
+          </a:ln>
+        </p:spPr>
+        <p:style>
+          <a:lnRef idx="2">
+            <a:schemeClr val="dk1"/>
+          </a:lnRef>
+          <a:fillRef idx="1">
+            <a:schemeClr val="lt1"/>
+          </a:fillRef>
+          <a:effectRef idx="0">
+            <a:schemeClr val="dk1"/>
+          </a:effectRef>
+          <a:fontRef idx="minor">
+            <a:schemeClr val="dk1"/>
+          </a:fontRef>
+        </p:style>
+        <p:txBody>
+          <a:bodyPr rtlCol="0" anchor="t"/>
+          <a:lstStyle/>
+          <a:p>
+            <a:pPr algn="ctr"/>
+            <a:r>
+              <a:rPr lang="en-US" altLang="ko-KR" sz="900" b="1" dirty="0"/>
+              <a:t>Notification Services</a:t>
+            </a:r>
+          </a:p>
+        </p:txBody>
+      </p:sp>
+      <p:sp>
+        <p:nvSpPr>
+          <p:cNvPr id="282" name="모서리가 둥근 직사각형 281">
+            <a:extLst>
+              <a:ext uri="{FF2B5EF4-FFF2-40B4-BE49-F238E27FC236}">
+                <a16:creationId xmlns:a16="http://schemas.microsoft.com/office/drawing/2014/main" id="{07255C85-25F8-641D-3D88-BC685CB89406}"/>
+              </a:ext>
+            </a:extLst>
+          </p:cNvPr>
+          <p:cNvSpPr/>
+          <p:nvPr/>
+        </p:nvSpPr>
+        <p:spPr>
+          <a:xfrm>
+            <a:off x="7609187" y="3231557"/>
+            <a:ext cx="1139733" cy="462064"/>
+          </a:xfrm>
+          <a:prstGeom prst="roundRect">
+            <a:avLst>
+              <a:gd name="adj" fmla="val 18479"/>
+            </a:avLst>
+          </a:prstGeom>
+          <a:ln w="12700"/>
+        </p:spPr>
+        <p:style>
+          <a:lnRef idx="2">
+            <a:schemeClr val="dk1"/>
+          </a:lnRef>
+          <a:fillRef idx="1">
+            <a:schemeClr val="lt1"/>
+          </a:fillRef>
+          <a:effectRef idx="0">
+            <a:schemeClr val="dk1"/>
+          </a:effectRef>
+          <a:fontRef idx="minor">
+            <a:schemeClr val="dk1"/>
+          </a:fontRef>
+        </p:style>
+        <p:txBody>
+          <a:bodyPr rtlCol="0" anchor="ctr"/>
+          <a:lstStyle/>
+          <a:p>
+            <a:pPr algn="ctr"/>
+            <a:r>
+              <a:rPr lang="en-US" altLang="ko-KR" sz="900"/>
+              <a:t>Slack</a:t>
+            </a:r>
+          </a:p>
+        </p:txBody>
+      </p:sp>
+      <p:sp>
+        <p:nvSpPr>
+          <p:cNvPr id="283" name="모서리가 둥근 직사각형 282">
+            <a:extLst>
+              <a:ext uri="{FF2B5EF4-FFF2-40B4-BE49-F238E27FC236}">
+                <a16:creationId xmlns:a16="http://schemas.microsoft.com/office/drawing/2014/main" id="{FC1D06BA-A8D0-ED54-FDD3-D294A55F4A58}"/>
+              </a:ext>
+            </a:extLst>
+          </p:cNvPr>
+          <p:cNvSpPr/>
+          <p:nvPr/>
+        </p:nvSpPr>
+        <p:spPr>
+          <a:xfrm>
+            <a:off x="7609187" y="3824827"/>
+            <a:ext cx="1139733" cy="462064"/>
+          </a:xfrm>
+          <a:prstGeom prst="roundRect">
+            <a:avLst>
+              <a:gd name="adj" fmla="val 18479"/>
+            </a:avLst>
+          </a:prstGeom>
+          <a:ln w="12700"/>
+        </p:spPr>
+        <p:style>
+          <a:lnRef idx="2">
+            <a:schemeClr val="dk1"/>
+          </a:lnRef>
+          <a:fillRef idx="1">
+            <a:schemeClr val="lt1"/>
+          </a:fillRef>
+          <a:effectRef idx="0">
+            <a:schemeClr val="dk1"/>
+          </a:effectRef>
+          <a:fontRef idx="minor">
+            <a:schemeClr val="dk1"/>
+          </a:fontRef>
+        </p:style>
+        <p:txBody>
+          <a:bodyPr rtlCol="0" anchor="ctr"/>
+          <a:lstStyle/>
+          <a:p>
+            <a:pPr algn="ctr"/>
+            <a:r>
+              <a:rPr lang="en-US" altLang="ko-KR" sz="900"/>
+              <a:t>E-mail</a:t>
+            </a:r>
+          </a:p>
+        </p:txBody>
+      </p:sp>
+      <p:cxnSp>
+        <p:nvCxnSpPr>
+          <p:cNvPr id="285" name="꺾인 연결선[E] 284">
+            <a:extLst>
+              <a:ext uri="{FF2B5EF4-FFF2-40B4-BE49-F238E27FC236}">
+                <a16:creationId xmlns:a16="http://schemas.microsoft.com/office/drawing/2014/main" id="{34621FCD-C0EC-27E4-C60A-4E40AD9C764A}"/>
+              </a:ext>
+            </a:extLst>
+          </p:cNvPr>
+          <p:cNvCxnSpPr>
+            <a:cxnSpLocks/>
+            <a:stCxn id="273" idx="2"/>
+            <a:endCxn id="281" idx="3"/>
+          </p:cNvCxnSpPr>
+          <p:nvPr/>
+        </p:nvCxnSpPr>
+        <p:spPr>
+          <a:xfrm rot="16200000" flipH="1">
+            <a:off x="7468025" y="2352031"/>
+            <a:ext cx="2138866" cy="710044"/>
+          </a:xfrm>
+          <a:prstGeom prst="bentConnector4">
+            <a:avLst>
+              <a:gd name="adj1" fmla="val 15833"/>
+              <a:gd name="adj2" fmla="val 117974"/>
+            </a:avLst>
+          </a:prstGeom>
+          <a:ln w="12700">
+            <a:solidFill>
+              <a:schemeClr val="accent4"/>
+            </a:solidFill>
+            <a:tailEnd type="triangle"/>
+          </a:ln>
+        </p:spPr>
+        <p:style>
+          <a:lnRef idx="1">
+            <a:schemeClr val="accent1"/>
+          </a:lnRef>
+          <a:fillRef idx="0">
+            <a:schemeClr val="accent1"/>
+          </a:fillRef>
+          <a:effectRef idx="0">
+            <a:schemeClr val="accent1"/>
+          </a:effectRef>
+          <a:fontRef idx="minor">
+            <a:schemeClr val="tx1"/>
+          </a:fontRef>
+        </p:style>
+      </p:cxnSp>
+      <p:cxnSp>
+        <p:nvCxnSpPr>
+          <p:cNvPr id="289" name="꺾인 연결선[E] 288">
+            <a:extLst>
+              <a:ext uri="{FF2B5EF4-FFF2-40B4-BE49-F238E27FC236}">
+                <a16:creationId xmlns:a16="http://schemas.microsoft.com/office/drawing/2014/main" id="{24F0CCE5-DC50-24E4-F79B-E0E0180D0978}"/>
+              </a:ext>
+            </a:extLst>
+          </p:cNvPr>
+          <p:cNvCxnSpPr>
+            <a:cxnSpLocks/>
+            <a:stCxn id="273" idx="2"/>
+            <a:endCxn id="301" idx="0"/>
+          </p:cNvCxnSpPr>
+          <p:nvPr/>
+        </p:nvCxnSpPr>
+        <p:spPr>
+          <a:xfrm rot="5400000">
+            <a:off x="5722040" y="-364636"/>
+            <a:ext cx="458140" cy="4462652"/>
+          </a:xfrm>
+          <a:prstGeom prst="bentConnector3">
+            <a:avLst>
+              <a:gd name="adj1" fmla="val 74719"/>
+            </a:avLst>
+          </a:prstGeom>
+          <a:ln w="12700">
+            <a:solidFill>
+              <a:schemeClr val="accent4"/>
+            </a:solidFill>
+            <a:tailEnd type="triangle"/>
+          </a:ln>
+        </p:spPr>
+        <p:style>
+          <a:lnRef idx="1">
+            <a:schemeClr val="accent1"/>
+          </a:lnRef>
+          <a:fillRef idx="0">
+            <a:schemeClr val="accent1"/>
+          </a:fillRef>
+          <a:effectRef idx="0">
+            <a:schemeClr val="accent1"/>
+          </a:effectRef>
+          <a:fontRef idx="minor">
+            <a:schemeClr val="tx1"/>
+          </a:fontRef>
+        </p:style>
+      </p:cxnSp>
+      <p:sp>
+        <p:nvSpPr>
+          <p:cNvPr id="301" name="모서리가 둥근 직사각형 300">
+            <a:extLst>
+              <a:ext uri="{FF2B5EF4-FFF2-40B4-BE49-F238E27FC236}">
+                <a16:creationId xmlns:a16="http://schemas.microsoft.com/office/drawing/2014/main" id="{57E52B84-D329-DFBE-B911-E7FD0F3F048D}"/>
+              </a:ext>
+            </a:extLst>
+          </p:cNvPr>
+          <p:cNvSpPr/>
+          <p:nvPr/>
+        </p:nvSpPr>
+        <p:spPr>
+          <a:xfrm>
+            <a:off x="3149917" y="2095760"/>
+            <a:ext cx="1139733" cy="467698"/>
+          </a:xfrm>
+          <a:prstGeom prst="roundRect">
+            <a:avLst>
+              <a:gd name="adj" fmla="val 18479"/>
+            </a:avLst>
+          </a:prstGeom>
+          <a:noFill/>
+          <a:ln w="12700">
+            <a:noFill/>
+          </a:ln>
+        </p:spPr>
+        <p:style>
+          <a:lnRef idx="2">
+            <a:schemeClr val="dk1"/>
+          </a:lnRef>
+          <a:fillRef idx="1">
+            <a:schemeClr val="lt1"/>
+          </a:fillRef>
+          <a:effectRef idx="0">
+            <a:schemeClr val="dk1"/>
+          </a:effectRef>
+          <a:fontRef idx="minor">
+            <a:schemeClr val="dk1"/>
+          </a:fontRef>
+        </p:style>
+        <p:txBody>
+          <a:bodyPr rtlCol="0" anchor="ctr"/>
+          <a:lstStyle/>
+          <a:p>
+            <a:pPr algn="ctr"/>
+            <a:endParaRPr lang="en-US" altLang="ko-KR" sz="900" b="1" dirty="0"/>
+          </a:p>
+        </p:txBody>
+      </p:sp>
+      <p:sp>
+        <p:nvSpPr>
+          <p:cNvPr id="307" name="모서리가 둥근 직사각형 306">
+            <a:extLst>
+              <a:ext uri="{FF2B5EF4-FFF2-40B4-BE49-F238E27FC236}">
+                <a16:creationId xmlns:a16="http://schemas.microsoft.com/office/drawing/2014/main" id="{F2EE5ECC-6445-E4FB-F94B-B2E3630F7353}"/>
+              </a:ext>
+            </a:extLst>
+          </p:cNvPr>
+          <p:cNvSpPr/>
+          <p:nvPr/>
+        </p:nvSpPr>
+        <p:spPr>
+          <a:xfrm>
+            <a:off x="400228" y="1174964"/>
+            <a:ext cx="1139733" cy="467698"/>
+          </a:xfrm>
+          <a:prstGeom prst="roundRect">
+            <a:avLst>
+              <a:gd name="adj" fmla="val 18479"/>
+            </a:avLst>
+          </a:prstGeom>
+          <a:ln w="12700"/>
+        </p:spPr>
+        <p:style>
+          <a:lnRef idx="2">
+            <a:schemeClr val="dk1"/>
+          </a:lnRef>
+          <a:fillRef idx="1">
+            <a:schemeClr val="lt1"/>
+          </a:fillRef>
+          <a:effectRef idx="0">
+            <a:schemeClr val="dk1"/>
+          </a:effectRef>
+          <a:fontRef idx="minor">
+            <a:schemeClr val="dk1"/>
+          </a:fontRef>
+        </p:style>
+        <p:txBody>
+          <a:bodyPr rtlCol="0" anchor="ctr"/>
+          <a:lstStyle/>
+          <a:p>
+            <a:pPr algn="ctr"/>
+            <a:r>
+              <a:rPr lang="en-US" altLang="ko-KR" sz="900" dirty="0"/>
+              <a:t>Experiment Controller</a:t>
+            </a:r>
+            <a:endParaRPr lang="ko-KR" altLang="en-US" sz="900" dirty="0"/>
+          </a:p>
+        </p:txBody>
+      </p:sp>
+      <p:sp>
+        <p:nvSpPr>
+          <p:cNvPr id="311" name="타원 310">
+            <a:extLst>
+              <a:ext uri="{FF2B5EF4-FFF2-40B4-BE49-F238E27FC236}">
+                <a16:creationId xmlns:a16="http://schemas.microsoft.com/office/drawing/2014/main" id="{A6485804-B1AB-5D79-05EB-955DD466EF40}"/>
+              </a:ext>
+            </a:extLst>
+          </p:cNvPr>
+          <p:cNvSpPr/>
+          <p:nvPr/>
+        </p:nvSpPr>
+        <p:spPr>
+          <a:xfrm>
+            <a:off x="8155953" y="4348557"/>
+            <a:ext cx="52966" cy="50196"/>
+          </a:xfrm>
+          <a:prstGeom prst="ellipse">
             <a:avLst/>
           </a:prstGeom>
-          <a:ln w="28575">
-            <a:tailEnd type="arrow"/>
+          <a:solidFill>
+            <a:schemeClr val="tx1"/>
+          </a:solidFill>
+          <a:ln>
+            <a:noFill/>
           </a:ln>
         </p:spPr>
         <p:style>
+          <a:lnRef idx="2">
+            <a:schemeClr val="accent1">
+              <a:shade val="15000"/>
+            </a:schemeClr>
+          </a:lnRef>
+          <a:fillRef idx="1">
+            <a:schemeClr val="accent1"/>
+          </a:fillRef>
+          <a:effectRef idx="0">
+            <a:schemeClr val="accent1"/>
+          </a:effectRef>
+          <a:fontRef idx="minor">
+            <a:schemeClr val="lt1"/>
+          </a:fontRef>
+        </p:style>
+        <p:txBody>
+          <a:bodyPr rtlCol="0" anchor="ctr"/>
+          <a:lstStyle/>
+          <a:p>
+            <a:pPr algn="ctr"/>
+            <a:endParaRPr kumimoji="1" lang="ko-KR" altLang="en-US" sz="900"/>
+          </a:p>
+        </p:txBody>
+      </p:sp>
+      <p:sp>
+        <p:nvSpPr>
+          <p:cNvPr id="312" name="타원 311">
+            <a:extLst>
+              <a:ext uri="{FF2B5EF4-FFF2-40B4-BE49-F238E27FC236}">
+                <a16:creationId xmlns:a16="http://schemas.microsoft.com/office/drawing/2014/main" id="{0AB4F7EC-EA3D-BEE3-A63F-56CF7B6BB087}"/>
+              </a:ext>
+            </a:extLst>
+          </p:cNvPr>
+          <p:cNvSpPr/>
+          <p:nvPr/>
+        </p:nvSpPr>
+        <p:spPr>
+          <a:xfrm>
+            <a:off x="8155953" y="4446158"/>
+            <a:ext cx="52966" cy="50196"/>
+          </a:xfrm>
+          <a:prstGeom prst="ellipse">
+            <a:avLst/>
+          </a:prstGeom>
+          <a:solidFill>
+            <a:schemeClr val="tx1"/>
+          </a:solidFill>
+          <a:ln>
+            <a:noFill/>
+          </a:ln>
+        </p:spPr>
+        <p:style>
+          <a:lnRef idx="2">
+            <a:schemeClr val="accent1">
+              <a:shade val="15000"/>
+            </a:schemeClr>
+          </a:lnRef>
+          <a:fillRef idx="1">
+            <a:schemeClr val="accent1"/>
+          </a:fillRef>
+          <a:effectRef idx="0">
+            <a:schemeClr val="accent1"/>
+          </a:effectRef>
+          <a:fontRef idx="minor">
+            <a:schemeClr val="lt1"/>
+          </a:fontRef>
+        </p:style>
+        <p:txBody>
+          <a:bodyPr rtlCol="0" anchor="ctr"/>
+          <a:lstStyle/>
+          <a:p>
+            <a:pPr algn="ctr"/>
+            <a:endParaRPr kumimoji="1" lang="ko-KR" altLang="en-US" sz="900"/>
+          </a:p>
+        </p:txBody>
+      </p:sp>
+      <p:sp>
+        <p:nvSpPr>
+          <p:cNvPr id="313" name="타원 312">
+            <a:extLst>
+              <a:ext uri="{FF2B5EF4-FFF2-40B4-BE49-F238E27FC236}">
+                <a16:creationId xmlns:a16="http://schemas.microsoft.com/office/drawing/2014/main" id="{BDC6E18B-E8AD-DF8C-28F5-800F94234DF7}"/>
+              </a:ext>
+            </a:extLst>
+          </p:cNvPr>
+          <p:cNvSpPr/>
+          <p:nvPr/>
+        </p:nvSpPr>
+        <p:spPr>
+          <a:xfrm>
+            <a:off x="8155953" y="4547900"/>
+            <a:ext cx="52966" cy="50196"/>
+          </a:xfrm>
+          <a:prstGeom prst="ellipse">
+            <a:avLst/>
+          </a:prstGeom>
+          <a:solidFill>
+            <a:schemeClr val="tx1"/>
+          </a:solidFill>
+          <a:ln>
+            <a:noFill/>
+          </a:ln>
+        </p:spPr>
+        <p:style>
+          <a:lnRef idx="2">
+            <a:schemeClr val="accent1">
+              <a:shade val="15000"/>
+            </a:schemeClr>
+          </a:lnRef>
+          <a:fillRef idx="1">
+            <a:schemeClr val="accent1"/>
+          </a:fillRef>
+          <a:effectRef idx="0">
+            <a:schemeClr val="accent1"/>
+          </a:effectRef>
+          <a:fontRef idx="minor">
+            <a:schemeClr val="lt1"/>
+          </a:fontRef>
+        </p:style>
+        <p:txBody>
+          <a:bodyPr rtlCol="0" anchor="ctr"/>
+          <a:lstStyle/>
+          <a:p>
+            <a:pPr algn="ctr"/>
+            <a:endParaRPr kumimoji="1" lang="ko-KR" altLang="en-US" sz="900"/>
+          </a:p>
+        </p:txBody>
+      </p:sp>
+      <p:sp>
+        <p:nvSpPr>
+          <p:cNvPr id="316" name="모서리가 둥근 직사각형 315">
+            <a:extLst>
+              <a:ext uri="{FF2B5EF4-FFF2-40B4-BE49-F238E27FC236}">
+                <a16:creationId xmlns:a16="http://schemas.microsoft.com/office/drawing/2014/main" id="{5CA71AA8-C277-BDF0-D52C-7E503FC5331B}"/>
+              </a:ext>
+            </a:extLst>
+          </p:cNvPr>
+          <p:cNvSpPr/>
+          <p:nvPr/>
+        </p:nvSpPr>
+        <p:spPr>
+          <a:xfrm>
+            <a:off x="64609" y="2091348"/>
+            <a:ext cx="1139733" cy="467698"/>
+          </a:xfrm>
+          <a:prstGeom prst="roundRect">
+            <a:avLst>
+              <a:gd name="adj" fmla="val 18479"/>
+            </a:avLst>
+          </a:prstGeom>
+          <a:ln w="12700"/>
+        </p:spPr>
+        <p:style>
+          <a:lnRef idx="2">
+            <a:schemeClr val="dk1"/>
+          </a:lnRef>
+          <a:fillRef idx="1">
+            <a:schemeClr val="lt1"/>
+          </a:fillRef>
+          <a:effectRef idx="0">
+            <a:schemeClr val="dk1"/>
+          </a:effectRef>
+          <a:fontRef idx="minor">
+            <a:schemeClr val="dk1"/>
+          </a:fontRef>
+        </p:style>
+        <p:txBody>
+          <a:bodyPr rtlCol="0" anchor="ctr"/>
+          <a:lstStyle/>
+          <a:p>
+            <a:pPr algn="ctr"/>
+            <a:r>
+              <a:rPr lang="en-US" altLang="ko-KR" sz="900" b="1" dirty="0"/>
+              <a:t>Experiments</a:t>
+            </a:r>
+          </a:p>
+          <a:p>
+            <a:pPr algn="ctr"/>
+            <a:r>
+              <a:rPr lang="en-US" altLang="ko-KR" sz="900" b="1" dirty="0"/>
+              <a:t>Object</a:t>
+            </a:r>
+          </a:p>
+        </p:txBody>
+      </p:sp>
+      <p:cxnSp>
+        <p:nvCxnSpPr>
+          <p:cNvPr id="320" name="꺾인 연결선[E] 319">
+            <a:extLst>
+              <a:ext uri="{FF2B5EF4-FFF2-40B4-BE49-F238E27FC236}">
+                <a16:creationId xmlns:a16="http://schemas.microsoft.com/office/drawing/2014/main" id="{6C0FB736-D4AF-07E4-BEB0-A40253AD5623}"/>
+              </a:ext>
+            </a:extLst>
+          </p:cNvPr>
+          <p:cNvCxnSpPr>
+            <a:cxnSpLocks/>
+            <a:stCxn id="307" idx="2"/>
+            <a:endCxn id="324" idx="0"/>
+          </p:cNvCxnSpPr>
+          <p:nvPr/>
+        </p:nvCxnSpPr>
+        <p:spPr>
+          <a:xfrm rot="16200000" flipH="1">
+            <a:off x="2922190" y="-309434"/>
+            <a:ext cx="453098" cy="4357289"/>
+          </a:xfrm>
+          <a:prstGeom prst="bentConnector3">
+            <a:avLst>
+              <a:gd name="adj1" fmla="val 48031"/>
+            </a:avLst>
+          </a:prstGeom>
+          <a:ln w="12700">
+            <a:solidFill>
+              <a:schemeClr val="accent5"/>
+            </a:solidFill>
+            <a:tailEnd type="triangle"/>
+          </a:ln>
+        </p:spPr>
+        <p:style>
           <a:lnRef idx="1">
-            <a:schemeClr val="dk1"/>
+            <a:schemeClr val="accent1"/>
           </a:lnRef>
           <a:fillRef idx="0">
-            <a:schemeClr val="dk1"/>
-          </a:fillRef>
-          <a:effectRef idx="0">
-            <a:schemeClr val="dk1"/>
+            <a:schemeClr val="accent1"/>
+          </a:fillRef>
+          <a:effectRef idx="0">
+            <a:schemeClr val="accent1"/>
           </a:effectRef>
           <a:fontRef idx="minor">
             <a:schemeClr val="tx1"/>
@@ -6836,2100 +9740,505 @@
       </p:cxnSp>
       <p:sp>
         <p:nvSpPr>
-          <p:cNvPr id="2" name="TextBox 1">
-            <a:extLst>
-              <a:ext uri="{FF2B5EF4-FFF2-40B4-BE49-F238E27FC236}">
-                <a16:creationId xmlns:a16="http://schemas.microsoft.com/office/drawing/2014/main" id="{5F946FD0-FE99-4B84-AAA1-58B7FE9E2CA4}"/>
-              </a:ext>
-            </a:extLst>
-          </p:cNvPr>
-          <p:cNvSpPr txBox="1"/>
-          <p:nvPr/>
-        </p:nvSpPr>
-        <p:spPr>
-          <a:xfrm>
-            <a:off x="1331640" y="1654448"/>
-            <a:ext cx="1290097" cy="523220"/>
-          </a:xfrm>
-          <a:prstGeom prst="rect">
-            <a:avLst/>
+          <p:cNvPr id="324" name="모서리가 둥근 직사각형 323">
+            <a:extLst>
+              <a:ext uri="{FF2B5EF4-FFF2-40B4-BE49-F238E27FC236}">
+                <a16:creationId xmlns:a16="http://schemas.microsoft.com/office/drawing/2014/main" id="{9C147D1E-6F05-886C-BF63-76FC2504CA50}"/>
+              </a:ext>
+            </a:extLst>
+          </p:cNvPr>
+          <p:cNvSpPr/>
+          <p:nvPr/>
+        </p:nvSpPr>
+        <p:spPr>
+          <a:xfrm>
+            <a:off x="4757517" y="2095760"/>
+            <a:ext cx="1139733" cy="467698"/>
+          </a:xfrm>
+          <a:prstGeom prst="roundRect">
+            <a:avLst>
+              <a:gd name="adj" fmla="val 18479"/>
+            </a:avLst>
           </a:prstGeom>
           <a:noFill/>
-        </p:spPr>
-        <p:txBody>
-          <a:bodyPr wrap="none" rtlCol="0">
-            <a:spAutoFit/>
-          </a:bodyPr>
-          <a:lstStyle/>
-          <a:p>
-            <a:pPr algn="ctr"/>
-            <a:r>
-              <a:rPr lang="en-US" altLang="ko-KR" sz="1400" b="1"/>
-              <a:t>Routing Key</a:t>
-            </a:r>
-            <a:r>
-              <a:rPr lang="ko-KR" altLang="en-US" sz="1400" b="1"/>
-              <a:t> </a:t>
-            </a:r>
-            <a:endParaRPr lang="en-US" altLang="ko-KR" sz="1400" b="1"/>
-          </a:p>
-          <a:p>
-            <a:pPr algn="ctr"/>
-            <a:r>
-              <a:rPr lang="en-US" altLang="ko-KR" sz="1400" b="1"/>
-              <a:t>+ Message</a:t>
-            </a:r>
-            <a:endParaRPr lang="ko-KR" altLang="en-US" sz="1400" b="1"/>
+          <a:ln w="12700">
+            <a:noFill/>
+          </a:ln>
+        </p:spPr>
+        <p:style>
+          <a:lnRef idx="2">
+            <a:schemeClr val="dk1"/>
+          </a:lnRef>
+          <a:fillRef idx="1">
+            <a:schemeClr val="lt1"/>
+          </a:fillRef>
+          <a:effectRef idx="0">
+            <a:schemeClr val="dk1"/>
+          </a:effectRef>
+          <a:fontRef idx="minor">
+            <a:schemeClr val="dk1"/>
+          </a:fontRef>
+        </p:style>
+        <p:txBody>
+          <a:bodyPr rtlCol="0" anchor="ctr"/>
+          <a:lstStyle/>
+          <a:p>
+            <a:pPr algn="ctr"/>
+            <a:endParaRPr lang="en-US" altLang="ko-KR" sz="900" b="1" dirty="0"/>
+          </a:p>
+        </p:txBody>
+      </p:sp>
+      <p:cxnSp>
+        <p:nvCxnSpPr>
+          <p:cNvPr id="333" name="꺾인 연결선[E] 332">
+            <a:extLst>
+              <a:ext uri="{FF2B5EF4-FFF2-40B4-BE49-F238E27FC236}">
+                <a16:creationId xmlns:a16="http://schemas.microsoft.com/office/drawing/2014/main" id="{D63E85BD-C372-2DE8-13A4-931141A9A3EE}"/>
+              </a:ext>
+            </a:extLst>
+          </p:cNvPr>
+          <p:cNvCxnSpPr>
+            <a:cxnSpLocks/>
+            <a:stCxn id="307" idx="2"/>
+            <a:endCxn id="339" idx="0"/>
+          </p:cNvCxnSpPr>
+          <p:nvPr/>
+        </p:nvCxnSpPr>
+        <p:spPr>
+          <a:xfrm rot="16200000" flipH="1">
+            <a:off x="2972836" y="-360080"/>
+            <a:ext cx="1245315" cy="5250797"/>
+          </a:xfrm>
+          <a:prstGeom prst="bentConnector3">
+            <a:avLst>
+              <a:gd name="adj1" fmla="val 17532"/>
+            </a:avLst>
+          </a:prstGeom>
+          <a:ln w="12700">
+            <a:solidFill>
+              <a:schemeClr val="accent5"/>
+            </a:solidFill>
+            <a:tailEnd type="triangle"/>
+          </a:ln>
+        </p:spPr>
+        <p:style>
+          <a:lnRef idx="1">
+            <a:schemeClr val="accent1"/>
+          </a:lnRef>
+          <a:fillRef idx="0">
+            <a:schemeClr val="accent1"/>
+          </a:fillRef>
+          <a:effectRef idx="0">
+            <a:schemeClr val="accent1"/>
+          </a:effectRef>
+          <a:fontRef idx="minor">
+            <a:schemeClr val="tx1"/>
+          </a:fontRef>
+        </p:style>
+      </p:cxnSp>
+      <p:sp>
+        <p:nvSpPr>
+          <p:cNvPr id="339" name="모서리가 둥근 직사각형 338">
+            <a:extLst>
+              <a:ext uri="{FF2B5EF4-FFF2-40B4-BE49-F238E27FC236}">
+                <a16:creationId xmlns:a16="http://schemas.microsoft.com/office/drawing/2014/main" id="{D7B5EDF2-8286-DA91-A921-5BDACDC87D2D}"/>
+              </a:ext>
+            </a:extLst>
+          </p:cNvPr>
+          <p:cNvSpPr/>
+          <p:nvPr/>
+        </p:nvSpPr>
+        <p:spPr>
+          <a:xfrm>
+            <a:off x="5651025" y="2887977"/>
+            <a:ext cx="1139733" cy="467698"/>
+          </a:xfrm>
+          <a:prstGeom prst="roundRect">
+            <a:avLst>
+              <a:gd name="adj" fmla="val 18479"/>
+            </a:avLst>
+          </a:prstGeom>
+          <a:noFill/>
+          <a:ln w="12700">
+            <a:noFill/>
+          </a:ln>
+        </p:spPr>
+        <p:style>
+          <a:lnRef idx="2">
+            <a:schemeClr val="dk1"/>
+          </a:lnRef>
+          <a:fillRef idx="1">
+            <a:schemeClr val="lt1"/>
+          </a:fillRef>
+          <a:effectRef idx="0">
+            <a:schemeClr val="dk1"/>
+          </a:effectRef>
+          <a:fontRef idx="minor">
+            <a:schemeClr val="dk1"/>
+          </a:fontRef>
+        </p:style>
+        <p:txBody>
+          <a:bodyPr rtlCol="0" anchor="ctr"/>
+          <a:lstStyle/>
+          <a:p>
+            <a:pPr algn="ctr"/>
+            <a:endParaRPr lang="en-US" altLang="ko-KR" sz="900" b="1" dirty="0"/>
+          </a:p>
+        </p:txBody>
+      </p:sp>
+      <p:sp>
+        <p:nvSpPr>
+          <p:cNvPr id="348" name="모서리가 둥근 직사각형 347">
+            <a:extLst>
+              <a:ext uri="{FF2B5EF4-FFF2-40B4-BE49-F238E27FC236}">
+                <a16:creationId xmlns:a16="http://schemas.microsoft.com/office/drawing/2014/main" id="{9E297C66-E6A1-6F39-B213-A3E6862BF259}"/>
+              </a:ext>
+            </a:extLst>
+          </p:cNvPr>
+          <p:cNvSpPr/>
+          <p:nvPr/>
+        </p:nvSpPr>
+        <p:spPr>
+          <a:xfrm>
+            <a:off x="3815864" y="2887977"/>
+            <a:ext cx="1139733" cy="467698"/>
+          </a:xfrm>
+          <a:prstGeom prst="roundRect">
+            <a:avLst>
+              <a:gd name="adj" fmla="val 18479"/>
+            </a:avLst>
+          </a:prstGeom>
+          <a:noFill/>
+          <a:ln w="12700">
+            <a:noFill/>
+          </a:ln>
+        </p:spPr>
+        <p:style>
+          <a:lnRef idx="2">
+            <a:schemeClr val="dk1"/>
+          </a:lnRef>
+          <a:fillRef idx="1">
+            <a:schemeClr val="lt1"/>
+          </a:fillRef>
+          <a:effectRef idx="0">
+            <a:schemeClr val="dk1"/>
+          </a:effectRef>
+          <a:fontRef idx="minor">
+            <a:schemeClr val="dk1"/>
+          </a:fontRef>
+        </p:style>
+        <p:txBody>
+          <a:bodyPr rtlCol="0" anchor="ctr"/>
+          <a:lstStyle/>
+          <a:p>
+            <a:pPr algn="ctr"/>
+            <a:endParaRPr lang="en-US" altLang="ko-KR" sz="900" b="1" dirty="0"/>
+          </a:p>
+        </p:txBody>
+      </p:sp>
+      <p:cxnSp>
+        <p:nvCxnSpPr>
+          <p:cNvPr id="349" name="꺾인 연결선[E] 348">
+            <a:extLst>
+              <a:ext uri="{FF2B5EF4-FFF2-40B4-BE49-F238E27FC236}">
+                <a16:creationId xmlns:a16="http://schemas.microsoft.com/office/drawing/2014/main" id="{85CDAC28-727B-6114-66F7-0CCDDAEBE45F}"/>
+              </a:ext>
+            </a:extLst>
+          </p:cNvPr>
+          <p:cNvCxnSpPr>
+            <a:cxnSpLocks/>
+            <a:stCxn id="307" idx="2"/>
+            <a:endCxn id="348" idx="0"/>
+          </p:cNvCxnSpPr>
+          <p:nvPr/>
+        </p:nvCxnSpPr>
+        <p:spPr>
+          <a:xfrm rot="16200000" flipH="1">
+            <a:off x="2055256" y="557501"/>
+            <a:ext cx="1245315" cy="3415636"/>
+          </a:xfrm>
+          <a:prstGeom prst="bentConnector3">
+            <a:avLst>
+              <a:gd name="adj1" fmla="val 17659"/>
+            </a:avLst>
+          </a:prstGeom>
+          <a:ln w="12700">
+            <a:solidFill>
+              <a:schemeClr val="accent5"/>
+            </a:solidFill>
+            <a:tailEnd type="triangle"/>
+          </a:ln>
+        </p:spPr>
+        <p:style>
+          <a:lnRef idx="1">
+            <a:schemeClr val="accent1"/>
+          </a:lnRef>
+          <a:fillRef idx="0">
+            <a:schemeClr val="accent1"/>
+          </a:fillRef>
+          <a:effectRef idx="0">
+            <a:schemeClr val="accent1"/>
+          </a:effectRef>
+          <a:fontRef idx="minor">
+            <a:schemeClr val="tx1"/>
+          </a:fontRef>
+        </p:style>
+      </p:cxnSp>
+      <p:sp>
+        <p:nvSpPr>
+          <p:cNvPr id="375" name="모서리가 둥근 직사각형 374">
+            <a:extLst>
+              <a:ext uri="{FF2B5EF4-FFF2-40B4-BE49-F238E27FC236}">
+                <a16:creationId xmlns:a16="http://schemas.microsoft.com/office/drawing/2014/main" id="{E3AAEEF6-64BA-D6D2-87AF-FC440D5A9E41}"/>
+              </a:ext>
+            </a:extLst>
+          </p:cNvPr>
+          <p:cNvSpPr/>
+          <p:nvPr/>
+        </p:nvSpPr>
+        <p:spPr>
+          <a:xfrm>
+            <a:off x="1360040" y="2092074"/>
+            <a:ext cx="1139733" cy="467698"/>
+          </a:xfrm>
+          <a:prstGeom prst="roundRect">
+            <a:avLst>
+              <a:gd name="adj" fmla="val 18479"/>
+            </a:avLst>
+          </a:prstGeom>
+          <a:ln w="12700"/>
+        </p:spPr>
+        <p:style>
+          <a:lnRef idx="2">
+            <a:schemeClr val="dk1"/>
+          </a:lnRef>
+          <a:fillRef idx="1">
+            <a:schemeClr val="lt1"/>
+          </a:fillRef>
+          <a:effectRef idx="0">
+            <a:schemeClr val="dk1"/>
+          </a:effectRef>
+          <a:fontRef idx="minor">
+            <a:schemeClr val="dk1"/>
+          </a:fontRef>
+        </p:style>
+        <p:txBody>
+          <a:bodyPr rtlCol="0" anchor="ctr"/>
+          <a:lstStyle/>
+          <a:p>
+            <a:pPr algn="ctr"/>
+            <a:r>
+              <a:rPr lang="en-US" altLang="ko-KR" sz="900"/>
+              <a:t>Kubernetes</a:t>
+            </a:r>
+          </a:p>
+          <a:p>
+            <a:pPr algn="ctr"/>
+            <a:r>
+              <a:rPr lang="en-US" altLang="ko-KR" sz="900"/>
+              <a:t>Services Object</a:t>
+            </a:r>
+          </a:p>
+        </p:txBody>
+      </p:sp>
+      <p:cxnSp>
+        <p:nvCxnSpPr>
+          <p:cNvPr id="377" name="꺾인 연결선[E] 376">
+            <a:extLst>
+              <a:ext uri="{FF2B5EF4-FFF2-40B4-BE49-F238E27FC236}">
+                <a16:creationId xmlns:a16="http://schemas.microsoft.com/office/drawing/2014/main" id="{8D690F09-84C6-AEB8-EC0F-4E9F962BC42C}"/>
+              </a:ext>
+            </a:extLst>
+          </p:cNvPr>
+          <p:cNvCxnSpPr>
+            <a:cxnSpLocks/>
+            <a:stCxn id="307" idx="2"/>
+            <a:endCxn id="316" idx="0"/>
+          </p:cNvCxnSpPr>
+          <p:nvPr/>
+        </p:nvCxnSpPr>
+        <p:spPr>
+          <a:xfrm rot="5400000">
+            <a:off x="577943" y="1699196"/>
+            <a:ext cx="448686" cy="335619"/>
+          </a:xfrm>
+          <a:prstGeom prst="bentConnector3">
+            <a:avLst>
+              <a:gd name="adj1" fmla="val 50000"/>
+            </a:avLst>
+          </a:prstGeom>
+          <a:ln w="12700">
+            <a:solidFill>
+              <a:schemeClr val="accent5"/>
+            </a:solidFill>
+            <a:tailEnd type="triangle"/>
+          </a:ln>
+        </p:spPr>
+        <p:style>
+          <a:lnRef idx="1">
+            <a:schemeClr val="accent1"/>
+          </a:lnRef>
+          <a:fillRef idx="0">
+            <a:schemeClr val="accent1"/>
+          </a:fillRef>
+          <a:effectRef idx="0">
+            <a:schemeClr val="accent1"/>
+          </a:effectRef>
+          <a:fontRef idx="minor">
+            <a:schemeClr val="tx1"/>
+          </a:fontRef>
+        </p:style>
+      </p:cxnSp>
+      <p:cxnSp>
+        <p:nvCxnSpPr>
+          <p:cNvPr id="382" name="꺾인 연결선[E] 381">
+            <a:extLst>
+              <a:ext uri="{FF2B5EF4-FFF2-40B4-BE49-F238E27FC236}">
+                <a16:creationId xmlns:a16="http://schemas.microsoft.com/office/drawing/2014/main" id="{8636B173-DBDF-D136-A53D-597D68FAFB9A}"/>
+              </a:ext>
+            </a:extLst>
+          </p:cNvPr>
+          <p:cNvCxnSpPr>
+            <a:cxnSpLocks/>
+            <a:stCxn id="307" idx="2"/>
+            <a:endCxn id="375" idx="0"/>
+          </p:cNvCxnSpPr>
+          <p:nvPr/>
+        </p:nvCxnSpPr>
+        <p:spPr>
+          <a:xfrm rot="16200000" flipH="1">
+            <a:off x="1225295" y="1387462"/>
+            <a:ext cx="449412" cy="959812"/>
+          </a:xfrm>
+          <a:prstGeom prst="bentConnector3">
+            <a:avLst>
+              <a:gd name="adj1" fmla="val 50000"/>
+            </a:avLst>
+          </a:prstGeom>
+          <a:ln w="12700">
+            <a:solidFill>
+              <a:schemeClr val="accent5"/>
+            </a:solidFill>
+            <a:tailEnd type="triangle"/>
+          </a:ln>
+        </p:spPr>
+        <p:style>
+          <a:lnRef idx="1">
+            <a:schemeClr val="accent1"/>
+          </a:lnRef>
+          <a:fillRef idx="0">
+            <a:schemeClr val="accent1"/>
+          </a:fillRef>
+          <a:effectRef idx="0">
+            <a:schemeClr val="accent1"/>
+          </a:effectRef>
+          <a:fontRef idx="minor">
+            <a:schemeClr val="tx1"/>
+          </a:fontRef>
+        </p:style>
+      </p:cxnSp>
+      <p:cxnSp>
+        <p:nvCxnSpPr>
+          <p:cNvPr id="386" name="꺾인 연결선[E] 385">
+            <a:extLst>
+              <a:ext uri="{FF2B5EF4-FFF2-40B4-BE49-F238E27FC236}">
+                <a16:creationId xmlns:a16="http://schemas.microsoft.com/office/drawing/2014/main" id="{15191E0D-E5D3-3B7A-A101-C1690D32F0F9}"/>
+              </a:ext>
+            </a:extLst>
+          </p:cNvPr>
+          <p:cNvCxnSpPr>
+            <a:cxnSpLocks/>
+            <a:stCxn id="24" idx="2"/>
+            <a:endCxn id="391" idx="0"/>
+          </p:cNvCxnSpPr>
+          <p:nvPr/>
+        </p:nvCxnSpPr>
+        <p:spPr>
+          <a:xfrm rot="5400000">
+            <a:off x="3048164" y="639430"/>
+            <a:ext cx="458140" cy="2454520"/>
+          </a:xfrm>
+          <a:prstGeom prst="bentConnector3">
+            <a:avLst>
+              <a:gd name="adj1" fmla="val 61297"/>
+            </a:avLst>
+          </a:prstGeom>
+          <a:ln w="12700">
+            <a:solidFill>
+              <a:srgbClr val="C00000"/>
+            </a:solidFill>
+            <a:tailEnd type="triangle"/>
+          </a:ln>
+        </p:spPr>
+        <p:style>
+          <a:lnRef idx="1">
+            <a:schemeClr val="accent1"/>
+          </a:lnRef>
+          <a:fillRef idx="0">
+            <a:schemeClr val="accent1"/>
+          </a:fillRef>
+          <a:effectRef idx="0">
+            <a:schemeClr val="accent1"/>
+          </a:effectRef>
+          <a:fontRef idx="minor">
+            <a:schemeClr val="tx1"/>
+          </a:fontRef>
+        </p:style>
+      </p:cxnSp>
+      <p:sp>
+        <p:nvSpPr>
+          <p:cNvPr id="391" name="모서리가 둥근 직사각형 390">
+            <a:extLst>
+              <a:ext uri="{FF2B5EF4-FFF2-40B4-BE49-F238E27FC236}">
+                <a16:creationId xmlns:a16="http://schemas.microsoft.com/office/drawing/2014/main" id="{114CDFD5-1287-1DE2-8EC0-A0A6BE1715AF}"/>
+              </a:ext>
+            </a:extLst>
+          </p:cNvPr>
+          <p:cNvSpPr/>
+          <p:nvPr/>
+        </p:nvSpPr>
+        <p:spPr>
+          <a:xfrm>
+            <a:off x="1480107" y="2095760"/>
+            <a:ext cx="1139733" cy="467698"/>
+          </a:xfrm>
+          <a:prstGeom prst="roundRect">
+            <a:avLst>
+              <a:gd name="adj" fmla="val 18479"/>
+            </a:avLst>
+          </a:prstGeom>
+          <a:noFill/>
+          <a:ln w="12700">
+            <a:noFill/>
+          </a:ln>
+        </p:spPr>
+        <p:style>
+          <a:lnRef idx="2">
+            <a:schemeClr val="dk1"/>
+          </a:lnRef>
+          <a:fillRef idx="1">
+            <a:schemeClr val="lt1"/>
+          </a:fillRef>
+          <a:effectRef idx="0">
+            <a:schemeClr val="dk1"/>
+          </a:effectRef>
+          <a:fontRef idx="minor">
+            <a:schemeClr val="dk1"/>
+          </a:fontRef>
+        </p:style>
+        <p:txBody>
+          <a:bodyPr rtlCol="0" anchor="ctr"/>
+          <a:lstStyle/>
+          <a:p>
+            <a:pPr algn="ctr"/>
+            <a:endParaRPr lang="en-US" altLang="ko-KR" sz="900" b="1" dirty="0"/>
           </a:p>
         </p:txBody>
       </p:sp>
     </p:spTree>
     <p:extLst>
       <p:ext uri="{BB962C8B-B14F-4D97-AF65-F5344CB8AC3E}">
-        <p14:creationId xmlns:p14="http://schemas.microsoft.com/office/powerpoint/2010/main" val="2699234921"/>
-      </p:ext>
-    </p:extLst>
-  </p:cSld>
-  <p:clrMapOvr>
-    <a:masterClrMapping/>
-  </p:clrMapOvr>
-</p:sld>
-</file>
-
-<file path=ppt/slides/slide4.xml><?xml version="1.0" encoding="utf-8"?>
-<p:sld xmlns:a="http://schemas.openxmlformats.org/drawingml/2006/main" xmlns:r="http://schemas.openxmlformats.org/officeDocument/2006/relationships" xmlns:p="http://schemas.openxmlformats.org/presentationml/2006/main">
-  <p:cSld>
-    <p:spTree>
-      <p:nvGrpSpPr>
-        <p:cNvPr id="1" name=""/>
-        <p:cNvGrpSpPr/>
-        <p:nvPr/>
-      </p:nvGrpSpPr>
-      <p:grpSpPr>
-        <a:xfrm>
-          <a:off x="0" y="0"/>
-          <a:ext cx="0" cy="0"/>
-          <a:chOff x="0" y="0"/>
-          <a:chExt cx="0" cy="0"/>
-        </a:xfrm>
-      </p:grpSpPr>
-      <p:sp>
-        <p:nvSpPr>
-          <p:cNvPr id="6" name="제목 1"/>
-          <p:cNvSpPr>
-            <a:spLocks noGrp="1"/>
-          </p:cNvSpPr>
-          <p:nvPr>
-            <p:ph type="title"/>
-          </p:nvPr>
-        </p:nvSpPr>
-        <p:spPr>
-          <a:xfrm>
-            <a:off x="457200" y="-20538"/>
-            <a:ext cx="8229600" cy="857250"/>
-          </a:xfrm>
-        </p:spPr>
-        <p:txBody>
-          <a:bodyPr>
-            <a:normAutofit/>
-          </a:bodyPr>
-          <a:lstStyle/>
-          <a:p>
-            <a:r>
-              <a:rPr lang="en-US" altLang="ko-KR"/>
-              <a:t>AMQP Direct Exchange</a:t>
-            </a:r>
-            <a:endParaRPr lang="ko-KR" altLang="en-US" dirty="0"/>
-          </a:p>
-        </p:txBody>
-      </p:sp>
-      <p:sp>
-        <p:nvSpPr>
-          <p:cNvPr id="11" name="모서리가 둥근 직사각형 10"/>
-          <p:cNvSpPr/>
-          <p:nvPr/>
-        </p:nvSpPr>
-        <p:spPr>
-          <a:xfrm>
-            <a:off x="1835696" y="2392599"/>
-            <a:ext cx="1584176" cy="637710"/>
-          </a:xfrm>
-          <a:prstGeom prst="roundRect">
-            <a:avLst/>
-          </a:prstGeom>
-        </p:spPr>
-        <p:style>
-          <a:lnRef idx="2">
-            <a:schemeClr val="dk1"/>
-          </a:lnRef>
-          <a:fillRef idx="1">
-            <a:schemeClr val="lt1"/>
-          </a:fillRef>
-          <a:effectRef idx="0">
-            <a:schemeClr val="dk1"/>
-          </a:effectRef>
-          <a:fontRef idx="minor">
-            <a:schemeClr val="dk1"/>
-          </a:fontRef>
-        </p:style>
-        <p:txBody>
-          <a:bodyPr rtlCol="0" anchor="ctr"/>
-          <a:lstStyle/>
-          <a:p>
-            <a:pPr algn="ctr"/>
-            <a:r>
-              <a:rPr lang="en-US" altLang="ko-KR" sz="1600" b="1"/>
-              <a:t>Exchange A</a:t>
-            </a:r>
-          </a:p>
-          <a:p>
-            <a:pPr algn="ctr"/>
-            <a:r>
-              <a:rPr lang="en-US" altLang="ko-KR" sz="1400"/>
-              <a:t>Direct Type</a:t>
-            </a:r>
-            <a:endParaRPr lang="ko-KR" altLang="en-US" sz="1400" dirty="0"/>
-          </a:p>
-        </p:txBody>
-      </p:sp>
-      <p:sp>
-        <p:nvSpPr>
-          <p:cNvPr id="14" name="모서리가 둥근 직사각형 13"/>
-          <p:cNvSpPr/>
-          <p:nvPr/>
-        </p:nvSpPr>
-        <p:spPr>
-          <a:xfrm>
-            <a:off x="5004048" y="3475339"/>
-            <a:ext cx="1983046" cy="1018528"/>
-          </a:xfrm>
-          <a:prstGeom prst="roundRect">
-            <a:avLst/>
-          </a:prstGeom>
-        </p:spPr>
-        <p:style>
-          <a:lnRef idx="2">
-            <a:schemeClr val="dk1"/>
-          </a:lnRef>
-          <a:fillRef idx="1">
-            <a:schemeClr val="lt1"/>
-          </a:fillRef>
-          <a:effectRef idx="0">
-            <a:schemeClr val="dk1"/>
-          </a:effectRef>
-          <a:fontRef idx="minor">
-            <a:schemeClr val="dk1"/>
-          </a:fontRef>
-        </p:style>
-        <p:txBody>
-          <a:bodyPr rtlCol="0" anchor="ctr"/>
-          <a:lstStyle/>
-          <a:p>
-            <a:pPr algn="ctr"/>
-            <a:r>
-              <a:rPr lang="en-US" altLang="ko-KR" sz="1600" b="1"/>
-              <a:t>Exchange B</a:t>
-            </a:r>
-          </a:p>
-          <a:p>
-            <a:pPr algn="ctr"/>
-            <a:r>
-              <a:rPr lang="en-US" altLang="ko-KR" sz="1400"/>
-              <a:t>Binding Key </a:t>
-            </a:r>
-          </a:p>
-          <a:p>
-            <a:pPr algn="ctr"/>
-            <a:r>
-              <a:rPr lang="en-US" altLang="ko-KR" sz="1400"/>
-              <a:t>- ssup2.main</a:t>
-            </a:r>
-          </a:p>
-          <a:p>
-            <a:pPr algn="ctr"/>
-            <a:r>
-              <a:rPr lang="en-US" altLang="ko-KR" sz="1400"/>
-              <a:t>- ssup2.category</a:t>
-            </a:r>
-          </a:p>
-        </p:txBody>
-      </p:sp>
-      <p:sp>
-        <p:nvSpPr>
-          <p:cNvPr id="15" name="모서리가 둥근 직사각형 14"/>
-          <p:cNvSpPr/>
-          <p:nvPr/>
-        </p:nvSpPr>
-        <p:spPr>
-          <a:xfrm>
-            <a:off x="5004048" y="879501"/>
-            <a:ext cx="1983046" cy="1018528"/>
-          </a:xfrm>
-          <a:prstGeom prst="roundRect">
-            <a:avLst/>
-          </a:prstGeom>
-        </p:spPr>
-        <p:style>
-          <a:lnRef idx="2">
-            <a:schemeClr val="dk1"/>
-          </a:lnRef>
-          <a:fillRef idx="1">
-            <a:schemeClr val="lt1"/>
-          </a:fillRef>
-          <a:effectRef idx="0">
-            <a:schemeClr val="dk1"/>
-          </a:effectRef>
-          <a:fontRef idx="minor">
-            <a:schemeClr val="dk1"/>
-          </a:fontRef>
-        </p:style>
-        <p:txBody>
-          <a:bodyPr rtlCol="0" anchor="ctr"/>
-          <a:lstStyle/>
-          <a:p>
-            <a:pPr algn="ctr"/>
-            <a:r>
-              <a:rPr lang="en-US" altLang="ko-KR" sz="1600" b="1"/>
-              <a:t>Queue A</a:t>
-            </a:r>
-          </a:p>
-          <a:p>
-            <a:pPr algn="ctr"/>
-            <a:r>
-              <a:rPr lang="en-US" altLang="ko-KR" sz="1400"/>
-              <a:t>Binding Key </a:t>
-            </a:r>
-          </a:p>
-          <a:p>
-            <a:pPr algn="ctr"/>
-            <a:r>
-              <a:rPr lang="en-US" altLang="ko-KR" sz="1400"/>
-              <a:t>- ssup2.home</a:t>
-            </a:r>
-          </a:p>
-        </p:txBody>
-      </p:sp>
-      <p:cxnSp>
-        <p:nvCxnSpPr>
-          <p:cNvPr id="21" name="직선 화살표 연결선 20"/>
-          <p:cNvCxnSpPr>
-            <a:cxnSpLocks/>
-            <a:stCxn id="11" idx="3"/>
-            <a:endCxn id="14" idx="1"/>
-          </p:cNvCxnSpPr>
-          <p:nvPr/>
-        </p:nvCxnSpPr>
-        <p:spPr>
-          <a:xfrm>
-            <a:off x="3419872" y="2711454"/>
-            <a:ext cx="1584176" cy="1273149"/>
-          </a:xfrm>
-          <a:prstGeom prst="straightConnector1">
-            <a:avLst/>
-          </a:prstGeom>
-          <a:ln w="28575">
-            <a:tailEnd type="arrow"/>
-          </a:ln>
-        </p:spPr>
-        <p:style>
-          <a:lnRef idx="1">
-            <a:schemeClr val="dk1"/>
-          </a:lnRef>
-          <a:fillRef idx="0">
-            <a:schemeClr val="dk1"/>
-          </a:fillRef>
-          <a:effectRef idx="0">
-            <a:schemeClr val="dk1"/>
-          </a:effectRef>
-          <a:fontRef idx="minor">
-            <a:schemeClr val="tx1"/>
-          </a:fontRef>
-        </p:style>
-      </p:cxnSp>
-      <p:cxnSp>
-        <p:nvCxnSpPr>
-          <p:cNvPr id="29" name="직선 화살표 연결선 28"/>
-          <p:cNvCxnSpPr>
-            <a:cxnSpLocks/>
-            <a:stCxn id="11" idx="3"/>
-            <a:endCxn id="15" idx="1"/>
-          </p:cNvCxnSpPr>
-          <p:nvPr/>
-        </p:nvCxnSpPr>
-        <p:spPr>
-          <a:xfrm flipV="1">
-            <a:off x="3419872" y="1388765"/>
-            <a:ext cx="1584176" cy="1322689"/>
-          </a:xfrm>
-          <a:prstGeom prst="straightConnector1">
-            <a:avLst/>
-          </a:prstGeom>
-          <a:ln w="28575">
-            <a:tailEnd type="arrow"/>
-          </a:ln>
-        </p:spPr>
-        <p:style>
-          <a:lnRef idx="1">
-            <a:schemeClr val="dk1"/>
-          </a:lnRef>
-          <a:fillRef idx="0">
-            <a:schemeClr val="dk1"/>
-          </a:fillRef>
-          <a:effectRef idx="0">
-            <a:schemeClr val="dk1"/>
-          </a:effectRef>
-          <a:fontRef idx="minor">
-            <a:schemeClr val="tx1"/>
-          </a:fontRef>
-        </p:style>
-      </p:cxnSp>
-      <p:sp>
-        <p:nvSpPr>
-          <p:cNvPr id="36" name="모서리가 둥근 직사각형 35"/>
-          <p:cNvSpPr/>
-          <p:nvPr/>
-        </p:nvSpPr>
-        <p:spPr>
-          <a:xfrm>
-            <a:off x="5004048" y="2202190"/>
-            <a:ext cx="1983046" cy="1018528"/>
-          </a:xfrm>
-          <a:prstGeom prst="roundRect">
-            <a:avLst/>
-          </a:prstGeom>
-        </p:spPr>
-        <p:style>
-          <a:lnRef idx="2">
-            <a:schemeClr val="dk1"/>
-          </a:lnRef>
-          <a:fillRef idx="1">
-            <a:schemeClr val="lt1"/>
-          </a:fillRef>
-          <a:effectRef idx="0">
-            <a:schemeClr val="dk1"/>
-          </a:effectRef>
-          <a:fontRef idx="minor">
-            <a:schemeClr val="dk1"/>
-          </a:fontRef>
-        </p:style>
-        <p:txBody>
-          <a:bodyPr rtlCol="0" anchor="ctr"/>
-          <a:lstStyle/>
-          <a:p>
-            <a:pPr algn="ctr"/>
-            <a:r>
-              <a:rPr lang="en-US" altLang="ko-KR" sz="1600" b="1"/>
-              <a:t>Queue B</a:t>
-            </a:r>
-          </a:p>
-          <a:p>
-            <a:pPr algn="ctr"/>
-            <a:r>
-              <a:rPr lang="en-US" altLang="ko-KR" sz="1400"/>
-              <a:t>Binding Key </a:t>
-            </a:r>
-          </a:p>
-          <a:p>
-            <a:pPr algn="ctr"/>
-            <a:r>
-              <a:rPr lang="en-US" altLang="ko-KR" sz="1400"/>
-              <a:t>- ssup2.main</a:t>
-            </a:r>
-            <a:endParaRPr lang="ko-KR" altLang="en-US" sz="1400" dirty="0"/>
-          </a:p>
-        </p:txBody>
-      </p:sp>
-      <p:cxnSp>
-        <p:nvCxnSpPr>
-          <p:cNvPr id="39" name="직선 화살표 연결선 38"/>
-          <p:cNvCxnSpPr>
-            <a:cxnSpLocks/>
-            <a:stCxn id="11" idx="3"/>
-            <a:endCxn id="36" idx="1"/>
-          </p:cNvCxnSpPr>
-          <p:nvPr/>
-        </p:nvCxnSpPr>
-        <p:spPr>
-          <a:xfrm>
-            <a:off x="3419872" y="2711454"/>
-            <a:ext cx="1584176" cy="0"/>
-          </a:xfrm>
-          <a:prstGeom prst="straightConnector1">
-            <a:avLst/>
-          </a:prstGeom>
-          <a:ln w="28575">
-            <a:tailEnd type="arrow"/>
-          </a:ln>
-        </p:spPr>
-        <p:style>
-          <a:lnRef idx="1">
-            <a:schemeClr val="dk1"/>
-          </a:lnRef>
-          <a:fillRef idx="0">
-            <a:schemeClr val="dk1"/>
-          </a:fillRef>
-          <a:effectRef idx="0">
-            <a:schemeClr val="dk1"/>
-          </a:effectRef>
-          <a:fontRef idx="minor">
-            <a:schemeClr val="tx1"/>
-          </a:fontRef>
-        </p:style>
-      </p:cxnSp>
-      <p:sp>
-        <p:nvSpPr>
-          <p:cNvPr id="31" name="TextBox 30">
-            <a:extLst>
-              <a:ext uri="{FF2B5EF4-FFF2-40B4-BE49-F238E27FC236}">
-                <a16:creationId xmlns:a16="http://schemas.microsoft.com/office/drawing/2014/main" id="{A3A5144F-1AFF-45EB-A16D-1E16C45EEC20}"/>
-              </a:ext>
-            </a:extLst>
-          </p:cNvPr>
-          <p:cNvSpPr txBox="1"/>
-          <p:nvPr/>
-        </p:nvSpPr>
-        <p:spPr>
-          <a:xfrm>
-            <a:off x="3347864" y="2202559"/>
-            <a:ext cx="2088232" cy="523220"/>
-          </a:xfrm>
-          <a:prstGeom prst="rect">
-            <a:avLst/>
-          </a:prstGeom>
-          <a:noFill/>
-        </p:spPr>
-        <p:txBody>
-          <a:bodyPr wrap="square" rtlCol="0">
-            <a:spAutoFit/>
-          </a:bodyPr>
-          <a:lstStyle/>
-          <a:p>
-            <a:pPr algn="ctr"/>
-            <a:r>
-              <a:rPr lang="en-US" altLang="ko-KR" sz="1400"/>
-              <a:t>Routing Key</a:t>
-            </a:r>
-          </a:p>
-          <a:p>
-            <a:pPr algn="ctr"/>
-            <a:r>
-              <a:rPr lang="en-US" altLang="ko-KR" sz="1400"/>
-              <a:t> - ssup2.main</a:t>
-            </a:r>
-            <a:endParaRPr lang="ko-KR" altLang="en-US" sz="1400" dirty="0"/>
-          </a:p>
-        </p:txBody>
-      </p:sp>
-      <p:sp>
-        <p:nvSpPr>
-          <p:cNvPr id="51" name="TextBox 50">
-            <a:extLst>
-              <a:ext uri="{FF2B5EF4-FFF2-40B4-BE49-F238E27FC236}">
-                <a16:creationId xmlns:a16="http://schemas.microsoft.com/office/drawing/2014/main" id="{B9361916-2D04-437B-BA89-1B097E752142}"/>
-              </a:ext>
-            </a:extLst>
-          </p:cNvPr>
-          <p:cNvSpPr txBox="1"/>
-          <p:nvPr/>
-        </p:nvSpPr>
-        <p:spPr>
-          <a:xfrm>
-            <a:off x="2555776" y="3435846"/>
-            <a:ext cx="2611518" cy="738664"/>
-          </a:xfrm>
-          <a:prstGeom prst="rect">
-            <a:avLst/>
-          </a:prstGeom>
-          <a:noFill/>
-        </p:spPr>
-        <p:txBody>
-          <a:bodyPr wrap="square" rtlCol="0">
-            <a:spAutoFit/>
-          </a:bodyPr>
-          <a:lstStyle/>
-          <a:p>
-            <a:pPr algn="ctr"/>
-            <a:r>
-              <a:rPr lang="en-US" altLang="ko-KR" sz="1400"/>
-              <a:t>Routing Key </a:t>
-            </a:r>
-          </a:p>
-          <a:p>
-            <a:pPr algn="ctr"/>
-            <a:r>
-              <a:rPr lang="en-US" altLang="ko-KR" sz="1400"/>
-              <a:t>- ssup2.main</a:t>
-            </a:r>
-          </a:p>
-          <a:p>
-            <a:pPr algn="ctr"/>
-            <a:r>
-              <a:rPr lang="en-US" altLang="ko-KR" sz="1400"/>
-              <a:t>- ssup2.category</a:t>
-            </a:r>
-          </a:p>
-        </p:txBody>
-      </p:sp>
-      <p:sp>
-        <p:nvSpPr>
-          <p:cNvPr id="52" name="TextBox 51">
-            <a:extLst>
-              <a:ext uri="{FF2B5EF4-FFF2-40B4-BE49-F238E27FC236}">
-                <a16:creationId xmlns:a16="http://schemas.microsoft.com/office/drawing/2014/main" id="{859E9466-942F-45D5-9CE9-1BC6C7A3489F}"/>
-              </a:ext>
-            </a:extLst>
-          </p:cNvPr>
-          <p:cNvSpPr txBox="1"/>
-          <p:nvPr/>
-        </p:nvSpPr>
-        <p:spPr>
-          <a:xfrm>
-            <a:off x="2915816" y="1347614"/>
-            <a:ext cx="1983046" cy="523220"/>
-          </a:xfrm>
-          <a:prstGeom prst="rect">
-            <a:avLst/>
-          </a:prstGeom>
-          <a:noFill/>
-        </p:spPr>
-        <p:txBody>
-          <a:bodyPr wrap="square" rtlCol="0">
-            <a:spAutoFit/>
-          </a:bodyPr>
-          <a:lstStyle/>
-          <a:p>
-            <a:pPr algn="ctr"/>
-            <a:r>
-              <a:rPr lang="en-US" altLang="ko-KR" sz="1400"/>
-              <a:t>Routing Key </a:t>
-            </a:r>
-          </a:p>
-          <a:p>
-            <a:pPr algn="ctr"/>
-            <a:r>
-              <a:rPr lang="en-US" altLang="ko-KR" sz="1400"/>
-              <a:t>- ssup2.home</a:t>
-            </a:r>
-          </a:p>
-        </p:txBody>
-      </p:sp>
-    </p:spTree>
-    <p:extLst>
-      <p:ext uri="{BB962C8B-B14F-4D97-AF65-F5344CB8AC3E}">
-        <p14:creationId xmlns:p14="http://schemas.microsoft.com/office/powerpoint/2010/main" val="2698707757"/>
-      </p:ext>
-    </p:extLst>
-  </p:cSld>
-  <p:clrMapOvr>
-    <a:masterClrMapping/>
-  </p:clrMapOvr>
-</p:sld>
-</file>
-
-<file path=ppt/slides/slide5.xml><?xml version="1.0" encoding="utf-8"?>
-<p:sld xmlns:a="http://schemas.openxmlformats.org/drawingml/2006/main" xmlns:r="http://schemas.openxmlformats.org/officeDocument/2006/relationships" xmlns:p="http://schemas.openxmlformats.org/presentationml/2006/main">
-  <p:cSld>
-    <p:spTree>
-      <p:nvGrpSpPr>
-        <p:cNvPr id="1" name=""/>
-        <p:cNvGrpSpPr/>
-        <p:nvPr/>
-      </p:nvGrpSpPr>
-      <p:grpSpPr>
-        <a:xfrm>
-          <a:off x="0" y="0"/>
-          <a:ext cx="0" cy="0"/>
-          <a:chOff x="0" y="0"/>
-          <a:chExt cx="0" cy="0"/>
-        </a:xfrm>
-      </p:grpSpPr>
-      <p:sp>
-        <p:nvSpPr>
-          <p:cNvPr id="6" name="제목 1"/>
-          <p:cNvSpPr>
-            <a:spLocks noGrp="1"/>
-          </p:cNvSpPr>
-          <p:nvPr>
-            <p:ph type="title"/>
-          </p:nvPr>
-        </p:nvSpPr>
-        <p:spPr>
-          <a:xfrm>
-            <a:off x="457200" y="-20538"/>
-            <a:ext cx="8229600" cy="857250"/>
-          </a:xfrm>
-        </p:spPr>
-        <p:txBody>
-          <a:bodyPr>
-            <a:normAutofit/>
-          </a:bodyPr>
-          <a:lstStyle/>
-          <a:p>
-            <a:r>
-              <a:rPr lang="en-US" altLang="ko-KR"/>
-              <a:t>AMQP Fanout Exchange</a:t>
-            </a:r>
-            <a:endParaRPr lang="ko-KR" altLang="en-US" dirty="0"/>
-          </a:p>
-        </p:txBody>
-      </p:sp>
-      <p:sp>
-        <p:nvSpPr>
-          <p:cNvPr id="11" name="모서리가 둥근 직사각형 10"/>
-          <p:cNvSpPr/>
-          <p:nvPr/>
-        </p:nvSpPr>
-        <p:spPr>
-          <a:xfrm>
-            <a:off x="1835696" y="2392599"/>
-            <a:ext cx="1584176" cy="637710"/>
-          </a:xfrm>
-          <a:prstGeom prst="roundRect">
-            <a:avLst/>
-          </a:prstGeom>
-        </p:spPr>
-        <p:style>
-          <a:lnRef idx="2">
-            <a:schemeClr val="dk1"/>
-          </a:lnRef>
-          <a:fillRef idx="1">
-            <a:schemeClr val="lt1"/>
-          </a:fillRef>
-          <a:effectRef idx="0">
-            <a:schemeClr val="dk1"/>
-          </a:effectRef>
-          <a:fontRef idx="minor">
-            <a:schemeClr val="dk1"/>
-          </a:fontRef>
-        </p:style>
-        <p:txBody>
-          <a:bodyPr rtlCol="0" anchor="ctr"/>
-          <a:lstStyle/>
-          <a:p>
-            <a:pPr algn="ctr"/>
-            <a:r>
-              <a:rPr lang="en-US" altLang="ko-KR" sz="1600" b="1"/>
-              <a:t>Exchange A</a:t>
-            </a:r>
-          </a:p>
-          <a:p>
-            <a:pPr algn="ctr"/>
-            <a:r>
-              <a:rPr lang="en-US" altLang="ko-KR" sz="1400"/>
-              <a:t>Fanout Type</a:t>
-            </a:r>
-            <a:endParaRPr lang="ko-KR" altLang="en-US" sz="1400" dirty="0"/>
-          </a:p>
-        </p:txBody>
-      </p:sp>
-      <p:sp>
-        <p:nvSpPr>
-          <p:cNvPr id="14" name="모서리가 둥근 직사각형 13"/>
-          <p:cNvSpPr/>
-          <p:nvPr/>
-        </p:nvSpPr>
-        <p:spPr>
-          <a:xfrm>
-            <a:off x="5004048" y="3475339"/>
-            <a:ext cx="1983046" cy="1018528"/>
-          </a:xfrm>
-          <a:prstGeom prst="roundRect">
-            <a:avLst/>
-          </a:prstGeom>
-        </p:spPr>
-        <p:style>
-          <a:lnRef idx="2">
-            <a:schemeClr val="dk1"/>
-          </a:lnRef>
-          <a:fillRef idx="1">
-            <a:schemeClr val="lt1"/>
-          </a:fillRef>
-          <a:effectRef idx="0">
-            <a:schemeClr val="dk1"/>
-          </a:effectRef>
-          <a:fontRef idx="minor">
-            <a:schemeClr val="dk1"/>
-          </a:fontRef>
-        </p:style>
-        <p:txBody>
-          <a:bodyPr rtlCol="0" anchor="ctr"/>
-          <a:lstStyle/>
-          <a:p>
-            <a:pPr algn="ctr"/>
-            <a:r>
-              <a:rPr lang="en-US" altLang="ko-KR" sz="1600" b="1"/>
-              <a:t>Exchange B</a:t>
-            </a:r>
-          </a:p>
-        </p:txBody>
-      </p:sp>
-      <p:sp>
-        <p:nvSpPr>
-          <p:cNvPr id="15" name="모서리가 둥근 직사각형 14"/>
-          <p:cNvSpPr/>
-          <p:nvPr/>
-        </p:nvSpPr>
-        <p:spPr>
-          <a:xfrm>
-            <a:off x="5004048" y="879501"/>
-            <a:ext cx="1983046" cy="1018528"/>
-          </a:xfrm>
-          <a:prstGeom prst="roundRect">
-            <a:avLst/>
-          </a:prstGeom>
-        </p:spPr>
-        <p:style>
-          <a:lnRef idx="2">
-            <a:schemeClr val="dk1"/>
-          </a:lnRef>
-          <a:fillRef idx="1">
-            <a:schemeClr val="lt1"/>
-          </a:fillRef>
-          <a:effectRef idx="0">
-            <a:schemeClr val="dk1"/>
-          </a:effectRef>
-          <a:fontRef idx="minor">
-            <a:schemeClr val="dk1"/>
-          </a:fontRef>
-        </p:style>
-        <p:txBody>
-          <a:bodyPr rtlCol="0" anchor="ctr"/>
-          <a:lstStyle/>
-          <a:p>
-            <a:pPr algn="ctr"/>
-            <a:r>
-              <a:rPr lang="en-US" altLang="ko-KR" sz="1600" b="1"/>
-              <a:t>Queue A</a:t>
-            </a:r>
-          </a:p>
-        </p:txBody>
-      </p:sp>
-      <p:cxnSp>
-        <p:nvCxnSpPr>
-          <p:cNvPr id="21" name="직선 화살표 연결선 20"/>
-          <p:cNvCxnSpPr>
-            <a:cxnSpLocks/>
-            <a:stCxn id="11" idx="3"/>
-            <a:endCxn id="14" idx="1"/>
-          </p:cNvCxnSpPr>
-          <p:nvPr/>
-        </p:nvCxnSpPr>
-        <p:spPr>
-          <a:xfrm>
-            <a:off x="3419872" y="2711454"/>
-            <a:ext cx="1584176" cy="1273149"/>
-          </a:xfrm>
-          <a:prstGeom prst="straightConnector1">
-            <a:avLst/>
-          </a:prstGeom>
-          <a:ln w="28575">
-            <a:tailEnd type="arrow"/>
-          </a:ln>
-        </p:spPr>
-        <p:style>
-          <a:lnRef idx="1">
-            <a:schemeClr val="dk1"/>
-          </a:lnRef>
-          <a:fillRef idx="0">
-            <a:schemeClr val="dk1"/>
-          </a:fillRef>
-          <a:effectRef idx="0">
-            <a:schemeClr val="dk1"/>
-          </a:effectRef>
-          <a:fontRef idx="minor">
-            <a:schemeClr val="tx1"/>
-          </a:fontRef>
-        </p:style>
-      </p:cxnSp>
-      <p:cxnSp>
-        <p:nvCxnSpPr>
-          <p:cNvPr id="29" name="직선 화살표 연결선 28"/>
-          <p:cNvCxnSpPr>
-            <a:cxnSpLocks/>
-            <a:stCxn id="11" idx="3"/>
-            <a:endCxn id="15" idx="1"/>
-          </p:cNvCxnSpPr>
-          <p:nvPr/>
-        </p:nvCxnSpPr>
-        <p:spPr>
-          <a:xfrm flipV="1">
-            <a:off x="3419872" y="1388765"/>
-            <a:ext cx="1584176" cy="1322689"/>
-          </a:xfrm>
-          <a:prstGeom prst="straightConnector1">
-            <a:avLst/>
-          </a:prstGeom>
-          <a:ln w="28575">
-            <a:tailEnd type="arrow"/>
-          </a:ln>
-        </p:spPr>
-        <p:style>
-          <a:lnRef idx="1">
-            <a:schemeClr val="dk1"/>
-          </a:lnRef>
-          <a:fillRef idx="0">
-            <a:schemeClr val="dk1"/>
-          </a:fillRef>
-          <a:effectRef idx="0">
-            <a:schemeClr val="dk1"/>
-          </a:effectRef>
-          <a:fontRef idx="minor">
-            <a:schemeClr val="tx1"/>
-          </a:fontRef>
-        </p:style>
-      </p:cxnSp>
-      <p:sp>
-        <p:nvSpPr>
-          <p:cNvPr id="36" name="모서리가 둥근 직사각형 35"/>
-          <p:cNvSpPr/>
-          <p:nvPr/>
-        </p:nvSpPr>
-        <p:spPr>
-          <a:xfrm>
-            <a:off x="5004048" y="2202190"/>
-            <a:ext cx="1983046" cy="1018528"/>
-          </a:xfrm>
-          <a:prstGeom prst="roundRect">
-            <a:avLst/>
-          </a:prstGeom>
-        </p:spPr>
-        <p:style>
-          <a:lnRef idx="2">
-            <a:schemeClr val="dk1"/>
-          </a:lnRef>
-          <a:fillRef idx="1">
-            <a:schemeClr val="lt1"/>
-          </a:fillRef>
-          <a:effectRef idx="0">
-            <a:schemeClr val="dk1"/>
-          </a:effectRef>
-          <a:fontRef idx="minor">
-            <a:schemeClr val="dk1"/>
-          </a:fontRef>
-        </p:style>
-        <p:txBody>
-          <a:bodyPr rtlCol="0" anchor="ctr"/>
-          <a:lstStyle/>
-          <a:p>
-            <a:pPr algn="ctr"/>
-            <a:r>
-              <a:rPr lang="en-US" altLang="ko-KR" sz="1600" b="1"/>
-              <a:t>Queue B</a:t>
-            </a:r>
-          </a:p>
-        </p:txBody>
-      </p:sp>
-      <p:cxnSp>
-        <p:nvCxnSpPr>
-          <p:cNvPr id="39" name="직선 화살표 연결선 38"/>
-          <p:cNvCxnSpPr>
-            <a:cxnSpLocks/>
-            <a:stCxn id="11" idx="3"/>
-            <a:endCxn id="36" idx="1"/>
-          </p:cNvCxnSpPr>
-          <p:nvPr/>
-        </p:nvCxnSpPr>
-        <p:spPr>
-          <a:xfrm>
-            <a:off x="3419872" y="2711454"/>
-            <a:ext cx="1584176" cy="0"/>
-          </a:xfrm>
-          <a:prstGeom prst="straightConnector1">
-            <a:avLst/>
-          </a:prstGeom>
-          <a:ln w="28575">
-            <a:tailEnd type="arrow"/>
-          </a:ln>
-        </p:spPr>
-        <p:style>
-          <a:lnRef idx="1">
-            <a:schemeClr val="dk1"/>
-          </a:lnRef>
-          <a:fillRef idx="0">
-            <a:schemeClr val="dk1"/>
-          </a:fillRef>
-          <a:effectRef idx="0">
-            <a:schemeClr val="dk1"/>
-          </a:effectRef>
-          <a:fontRef idx="minor">
-            <a:schemeClr val="tx1"/>
-          </a:fontRef>
-        </p:style>
-      </p:cxnSp>
-      <p:sp>
-        <p:nvSpPr>
-          <p:cNvPr id="31" name="TextBox 30">
-            <a:extLst>
-              <a:ext uri="{FF2B5EF4-FFF2-40B4-BE49-F238E27FC236}">
-                <a16:creationId xmlns:a16="http://schemas.microsoft.com/office/drawing/2014/main" id="{A3A5144F-1AFF-45EB-A16D-1E16C45EEC20}"/>
-              </a:ext>
-            </a:extLst>
-          </p:cNvPr>
-          <p:cNvSpPr txBox="1"/>
-          <p:nvPr/>
-        </p:nvSpPr>
-        <p:spPr>
-          <a:xfrm>
-            <a:off x="3347864" y="2407989"/>
-            <a:ext cx="2088232" cy="307777"/>
-          </a:xfrm>
-          <a:prstGeom prst="rect">
-            <a:avLst/>
-          </a:prstGeom>
-          <a:noFill/>
-        </p:spPr>
-        <p:txBody>
-          <a:bodyPr wrap="square" rtlCol="0">
-            <a:spAutoFit/>
-          </a:bodyPr>
-          <a:lstStyle/>
-          <a:p>
-            <a:pPr algn="ctr"/>
-            <a:r>
-              <a:rPr lang="en-US" altLang="ko-KR" sz="1400"/>
-              <a:t>All Messages</a:t>
-            </a:r>
-            <a:endParaRPr lang="ko-KR" altLang="en-US" sz="1400" dirty="0"/>
-          </a:p>
-        </p:txBody>
-      </p:sp>
-      <p:sp>
-        <p:nvSpPr>
-          <p:cNvPr id="51" name="TextBox 50">
-            <a:extLst>
-              <a:ext uri="{FF2B5EF4-FFF2-40B4-BE49-F238E27FC236}">
-                <a16:creationId xmlns:a16="http://schemas.microsoft.com/office/drawing/2014/main" id="{B9361916-2D04-437B-BA89-1B097E752142}"/>
-              </a:ext>
-            </a:extLst>
-          </p:cNvPr>
-          <p:cNvSpPr txBox="1"/>
-          <p:nvPr/>
-        </p:nvSpPr>
-        <p:spPr>
-          <a:xfrm>
-            <a:off x="2555776" y="3435846"/>
-            <a:ext cx="2611518" cy="307777"/>
-          </a:xfrm>
-          <a:prstGeom prst="rect">
-            <a:avLst/>
-          </a:prstGeom>
-          <a:noFill/>
-        </p:spPr>
-        <p:txBody>
-          <a:bodyPr wrap="square" rtlCol="0">
-            <a:spAutoFit/>
-          </a:bodyPr>
-          <a:lstStyle/>
-          <a:p>
-            <a:pPr algn="ctr"/>
-            <a:r>
-              <a:rPr lang="en-US" altLang="ko-KR" sz="1400"/>
-              <a:t>All Messages</a:t>
-            </a:r>
-            <a:endParaRPr lang="ko-KR" altLang="en-US" sz="1400" dirty="0"/>
-          </a:p>
-        </p:txBody>
-      </p:sp>
-      <p:sp>
-        <p:nvSpPr>
-          <p:cNvPr id="52" name="TextBox 51">
-            <a:extLst>
-              <a:ext uri="{FF2B5EF4-FFF2-40B4-BE49-F238E27FC236}">
-                <a16:creationId xmlns:a16="http://schemas.microsoft.com/office/drawing/2014/main" id="{859E9466-942F-45D5-9CE9-1BC6C7A3489F}"/>
-              </a:ext>
-            </a:extLst>
-          </p:cNvPr>
-          <p:cNvSpPr txBox="1"/>
-          <p:nvPr/>
-        </p:nvSpPr>
-        <p:spPr>
-          <a:xfrm>
-            <a:off x="2915816" y="1543893"/>
-            <a:ext cx="1983046" cy="307777"/>
-          </a:xfrm>
-          <a:prstGeom prst="rect">
-            <a:avLst/>
-          </a:prstGeom>
-          <a:noFill/>
-        </p:spPr>
-        <p:txBody>
-          <a:bodyPr wrap="square" rtlCol="0">
-            <a:spAutoFit/>
-          </a:bodyPr>
-          <a:lstStyle/>
-          <a:p>
-            <a:pPr algn="ctr"/>
-            <a:r>
-              <a:rPr lang="en-US" altLang="ko-KR" sz="1400"/>
-              <a:t>All Messages</a:t>
-            </a:r>
-            <a:endParaRPr lang="ko-KR" altLang="en-US" sz="1400" dirty="0"/>
-          </a:p>
-        </p:txBody>
-      </p:sp>
-    </p:spTree>
-    <p:extLst>
-      <p:ext uri="{BB962C8B-B14F-4D97-AF65-F5344CB8AC3E}">
-        <p14:creationId xmlns:p14="http://schemas.microsoft.com/office/powerpoint/2010/main" val="3268205152"/>
-      </p:ext>
-    </p:extLst>
-  </p:cSld>
-  <p:clrMapOvr>
-    <a:masterClrMapping/>
-  </p:clrMapOvr>
-</p:sld>
-</file>
-
-<file path=ppt/slides/slide6.xml><?xml version="1.0" encoding="utf-8"?>
-<p:sld xmlns:a="http://schemas.openxmlformats.org/drawingml/2006/main" xmlns:r="http://schemas.openxmlformats.org/officeDocument/2006/relationships" xmlns:p="http://schemas.openxmlformats.org/presentationml/2006/main">
-  <p:cSld>
-    <p:spTree>
-      <p:nvGrpSpPr>
-        <p:cNvPr id="1" name=""/>
-        <p:cNvGrpSpPr/>
-        <p:nvPr/>
-      </p:nvGrpSpPr>
-      <p:grpSpPr>
-        <a:xfrm>
-          <a:off x="0" y="0"/>
-          <a:ext cx="0" cy="0"/>
-          <a:chOff x="0" y="0"/>
-          <a:chExt cx="0" cy="0"/>
-        </a:xfrm>
-      </p:grpSpPr>
-      <p:sp>
-        <p:nvSpPr>
-          <p:cNvPr id="6" name="제목 1"/>
-          <p:cNvSpPr>
-            <a:spLocks noGrp="1"/>
-          </p:cNvSpPr>
-          <p:nvPr>
-            <p:ph type="title"/>
-          </p:nvPr>
-        </p:nvSpPr>
-        <p:spPr>
-          <a:xfrm>
-            <a:off x="457200" y="-20538"/>
-            <a:ext cx="8229600" cy="857250"/>
-          </a:xfrm>
-        </p:spPr>
-        <p:txBody>
-          <a:bodyPr>
-            <a:normAutofit/>
-          </a:bodyPr>
-          <a:lstStyle/>
-          <a:p>
-            <a:r>
-              <a:rPr lang="en-US" altLang="ko-KR"/>
-              <a:t>AMQP Topic Exchange</a:t>
-            </a:r>
-            <a:endParaRPr lang="ko-KR" altLang="en-US" dirty="0"/>
-          </a:p>
-        </p:txBody>
-      </p:sp>
-      <p:sp>
-        <p:nvSpPr>
-          <p:cNvPr id="11" name="모서리가 둥근 직사각형 10"/>
-          <p:cNvSpPr/>
-          <p:nvPr/>
-        </p:nvSpPr>
-        <p:spPr>
-          <a:xfrm>
-            <a:off x="1835696" y="2392599"/>
-            <a:ext cx="1584176" cy="637710"/>
-          </a:xfrm>
-          <a:prstGeom prst="roundRect">
-            <a:avLst/>
-          </a:prstGeom>
-        </p:spPr>
-        <p:style>
-          <a:lnRef idx="2">
-            <a:schemeClr val="dk1"/>
-          </a:lnRef>
-          <a:fillRef idx="1">
-            <a:schemeClr val="lt1"/>
-          </a:fillRef>
-          <a:effectRef idx="0">
-            <a:schemeClr val="dk1"/>
-          </a:effectRef>
-          <a:fontRef idx="minor">
-            <a:schemeClr val="dk1"/>
-          </a:fontRef>
-        </p:style>
-        <p:txBody>
-          <a:bodyPr rtlCol="0" anchor="ctr"/>
-          <a:lstStyle/>
-          <a:p>
-            <a:pPr algn="ctr"/>
-            <a:r>
-              <a:rPr lang="en-US" altLang="ko-KR" sz="1600" b="1"/>
-              <a:t>Exchange A</a:t>
-            </a:r>
-          </a:p>
-          <a:p>
-            <a:pPr algn="ctr"/>
-            <a:r>
-              <a:rPr lang="en-US" altLang="ko-KR" sz="1400"/>
-              <a:t>Topic Type</a:t>
-            </a:r>
-            <a:endParaRPr lang="ko-KR" altLang="en-US" sz="1400" dirty="0"/>
-          </a:p>
-        </p:txBody>
-      </p:sp>
-      <p:sp>
-        <p:nvSpPr>
-          <p:cNvPr id="14" name="모서리가 둥근 직사각형 13"/>
-          <p:cNvSpPr/>
-          <p:nvPr/>
-        </p:nvSpPr>
-        <p:spPr>
-          <a:xfrm>
-            <a:off x="5004048" y="3475339"/>
-            <a:ext cx="1983046" cy="1018528"/>
-          </a:xfrm>
-          <a:prstGeom prst="roundRect">
-            <a:avLst/>
-          </a:prstGeom>
-        </p:spPr>
-        <p:style>
-          <a:lnRef idx="2">
-            <a:schemeClr val="dk1"/>
-          </a:lnRef>
-          <a:fillRef idx="1">
-            <a:schemeClr val="lt1"/>
-          </a:fillRef>
-          <a:effectRef idx="0">
-            <a:schemeClr val="dk1"/>
-          </a:effectRef>
-          <a:fontRef idx="minor">
-            <a:schemeClr val="dk1"/>
-          </a:fontRef>
-        </p:style>
-        <p:txBody>
-          <a:bodyPr rtlCol="0" anchor="ctr"/>
-          <a:lstStyle/>
-          <a:p>
-            <a:pPr algn="ctr"/>
-            <a:r>
-              <a:rPr lang="en-US" altLang="ko-KR" sz="1600" b="1"/>
-              <a:t>Exchange B</a:t>
-            </a:r>
-          </a:p>
-          <a:p>
-            <a:pPr algn="ctr"/>
-            <a:r>
-              <a:rPr lang="en-US" altLang="ko-KR" sz="1400"/>
-              <a:t>Binding Key </a:t>
-            </a:r>
-          </a:p>
-          <a:p>
-            <a:pPr algn="ctr"/>
-            <a:r>
-              <a:rPr lang="en-US" altLang="ko-KR" sz="1400"/>
-              <a:t>- ssup2.m#</a:t>
-            </a:r>
-          </a:p>
-          <a:p>
-            <a:pPr algn="ctr"/>
-            <a:r>
-              <a:rPr lang="en-US" altLang="ko-KR" sz="1400"/>
-              <a:t>- ssup2.categor*</a:t>
-            </a:r>
-          </a:p>
-        </p:txBody>
-      </p:sp>
-      <p:sp>
-        <p:nvSpPr>
-          <p:cNvPr id="15" name="모서리가 둥근 직사각형 14"/>
-          <p:cNvSpPr/>
-          <p:nvPr/>
-        </p:nvSpPr>
-        <p:spPr>
-          <a:xfrm>
-            <a:off x="5004048" y="879501"/>
-            <a:ext cx="1983046" cy="1018528"/>
-          </a:xfrm>
-          <a:prstGeom prst="roundRect">
-            <a:avLst/>
-          </a:prstGeom>
-        </p:spPr>
-        <p:style>
-          <a:lnRef idx="2">
-            <a:schemeClr val="dk1"/>
-          </a:lnRef>
-          <a:fillRef idx="1">
-            <a:schemeClr val="lt1"/>
-          </a:fillRef>
-          <a:effectRef idx="0">
-            <a:schemeClr val="dk1"/>
-          </a:effectRef>
-          <a:fontRef idx="minor">
-            <a:schemeClr val="dk1"/>
-          </a:fontRef>
-        </p:style>
-        <p:txBody>
-          <a:bodyPr rtlCol="0" anchor="ctr"/>
-          <a:lstStyle/>
-          <a:p>
-            <a:pPr algn="ctr"/>
-            <a:r>
-              <a:rPr lang="en-US" altLang="ko-KR" sz="1600" b="1"/>
-              <a:t>Queue A</a:t>
-            </a:r>
-          </a:p>
-          <a:p>
-            <a:pPr algn="ctr"/>
-            <a:r>
-              <a:rPr lang="en-US" altLang="ko-KR" sz="1400"/>
-              <a:t>Binding Key </a:t>
-            </a:r>
-          </a:p>
-          <a:p>
-            <a:pPr algn="ctr"/>
-            <a:r>
-              <a:rPr lang="en-US" altLang="ko-KR" sz="1400"/>
-              <a:t>- ssup2.h#</a:t>
-            </a:r>
-          </a:p>
-        </p:txBody>
-      </p:sp>
-      <p:cxnSp>
-        <p:nvCxnSpPr>
-          <p:cNvPr id="21" name="직선 화살표 연결선 20"/>
-          <p:cNvCxnSpPr>
-            <a:cxnSpLocks/>
-            <a:stCxn id="11" idx="3"/>
-            <a:endCxn id="14" idx="1"/>
-          </p:cNvCxnSpPr>
-          <p:nvPr/>
-        </p:nvCxnSpPr>
-        <p:spPr>
-          <a:xfrm>
-            <a:off x="3419872" y="2711454"/>
-            <a:ext cx="1584176" cy="1273149"/>
-          </a:xfrm>
-          <a:prstGeom prst="straightConnector1">
-            <a:avLst/>
-          </a:prstGeom>
-          <a:ln w="28575">
-            <a:tailEnd type="arrow"/>
-          </a:ln>
-        </p:spPr>
-        <p:style>
-          <a:lnRef idx="1">
-            <a:schemeClr val="dk1"/>
-          </a:lnRef>
-          <a:fillRef idx="0">
-            <a:schemeClr val="dk1"/>
-          </a:fillRef>
-          <a:effectRef idx="0">
-            <a:schemeClr val="dk1"/>
-          </a:effectRef>
-          <a:fontRef idx="minor">
-            <a:schemeClr val="tx1"/>
-          </a:fontRef>
-        </p:style>
-      </p:cxnSp>
-      <p:cxnSp>
-        <p:nvCxnSpPr>
-          <p:cNvPr id="29" name="직선 화살표 연결선 28"/>
-          <p:cNvCxnSpPr>
-            <a:cxnSpLocks/>
-            <a:stCxn id="11" idx="3"/>
-            <a:endCxn id="15" idx="1"/>
-          </p:cNvCxnSpPr>
-          <p:nvPr/>
-        </p:nvCxnSpPr>
-        <p:spPr>
-          <a:xfrm flipV="1">
-            <a:off x="3419872" y="1388765"/>
-            <a:ext cx="1584176" cy="1322689"/>
-          </a:xfrm>
-          <a:prstGeom prst="straightConnector1">
-            <a:avLst/>
-          </a:prstGeom>
-          <a:ln w="28575">
-            <a:tailEnd type="arrow"/>
-          </a:ln>
-        </p:spPr>
-        <p:style>
-          <a:lnRef idx="1">
-            <a:schemeClr val="dk1"/>
-          </a:lnRef>
-          <a:fillRef idx="0">
-            <a:schemeClr val="dk1"/>
-          </a:fillRef>
-          <a:effectRef idx="0">
-            <a:schemeClr val="dk1"/>
-          </a:effectRef>
-          <a:fontRef idx="minor">
-            <a:schemeClr val="tx1"/>
-          </a:fontRef>
-        </p:style>
-      </p:cxnSp>
-      <p:sp>
-        <p:nvSpPr>
-          <p:cNvPr id="36" name="모서리가 둥근 직사각형 35"/>
-          <p:cNvSpPr/>
-          <p:nvPr/>
-        </p:nvSpPr>
-        <p:spPr>
-          <a:xfrm>
-            <a:off x="5004048" y="2202190"/>
-            <a:ext cx="1983046" cy="1018528"/>
-          </a:xfrm>
-          <a:prstGeom prst="roundRect">
-            <a:avLst/>
-          </a:prstGeom>
-        </p:spPr>
-        <p:style>
-          <a:lnRef idx="2">
-            <a:schemeClr val="dk1"/>
-          </a:lnRef>
-          <a:fillRef idx="1">
-            <a:schemeClr val="lt1"/>
-          </a:fillRef>
-          <a:effectRef idx="0">
-            <a:schemeClr val="dk1"/>
-          </a:effectRef>
-          <a:fontRef idx="minor">
-            <a:schemeClr val="dk1"/>
-          </a:fontRef>
-        </p:style>
-        <p:txBody>
-          <a:bodyPr rtlCol="0" anchor="ctr"/>
-          <a:lstStyle/>
-          <a:p>
-            <a:pPr algn="ctr"/>
-            <a:r>
-              <a:rPr lang="en-US" altLang="ko-KR" sz="1600" b="1"/>
-              <a:t>Queue B</a:t>
-            </a:r>
-          </a:p>
-          <a:p>
-            <a:pPr algn="ctr"/>
-            <a:r>
-              <a:rPr lang="en-US" altLang="ko-KR" sz="1400"/>
-              <a:t>Binding Key </a:t>
-            </a:r>
-          </a:p>
-          <a:p>
-            <a:pPr algn="ctr"/>
-            <a:r>
-              <a:rPr lang="en-US" altLang="ko-KR" sz="1400"/>
-              <a:t>- ssup2.mai*</a:t>
-            </a:r>
-            <a:endParaRPr lang="ko-KR" altLang="en-US" sz="1400" dirty="0"/>
-          </a:p>
-        </p:txBody>
-      </p:sp>
-      <p:cxnSp>
-        <p:nvCxnSpPr>
-          <p:cNvPr id="39" name="직선 화살표 연결선 38"/>
-          <p:cNvCxnSpPr>
-            <a:cxnSpLocks/>
-            <a:stCxn id="11" idx="3"/>
-            <a:endCxn id="36" idx="1"/>
-          </p:cNvCxnSpPr>
-          <p:nvPr/>
-        </p:nvCxnSpPr>
-        <p:spPr>
-          <a:xfrm>
-            <a:off x="3419872" y="2711454"/>
-            <a:ext cx="1584176" cy="0"/>
-          </a:xfrm>
-          <a:prstGeom prst="straightConnector1">
-            <a:avLst/>
-          </a:prstGeom>
-          <a:ln w="28575">
-            <a:tailEnd type="arrow"/>
-          </a:ln>
-        </p:spPr>
-        <p:style>
-          <a:lnRef idx="1">
-            <a:schemeClr val="dk1"/>
-          </a:lnRef>
-          <a:fillRef idx="0">
-            <a:schemeClr val="dk1"/>
-          </a:fillRef>
-          <a:effectRef idx="0">
-            <a:schemeClr val="dk1"/>
-          </a:effectRef>
-          <a:fontRef idx="minor">
-            <a:schemeClr val="tx1"/>
-          </a:fontRef>
-        </p:style>
-      </p:cxnSp>
-      <p:sp>
-        <p:nvSpPr>
-          <p:cNvPr id="31" name="TextBox 30">
-            <a:extLst>
-              <a:ext uri="{FF2B5EF4-FFF2-40B4-BE49-F238E27FC236}">
-                <a16:creationId xmlns:a16="http://schemas.microsoft.com/office/drawing/2014/main" id="{A3A5144F-1AFF-45EB-A16D-1E16C45EEC20}"/>
-              </a:ext>
-            </a:extLst>
-          </p:cNvPr>
-          <p:cNvSpPr txBox="1"/>
-          <p:nvPr/>
-        </p:nvSpPr>
-        <p:spPr>
-          <a:xfrm>
-            <a:off x="3347864" y="2202559"/>
-            <a:ext cx="2088232" cy="523220"/>
-          </a:xfrm>
-          <a:prstGeom prst="rect">
-            <a:avLst/>
-          </a:prstGeom>
-          <a:noFill/>
-        </p:spPr>
-        <p:txBody>
-          <a:bodyPr wrap="square" rtlCol="0">
-            <a:spAutoFit/>
-          </a:bodyPr>
-          <a:lstStyle/>
-          <a:p>
-            <a:pPr algn="ctr"/>
-            <a:r>
-              <a:rPr lang="en-US" altLang="ko-KR" sz="1400"/>
-              <a:t>Routing Key</a:t>
-            </a:r>
-          </a:p>
-          <a:p>
-            <a:pPr algn="ctr"/>
-            <a:r>
-              <a:rPr lang="en-US" altLang="ko-KR" sz="1400"/>
-              <a:t> - ssup2.main</a:t>
-            </a:r>
-            <a:endParaRPr lang="ko-KR" altLang="en-US" sz="1400" dirty="0"/>
-          </a:p>
-        </p:txBody>
-      </p:sp>
-      <p:sp>
-        <p:nvSpPr>
-          <p:cNvPr id="51" name="TextBox 50">
-            <a:extLst>
-              <a:ext uri="{FF2B5EF4-FFF2-40B4-BE49-F238E27FC236}">
-                <a16:creationId xmlns:a16="http://schemas.microsoft.com/office/drawing/2014/main" id="{B9361916-2D04-437B-BA89-1B097E752142}"/>
-              </a:ext>
-            </a:extLst>
-          </p:cNvPr>
-          <p:cNvSpPr txBox="1"/>
-          <p:nvPr/>
-        </p:nvSpPr>
-        <p:spPr>
-          <a:xfrm>
-            <a:off x="2555776" y="3435846"/>
-            <a:ext cx="2611518" cy="738664"/>
-          </a:xfrm>
-          <a:prstGeom prst="rect">
-            <a:avLst/>
-          </a:prstGeom>
-          <a:noFill/>
-        </p:spPr>
-        <p:txBody>
-          <a:bodyPr wrap="square" rtlCol="0">
-            <a:spAutoFit/>
-          </a:bodyPr>
-          <a:lstStyle/>
-          <a:p>
-            <a:pPr algn="ctr"/>
-            <a:r>
-              <a:rPr lang="en-US" altLang="ko-KR" sz="1400"/>
-              <a:t>Routing Key </a:t>
-            </a:r>
-          </a:p>
-          <a:p>
-            <a:pPr algn="ctr"/>
-            <a:r>
-              <a:rPr lang="en-US" altLang="ko-KR" sz="1400"/>
-              <a:t>- ssup2.main</a:t>
-            </a:r>
-          </a:p>
-          <a:p>
-            <a:pPr algn="ctr"/>
-            <a:r>
-              <a:rPr lang="en-US" altLang="ko-KR" sz="1400"/>
-              <a:t>- ssup2.category</a:t>
-            </a:r>
-          </a:p>
-        </p:txBody>
-      </p:sp>
-      <p:sp>
-        <p:nvSpPr>
-          <p:cNvPr id="52" name="TextBox 51">
-            <a:extLst>
-              <a:ext uri="{FF2B5EF4-FFF2-40B4-BE49-F238E27FC236}">
-                <a16:creationId xmlns:a16="http://schemas.microsoft.com/office/drawing/2014/main" id="{859E9466-942F-45D5-9CE9-1BC6C7A3489F}"/>
-              </a:ext>
-            </a:extLst>
-          </p:cNvPr>
-          <p:cNvSpPr txBox="1"/>
-          <p:nvPr/>
-        </p:nvSpPr>
-        <p:spPr>
-          <a:xfrm>
-            <a:off x="2915816" y="1347614"/>
-            <a:ext cx="1983046" cy="523220"/>
-          </a:xfrm>
-          <a:prstGeom prst="rect">
-            <a:avLst/>
-          </a:prstGeom>
-          <a:noFill/>
-        </p:spPr>
-        <p:txBody>
-          <a:bodyPr wrap="square" rtlCol="0">
-            <a:spAutoFit/>
-          </a:bodyPr>
-          <a:lstStyle/>
-          <a:p>
-            <a:pPr algn="ctr"/>
-            <a:r>
-              <a:rPr lang="en-US" altLang="ko-KR" sz="1400"/>
-              <a:t>Routing Key </a:t>
-            </a:r>
-          </a:p>
-          <a:p>
-            <a:pPr algn="ctr"/>
-            <a:r>
-              <a:rPr lang="en-US" altLang="ko-KR" sz="1400"/>
-              <a:t>- ssup2.home</a:t>
-            </a:r>
-          </a:p>
-        </p:txBody>
-      </p:sp>
-    </p:spTree>
-    <p:extLst>
-      <p:ext uri="{BB962C8B-B14F-4D97-AF65-F5344CB8AC3E}">
-        <p14:creationId xmlns:p14="http://schemas.microsoft.com/office/powerpoint/2010/main" val="1000764539"/>
-      </p:ext>
-    </p:extLst>
-  </p:cSld>
-  <p:clrMapOvr>
-    <a:masterClrMapping/>
-  </p:clrMapOvr>
-</p:sld>
-</file>
-
-<file path=ppt/slides/slide7.xml><?xml version="1.0" encoding="utf-8"?>
-<p:sld xmlns:a="http://schemas.openxmlformats.org/drawingml/2006/main" xmlns:r="http://schemas.openxmlformats.org/officeDocument/2006/relationships" xmlns:p="http://schemas.openxmlformats.org/presentationml/2006/main">
-  <p:cSld>
-    <p:spTree>
-      <p:nvGrpSpPr>
-        <p:cNvPr id="1" name=""/>
-        <p:cNvGrpSpPr/>
-        <p:nvPr/>
-      </p:nvGrpSpPr>
-      <p:grpSpPr>
-        <a:xfrm>
-          <a:off x="0" y="0"/>
-          <a:ext cx="0" cy="0"/>
-          <a:chOff x="0" y="0"/>
-          <a:chExt cx="0" cy="0"/>
-        </a:xfrm>
-      </p:grpSpPr>
-      <p:sp>
-        <p:nvSpPr>
-          <p:cNvPr id="6" name="제목 1"/>
-          <p:cNvSpPr>
-            <a:spLocks noGrp="1"/>
-          </p:cNvSpPr>
-          <p:nvPr>
-            <p:ph type="title"/>
-          </p:nvPr>
-        </p:nvSpPr>
-        <p:spPr>
-          <a:xfrm>
-            <a:off x="457200" y="-20538"/>
-            <a:ext cx="8229600" cy="857250"/>
-          </a:xfrm>
-        </p:spPr>
-        <p:txBody>
-          <a:bodyPr>
-            <a:normAutofit/>
-          </a:bodyPr>
-          <a:lstStyle/>
-          <a:p>
-            <a:r>
-              <a:rPr lang="en-US" altLang="ko-KR"/>
-              <a:t>AMQP Headers Exchange</a:t>
-            </a:r>
-            <a:endParaRPr lang="ko-KR" altLang="en-US" dirty="0"/>
-          </a:p>
-        </p:txBody>
-      </p:sp>
-      <p:sp>
-        <p:nvSpPr>
-          <p:cNvPr id="11" name="모서리가 둥근 직사각형 10"/>
-          <p:cNvSpPr/>
-          <p:nvPr/>
-        </p:nvSpPr>
-        <p:spPr>
-          <a:xfrm>
-            <a:off x="1835696" y="2392599"/>
-            <a:ext cx="1584176" cy="637710"/>
-          </a:xfrm>
-          <a:prstGeom prst="roundRect">
-            <a:avLst/>
-          </a:prstGeom>
-        </p:spPr>
-        <p:style>
-          <a:lnRef idx="2">
-            <a:schemeClr val="dk1"/>
-          </a:lnRef>
-          <a:fillRef idx="1">
-            <a:schemeClr val="lt1"/>
-          </a:fillRef>
-          <a:effectRef idx="0">
-            <a:schemeClr val="dk1"/>
-          </a:effectRef>
-          <a:fontRef idx="minor">
-            <a:schemeClr val="dk1"/>
-          </a:fontRef>
-        </p:style>
-        <p:txBody>
-          <a:bodyPr rtlCol="0" anchor="ctr"/>
-          <a:lstStyle/>
-          <a:p>
-            <a:pPr algn="ctr"/>
-            <a:r>
-              <a:rPr lang="en-US" altLang="ko-KR" sz="1600" b="1"/>
-              <a:t>Exchange A</a:t>
-            </a:r>
-          </a:p>
-          <a:p>
-            <a:pPr algn="ctr"/>
-            <a:r>
-              <a:rPr lang="en-US" altLang="ko-KR" sz="1400"/>
-              <a:t>Headers Type</a:t>
-            </a:r>
-            <a:endParaRPr lang="ko-KR" altLang="en-US" sz="1400" dirty="0"/>
-          </a:p>
-        </p:txBody>
-      </p:sp>
-      <p:sp>
-        <p:nvSpPr>
-          <p:cNvPr id="14" name="모서리가 둥근 직사각형 13"/>
-          <p:cNvSpPr/>
-          <p:nvPr/>
-        </p:nvSpPr>
-        <p:spPr>
-          <a:xfrm>
-            <a:off x="5004048" y="3475339"/>
-            <a:ext cx="2664296" cy="1018528"/>
-          </a:xfrm>
-          <a:prstGeom prst="roundRect">
-            <a:avLst/>
-          </a:prstGeom>
-        </p:spPr>
-        <p:style>
-          <a:lnRef idx="2">
-            <a:schemeClr val="dk1"/>
-          </a:lnRef>
-          <a:fillRef idx="1">
-            <a:schemeClr val="lt1"/>
-          </a:fillRef>
-          <a:effectRef idx="0">
-            <a:schemeClr val="dk1"/>
-          </a:effectRef>
-          <a:fontRef idx="minor">
-            <a:schemeClr val="dk1"/>
-          </a:fontRef>
-        </p:style>
-        <p:txBody>
-          <a:bodyPr rtlCol="0" anchor="ctr"/>
-          <a:lstStyle/>
-          <a:p>
-            <a:pPr algn="ctr"/>
-            <a:r>
-              <a:rPr lang="en-US" altLang="ko-KR" sz="1600" b="1"/>
-              <a:t>Exchange B</a:t>
-            </a:r>
-          </a:p>
-          <a:p>
-            <a:pPr algn="ctr"/>
-            <a:r>
-              <a:rPr lang="en-US" altLang="ko-KR" sz="1400"/>
-              <a:t>Binding Header </a:t>
-            </a:r>
-          </a:p>
-          <a:p>
-            <a:pPr algn="ctr"/>
-            <a:r>
-              <a:rPr lang="en-US" altLang="ko-KR" sz="1400"/>
-              <a:t>- x-match:any / key4:value4</a:t>
-            </a:r>
-          </a:p>
-          <a:p>
-            <a:pPr algn="ctr"/>
-            <a:r>
-              <a:rPr lang="en-US" altLang="ko-KR" sz="1400"/>
-              <a:t>- x-match:all / key5:value5</a:t>
-            </a:r>
-          </a:p>
-        </p:txBody>
-      </p:sp>
-      <p:sp>
-        <p:nvSpPr>
-          <p:cNvPr id="15" name="모서리가 둥근 직사각형 14"/>
-          <p:cNvSpPr/>
-          <p:nvPr/>
-        </p:nvSpPr>
-        <p:spPr>
-          <a:xfrm>
-            <a:off x="5004048" y="879501"/>
-            <a:ext cx="2664296" cy="1018528"/>
-          </a:xfrm>
-          <a:prstGeom prst="roundRect">
-            <a:avLst/>
-          </a:prstGeom>
-        </p:spPr>
-        <p:style>
-          <a:lnRef idx="2">
-            <a:schemeClr val="dk1"/>
-          </a:lnRef>
-          <a:fillRef idx="1">
-            <a:schemeClr val="lt1"/>
-          </a:fillRef>
-          <a:effectRef idx="0">
-            <a:schemeClr val="dk1"/>
-          </a:effectRef>
-          <a:fontRef idx="minor">
-            <a:schemeClr val="dk1"/>
-          </a:fontRef>
-        </p:style>
-        <p:txBody>
-          <a:bodyPr rtlCol="0" anchor="ctr"/>
-          <a:lstStyle/>
-          <a:p>
-            <a:pPr algn="ctr"/>
-            <a:r>
-              <a:rPr lang="en-US" altLang="ko-KR" sz="1600" b="1"/>
-              <a:t>Queue A</a:t>
-            </a:r>
-          </a:p>
-          <a:p>
-            <a:pPr algn="ctr"/>
-            <a:r>
-              <a:rPr lang="en-US" altLang="ko-KR" sz="1400"/>
-              <a:t>Binding Header </a:t>
-            </a:r>
-          </a:p>
-          <a:p>
-            <a:pPr algn="ctr"/>
-            <a:r>
-              <a:rPr lang="en-US" altLang="ko-KR" sz="1400"/>
-              <a:t>- x-match:all / key1:value1 / key2:value2</a:t>
-            </a:r>
-          </a:p>
-        </p:txBody>
-      </p:sp>
-      <p:cxnSp>
-        <p:nvCxnSpPr>
-          <p:cNvPr id="21" name="직선 화살표 연결선 20"/>
-          <p:cNvCxnSpPr>
-            <a:cxnSpLocks/>
-            <a:stCxn id="11" idx="3"/>
-            <a:endCxn id="14" idx="1"/>
-          </p:cNvCxnSpPr>
-          <p:nvPr/>
-        </p:nvCxnSpPr>
-        <p:spPr>
-          <a:xfrm>
-            <a:off x="3419872" y="2711454"/>
-            <a:ext cx="1584176" cy="1273149"/>
-          </a:xfrm>
-          <a:prstGeom prst="straightConnector1">
-            <a:avLst/>
-          </a:prstGeom>
-          <a:ln w="28575">
-            <a:tailEnd type="arrow"/>
-          </a:ln>
-        </p:spPr>
-        <p:style>
-          <a:lnRef idx="1">
-            <a:schemeClr val="dk1"/>
-          </a:lnRef>
-          <a:fillRef idx="0">
-            <a:schemeClr val="dk1"/>
-          </a:fillRef>
-          <a:effectRef idx="0">
-            <a:schemeClr val="dk1"/>
-          </a:effectRef>
-          <a:fontRef idx="minor">
-            <a:schemeClr val="tx1"/>
-          </a:fontRef>
-        </p:style>
-      </p:cxnSp>
-      <p:cxnSp>
-        <p:nvCxnSpPr>
-          <p:cNvPr id="29" name="직선 화살표 연결선 28"/>
-          <p:cNvCxnSpPr>
-            <a:cxnSpLocks/>
-            <a:stCxn id="11" idx="3"/>
-            <a:endCxn id="15" idx="1"/>
-          </p:cNvCxnSpPr>
-          <p:nvPr/>
-        </p:nvCxnSpPr>
-        <p:spPr>
-          <a:xfrm flipV="1">
-            <a:off x="3419872" y="1388765"/>
-            <a:ext cx="1584176" cy="1322689"/>
-          </a:xfrm>
-          <a:prstGeom prst="straightConnector1">
-            <a:avLst/>
-          </a:prstGeom>
-          <a:ln w="28575">
-            <a:tailEnd type="arrow"/>
-          </a:ln>
-        </p:spPr>
-        <p:style>
-          <a:lnRef idx="1">
-            <a:schemeClr val="dk1"/>
-          </a:lnRef>
-          <a:fillRef idx="0">
-            <a:schemeClr val="dk1"/>
-          </a:fillRef>
-          <a:effectRef idx="0">
-            <a:schemeClr val="dk1"/>
-          </a:effectRef>
-          <a:fontRef idx="minor">
-            <a:schemeClr val="tx1"/>
-          </a:fontRef>
-        </p:style>
-      </p:cxnSp>
-      <p:sp>
-        <p:nvSpPr>
-          <p:cNvPr id="36" name="모서리가 둥근 직사각형 35"/>
-          <p:cNvSpPr/>
-          <p:nvPr/>
-        </p:nvSpPr>
-        <p:spPr>
-          <a:xfrm>
-            <a:off x="5004048" y="2202190"/>
-            <a:ext cx="2664296" cy="1018528"/>
-          </a:xfrm>
-          <a:prstGeom prst="roundRect">
-            <a:avLst/>
-          </a:prstGeom>
-        </p:spPr>
-        <p:style>
-          <a:lnRef idx="2">
-            <a:schemeClr val="dk1"/>
-          </a:lnRef>
-          <a:fillRef idx="1">
-            <a:schemeClr val="lt1"/>
-          </a:fillRef>
-          <a:effectRef idx="0">
-            <a:schemeClr val="dk1"/>
-          </a:effectRef>
-          <a:fontRef idx="minor">
-            <a:schemeClr val="dk1"/>
-          </a:fontRef>
-        </p:style>
-        <p:txBody>
-          <a:bodyPr rtlCol="0" anchor="ctr"/>
-          <a:lstStyle/>
-          <a:p>
-            <a:pPr algn="ctr"/>
-            <a:r>
-              <a:rPr lang="en-US" altLang="ko-KR" sz="1600" b="1"/>
-              <a:t>Queue B</a:t>
-            </a:r>
-          </a:p>
-          <a:p>
-            <a:pPr algn="ctr"/>
-            <a:r>
-              <a:rPr lang="en-US" altLang="ko-KR" sz="1400"/>
-              <a:t>Binding Header </a:t>
-            </a:r>
-            <a:endParaRPr lang="en-US" altLang="ko-KR" sz="1400" b="1"/>
-          </a:p>
-          <a:p>
-            <a:pPr algn="ctr"/>
-            <a:r>
-              <a:rPr lang="en-US" altLang="ko-KR" sz="1400"/>
-              <a:t>- x-match:any / key2:value2 / key3:value3</a:t>
-            </a:r>
-          </a:p>
-        </p:txBody>
-      </p:sp>
-      <p:cxnSp>
-        <p:nvCxnSpPr>
-          <p:cNvPr id="39" name="직선 화살표 연결선 38"/>
-          <p:cNvCxnSpPr>
-            <a:cxnSpLocks/>
-            <a:stCxn id="11" idx="3"/>
-            <a:endCxn id="36" idx="1"/>
-          </p:cNvCxnSpPr>
-          <p:nvPr/>
-        </p:nvCxnSpPr>
-        <p:spPr>
-          <a:xfrm>
-            <a:off x="3419872" y="2711454"/>
-            <a:ext cx="1584176" cy="0"/>
-          </a:xfrm>
-          <a:prstGeom prst="straightConnector1">
-            <a:avLst/>
-          </a:prstGeom>
-          <a:ln w="28575">
-            <a:tailEnd type="arrow"/>
-          </a:ln>
-        </p:spPr>
-        <p:style>
-          <a:lnRef idx="1">
-            <a:schemeClr val="dk1"/>
-          </a:lnRef>
-          <a:fillRef idx="0">
-            <a:schemeClr val="dk1"/>
-          </a:fillRef>
-          <a:effectRef idx="0">
-            <a:schemeClr val="dk1"/>
-          </a:effectRef>
-          <a:fontRef idx="minor">
-            <a:schemeClr val="tx1"/>
-          </a:fontRef>
-        </p:style>
-      </p:cxnSp>
-      <p:sp>
-        <p:nvSpPr>
-          <p:cNvPr id="51" name="TextBox 50">
-            <a:extLst>
-              <a:ext uri="{FF2B5EF4-FFF2-40B4-BE49-F238E27FC236}">
-                <a16:creationId xmlns:a16="http://schemas.microsoft.com/office/drawing/2014/main" id="{B9361916-2D04-437B-BA89-1B097E752142}"/>
-              </a:ext>
-            </a:extLst>
-          </p:cNvPr>
-          <p:cNvSpPr txBox="1"/>
-          <p:nvPr/>
-        </p:nvSpPr>
-        <p:spPr>
-          <a:xfrm>
-            <a:off x="2483768" y="3435846"/>
-            <a:ext cx="2611518" cy="738664"/>
-          </a:xfrm>
-          <a:prstGeom prst="rect">
-            <a:avLst/>
-          </a:prstGeom>
-          <a:noFill/>
-        </p:spPr>
-        <p:txBody>
-          <a:bodyPr wrap="square" rtlCol="0">
-            <a:spAutoFit/>
-          </a:bodyPr>
-          <a:lstStyle/>
-          <a:p>
-            <a:pPr algn="ctr"/>
-            <a:r>
-              <a:rPr lang="en-US" altLang="ko-KR" sz="1400"/>
-              <a:t>Routing Header</a:t>
-            </a:r>
-          </a:p>
-          <a:p>
-            <a:pPr algn="ctr"/>
-            <a:r>
-              <a:rPr lang="en-US" altLang="ko-KR" sz="1400"/>
-              <a:t>- key4:value4</a:t>
-            </a:r>
-          </a:p>
-          <a:p>
-            <a:pPr algn="ctr"/>
-            <a:r>
-              <a:rPr lang="en-US" altLang="ko-KR" sz="1400"/>
-              <a:t>- key5:value5</a:t>
-            </a:r>
-          </a:p>
-        </p:txBody>
-      </p:sp>
-      <p:sp>
-        <p:nvSpPr>
-          <p:cNvPr id="52" name="TextBox 51">
-            <a:extLst>
-              <a:ext uri="{FF2B5EF4-FFF2-40B4-BE49-F238E27FC236}">
-                <a16:creationId xmlns:a16="http://schemas.microsoft.com/office/drawing/2014/main" id="{859E9466-942F-45D5-9CE9-1BC6C7A3489F}"/>
-              </a:ext>
-            </a:extLst>
-          </p:cNvPr>
-          <p:cNvSpPr txBox="1"/>
-          <p:nvPr/>
-        </p:nvSpPr>
-        <p:spPr>
-          <a:xfrm>
-            <a:off x="2843808" y="1275606"/>
-            <a:ext cx="1983046" cy="738664"/>
-          </a:xfrm>
-          <a:prstGeom prst="rect">
-            <a:avLst/>
-          </a:prstGeom>
-          <a:noFill/>
-        </p:spPr>
-        <p:txBody>
-          <a:bodyPr wrap="square" rtlCol="0">
-            <a:spAutoFit/>
-          </a:bodyPr>
-          <a:lstStyle/>
-          <a:p>
-            <a:pPr algn="ctr"/>
-            <a:r>
-              <a:rPr lang="en-US" altLang="ko-KR" sz="1400"/>
-              <a:t>Routing Header</a:t>
-            </a:r>
-          </a:p>
-          <a:p>
-            <a:pPr algn="ctr"/>
-            <a:r>
-              <a:rPr lang="en-US" altLang="ko-KR" sz="1400"/>
-              <a:t>- key1:value1 / key2:value2</a:t>
-            </a:r>
-          </a:p>
-        </p:txBody>
-      </p:sp>
-      <p:sp>
-        <p:nvSpPr>
-          <p:cNvPr id="23" name="TextBox 22">
-            <a:extLst>
-              <a:ext uri="{FF2B5EF4-FFF2-40B4-BE49-F238E27FC236}">
-                <a16:creationId xmlns:a16="http://schemas.microsoft.com/office/drawing/2014/main" id="{78D3F62F-20BD-4EF0-885F-6A15E30E867E}"/>
-              </a:ext>
-            </a:extLst>
-          </p:cNvPr>
-          <p:cNvSpPr txBox="1"/>
-          <p:nvPr/>
-        </p:nvSpPr>
-        <p:spPr>
-          <a:xfrm>
-            <a:off x="3275856" y="2232675"/>
-            <a:ext cx="1983046" cy="738664"/>
-          </a:xfrm>
-          <a:prstGeom prst="rect">
-            <a:avLst/>
-          </a:prstGeom>
-          <a:noFill/>
-        </p:spPr>
-        <p:txBody>
-          <a:bodyPr wrap="square" rtlCol="0">
-            <a:spAutoFit/>
-          </a:bodyPr>
-          <a:lstStyle/>
-          <a:p>
-            <a:pPr algn="ctr"/>
-            <a:r>
-              <a:rPr lang="en-US" altLang="ko-KR" sz="1400"/>
-              <a:t>Routing Header</a:t>
-            </a:r>
-          </a:p>
-          <a:p>
-            <a:pPr algn="ctr"/>
-            <a:r>
-              <a:rPr lang="en-US" altLang="ko-KR" sz="1400"/>
-              <a:t>- key1:value1 / key2:value2</a:t>
-            </a:r>
-          </a:p>
-        </p:txBody>
-      </p:sp>
-    </p:spTree>
-    <p:extLst>
-      <p:ext uri="{BB962C8B-B14F-4D97-AF65-F5344CB8AC3E}">
-        <p14:creationId xmlns:p14="http://schemas.microsoft.com/office/powerpoint/2010/main" val="1181773453"/>
+        <p14:creationId xmlns:p14="http://schemas.microsoft.com/office/powerpoint/2010/main" val="659218285"/>
       </p:ext>
     </p:extLst>
   </p:cSld>

--- a/content/docs/theory-analysis/argo-rollouts/images/images.pptx
+++ b/content/docs/theory-analysis/argo-rollouts/images/images.pptx
@@ -31615,7 +31615,7 @@
             <a:pPr algn="ctr"/>
             <a:r>
               <a:rPr lang="en-US" altLang="ko-KR" sz="800"/>
-              <a:t>active</a:t>
+              <a:t>Active</a:t>
             </a:r>
           </a:p>
         </p:txBody>
@@ -31676,7 +31676,7 @@
             <a:pPr algn="ctr"/>
             <a:r>
               <a:rPr lang="en-US" altLang="ko-KR" sz="800"/>
-              <a:t>preview</a:t>
+              <a:t>Preview</a:t>
             </a:r>
           </a:p>
         </p:txBody>
@@ -31903,7 +31903,7 @@
             <a:pPr algn="ctr"/>
             <a:r>
               <a:rPr lang="en-US" altLang="ko-KR" sz="800"/>
-              <a:t>active</a:t>
+              <a:t>Active</a:t>
             </a:r>
           </a:p>
         </p:txBody>
@@ -31964,7 +31964,7 @@
             <a:pPr algn="ctr"/>
             <a:r>
               <a:rPr lang="en-US" altLang="ko-KR" sz="800"/>
-              <a:t>preview</a:t>
+              <a:t>Preview</a:t>
             </a:r>
           </a:p>
         </p:txBody>
@@ -32271,7 +32271,7 @@
             <a:pPr algn="ctr"/>
             <a:r>
               <a:rPr lang="en-US" altLang="ko-KR" sz="800"/>
-              <a:t>active</a:t>
+              <a:t>Active</a:t>
             </a:r>
           </a:p>
         </p:txBody>
@@ -32332,7 +32332,7 @@
             <a:pPr algn="ctr"/>
             <a:r>
               <a:rPr lang="en-US" altLang="ko-KR" sz="800"/>
-              <a:t>preview</a:t>
+              <a:t>Preview</a:t>
             </a:r>
           </a:p>
         </p:txBody>
@@ -32719,7 +32719,7 @@
             <a:pPr algn="ctr"/>
             <a:r>
               <a:rPr lang="en-US" altLang="ko-KR" sz="800"/>
-              <a:t>active</a:t>
+              <a:t>Active</a:t>
             </a:r>
           </a:p>
         </p:txBody>
@@ -32780,7 +32780,7 @@
             <a:pPr algn="ctr"/>
             <a:r>
               <a:rPr lang="en-US" altLang="ko-KR" sz="800"/>
-              <a:t>preview</a:t>
+              <a:t>Preview</a:t>
             </a:r>
           </a:p>
         </p:txBody>
@@ -36956,7 +36956,7 @@
             <a:pPr algn="ctr"/>
             <a:r>
               <a:rPr lang="en-US" altLang="ko-KR" sz="800"/>
-              <a:t>stable</a:t>
+              <a:t>Stable</a:t>
             </a:r>
           </a:p>
         </p:txBody>
@@ -37017,7 +37017,7 @@
             <a:pPr algn="ctr"/>
             <a:r>
               <a:rPr lang="en-US" altLang="ko-KR" sz="800"/>
-              <a:t>canary</a:t>
+              <a:t>Canary</a:t>
             </a:r>
           </a:p>
         </p:txBody>
@@ -37332,7 +37332,7 @@
             <a:pPr algn="ctr"/>
             <a:r>
               <a:rPr lang="en-US" altLang="ko-KR" sz="800"/>
-              <a:t>stable</a:t>
+              <a:t>Stable</a:t>
             </a:r>
           </a:p>
         </p:txBody>
@@ -37393,7 +37393,7 @@
             <a:pPr algn="ctr"/>
             <a:r>
               <a:rPr lang="en-US" altLang="ko-KR" sz="800"/>
-              <a:t>canary</a:t>
+              <a:t>Canary</a:t>
             </a:r>
           </a:p>
         </p:txBody>
@@ -37832,7 +37832,7 @@
             <a:pPr algn="ctr"/>
             <a:r>
               <a:rPr lang="en-US" altLang="ko-KR" sz="800"/>
-              <a:t>main</a:t>
+              <a:t>Main</a:t>
             </a:r>
           </a:p>
           <a:p>
@@ -38078,7 +38078,7 @@
             <a:pPr algn="ctr"/>
             <a:r>
               <a:rPr lang="en-US" altLang="ko-KR" sz="800"/>
-              <a:t>stable</a:t>
+              <a:t>Stable</a:t>
             </a:r>
           </a:p>
         </p:txBody>
@@ -38139,7 +38139,7 @@
             <a:pPr algn="ctr"/>
             <a:r>
               <a:rPr lang="en-US" altLang="ko-KR" sz="800"/>
-              <a:t>canary</a:t>
+              <a:t>Canary</a:t>
             </a:r>
           </a:p>
         </p:txBody>
@@ -38291,7 +38291,7 @@
             <a:pPr algn="ctr"/>
             <a:r>
               <a:rPr lang="en-US" altLang="ko-KR" sz="800"/>
-              <a:t>main</a:t>
+              <a:t>Main</a:t>
             </a:r>
           </a:p>
           <a:p>
@@ -38537,7 +38537,7 @@
             <a:pPr algn="ctr"/>
             <a:r>
               <a:rPr lang="en-US" altLang="ko-KR" sz="800"/>
-              <a:t>main</a:t>
+              <a:t>Main</a:t>
             </a:r>
           </a:p>
         </p:txBody>
@@ -38670,7 +38670,7 @@
             <a:pPr algn="ctr"/>
             <a:r>
               <a:rPr lang="en-US" altLang="ko-KR" sz="800"/>
-              <a:t>stable</a:t>
+              <a:t>Stable</a:t>
             </a:r>
           </a:p>
         </p:txBody>
@@ -38731,7 +38731,7 @@
             <a:pPr algn="ctr"/>
             <a:r>
               <a:rPr lang="en-US" altLang="ko-KR" sz="800"/>
-              <a:t>canary</a:t>
+              <a:t>Canary</a:t>
             </a:r>
           </a:p>
         </p:txBody>
@@ -38962,7 +38962,7 @@
             <a:pPr algn="ctr"/>
             <a:r>
               <a:rPr lang="en-US" altLang="ko-KR" sz="800"/>
-              <a:t>main</a:t>
+              <a:t>Main</a:t>
             </a:r>
           </a:p>
           <a:p>
@@ -39571,7 +39571,7 @@
             <a:pPr algn="ctr"/>
             <a:r>
               <a:rPr lang="en-US" altLang="ko-KR" sz="800"/>
-              <a:t>stable</a:t>
+              <a:t>Stable</a:t>
             </a:r>
           </a:p>
         </p:txBody>
@@ -39632,7 +39632,7 @@
             <a:pPr algn="ctr"/>
             <a:r>
               <a:rPr lang="en-US" altLang="ko-KR" sz="800"/>
-              <a:t>canary</a:t>
+              <a:t>Canary</a:t>
             </a:r>
           </a:p>
         </p:txBody>
@@ -39787,7 +39787,7 @@
             <a:pPr algn="ctr"/>
             <a:r>
               <a:rPr lang="en-US" altLang="ko-KR" sz="800"/>
-              <a:t>main</a:t>
+              <a:t>Main</a:t>
             </a:r>
           </a:p>
         </p:txBody>
@@ -40200,7 +40200,7 @@
             <a:pPr algn="ctr"/>
             <a:r>
               <a:rPr lang="en-US" altLang="ko-KR" sz="800"/>
-              <a:t>stable</a:t>
+              <a:t>Stable</a:t>
             </a:r>
           </a:p>
         </p:txBody>
@@ -40261,7 +40261,7 @@
             <a:pPr algn="ctr"/>
             <a:r>
               <a:rPr lang="en-US" altLang="ko-KR" sz="800"/>
-              <a:t>canary</a:t>
+              <a:t>Canary</a:t>
             </a:r>
           </a:p>
         </p:txBody>
@@ -40496,7 +40496,7 @@
             <a:pPr algn="ctr"/>
             <a:r>
               <a:rPr lang="en-US" altLang="ko-KR" sz="800"/>
-              <a:t>stable</a:t>
+              <a:t>Stable</a:t>
             </a:r>
           </a:p>
         </p:txBody>
@@ -40557,7 +40557,7 @@
             <a:pPr algn="ctr"/>
             <a:r>
               <a:rPr lang="en-US" altLang="ko-KR" sz="800"/>
-              <a:t>canary</a:t>
+              <a:t>Canary</a:t>
             </a:r>
           </a:p>
         </p:txBody>
@@ -40864,7 +40864,7 @@
             <a:pPr algn="ctr"/>
             <a:r>
               <a:rPr lang="en-US" altLang="ko-KR" sz="800"/>
-              <a:t>stable</a:t>
+              <a:t>Stable</a:t>
             </a:r>
           </a:p>
         </p:txBody>
@@ -40925,7 +40925,7 @@
             <a:pPr algn="ctr"/>
             <a:r>
               <a:rPr lang="en-US" altLang="ko-KR" sz="800"/>
-              <a:t>canary</a:t>
+              <a:t>Canary</a:t>
             </a:r>
           </a:p>
         </p:txBody>
@@ -41308,7 +41308,7 @@
             <a:pPr algn="ctr"/>
             <a:r>
               <a:rPr lang="en-US" altLang="ko-KR" sz="800"/>
-              <a:t>main</a:t>
+              <a:t>Main</a:t>
             </a:r>
           </a:p>
         </p:txBody>
@@ -41413,7 +41413,7 @@
             <a:pPr algn="ctr"/>
             <a:r>
               <a:rPr lang="en-US" altLang="ko-KR" sz="800"/>
-              <a:t>main</a:t>
+              <a:t>Main</a:t>
             </a:r>
           </a:p>
           <a:p>
@@ -41651,7 +41651,7 @@
             <a:pPr algn="ctr"/>
             <a:r>
               <a:rPr lang="en-US" altLang="ko-KR" sz="800"/>
-              <a:t>stable</a:t>
+              <a:t>Stable</a:t>
             </a:r>
           </a:p>
         </p:txBody>
@@ -41712,7 +41712,7 @@
             <a:pPr algn="ctr"/>
             <a:r>
               <a:rPr lang="en-US" altLang="ko-KR" sz="800"/>
-              <a:t>canary</a:t>
+              <a:t>Canary</a:t>
             </a:r>
           </a:p>
         </p:txBody>
@@ -41864,7 +41864,7 @@
             <a:pPr algn="ctr"/>
             <a:r>
               <a:rPr lang="en-US" altLang="ko-KR" sz="800"/>
-              <a:t>main</a:t>
+              <a:t>Main</a:t>
             </a:r>
           </a:p>
           <a:p>
@@ -42102,7 +42102,7 @@
             <a:pPr algn="ctr"/>
             <a:r>
               <a:rPr lang="en-US" altLang="ko-KR" sz="800"/>
-              <a:t>main</a:t>
+              <a:t>Main</a:t>
             </a:r>
           </a:p>
           <a:p>
@@ -42242,7 +42242,7 @@
             <a:pPr algn="ctr"/>
             <a:r>
               <a:rPr lang="en-US" altLang="ko-KR" sz="800"/>
-              <a:t>stable</a:t>
+              <a:t>Stable</a:t>
             </a:r>
           </a:p>
         </p:txBody>
@@ -42303,7 +42303,7 @@
             <a:pPr algn="ctr"/>
             <a:r>
               <a:rPr lang="en-US" altLang="ko-KR" sz="800"/>
-              <a:t>canary</a:t>
+              <a:t>Canary</a:t>
             </a:r>
           </a:p>
         </p:txBody>
@@ -42534,7 +42534,7 @@
             <a:pPr algn="ctr"/>
             <a:r>
               <a:rPr lang="en-US" altLang="ko-KR" sz="800"/>
-              <a:t>main</a:t>
+              <a:t>Main</a:t>
             </a:r>
           </a:p>
           <a:p>
@@ -43286,7 +43286,7 @@
             <a:pPr algn="ctr"/>
             <a:r>
               <a:rPr lang="en-US" altLang="ko-KR" sz="800"/>
-              <a:t>stable</a:t>
+              <a:t>Stable</a:t>
             </a:r>
           </a:p>
         </p:txBody>
@@ -43347,7 +43347,7 @@
             <a:pPr algn="ctr"/>
             <a:r>
               <a:rPr lang="en-US" altLang="ko-KR" sz="800"/>
-              <a:t>canary</a:t>
+              <a:t>Canary</a:t>
             </a:r>
           </a:p>
         </p:txBody>
@@ -43502,7 +43502,7 @@
             <a:pPr algn="ctr"/>
             <a:r>
               <a:rPr lang="en-US" altLang="ko-KR" sz="800"/>
-              <a:t>main</a:t>
+              <a:t>Main</a:t>
             </a:r>
           </a:p>
         </p:txBody>
@@ -44136,7 +44136,7 @@
             <a:pPr algn="ctr"/>
             <a:r>
               <a:rPr lang="en-US" altLang="ko-KR" sz="800"/>
-              <a:t>stable</a:t>
+              <a:t>Stable</a:t>
             </a:r>
           </a:p>
         </p:txBody>
@@ -44197,7 +44197,7 @@
             <a:pPr algn="ctr"/>
             <a:r>
               <a:rPr lang="en-US" altLang="ko-KR" sz="800"/>
-              <a:t>canary</a:t>
+              <a:t>Canary</a:t>
             </a:r>
           </a:p>
         </p:txBody>
@@ -44377,7 +44377,7 @@
             <a:pPr algn="ctr"/>
             <a:r>
               <a:rPr lang="en-US" altLang="ko-KR" sz="800"/>
-              <a:t>stable</a:t>
+              <a:t>Stable</a:t>
             </a:r>
           </a:p>
         </p:txBody>
@@ -44438,7 +44438,7 @@
             <a:pPr algn="ctr"/>
             <a:r>
               <a:rPr lang="en-US" altLang="ko-KR" sz="800"/>
-              <a:t>canary</a:t>
+              <a:t>Canary</a:t>
             </a:r>
           </a:p>
         </p:txBody>
@@ -44753,7 +44753,7 @@
             <a:pPr algn="ctr"/>
             <a:r>
               <a:rPr lang="en-US" altLang="ko-KR" sz="800"/>
-              <a:t>stable</a:t>
+              <a:t>Stable</a:t>
             </a:r>
           </a:p>
         </p:txBody>
@@ -44814,7 +44814,7 @@
             <a:pPr algn="ctr"/>
             <a:r>
               <a:rPr lang="en-US" altLang="ko-KR" sz="800"/>
-              <a:t>canary</a:t>
+              <a:t>Canary</a:t>
             </a:r>
           </a:p>
         </p:txBody>
@@ -45395,7 +45395,7 @@
             <a:pPr algn="ctr"/>
             <a:r>
               <a:rPr lang="en-US" altLang="ko-KR" sz="800"/>
-              <a:t>stable</a:t>
+              <a:t>Stable</a:t>
             </a:r>
           </a:p>
         </p:txBody>
@@ -45456,7 +45456,7 @@
             <a:pPr algn="ctr"/>
             <a:r>
               <a:rPr lang="en-US" altLang="ko-KR" sz="800"/>
-              <a:t>canary</a:t>
+              <a:t>Canary</a:t>
             </a:r>
           </a:p>
         </p:txBody>
@@ -46517,7 +46517,7 @@
             <a:pPr algn="ctr"/>
             <a:r>
               <a:rPr lang="en-US" altLang="ko-KR" sz="800"/>
-              <a:t>stable</a:t>
+              <a:t>Stable</a:t>
             </a:r>
           </a:p>
         </p:txBody>
@@ -46578,7 +46578,7 @@
             <a:pPr algn="ctr"/>
             <a:r>
               <a:rPr lang="en-US" altLang="ko-KR" sz="800"/>
-              <a:t>canary</a:t>
+              <a:t>Canary</a:t>
             </a:r>
           </a:p>
         </p:txBody>
@@ -46758,7 +46758,7 @@
             <a:pPr algn="ctr"/>
             <a:r>
               <a:rPr lang="en-US" altLang="ko-KR" sz="800"/>
-              <a:t>stable</a:t>
+              <a:t>Stable</a:t>
             </a:r>
           </a:p>
         </p:txBody>
@@ -46819,7 +46819,7 @@
             <a:pPr algn="ctr"/>
             <a:r>
               <a:rPr lang="en-US" altLang="ko-KR" sz="800"/>
-              <a:t>canary</a:t>
+              <a:t>Canary</a:t>
             </a:r>
           </a:p>
         </p:txBody>
@@ -47129,7 +47129,7 @@
             <a:pPr algn="ctr"/>
             <a:r>
               <a:rPr lang="en-US" altLang="ko-KR" sz="800"/>
-              <a:t>stable</a:t>
+              <a:t>Stable</a:t>
             </a:r>
           </a:p>
         </p:txBody>
@@ -47190,7 +47190,7 @@
             <a:pPr algn="ctr"/>
             <a:r>
               <a:rPr lang="en-US" altLang="ko-KR" sz="800"/>
-              <a:t>canary</a:t>
+              <a:t>Canary</a:t>
             </a:r>
           </a:p>
         </p:txBody>
@@ -47786,7 +47786,7 @@
             <a:pPr algn="ctr"/>
             <a:r>
               <a:rPr lang="en-US" altLang="ko-KR" sz="800"/>
-              <a:t>stable</a:t>
+              <a:t>Stable</a:t>
             </a:r>
           </a:p>
         </p:txBody>
@@ -47847,7 +47847,7 @@
             <a:pPr algn="ctr"/>
             <a:r>
               <a:rPr lang="en-US" altLang="ko-KR" sz="800"/>
-              <a:t>canary</a:t>
+              <a:t>Canary</a:t>
             </a:r>
           </a:p>
         </p:txBody>
@@ -48618,7 +48618,7 @@
         </p:nvSpPr>
         <p:spPr>
           <a:xfrm>
-            <a:off x="113121" y="4431987"/>
+            <a:off x="113121" y="4431988"/>
             <a:ext cx="775406" cy="613154"/>
           </a:xfrm>
           <a:prstGeom prst="roundRect">
@@ -48699,7 +48699,7 @@
         <p:spPr>
           <a:xfrm flipV="1">
             <a:off x="500824" y="4125410"/>
-            <a:ext cx="965337" cy="306577"/>
+            <a:ext cx="965337" cy="306578"/>
           </a:xfrm>
           <a:prstGeom prst="straightConnector1">
             <a:avLst/>
@@ -48741,7 +48741,7 @@
         </p:nvSpPr>
         <p:spPr>
           <a:xfrm>
-            <a:off x="3205249" y="4431987"/>
+            <a:off x="3205249" y="4431988"/>
             <a:ext cx="775406" cy="613154"/>
           </a:xfrm>
           <a:prstGeom prst="roundRect">
@@ -48813,7 +48813,7 @@
         <p:spPr>
           <a:xfrm flipV="1">
             <a:off x="3592952" y="4125410"/>
-            <a:ext cx="965337" cy="306577"/>
+            <a:ext cx="965337" cy="306578"/>
           </a:xfrm>
           <a:prstGeom prst="straightConnector1">
             <a:avLst/>
@@ -48855,7 +48855,7 @@
         </p:nvSpPr>
         <p:spPr>
           <a:xfrm>
-            <a:off x="4170578" y="4431987"/>
+            <a:off x="4170578" y="4431988"/>
             <a:ext cx="775406" cy="613154"/>
           </a:xfrm>
           <a:prstGeom prst="roundRect">
@@ -48936,7 +48936,7 @@
         <p:spPr>
           <a:xfrm flipV="1">
             <a:off x="4558281" y="4125410"/>
-            <a:ext cx="4" cy="306577"/>
+            <a:ext cx="4" cy="306578"/>
           </a:xfrm>
           <a:prstGeom prst="straightConnector1">
             <a:avLst/>
@@ -49017,7 +49017,7 @@
         <p:spPr>
           <a:xfrm>
             <a:off x="3851920" y="92546"/>
-            <a:ext cx="0" cy="5143500"/>
+            <a:ext cx="0" cy="2335188"/>
           </a:xfrm>
           <a:prstGeom prst="line">
             <a:avLst/>
@@ -49102,7 +49102,7 @@
         </p:nvSpPr>
         <p:spPr>
           <a:xfrm>
-            <a:off x="113121" y="1482258"/>
+            <a:off x="952860" y="1482258"/>
             <a:ext cx="775398" cy="613154"/>
           </a:xfrm>
           <a:prstGeom prst="roundRect">
@@ -49174,7 +49174,7 @@
         </p:nvSpPr>
         <p:spPr>
           <a:xfrm>
-            <a:off x="114601" y="685158"/>
+            <a:off x="954340" y="685158"/>
             <a:ext cx="775406" cy="490523"/>
           </a:xfrm>
           <a:prstGeom prst="roundRect">
@@ -49216,7 +49216,7 @@
             <a:pPr algn="ctr"/>
             <a:r>
               <a:rPr lang="en-US" altLang="ko-KR" sz="800"/>
-              <a:t>stable</a:t>
+              <a:t>Stable</a:t>
             </a:r>
           </a:p>
         </p:txBody>
@@ -49235,7 +49235,7 @@
         </p:nvSpPr>
         <p:spPr>
           <a:xfrm>
-            <a:off x="1084637" y="685158"/>
+            <a:off x="1924376" y="685158"/>
             <a:ext cx="775406" cy="490523"/>
           </a:xfrm>
           <a:prstGeom prst="roundRect">
@@ -49277,7 +49277,7 @@
             <a:pPr algn="ctr"/>
             <a:r>
               <a:rPr lang="en-US" altLang="ko-KR" sz="800"/>
-              <a:t>canary</a:t>
+              <a:t>Canary</a:t>
             </a:r>
           </a:p>
         </p:txBody>
@@ -49300,7 +49300,7 @@
         </p:nvCxnSpPr>
         <p:spPr>
           <a:xfrm flipH="1">
-            <a:off x="500820" y="1175681"/>
+            <a:off x="1340559" y="1175681"/>
             <a:ext cx="1484" cy="306577"/>
           </a:xfrm>
           <a:prstGeom prst="straightConnector1">
@@ -49457,7 +49457,7 @@
             <a:pPr algn="ctr"/>
             <a:r>
               <a:rPr lang="en-US" altLang="ko-KR" sz="800"/>
-              <a:t>stable</a:t>
+              <a:t>Stable</a:t>
             </a:r>
           </a:p>
         </p:txBody>
@@ -49518,7 +49518,7 @@
             <a:pPr algn="ctr"/>
             <a:r>
               <a:rPr lang="en-US" altLang="ko-KR" sz="800"/>
-              <a:t>canary</a:t>
+              <a:t>Canary</a:t>
             </a:r>
           </a:p>
         </p:txBody>
@@ -49619,10 +49619,10 @@
       </p:cxnSp>
       <p:sp>
         <p:nvSpPr>
-          <p:cNvPr id="54" name="모서리가 둥근 직사각형 53">
-            <a:extLst>
-              <a:ext uri="{FF2B5EF4-FFF2-40B4-BE49-F238E27FC236}">
-                <a16:creationId xmlns:a16="http://schemas.microsoft.com/office/drawing/2014/main" id="{C5FE336E-CCF8-1B7B-C1A0-860DE00A4939}"/>
+          <p:cNvPr id="64" name="오른쪽 화살표[R] 63">
+            <a:extLst>
+              <a:ext uri="{FF2B5EF4-FFF2-40B4-BE49-F238E27FC236}">
+                <a16:creationId xmlns:a16="http://schemas.microsoft.com/office/drawing/2014/main" id="{5D0B39D2-22A8-2996-281F-B01E22FECDA0}"/>
               </a:ext>
             </a:extLst>
           </p:cNvPr>
@@ -49631,8 +49631,118 @@
         </p:nvSpPr>
         <p:spPr>
           <a:xfrm>
-            <a:off x="4040125" y="3512256"/>
-            <a:ext cx="775398" cy="613154"/>
+            <a:off x="3653832" y="1238371"/>
+            <a:ext cx="385510" cy="181197"/>
+          </a:xfrm>
+          <a:prstGeom prst="rightArrow">
+            <a:avLst/>
+          </a:prstGeom>
+          <a:solidFill>
+            <a:schemeClr val="tx1"/>
+          </a:solidFill>
+          <a:ln>
+            <a:noFill/>
+          </a:ln>
+        </p:spPr>
+        <p:style>
+          <a:lnRef idx="2">
+            <a:schemeClr val="accent1">
+              <a:shade val="15000"/>
+            </a:schemeClr>
+          </a:lnRef>
+          <a:fillRef idx="1">
+            <a:schemeClr val="accent1"/>
+          </a:fillRef>
+          <a:effectRef idx="0">
+            <a:schemeClr val="accent1"/>
+          </a:effectRef>
+          <a:fontRef idx="minor">
+            <a:schemeClr val="lt1"/>
+          </a:fontRef>
+        </p:style>
+        <p:txBody>
+          <a:bodyPr rtlCol="0" anchor="ctr"/>
+          <a:lstStyle/>
+          <a:p>
+            <a:pPr algn="ctr"/>
+            <a:endParaRPr kumimoji="1" lang="ko-KR" altLang="en-US" sz="800"/>
+          </a:p>
+        </p:txBody>
+      </p:sp>
+      <p:sp>
+        <p:nvSpPr>
+          <p:cNvPr id="11" name="TextBox 10">
+            <a:extLst>
+              <a:ext uri="{FF2B5EF4-FFF2-40B4-BE49-F238E27FC236}">
+                <a16:creationId xmlns:a16="http://schemas.microsoft.com/office/drawing/2014/main" id="{18DBF927-BC27-92D0-9A48-604CA0A087FD}"/>
+              </a:ext>
+            </a:extLst>
+          </p:cNvPr>
+          <p:cNvSpPr txBox="1"/>
+          <p:nvPr/>
+        </p:nvSpPr>
+        <p:spPr>
+          <a:xfrm>
+            <a:off x="3465004" y="1428144"/>
+            <a:ext cx="762540" cy="584775"/>
+          </a:xfrm>
+          <a:prstGeom prst="rect">
+            <a:avLst/>
+          </a:prstGeom>
+          <a:noFill/>
+        </p:spPr>
+        <p:txBody>
+          <a:bodyPr wrap="square" rtlCol="0">
+            <a:spAutoFit/>
+          </a:bodyPr>
+          <a:lstStyle/>
+          <a:p>
+            <a:pPr algn="ctr"/>
+            <a:r>
+              <a:rPr kumimoji="1" lang="en-US" altLang="ko-KR" sz="800" i="1"/>
+              <a:t>Update</a:t>
+            </a:r>
+          </a:p>
+          <a:p>
+            <a:pPr algn="ctr"/>
+            <a:r>
+              <a:rPr kumimoji="1" lang="en-US" altLang="ko-KR" sz="800" i="1"/>
+              <a:t>Image &amp; </a:t>
+            </a:r>
+          </a:p>
+          <a:p>
+            <a:pPr algn="ctr"/>
+            <a:r>
+              <a:rPr kumimoji="1" lang="en-US" altLang="ko-KR" sz="800" i="1"/>
+              <a:t>Failed</a:t>
+            </a:r>
+          </a:p>
+          <a:p>
+            <a:pPr algn="ctr"/>
+            <a:r>
+              <a:rPr kumimoji="1" lang="en-US" altLang="ko-KR" sz="800" i="1"/>
+              <a:t>Experiment</a:t>
+            </a:r>
+            <a:endParaRPr kumimoji="1" lang="ko-KR" altLang="en-US" sz="800" i="1"/>
+          </a:p>
+        </p:txBody>
+      </p:sp>
+      <p:sp>
+        <p:nvSpPr>
+          <p:cNvPr id="17" name="모서리가 둥근 직사각형 16">
+            <a:extLst>
+              <a:ext uri="{FF2B5EF4-FFF2-40B4-BE49-F238E27FC236}">
+                <a16:creationId xmlns:a16="http://schemas.microsoft.com/office/drawing/2014/main" id="{957933DF-D3D8-2BBD-8D5D-4C0F3E2051C9}"/>
+              </a:ext>
+            </a:extLst>
+          </p:cNvPr>
+          <p:cNvSpPr/>
+          <p:nvPr/>
+        </p:nvSpPr>
+        <p:spPr>
+          <a:xfrm>
+            <a:off x="2897498" y="685158"/>
+            <a:ext cx="775406" cy="490523"/>
           </a:xfrm>
           <a:prstGeom prst="roundRect">
             <a:avLst>
@@ -49662,39 +49772,25 @@
             <a:pPr algn="ctr"/>
             <a:r>
               <a:rPr lang="en-US" altLang="ko-KR" sz="800" b="1"/>
-              <a:t>ReplicaSet</a:t>
+              <a:t>Virtual</a:t>
+            </a:r>
+          </a:p>
+          <a:p>
+            <a:pPr algn="ctr"/>
+            <a:r>
+              <a:rPr lang="en-US" altLang="ko-KR" sz="800" b="1"/>
+              <a:t>Service</a:t>
             </a:r>
             <a:endParaRPr lang="en-US" altLang="ko-KR" sz="800"/>
           </a:p>
-          <a:p>
-            <a:pPr algn="ctr"/>
-            <a:r>
-              <a:rPr lang="en-US" altLang="ko-KR" sz="800"/>
-              <a:t>Revision : 1</a:t>
-            </a:r>
-          </a:p>
-          <a:p>
-            <a:pPr algn="ctr"/>
-            <a:r>
-              <a:rPr lang="en-US" altLang="ko-KR" sz="800"/>
-              <a:t>Replica : 0</a:t>
-            </a:r>
-          </a:p>
-          <a:p>
-            <a:pPr algn="ctr"/>
-            <a:r>
-              <a:rPr lang="en-US" altLang="ko-KR" sz="800"/>
-              <a:t>Image : 1.0</a:t>
-            </a:r>
-          </a:p>
-        </p:txBody>
-      </p:sp>
-      <p:sp>
-        <p:nvSpPr>
-          <p:cNvPr id="55" name="모서리가 둥근 직사각형 54">
-            <a:extLst>
-              <a:ext uri="{FF2B5EF4-FFF2-40B4-BE49-F238E27FC236}">
-                <a16:creationId xmlns:a16="http://schemas.microsoft.com/office/drawing/2014/main" id="{1C3ACF11-6D76-DD34-4438-8B9FF5E42899}"/>
+        </p:txBody>
+      </p:sp>
+      <p:sp>
+        <p:nvSpPr>
+          <p:cNvPr id="24" name="모서리가 둥근 직사각형 23">
+            <a:extLst>
+              <a:ext uri="{FF2B5EF4-FFF2-40B4-BE49-F238E27FC236}">
+                <a16:creationId xmlns:a16="http://schemas.microsoft.com/office/drawing/2014/main" id="{FFE570E0-56D5-0A26-70A0-C9516875F09C}"/>
               </a:ext>
             </a:extLst>
           </p:cNvPr>
@@ -49703,8 +49799,8 @@
         </p:nvSpPr>
         <p:spPr>
           <a:xfrm>
-            <a:off x="4039342" y="2715155"/>
-            <a:ext cx="775406" cy="490524"/>
+            <a:off x="7901995" y="685158"/>
+            <a:ext cx="775406" cy="490523"/>
           </a:xfrm>
           <a:prstGeom prst="roundRect">
             <a:avLst>
@@ -49734,63 +49830,9 @@
             <a:pPr algn="ctr"/>
             <a:r>
               <a:rPr lang="en-US" altLang="ko-KR" sz="800" b="1"/>
-              <a:t>Service</a:t>
-            </a:r>
-          </a:p>
-          <a:p>
-            <a:pPr algn="ctr"/>
-            <a:endParaRPr lang="en-US" altLang="ko-KR" sz="800"/>
-          </a:p>
-          <a:p>
-            <a:pPr algn="ctr"/>
-            <a:r>
-              <a:rPr lang="en-US" altLang="ko-KR" sz="800"/>
-              <a:t>stable</a:t>
-            </a:r>
-          </a:p>
-        </p:txBody>
-      </p:sp>
-      <p:sp>
-        <p:nvSpPr>
-          <p:cNvPr id="56" name="모서리가 둥근 직사각형 55">
-            <a:extLst>
-              <a:ext uri="{FF2B5EF4-FFF2-40B4-BE49-F238E27FC236}">
-                <a16:creationId xmlns:a16="http://schemas.microsoft.com/office/drawing/2014/main" id="{018F218E-955C-278A-A8E3-045468B218A8}"/>
-              </a:ext>
-            </a:extLst>
-          </p:cNvPr>
-          <p:cNvSpPr/>
-          <p:nvPr/>
-        </p:nvSpPr>
-        <p:spPr>
-          <a:xfrm>
-            <a:off x="5009378" y="2715155"/>
-            <a:ext cx="775406" cy="490524"/>
-          </a:xfrm>
-          <a:prstGeom prst="roundRect">
-            <a:avLst>
-              <a:gd name="adj" fmla="val 14952"/>
-            </a:avLst>
-          </a:prstGeom>
-          <a:ln w="12700"/>
-        </p:spPr>
-        <p:style>
-          <a:lnRef idx="2">
-            <a:schemeClr val="dk1"/>
-          </a:lnRef>
-          <a:fillRef idx="1">
-            <a:schemeClr val="lt1"/>
-          </a:fillRef>
-          <a:effectRef idx="0">
-            <a:schemeClr val="dk1"/>
-          </a:effectRef>
-          <a:fontRef idx="minor">
-            <a:schemeClr val="dk1"/>
-          </a:fontRef>
-        </p:style>
-        <p:txBody>
-          <a:bodyPr rtlCol="0" anchor="ctr"/>
-          <a:lstStyle/>
+              <a:t>Virtual</a:t>
+            </a:r>
+          </a:p>
           <a:p>
             <a:pPr algn="ctr"/>
             <a:r>
@@ -49800,37 +49842,180 @@
           </a:p>
           <a:p>
             <a:pPr algn="ctr"/>
-            <a:endParaRPr lang="en-US" altLang="ko-KR" sz="800"/>
-          </a:p>
-          <a:p>
-            <a:pPr algn="ctr"/>
-            <a:r>
-              <a:rPr lang="en-US" altLang="ko-KR" sz="800"/>
-              <a:t>canary</a:t>
+            <a:r>
+              <a:rPr lang="en-US" altLang="ko-KR" sz="800" b="1">
+                <a:solidFill>
+                  <a:srgbClr val="C00000"/>
+                </a:solidFill>
+              </a:rPr>
+              <a:t>3 : 1 : 1</a:t>
             </a:r>
           </a:p>
         </p:txBody>
       </p:sp>
       <p:cxnSp>
         <p:nvCxnSpPr>
-          <p:cNvPr id="57" name="직선 화살표 연결선 56">
-            <a:extLst>
-              <a:ext uri="{FF2B5EF4-FFF2-40B4-BE49-F238E27FC236}">
-                <a16:creationId xmlns:a16="http://schemas.microsoft.com/office/drawing/2014/main" id="{10D75977-3A1C-8516-2A1D-A1D5E0A0B17E}"/>
+          <p:cNvPr id="44" name="꺾인 연결선[E] 43">
+            <a:extLst>
+              <a:ext uri="{FF2B5EF4-FFF2-40B4-BE49-F238E27FC236}">
+                <a16:creationId xmlns:a16="http://schemas.microsoft.com/office/drawing/2014/main" id="{BA254445-287B-22C2-1A58-B23FBD01A6A3}"/>
+              </a:ext>
+            </a:extLst>
+          </p:cNvPr>
+          <p:cNvCxnSpPr>
+            <a:stCxn id="17" idx="0"/>
+            <a:endCxn id="3" idx="0"/>
+          </p:cNvCxnSpPr>
+          <p:nvPr/>
+        </p:nvCxnSpPr>
+        <p:spPr>
+          <a:xfrm rot="16200000" flipV="1">
+            <a:off x="2313622" y="-286421"/>
+            <a:ext cx="12700" cy="1943158"/>
+          </a:xfrm>
+          <a:prstGeom prst="bentConnector3">
+            <a:avLst>
+              <a:gd name="adj1" fmla="val 1800000"/>
+            </a:avLst>
+          </a:prstGeom>
+          <a:ln w="12700">
+            <a:solidFill>
+              <a:schemeClr val="tx1"/>
+            </a:solidFill>
+            <a:tailEnd type="triangle"/>
+          </a:ln>
+        </p:spPr>
+        <p:style>
+          <a:lnRef idx="1">
+            <a:schemeClr val="accent1"/>
+          </a:lnRef>
+          <a:fillRef idx="0">
+            <a:schemeClr val="accent1"/>
+          </a:fillRef>
+          <a:effectRef idx="0">
+            <a:schemeClr val="accent1"/>
+          </a:effectRef>
+          <a:fontRef idx="minor">
+            <a:schemeClr val="tx1"/>
+          </a:fontRef>
+        </p:style>
+      </p:cxnSp>
+      <p:cxnSp>
+        <p:nvCxnSpPr>
+          <p:cNvPr id="45" name="꺾인 연결선[E] 44">
+            <a:extLst>
+              <a:ext uri="{FF2B5EF4-FFF2-40B4-BE49-F238E27FC236}">
+                <a16:creationId xmlns:a16="http://schemas.microsoft.com/office/drawing/2014/main" id="{BDC6FE46-211B-05AC-023C-BCBDA8B583ED}"/>
               </a:ext>
             </a:extLst>
           </p:cNvPr>
           <p:cNvCxnSpPr>
             <a:cxnSpLocks/>
-            <a:stCxn id="55" idx="2"/>
-            <a:endCxn id="86" idx="0"/>
+            <a:stCxn id="24" idx="0"/>
+            <a:endCxn id="13" idx="0"/>
           </p:cNvCxnSpPr>
           <p:nvPr/>
         </p:nvCxnSpPr>
         <p:spPr>
-          <a:xfrm>
-            <a:off x="4427045" y="3205679"/>
-            <a:ext cx="965333" cy="306577"/>
+          <a:xfrm rot="16200000" flipV="1">
+            <a:off x="6358372" y="-1246169"/>
+            <a:ext cx="12700" cy="3862653"/>
+          </a:xfrm>
+          <a:prstGeom prst="bentConnector3">
+            <a:avLst>
+              <a:gd name="adj1" fmla="val 1800000"/>
+            </a:avLst>
+          </a:prstGeom>
+          <a:ln w="12700">
+            <a:solidFill>
+              <a:schemeClr val="tx1"/>
+            </a:solidFill>
+            <a:tailEnd type="triangle"/>
+          </a:ln>
+        </p:spPr>
+        <p:style>
+          <a:lnRef idx="1">
+            <a:schemeClr val="accent1"/>
+          </a:lnRef>
+          <a:fillRef idx="0">
+            <a:schemeClr val="accent1"/>
+          </a:fillRef>
+          <a:effectRef idx="0">
+            <a:schemeClr val="accent1"/>
+          </a:effectRef>
+          <a:fontRef idx="minor">
+            <a:schemeClr val="tx1"/>
+          </a:fontRef>
+        </p:style>
+      </p:cxnSp>
+      <p:cxnSp>
+        <p:nvCxnSpPr>
+          <p:cNvPr id="50" name="꺾인 연결선[E] 49">
+            <a:extLst>
+              <a:ext uri="{FF2B5EF4-FFF2-40B4-BE49-F238E27FC236}">
+                <a16:creationId xmlns:a16="http://schemas.microsoft.com/office/drawing/2014/main" id="{6DD7AD3F-4035-81B9-0E34-90249691962F}"/>
+              </a:ext>
+            </a:extLst>
+          </p:cNvPr>
+          <p:cNvCxnSpPr>
+            <a:cxnSpLocks/>
+            <a:stCxn id="24" idx="0"/>
+            <a:endCxn id="22" idx="0"/>
+          </p:cNvCxnSpPr>
+          <p:nvPr/>
+        </p:nvCxnSpPr>
+        <p:spPr>
+          <a:xfrm rot="16200000" flipV="1">
+            <a:off x="7323315" y="-281225"/>
+            <a:ext cx="12700" cy="1932766"/>
+          </a:xfrm>
+          <a:prstGeom prst="bentConnector3">
+            <a:avLst>
+              <a:gd name="adj1" fmla="val 1800000"/>
+            </a:avLst>
+          </a:prstGeom>
+          <a:ln w="12700">
+            <a:solidFill>
+              <a:srgbClr val="C00000"/>
+            </a:solidFill>
+            <a:tailEnd type="triangle"/>
+          </a:ln>
+        </p:spPr>
+        <p:style>
+          <a:lnRef idx="1">
+            <a:schemeClr val="accent1"/>
+          </a:lnRef>
+          <a:fillRef idx="0">
+            <a:schemeClr val="accent1"/>
+          </a:fillRef>
+          <a:effectRef idx="0">
+            <a:schemeClr val="accent1"/>
+          </a:effectRef>
+          <a:fontRef idx="minor">
+            <a:schemeClr val="tx1"/>
+          </a:fontRef>
+        </p:style>
+      </p:cxnSp>
+      <p:cxnSp>
+        <p:nvCxnSpPr>
+          <p:cNvPr id="99" name="직선 화살표 연결선 98">
+            <a:extLst>
+              <a:ext uri="{FF2B5EF4-FFF2-40B4-BE49-F238E27FC236}">
+                <a16:creationId xmlns:a16="http://schemas.microsoft.com/office/drawing/2014/main" id="{C556C645-485D-1AD5-6825-D9C845061495}"/>
+              </a:ext>
+            </a:extLst>
+          </p:cNvPr>
+          <p:cNvCxnSpPr>
+            <a:cxnSpLocks/>
+            <a:stCxn id="4" idx="2"/>
+            <a:endCxn id="2" idx="0"/>
+          </p:cNvCxnSpPr>
+          <p:nvPr/>
+        </p:nvCxnSpPr>
+        <p:spPr>
+          <a:xfrm flipH="1">
+            <a:off x="1340559" y="1175681"/>
+            <a:ext cx="971520" cy="306577"/>
           </a:xfrm>
           <a:prstGeom prst="straightConnector1">
             <a:avLst/>
@@ -49858,26 +50043,668 @@
           </a:fontRef>
         </p:style>
       </p:cxnSp>
+      <p:sp>
+        <p:nvSpPr>
+          <p:cNvPr id="22" name="모서리가 둥근 직사각형 21">
+            <a:extLst>
+              <a:ext uri="{FF2B5EF4-FFF2-40B4-BE49-F238E27FC236}">
+                <a16:creationId xmlns:a16="http://schemas.microsoft.com/office/drawing/2014/main" id="{E87AD711-63D5-9A4A-3506-5C8FC5BB2AA4}"/>
+              </a:ext>
+            </a:extLst>
+          </p:cNvPr>
+          <p:cNvSpPr/>
+          <p:nvPr/>
+        </p:nvSpPr>
+        <p:spPr>
+          <a:xfrm>
+            <a:off x="5969229" y="685158"/>
+            <a:ext cx="775406" cy="490523"/>
+          </a:xfrm>
+          <a:prstGeom prst="roundRect">
+            <a:avLst>
+              <a:gd name="adj" fmla="val 14952"/>
+            </a:avLst>
+          </a:prstGeom>
+          <a:ln w="12700"/>
+        </p:spPr>
+        <p:style>
+          <a:lnRef idx="2">
+            <a:schemeClr val="dk1"/>
+          </a:lnRef>
+          <a:fillRef idx="1">
+            <a:schemeClr val="lt1"/>
+          </a:fillRef>
+          <a:effectRef idx="0">
+            <a:schemeClr val="dk1"/>
+          </a:effectRef>
+          <a:fontRef idx="minor">
+            <a:schemeClr val="dk1"/>
+          </a:fontRef>
+        </p:style>
+        <p:txBody>
+          <a:bodyPr rtlCol="0" anchor="ctr"/>
+          <a:lstStyle/>
+          <a:p>
+            <a:pPr algn="ctr"/>
+            <a:r>
+              <a:rPr lang="en-US" altLang="ko-KR" sz="800" b="1">
+                <a:solidFill>
+                  <a:srgbClr val="C00000"/>
+                </a:solidFill>
+              </a:rPr>
+              <a:t>Service</a:t>
+            </a:r>
+            <a:endParaRPr lang="en-US" altLang="ko-KR" sz="800">
+              <a:solidFill>
+                <a:srgbClr val="C00000"/>
+              </a:solidFill>
+            </a:endParaRPr>
+          </a:p>
+          <a:p>
+            <a:pPr algn="ctr"/>
+            <a:r>
+              <a:rPr lang="en-US" altLang="ko-KR" sz="800"/>
+              <a:t>ExperimentStable</a:t>
+            </a:r>
+          </a:p>
+        </p:txBody>
+      </p:sp>
+      <p:sp>
+        <p:nvSpPr>
+          <p:cNvPr id="23" name="모서리가 둥근 직사각형 22">
+            <a:extLst>
+              <a:ext uri="{FF2B5EF4-FFF2-40B4-BE49-F238E27FC236}">
+                <a16:creationId xmlns:a16="http://schemas.microsoft.com/office/drawing/2014/main" id="{80D6953B-8EE9-1ECB-70E2-B1523C3382EF}"/>
+              </a:ext>
+            </a:extLst>
+          </p:cNvPr>
+          <p:cNvSpPr/>
+          <p:nvPr/>
+        </p:nvSpPr>
+        <p:spPr>
+          <a:xfrm>
+            <a:off x="5969233" y="1482258"/>
+            <a:ext cx="775398" cy="613154"/>
+          </a:xfrm>
+          <a:prstGeom prst="roundRect">
+            <a:avLst>
+              <a:gd name="adj" fmla="val 14952"/>
+            </a:avLst>
+          </a:prstGeom>
+          <a:ln w="12700"/>
+        </p:spPr>
+        <p:style>
+          <a:lnRef idx="2">
+            <a:schemeClr val="dk1"/>
+          </a:lnRef>
+          <a:fillRef idx="1">
+            <a:schemeClr val="lt1"/>
+          </a:fillRef>
+          <a:effectRef idx="0">
+            <a:schemeClr val="dk1"/>
+          </a:effectRef>
+          <a:fontRef idx="minor">
+            <a:schemeClr val="dk1"/>
+          </a:fontRef>
+        </p:style>
+        <p:txBody>
+          <a:bodyPr rtlCol="0" anchor="ctr"/>
+          <a:lstStyle/>
+          <a:p>
+            <a:pPr algn="ctr"/>
+            <a:r>
+              <a:rPr lang="en-US" altLang="ko-KR" sz="800" b="1">
+                <a:solidFill>
+                  <a:srgbClr val="C00000"/>
+                </a:solidFill>
+              </a:rPr>
+              <a:t>ReplicaSet</a:t>
+            </a:r>
+            <a:endParaRPr lang="en-US" altLang="ko-KR" sz="800">
+              <a:solidFill>
+                <a:srgbClr val="C00000"/>
+              </a:solidFill>
+            </a:endParaRPr>
+          </a:p>
+          <a:p>
+            <a:pPr algn="ctr"/>
+            <a:r>
+              <a:rPr lang="en-US" altLang="ko-KR" sz="800"/>
+              <a:t>Ex Stable</a:t>
+            </a:r>
+          </a:p>
+          <a:p>
+            <a:pPr algn="ctr"/>
+            <a:r>
+              <a:rPr lang="en-US" altLang="ko-KR" sz="800"/>
+              <a:t>Revision : 2 </a:t>
+            </a:r>
+          </a:p>
+          <a:p>
+            <a:pPr algn="ctr"/>
+            <a:r>
+              <a:rPr lang="en-US" altLang="ko-KR" sz="800"/>
+              <a:t>Replica : 1</a:t>
+            </a:r>
+          </a:p>
+          <a:p>
+            <a:pPr algn="ctr"/>
+            <a:r>
+              <a:rPr lang="en-US" altLang="ko-KR" sz="800"/>
+              <a:t>Image : 1.0</a:t>
+            </a:r>
+          </a:p>
+        </p:txBody>
+      </p:sp>
+      <p:sp>
+        <p:nvSpPr>
+          <p:cNvPr id="28" name="모서리가 둥근 직사각형 27">
+            <a:extLst>
+              <a:ext uri="{FF2B5EF4-FFF2-40B4-BE49-F238E27FC236}">
+                <a16:creationId xmlns:a16="http://schemas.microsoft.com/office/drawing/2014/main" id="{9277AA7C-857E-4A84-957A-DEC3A98445E1}"/>
+              </a:ext>
+            </a:extLst>
+          </p:cNvPr>
+          <p:cNvSpPr/>
+          <p:nvPr/>
+        </p:nvSpPr>
+        <p:spPr>
+          <a:xfrm>
+            <a:off x="6934558" y="685158"/>
+            <a:ext cx="775406" cy="490523"/>
+          </a:xfrm>
+          <a:prstGeom prst="roundRect">
+            <a:avLst>
+              <a:gd name="adj" fmla="val 14952"/>
+            </a:avLst>
+          </a:prstGeom>
+          <a:ln w="12700"/>
+        </p:spPr>
+        <p:style>
+          <a:lnRef idx="2">
+            <a:schemeClr val="dk1"/>
+          </a:lnRef>
+          <a:fillRef idx="1">
+            <a:schemeClr val="lt1"/>
+          </a:fillRef>
+          <a:effectRef idx="0">
+            <a:schemeClr val="dk1"/>
+          </a:effectRef>
+          <a:fontRef idx="minor">
+            <a:schemeClr val="dk1"/>
+          </a:fontRef>
+        </p:style>
+        <p:txBody>
+          <a:bodyPr rtlCol="0" anchor="ctr"/>
+          <a:lstStyle/>
+          <a:p>
+            <a:pPr algn="ctr"/>
+            <a:r>
+              <a:rPr lang="en-US" altLang="ko-KR" sz="800" b="1">
+                <a:solidFill>
+                  <a:srgbClr val="C00000"/>
+                </a:solidFill>
+              </a:rPr>
+              <a:t>Service</a:t>
+            </a:r>
+            <a:endParaRPr lang="en-US" altLang="ko-KR" sz="800">
+              <a:solidFill>
+                <a:srgbClr val="C00000"/>
+              </a:solidFill>
+            </a:endParaRPr>
+          </a:p>
+          <a:p>
+            <a:pPr algn="ctr"/>
+            <a:r>
+              <a:rPr lang="en-US" altLang="ko-KR" sz="800"/>
+              <a:t>ExperimentCanary</a:t>
+            </a:r>
+          </a:p>
+        </p:txBody>
+      </p:sp>
+      <p:sp>
+        <p:nvSpPr>
+          <p:cNvPr id="29" name="모서리가 둥근 직사각형 28">
+            <a:extLst>
+              <a:ext uri="{FF2B5EF4-FFF2-40B4-BE49-F238E27FC236}">
+                <a16:creationId xmlns:a16="http://schemas.microsoft.com/office/drawing/2014/main" id="{3D645EED-39A0-4816-A11D-66758C8FE4FC}"/>
+              </a:ext>
+            </a:extLst>
+          </p:cNvPr>
+          <p:cNvSpPr/>
+          <p:nvPr/>
+        </p:nvSpPr>
+        <p:spPr>
+          <a:xfrm>
+            <a:off x="6934562" y="1482258"/>
+            <a:ext cx="775398" cy="613154"/>
+          </a:xfrm>
+          <a:prstGeom prst="roundRect">
+            <a:avLst>
+              <a:gd name="adj" fmla="val 14952"/>
+            </a:avLst>
+          </a:prstGeom>
+          <a:ln w="12700"/>
+        </p:spPr>
+        <p:style>
+          <a:lnRef idx="2">
+            <a:schemeClr val="dk1"/>
+          </a:lnRef>
+          <a:fillRef idx="1">
+            <a:schemeClr val="lt1"/>
+          </a:fillRef>
+          <a:effectRef idx="0">
+            <a:schemeClr val="dk1"/>
+          </a:effectRef>
+          <a:fontRef idx="minor">
+            <a:schemeClr val="dk1"/>
+          </a:fontRef>
+        </p:style>
+        <p:txBody>
+          <a:bodyPr rtlCol="0" anchor="ctr"/>
+          <a:lstStyle/>
+          <a:p>
+            <a:pPr algn="ctr"/>
+            <a:r>
+              <a:rPr lang="en-US" altLang="ko-KR" sz="800" b="1">
+                <a:solidFill>
+                  <a:srgbClr val="C00000"/>
+                </a:solidFill>
+              </a:rPr>
+              <a:t>ReplicaSet</a:t>
+            </a:r>
+            <a:endParaRPr lang="en-US" altLang="ko-KR" sz="800">
+              <a:solidFill>
+                <a:srgbClr val="C00000"/>
+              </a:solidFill>
+            </a:endParaRPr>
+          </a:p>
+          <a:p>
+            <a:pPr algn="ctr"/>
+            <a:r>
+              <a:rPr lang="en-US" altLang="ko-KR" sz="800"/>
+              <a:t>Ex Canary</a:t>
+            </a:r>
+          </a:p>
+          <a:p>
+            <a:pPr algn="ctr"/>
+            <a:r>
+              <a:rPr lang="en-US" altLang="ko-KR" sz="800"/>
+              <a:t>Revision : 2</a:t>
+            </a:r>
+          </a:p>
+          <a:p>
+            <a:pPr algn="ctr"/>
+            <a:r>
+              <a:rPr lang="en-US" altLang="ko-KR" sz="800"/>
+              <a:t>Replica : 1</a:t>
+            </a:r>
+          </a:p>
+          <a:p>
+            <a:pPr algn="ctr"/>
+            <a:r>
+              <a:rPr lang="en-US" altLang="ko-KR" sz="800"/>
+              <a:t>Image : 2.0</a:t>
+            </a:r>
+          </a:p>
+        </p:txBody>
+      </p:sp>
       <p:cxnSp>
         <p:nvCxnSpPr>
-          <p:cNvPr id="58" name="직선 화살표 연결선 57">
-            <a:extLst>
-              <a:ext uri="{FF2B5EF4-FFF2-40B4-BE49-F238E27FC236}">
-                <a16:creationId xmlns:a16="http://schemas.microsoft.com/office/drawing/2014/main" id="{C058F9DE-23D4-6053-AFE2-12895CACC211}"/>
+          <p:cNvPr id="41" name="직선 화살표 연결선 40">
+            <a:extLst>
+              <a:ext uri="{FF2B5EF4-FFF2-40B4-BE49-F238E27FC236}">
+                <a16:creationId xmlns:a16="http://schemas.microsoft.com/office/drawing/2014/main" id="{F1B5C704-1227-F588-1F08-62732F4D200E}"/>
               </a:ext>
             </a:extLst>
           </p:cNvPr>
           <p:cNvCxnSpPr>
             <a:cxnSpLocks/>
-            <a:stCxn id="56" idx="2"/>
-            <a:endCxn id="86" idx="0"/>
+            <a:stCxn id="22" idx="2"/>
+            <a:endCxn id="23" idx="0"/>
           </p:cNvCxnSpPr>
           <p:nvPr/>
         </p:nvCxnSpPr>
         <p:spPr>
-          <a:xfrm flipH="1">
-            <a:off x="5392378" y="3205679"/>
-            <a:ext cx="4703" cy="306577"/>
+          <a:xfrm>
+            <a:off x="6356932" y="1175681"/>
+            <a:ext cx="0" cy="306577"/>
+          </a:xfrm>
+          <a:prstGeom prst="straightConnector1">
+            <a:avLst/>
+          </a:prstGeom>
+          <a:ln w="12700">
+            <a:solidFill>
+              <a:srgbClr val="C00000"/>
+            </a:solidFill>
+            <a:prstDash val="solid"/>
+            <a:tailEnd type="triangle"/>
+          </a:ln>
+        </p:spPr>
+        <p:style>
+          <a:lnRef idx="1">
+            <a:schemeClr val="accent1"/>
+          </a:lnRef>
+          <a:fillRef idx="0">
+            <a:schemeClr val="accent1"/>
+          </a:fillRef>
+          <a:effectRef idx="0">
+            <a:schemeClr val="accent1"/>
+          </a:effectRef>
+          <a:fontRef idx="minor">
+            <a:schemeClr val="tx1"/>
+          </a:fontRef>
+        </p:style>
+      </p:cxnSp>
+      <p:cxnSp>
+        <p:nvCxnSpPr>
+          <p:cNvPr id="59" name="직선 화살표 연결선 58">
+            <a:extLst>
+              <a:ext uri="{FF2B5EF4-FFF2-40B4-BE49-F238E27FC236}">
+                <a16:creationId xmlns:a16="http://schemas.microsoft.com/office/drawing/2014/main" id="{464DB761-61C7-5D6B-FEDF-5081251D7639}"/>
+              </a:ext>
+            </a:extLst>
+          </p:cNvPr>
+          <p:cNvCxnSpPr>
+            <a:cxnSpLocks/>
+            <a:stCxn id="28" idx="2"/>
+            <a:endCxn id="29" idx="0"/>
+          </p:cNvCxnSpPr>
+          <p:nvPr/>
+        </p:nvCxnSpPr>
+        <p:spPr>
+          <a:xfrm>
+            <a:off x="7322261" y="1175681"/>
+            <a:ext cx="0" cy="306577"/>
+          </a:xfrm>
+          <a:prstGeom prst="straightConnector1">
+            <a:avLst/>
+          </a:prstGeom>
+          <a:ln w="12700">
+            <a:solidFill>
+              <a:srgbClr val="C00000"/>
+            </a:solidFill>
+            <a:prstDash val="solid"/>
+            <a:tailEnd type="triangle"/>
+          </a:ln>
+        </p:spPr>
+        <p:style>
+          <a:lnRef idx="1">
+            <a:schemeClr val="accent1"/>
+          </a:lnRef>
+          <a:fillRef idx="0">
+            <a:schemeClr val="accent1"/>
+          </a:fillRef>
+          <a:effectRef idx="0">
+            <a:schemeClr val="accent1"/>
+          </a:effectRef>
+          <a:fontRef idx="minor">
+            <a:schemeClr val="tx1"/>
+          </a:fontRef>
+        </p:style>
+      </p:cxnSp>
+      <p:cxnSp>
+        <p:nvCxnSpPr>
+          <p:cNvPr id="63" name="꺾인 연결선[E] 62">
+            <a:extLst>
+              <a:ext uri="{FF2B5EF4-FFF2-40B4-BE49-F238E27FC236}">
+                <a16:creationId xmlns:a16="http://schemas.microsoft.com/office/drawing/2014/main" id="{2EC2987C-C6BB-AA8A-59AB-B3754C7E167A}"/>
+              </a:ext>
+            </a:extLst>
+          </p:cNvPr>
+          <p:cNvCxnSpPr>
+            <a:cxnSpLocks/>
+            <a:stCxn id="24" idx="0"/>
+            <a:endCxn id="28" idx="0"/>
+          </p:cNvCxnSpPr>
+          <p:nvPr/>
+        </p:nvCxnSpPr>
+        <p:spPr>
+          <a:xfrm rot="16200000" flipV="1">
+            <a:off x="7805980" y="201439"/>
+            <a:ext cx="12700" cy="967437"/>
+          </a:xfrm>
+          <a:prstGeom prst="bentConnector3">
+            <a:avLst>
+              <a:gd name="adj1" fmla="val 1800000"/>
+            </a:avLst>
+          </a:prstGeom>
+          <a:ln w="12700">
+            <a:solidFill>
+              <a:srgbClr val="C00000"/>
+            </a:solidFill>
+            <a:tailEnd type="triangle"/>
+          </a:ln>
+        </p:spPr>
+        <p:style>
+          <a:lnRef idx="1">
+            <a:schemeClr val="accent1"/>
+          </a:lnRef>
+          <a:fillRef idx="0">
+            <a:schemeClr val="accent1"/>
+          </a:fillRef>
+          <a:effectRef idx="0">
+            <a:schemeClr val="accent1"/>
+          </a:effectRef>
+          <a:fontRef idx="minor">
+            <a:schemeClr val="tx1"/>
+          </a:fontRef>
+        </p:style>
+      </p:cxnSp>
+      <p:sp>
+        <p:nvSpPr>
+          <p:cNvPr id="83" name="모서리가 둥근 직사각형 82">
+            <a:extLst>
+              <a:ext uri="{FF2B5EF4-FFF2-40B4-BE49-F238E27FC236}">
+                <a16:creationId xmlns:a16="http://schemas.microsoft.com/office/drawing/2014/main" id="{7CCDC696-6C67-822A-0A03-22154C978576}"/>
+              </a:ext>
+            </a:extLst>
+          </p:cNvPr>
+          <p:cNvSpPr/>
+          <p:nvPr/>
+        </p:nvSpPr>
+        <p:spPr>
+          <a:xfrm>
+            <a:off x="1525083" y="3516412"/>
+            <a:ext cx="775398" cy="613154"/>
+          </a:xfrm>
+          <a:prstGeom prst="roundRect">
+            <a:avLst>
+              <a:gd name="adj" fmla="val 14952"/>
+            </a:avLst>
+          </a:prstGeom>
+          <a:ln w="12700"/>
+        </p:spPr>
+        <p:style>
+          <a:lnRef idx="2">
+            <a:schemeClr val="dk1"/>
+          </a:lnRef>
+          <a:fillRef idx="1">
+            <a:schemeClr val="lt1"/>
+          </a:fillRef>
+          <a:effectRef idx="0">
+            <a:schemeClr val="dk1"/>
+          </a:effectRef>
+          <a:fontRef idx="minor">
+            <a:schemeClr val="dk1"/>
+          </a:fontRef>
+        </p:style>
+        <p:txBody>
+          <a:bodyPr rtlCol="0" anchor="ctr"/>
+          <a:lstStyle/>
+          <a:p>
+            <a:pPr algn="ctr"/>
+            <a:r>
+              <a:rPr lang="en-US" altLang="ko-KR" sz="800" b="1"/>
+              <a:t>ReplicaSet</a:t>
+            </a:r>
+            <a:endParaRPr lang="en-US" altLang="ko-KR" sz="800"/>
+          </a:p>
+          <a:p>
+            <a:pPr algn="ctr"/>
+            <a:r>
+              <a:rPr lang="en-US" altLang="ko-KR" sz="800"/>
+              <a:t>Revision : 1</a:t>
+            </a:r>
+          </a:p>
+          <a:p>
+            <a:pPr algn="ctr"/>
+            <a:r>
+              <a:rPr lang="en-US" altLang="ko-KR" sz="800"/>
+              <a:t>Replica : 5</a:t>
+            </a:r>
+          </a:p>
+          <a:p>
+            <a:pPr algn="ctr"/>
+            <a:r>
+              <a:rPr lang="en-US" altLang="ko-KR" sz="800"/>
+              <a:t>Image : 1.0</a:t>
+            </a:r>
+          </a:p>
+        </p:txBody>
+      </p:sp>
+      <p:sp>
+        <p:nvSpPr>
+          <p:cNvPr id="84" name="모서리가 둥근 직사각형 83">
+            <a:extLst>
+              <a:ext uri="{FF2B5EF4-FFF2-40B4-BE49-F238E27FC236}">
+                <a16:creationId xmlns:a16="http://schemas.microsoft.com/office/drawing/2014/main" id="{D68AE18C-FDBA-05D3-44C4-E2C8CA135B23}"/>
+              </a:ext>
+            </a:extLst>
+          </p:cNvPr>
+          <p:cNvSpPr/>
+          <p:nvPr/>
+        </p:nvSpPr>
+        <p:spPr>
+          <a:xfrm>
+            <a:off x="1524300" y="2719312"/>
+            <a:ext cx="775406" cy="490523"/>
+          </a:xfrm>
+          <a:prstGeom prst="roundRect">
+            <a:avLst>
+              <a:gd name="adj" fmla="val 14952"/>
+            </a:avLst>
+          </a:prstGeom>
+          <a:ln w="12700"/>
+        </p:spPr>
+        <p:style>
+          <a:lnRef idx="2">
+            <a:schemeClr val="dk1"/>
+          </a:lnRef>
+          <a:fillRef idx="1">
+            <a:schemeClr val="lt1"/>
+          </a:fillRef>
+          <a:effectRef idx="0">
+            <a:schemeClr val="dk1"/>
+          </a:effectRef>
+          <a:fontRef idx="minor">
+            <a:schemeClr val="dk1"/>
+          </a:fontRef>
+        </p:style>
+        <p:txBody>
+          <a:bodyPr rtlCol="0" anchor="ctr"/>
+          <a:lstStyle/>
+          <a:p>
+            <a:pPr algn="ctr"/>
+            <a:r>
+              <a:rPr lang="en-US" altLang="ko-KR" sz="800" b="1"/>
+              <a:t>Service</a:t>
+            </a:r>
+          </a:p>
+          <a:p>
+            <a:pPr algn="ctr"/>
+            <a:endParaRPr lang="en-US" altLang="ko-KR" sz="800"/>
+          </a:p>
+          <a:p>
+            <a:pPr algn="ctr"/>
+            <a:r>
+              <a:rPr lang="en-US" altLang="ko-KR" sz="800"/>
+              <a:t>Stable</a:t>
+            </a:r>
+          </a:p>
+        </p:txBody>
+      </p:sp>
+      <p:sp>
+        <p:nvSpPr>
+          <p:cNvPr id="85" name="모서리가 둥근 직사각형 84">
+            <a:extLst>
+              <a:ext uri="{FF2B5EF4-FFF2-40B4-BE49-F238E27FC236}">
+                <a16:creationId xmlns:a16="http://schemas.microsoft.com/office/drawing/2014/main" id="{892EE0D4-11BC-D018-3E3C-3D706AE10AB8}"/>
+              </a:ext>
+            </a:extLst>
+          </p:cNvPr>
+          <p:cNvSpPr/>
+          <p:nvPr/>
+        </p:nvSpPr>
+        <p:spPr>
+          <a:xfrm>
+            <a:off x="2489624" y="2719312"/>
+            <a:ext cx="775406" cy="490523"/>
+          </a:xfrm>
+          <a:prstGeom prst="roundRect">
+            <a:avLst>
+              <a:gd name="adj" fmla="val 14952"/>
+            </a:avLst>
+          </a:prstGeom>
+          <a:ln w="12700"/>
+        </p:spPr>
+        <p:style>
+          <a:lnRef idx="2">
+            <a:schemeClr val="dk1"/>
+          </a:lnRef>
+          <a:fillRef idx="1">
+            <a:schemeClr val="lt1"/>
+          </a:fillRef>
+          <a:effectRef idx="0">
+            <a:schemeClr val="dk1"/>
+          </a:effectRef>
+          <a:fontRef idx="minor">
+            <a:schemeClr val="dk1"/>
+          </a:fontRef>
+        </p:style>
+        <p:txBody>
+          <a:bodyPr rtlCol="0" anchor="ctr"/>
+          <a:lstStyle/>
+          <a:p>
+            <a:pPr algn="ctr"/>
+            <a:r>
+              <a:rPr lang="en-US" altLang="ko-KR" sz="800" b="1"/>
+              <a:t>Service</a:t>
+            </a:r>
+          </a:p>
+          <a:p>
+            <a:pPr algn="ctr"/>
+            <a:endParaRPr lang="en-US" altLang="ko-KR" sz="800"/>
+          </a:p>
+          <a:p>
+            <a:pPr algn="ctr"/>
+            <a:r>
+              <a:rPr lang="en-US" altLang="ko-KR" sz="800"/>
+              <a:t>Canary</a:t>
+            </a:r>
+          </a:p>
+        </p:txBody>
+      </p:sp>
+      <p:cxnSp>
+        <p:nvCxnSpPr>
+          <p:cNvPr id="87" name="직선 화살표 연결선 86">
+            <a:extLst>
+              <a:ext uri="{FF2B5EF4-FFF2-40B4-BE49-F238E27FC236}">
+                <a16:creationId xmlns:a16="http://schemas.microsoft.com/office/drawing/2014/main" id="{1455B8AA-9948-D124-63AD-FA0A65174A3C}"/>
+              </a:ext>
+            </a:extLst>
+          </p:cNvPr>
+          <p:cNvCxnSpPr>
+            <a:cxnSpLocks/>
+            <a:stCxn id="84" idx="2"/>
+            <a:endCxn id="83" idx="0"/>
+          </p:cNvCxnSpPr>
+          <p:nvPr/>
+        </p:nvCxnSpPr>
+        <p:spPr>
+          <a:xfrm>
+            <a:off x="1912003" y="3209835"/>
+            <a:ext cx="779" cy="306577"/>
           </a:xfrm>
           <a:prstGeom prst="straightConnector1">
             <a:avLst/>
@@ -49905,12 +50732,59 @@
           </a:fontRef>
         </p:style>
       </p:cxnSp>
-      <p:sp>
-        <p:nvSpPr>
-          <p:cNvPr id="64" name="오른쪽 화살표[R] 63">
-            <a:extLst>
-              <a:ext uri="{FF2B5EF4-FFF2-40B4-BE49-F238E27FC236}">
-                <a16:creationId xmlns:a16="http://schemas.microsoft.com/office/drawing/2014/main" id="{5D0B39D2-22A8-2996-281F-B01E22FECDA0}"/>
+      <p:cxnSp>
+        <p:nvCxnSpPr>
+          <p:cNvPr id="88" name="직선 화살표 연결선 87">
+            <a:extLst>
+              <a:ext uri="{FF2B5EF4-FFF2-40B4-BE49-F238E27FC236}">
+                <a16:creationId xmlns:a16="http://schemas.microsoft.com/office/drawing/2014/main" id="{04E94908-08C4-1D8B-E230-43340ECFC47A}"/>
+              </a:ext>
+            </a:extLst>
+          </p:cNvPr>
+          <p:cNvCxnSpPr>
+            <a:cxnSpLocks/>
+            <a:stCxn id="85" idx="2"/>
+            <a:endCxn id="139" idx="0"/>
+          </p:cNvCxnSpPr>
+          <p:nvPr/>
+        </p:nvCxnSpPr>
+        <p:spPr>
+          <a:xfrm flipH="1">
+            <a:off x="2877323" y="3209835"/>
+            <a:ext cx="4" cy="306577"/>
+          </a:xfrm>
+          <a:prstGeom prst="straightConnector1">
+            <a:avLst/>
+          </a:prstGeom>
+          <a:ln w="12700">
+            <a:solidFill>
+              <a:srgbClr val="C00000"/>
+            </a:solidFill>
+            <a:prstDash val="solid"/>
+            <a:tailEnd type="triangle"/>
+          </a:ln>
+        </p:spPr>
+        <p:style>
+          <a:lnRef idx="1">
+            <a:schemeClr val="accent1"/>
+          </a:lnRef>
+          <a:fillRef idx="0">
+            <a:schemeClr val="accent1"/>
+          </a:fillRef>
+          <a:effectRef idx="0">
+            <a:schemeClr val="accent1"/>
+          </a:effectRef>
+          <a:fontRef idx="minor">
+            <a:schemeClr val="tx1"/>
+          </a:fontRef>
+        </p:style>
+      </p:cxnSp>
+      <p:sp>
+        <p:nvSpPr>
+          <p:cNvPr id="89" name="모서리가 둥근 직사각형 88">
+            <a:extLst>
+              <a:ext uri="{FF2B5EF4-FFF2-40B4-BE49-F238E27FC236}">
+                <a16:creationId xmlns:a16="http://schemas.microsoft.com/office/drawing/2014/main" id="{47AAEF81-DDE7-29A4-BA4D-B6FFFDC502B7}"/>
               </a:ext>
             </a:extLst>
           </p:cNvPr>
@@ -49919,199 +50793,7 @@
         </p:nvSpPr>
         <p:spPr>
           <a:xfrm>
-            <a:off x="3653832" y="1238371"/>
-            <a:ext cx="385510" cy="181197"/>
-          </a:xfrm>
-          <a:prstGeom prst="rightArrow">
-            <a:avLst/>
-          </a:prstGeom>
-          <a:solidFill>
-            <a:schemeClr val="tx1"/>
-          </a:solidFill>
-          <a:ln>
-            <a:noFill/>
-          </a:ln>
-        </p:spPr>
-        <p:style>
-          <a:lnRef idx="2">
-            <a:schemeClr val="accent1">
-              <a:shade val="15000"/>
-            </a:schemeClr>
-          </a:lnRef>
-          <a:fillRef idx="1">
-            <a:schemeClr val="accent1"/>
-          </a:fillRef>
-          <a:effectRef idx="0">
-            <a:schemeClr val="accent1"/>
-          </a:effectRef>
-          <a:fontRef idx="minor">
-            <a:schemeClr val="lt1"/>
-          </a:fontRef>
-        </p:style>
-        <p:txBody>
-          <a:bodyPr rtlCol="0" anchor="ctr"/>
-          <a:lstStyle/>
-          <a:p>
-            <a:pPr algn="ctr"/>
-            <a:endParaRPr kumimoji="1" lang="ko-KR" altLang="en-US" sz="800"/>
-          </a:p>
-        </p:txBody>
-      </p:sp>
-      <p:sp>
-        <p:nvSpPr>
-          <p:cNvPr id="65" name="오른쪽 화살표[R] 64">
-            <a:extLst>
-              <a:ext uri="{FF2B5EF4-FFF2-40B4-BE49-F238E27FC236}">
-                <a16:creationId xmlns:a16="http://schemas.microsoft.com/office/drawing/2014/main" id="{229178CF-63AA-CA14-C14E-2C7824C480F8}"/>
-              </a:ext>
-            </a:extLst>
-          </p:cNvPr>
-          <p:cNvSpPr/>
-          <p:nvPr/>
-        </p:nvSpPr>
-        <p:spPr>
-          <a:xfrm>
-            <a:off x="3653832" y="3278094"/>
-            <a:ext cx="385510" cy="181197"/>
-          </a:xfrm>
-          <a:prstGeom prst="rightArrow">
-            <a:avLst/>
-          </a:prstGeom>
-          <a:solidFill>
-            <a:schemeClr val="tx1"/>
-          </a:solidFill>
-          <a:ln>
-            <a:noFill/>
-          </a:ln>
-        </p:spPr>
-        <p:style>
-          <a:lnRef idx="2">
-            <a:schemeClr val="accent1">
-              <a:shade val="15000"/>
-            </a:schemeClr>
-          </a:lnRef>
-          <a:fillRef idx="1">
-            <a:schemeClr val="accent1"/>
-          </a:fillRef>
-          <a:effectRef idx="0">
-            <a:schemeClr val="accent1"/>
-          </a:effectRef>
-          <a:fontRef idx="minor">
-            <a:schemeClr val="lt1"/>
-          </a:fontRef>
-        </p:style>
-        <p:txBody>
-          <a:bodyPr rtlCol="0" anchor="ctr"/>
-          <a:lstStyle/>
-          <a:p>
-            <a:pPr algn="ctr"/>
-            <a:endParaRPr kumimoji="1" lang="ko-KR" altLang="en-US" sz="800"/>
-          </a:p>
-        </p:txBody>
-      </p:sp>
-      <p:sp>
-        <p:nvSpPr>
-          <p:cNvPr id="11" name="TextBox 10">
-            <a:extLst>
-              <a:ext uri="{FF2B5EF4-FFF2-40B4-BE49-F238E27FC236}">
-                <a16:creationId xmlns:a16="http://schemas.microsoft.com/office/drawing/2014/main" id="{18DBF927-BC27-92D0-9A48-604CA0A087FD}"/>
-              </a:ext>
-            </a:extLst>
-          </p:cNvPr>
-          <p:cNvSpPr txBox="1"/>
-          <p:nvPr/>
-        </p:nvSpPr>
-        <p:spPr>
-          <a:xfrm>
-            <a:off x="3514720" y="1428144"/>
-            <a:ext cx="663108" cy="338554"/>
-          </a:xfrm>
-          <a:prstGeom prst="rect">
-            <a:avLst/>
-          </a:prstGeom>
-          <a:noFill/>
-        </p:spPr>
-        <p:txBody>
-          <a:bodyPr wrap="square" rtlCol="0">
-            <a:spAutoFit/>
-          </a:bodyPr>
-          <a:lstStyle/>
-          <a:p>
-            <a:pPr algn="ctr"/>
-            <a:r>
-              <a:rPr kumimoji="1" lang="en-US" altLang="ko-KR" sz="800" i="1"/>
-              <a:t>Update</a:t>
-            </a:r>
-          </a:p>
-          <a:p>
-            <a:pPr algn="ctr"/>
-            <a:r>
-              <a:rPr kumimoji="1" lang="en-US" altLang="ko-KR" sz="800" i="1"/>
-              <a:t>Image</a:t>
-            </a:r>
-            <a:endParaRPr kumimoji="1" lang="ko-KR" altLang="en-US" sz="800" i="1"/>
-          </a:p>
-        </p:txBody>
-      </p:sp>
-      <p:sp>
-        <p:nvSpPr>
-          <p:cNvPr id="19" name="TextBox 18">
-            <a:extLst>
-              <a:ext uri="{FF2B5EF4-FFF2-40B4-BE49-F238E27FC236}">
-                <a16:creationId xmlns:a16="http://schemas.microsoft.com/office/drawing/2014/main" id="{9E45B847-C5A0-037A-6267-9206FD8B3A48}"/>
-              </a:ext>
-            </a:extLst>
-          </p:cNvPr>
-          <p:cNvSpPr txBox="1"/>
-          <p:nvPr/>
-        </p:nvSpPr>
-        <p:spPr>
-          <a:xfrm>
-            <a:off x="3454687" y="3459291"/>
-            <a:ext cx="783174" cy="338554"/>
-          </a:xfrm>
-          <a:prstGeom prst="rect">
-            <a:avLst/>
-          </a:prstGeom>
-          <a:noFill/>
-        </p:spPr>
-        <p:txBody>
-          <a:bodyPr wrap="square" rtlCol="0">
-            <a:spAutoFit/>
-          </a:bodyPr>
-          <a:lstStyle/>
-          <a:p>
-            <a:pPr algn="ctr"/>
-            <a:r>
-              <a:rPr kumimoji="1" lang="en-US" altLang="ko-KR" sz="800" i="1"/>
-              <a:t>Successful</a:t>
-            </a:r>
-          </a:p>
-          <a:p>
-            <a:pPr algn="ctr"/>
-            <a:r>
-              <a:rPr kumimoji="1" lang="en-US" altLang="ko-KR" sz="800" i="1"/>
-              <a:t>Promotion</a:t>
-            </a:r>
-            <a:endParaRPr kumimoji="1" lang="ko-KR" altLang="en-US" sz="800" i="1"/>
-          </a:p>
-        </p:txBody>
-      </p:sp>
-      <p:sp>
-        <p:nvSpPr>
-          <p:cNvPr id="17" name="모서리가 둥근 직사각형 16">
-            <a:extLst>
-              <a:ext uri="{FF2B5EF4-FFF2-40B4-BE49-F238E27FC236}">
-                <a16:creationId xmlns:a16="http://schemas.microsoft.com/office/drawing/2014/main" id="{957933DF-D3D8-2BBD-8D5D-4C0F3E2051C9}"/>
-              </a:ext>
-            </a:extLst>
-          </p:cNvPr>
-          <p:cNvSpPr/>
-          <p:nvPr/>
-        </p:nvSpPr>
-        <p:spPr>
-          <a:xfrm>
-            <a:off x="2057759" y="685158"/>
+            <a:off x="6361537" y="2719312"/>
             <a:ext cx="775406" cy="490523"/>
           </a:xfrm>
           <a:prstGeom prst="roundRect">
@@ -50151,16 +50833,74 @@
               <a:rPr lang="en-US" altLang="ko-KR" sz="800" b="1"/>
               <a:t>Service</a:t>
             </a:r>
-            <a:endParaRPr lang="en-US" altLang="ko-KR" sz="800"/>
-          </a:p>
-        </p:txBody>
-      </p:sp>
-      <p:sp>
-        <p:nvSpPr>
-          <p:cNvPr id="24" name="모서리가 둥근 직사각형 23">
-            <a:extLst>
-              <a:ext uri="{FF2B5EF4-FFF2-40B4-BE49-F238E27FC236}">
-                <a16:creationId xmlns:a16="http://schemas.microsoft.com/office/drawing/2014/main" id="{FFE570E0-56D5-0A26-70A0-C9516875F09C}"/>
+          </a:p>
+          <a:p>
+            <a:pPr algn="ctr"/>
+            <a:r>
+              <a:rPr lang="en-US" altLang="ko-KR" sz="800" b="1">
+                <a:solidFill>
+                  <a:srgbClr val="C00000"/>
+                </a:solidFill>
+              </a:rPr>
+              <a:t>4 : 1</a:t>
+            </a:r>
+          </a:p>
+        </p:txBody>
+      </p:sp>
+      <p:cxnSp>
+        <p:nvCxnSpPr>
+          <p:cNvPr id="90" name="꺾인 연결선[E] 89">
+            <a:extLst>
+              <a:ext uri="{FF2B5EF4-FFF2-40B4-BE49-F238E27FC236}">
+                <a16:creationId xmlns:a16="http://schemas.microsoft.com/office/drawing/2014/main" id="{4F35CB54-6C97-4CAB-2A32-973BAB040B6E}"/>
+              </a:ext>
+            </a:extLst>
+          </p:cNvPr>
+          <p:cNvCxnSpPr>
+            <a:cxnSpLocks/>
+            <a:stCxn id="89" idx="0"/>
+            <a:endCxn id="84" idx="0"/>
+          </p:cNvCxnSpPr>
+          <p:nvPr/>
+        </p:nvCxnSpPr>
+        <p:spPr>
+          <a:xfrm rot="16200000" flipV="1">
+            <a:off x="4330622" y="300693"/>
+            <a:ext cx="12700" cy="4837237"/>
+          </a:xfrm>
+          <a:prstGeom prst="bentConnector3">
+            <a:avLst>
+              <a:gd name="adj1" fmla="val 1800000"/>
+            </a:avLst>
+          </a:prstGeom>
+          <a:ln w="12700">
+            <a:solidFill>
+              <a:schemeClr val="tx1"/>
+            </a:solidFill>
+            <a:tailEnd type="triangle"/>
+          </a:ln>
+        </p:spPr>
+        <p:style>
+          <a:lnRef idx="1">
+            <a:schemeClr val="accent1"/>
+          </a:lnRef>
+          <a:fillRef idx="0">
+            <a:schemeClr val="accent1"/>
+          </a:fillRef>
+          <a:effectRef idx="0">
+            <a:schemeClr val="accent1"/>
+          </a:effectRef>
+          <a:fontRef idx="minor">
+            <a:schemeClr val="tx1"/>
+          </a:fontRef>
+        </p:style>
+      </p:cxnSp>
+      <p:sp>
+        <p:nvSpPr>
+          <p:cNvPr id="92" name="모서리가 둥근 직사각형 91">
+            <a:extLst>
+              <a:ext uri="{FF2B5EF4-FFF2-40B4-BE49-F238E27FC236}">
+                <a16:creationId xmlns:a16="http://schemas.microsoft.com/office/drawing/2014/main" id="{250694E6-D668-7041-DB2F-EFE13B664EED}"/>
               </a:ext>
             </a:extLst>
           </p:cNvPr>
@@ -50169,7 +50909,7 @@
         </p:nvSpPr>
         <p:spPr>
           <a:xfrm>
-            <a:off x="7901995" y="685158"/>
+            <a:off x="4428771" y="2719312"/>
             <a:ext cx="775406" cy="490523"/>
           </a:xfrm>
           <a:prstGeom prst="roundRect">
@@ -50200,31 +50940,25 @@
             <a:pPr algn="ctr"/>
             <a:r>
               <a:rPr lang="en-US" altLang="ko-KR" sz="800" b="1"/>
-              <a:t>Virtual</a:t>
-            </a:r>
-          </a:p>
-          <a:p>
-            <a:pPr algn="ctr"/>
-            <a:r>
-              <a:rPr lang="en-US" altLang="ko-KR" sz="800" b="1"/>
               <a:t>Service</a:t>
             </a:r>
+            <a:endParaRPr lang="en-US" altLang="ko-KR" sz="800"/>
           </a:p>
           <a:p>
             <a:pPr algn="ctr"/>
             <a:r>
               <a:rPr lang="en-US" altLang="ko-KR" sz="800"/>
-              <a:t>3 : 1 : 1</a:t>
-            </a:r>
-          </a:p>
-        </p:txBody>
-      </p:sp>
-      <p:sp>
-        <p:nvSpPr>
-          <p:cNvPr id="32" name="모서리가 둥근 직사각형 31">
-            <a:extLst>
-              <a:ext uri="{FF2B5EF4-FFF2-40B4-BE49-F238E27FC236}">
-                <a16:creationId xmlns:a16="http://schemas.microsoft.com/office/drawing/2014/main" id="{655085F0-C251-AEC5-641F-895A57F43C1D}"/>
+              <a:t>ExperimentStable</a:t>
+            </a:r>
+          </a:p>
+        </p:txBody>
+      </p:sp>
+      <p:sp>
+        <p:nvSpPr>
+          <p:cNvPr id="93" name="모서리가 둥근 직사각형 92">
+            <a:extLst>
+              <a:ext uri="{FF2B5EF4-FFF2-40B4-BE49-F238E27FC236}">
+                <a16:creationId xmlns:a16="http://schemas.microsoft.com/office/drawing/2014/main" id="{2A1AF746-86B9-72C0-A369-EC7894FA317F}"/>
               </a:ext>
             </a:extLst>
           </p:cNvPr>
@@ -50233,7 +50967,7 @@
         </p:nvSpPr>
         <p:spPr>
           <a:xfrm>
-            <a:off x="113904" y="3512256"/>
+            <a:off x="4428775" y="3516412"/>
             <a:ext cx="775398" cy="613154"/>
           </a:xfrm>
           <a:prstGeom prst="roundRect">
@@ -50272,14 +51006,29 @@
             <a:pPr algn="ctr"/>
             <a:r>
               <a:rPr lang="en-US" altLang="ko-KR" sz="800"/>
-              <a:t>Revision : 1</a:t>
+              <a:t>Ex Stable</a:t>
             </a:r>
           </a:p>
           <a:p>
             <a:pPr algn="ctr"/>
             <a:r>
               <a:rPr lang="en-US" altLang="ko-KR" sz="800"/>
-              <a:t>Replica : 5</a:t>
+              <a:t>Revision : 2 </a:t>
+            </a:r>
+          </a:p>
+          <a:p>
+            <a:pPr algn="ctr"/>
+            <a:r>
+              <a:rPr lang="en-US" altLang="ko-KR" sz="800"/>
+              <a:t>Replica : </a:t>
+            </a:r>
+            <a:r>
+              <a:rPr lang="en-US" altLang="ko-KR" sz="800" b="1">
+                <a:solidFill>
+                  <a:srgbClr val="C00000"/>
+                </a:solidFill>
+              </a:rPr>
+              <a:t>0</a:t>
             </a:r>
           </a:p>
           <a:p>
@@ -50293,10 +51042,10 @@
       </p:sp>
       <p:sp>
         <p:nvSpPr>
-          <p:cNvPr id="33" name="모서리가 둥근 직사각형 32">
-            <a:extLst>
-              <a:ext uri="{FF2B5EF4-FFF2-40B4-BE49-F238E27FC236}">
-                <a16:creationId xmlns:a16="http://schemas.microsoft.com/office/drawing/2014/main" id="{6D0CBD27-D9CA-7D9A-2861-C85BE3D53539}"/>
+          <p:cNvPr id="94" name="모서리가 둥근 직사각형 93">
+            <a:extLst>
+              <a:ext uri="{FF2B5EF4-FFF2-40B4-BE49-F238E27FC236}">
+                <a16:creationId xmlns:a16="http://schemas.microsoft.com/office/drawing/2014/main" id="{52B4253D-8554-7D22-FE81-BD4B7D1D35C4}"/>
               </a:ext>
             </a:extLst>
           </p:cNvPr>
@@ -50305,7 +51054,7 @@
         </p:nvSpPr>
         <p:spPr>
           <a:xfrm>
-            <a:off x="113121" y="2715156"/>
+            <a:off x="5394100" y="2719312"/>
             <a:ext cx="775406" cy="490523"/>
           </a:xfrm>
           <a:prstGeom prst="roundRect">
@@ -50338,26 +51087,23 @@
               <a:rPr lang="en-US" altLang="ko-KR" sz="800" b="1"/>
               <a:t>Service</a:t>
             </a:r>
-          </a:p>
-          <a:p>
-            <a:pPr algn="ctr"/>
             <a:endParaRPr lang="en-US" altLang="ko-KR" sz="800"/>
           </a:p>
           <a:p>
             <a:pPr algn="ctr"/>
             <a:r>
               <a:rPr lang="en-US" altLang="ko-KR" sz="800"/>
-              <a:t>stable</a:t>
-            </a:r>
-          </a:p>
-        </p:txBody>
-      </p:sp>
-      <p:sp>
-        <p:nvSpPr>
-          <p:cNvPr id="34" name="모서리가 둥근 직사각형 33">
-            <a:extLst>
-              <a:ext uri="{FF2B5EF4-FFF2-40B4-BE49-F238E27FC236}">
-                <a16:creationId xmlns:a16="http://schemas.microsoft.com/office/drawing/2014/main" id="{6856EF05-B512-021E-F09F-3C477CC2F0DA}"/>
+              <a:t>ExperimentCanary</a:t>
+            </a:r>
+          </a:p>
+        </p:txBody>
+      </p:sp>
+      <p:sp>
+        <p:nvSpPr>
+          <p:cNvPr id="95" name="모서리가 둥근 직사각형 94">
+            <a:extLst>
+              <a:ext uri="{FF2B5EF4-FFF2-40B4-BE49-F238E27FC236}">
+                <a16:creationId xmlns:a16="http://schemas.microsoft.com/office/drawing/2014/main" id="{04673E64-66BF-A6A5-E78B-BC7E515AAFA7}"/>
               </a:ext>
             </a:extLst>
           </p:cNvPr>
@@ -50366,8 +51112,8 @@
         </p:nvSpPr>
         <p:spPr>
           <a:xfrm>
-            <a:off x="1078454" y="2715156"/>
-            <a:ext cx="775406" cy="490523"/>
+            <a:off x="5394104" y="3516412"/>
+            <a:ext cx="775398" cy="613154"/>
           </a:xfrm>
           <a:prstGeom prst="roundRect">
             <a:avLst>
@@ -50397,42 +51143,68 @@
             <a:pPr algn="ctr"/>
             <a:r>
               <a:rPr lang="en-US" altLang="ko-KR" sz="800" b="1"/>
-              <a:t>Service</a:t>
-            </a:r>
-          </a:p>
-          <a:p>
-            <a:pPr algn="ctr"/>
+              <a:t>ReplicaSet</a:t>
+            </a:r>
             <a:endParaRPr lang="en-US" altLang="ko-KR" sz="800"/>
           </a:p>
           <a:p>
             <a:pPr algn="ctr"/>
             <a:r>
               <a:rPr lang="en-US" altLang="ko-KR" sz="800"/>
-              <a:t>canary</a:t>
+              <a:t>Ex Canary</a:t>
+            </a:r>
+          </a:p>
+          <a:p>
+            <a:pPr algn="ctr"/>
+            <a:r>
+              <a:rPr lang="en-US" altLang="ko-KR" sz="800"/>
+              <a:t>Revision : 2</a:t>
+            </a:r>
+          </a:p>
+          <a:p>
+            <a:pPr algn="ctr"/>
+            <a:r>
+              <a:rPr lang="en-US" altLang="ko-KR" sz="800"/>
+              <a:t>Replica : </a:t>
+            </a:r>
+            <a:r>
+              <a:rPr lang="en-US" altLang="ko-KR" sz="800" b="1">
+                <a:solidFill>
+                  <a:srgbClr val="C00000"/>
+                </a:solidFill>
+              </a:rPr>
+              <a:t>0</a:t>
+            </a:r>
+          </a:p>
+          <a:p>
+            <a:pPr algn="ctr"/>
+            <a:r>
+              <a:rPr lang="en-US" altLang="ko-KR" sz="800"/>
+              <a:t>Image : 2.0</a:t>
             </a:r>
           </a:p>
         </p:txBody>
       </p:sp>
       <p:cxnSp>
         <p:nvCxnSpPr>
-          <p:cNvPr id="35" name="직선 화살표 연결선 34">
-            <a:extLst>
-              <a:ext uri="{FF2B5EF4-FFF2-40B4-BE49-F238E27FC236}">
-                <a16:creationId xmlns:a16="http://schemas.microsoft.com/office/drawing/2014/main" id="{AA1A1229-CEDC-18C0-73BD-1C16FC4352A6}"/>
+          <p:cNvPr id="96" name="직선 화살표 연결선 95">
+            <a:extLst>
+              <a:ext uri="{FF2B5EF4-FFF2-40B4-BE49-F238E27FC236}">
+                <a16:creationId xmlns:a16="http://schemas.microsoft.com/office/drawing/2014/main" id="{B24DA404-875B-4F3C-DDA6-D70F99D676A0}"/>
               </a:ext>
             </a:extLst>
           </p:cNvPr>
           <p:cNvCxnSpPr>
             <a:cxnSpLocks/>
-            <a:stCxn id="33" idx="2"/>
-            <a:endCxn id="32" idx="0"/>
+            <a:stCxn id="92" idx="2"/>
+            <a:endCxn id="93" idx="0"/>
           </p:cNvCxnSpPr>
           <p:nvPr/>
         </p:nvCxnSpPr>
         <p:spPr>
           <a:xfrm>
-            <a:off x="500824" y="3205679"/>
-            <a:ext cx="779" cy="306577"/>
+            <a:off x="4816474" y="3209835"/>
+            <a:ext cx="0" cy="306577"/>
           </a:xfrm>
           <a:prstGeom prst="straightConnector1">
             <a:avLst/>
@@ -50460,405 +51232,26 @@
           </a:fontRef>
         </p:style>
       </p:cxnSp>
-      <p:sp>
-        <p:nvSpPr>
-          <p:cNvPr id="39" name="모서리가 둥근 직사각형 38">
-            <a:extLst>
-              <a:ext uri="{FF2B5EF4-FFF2-40B4-BE49-F238E27FC236}">
-                <a16:creationId xmlns:a16="http://schemas.microsoft.com/office/drawing/2014/main" id="{A5105D88-E096-4CCC-55FC-6A182346A13B}"/>
-              </a:ext>
-            </a:extLst>
-          </p:cNvPr>
-          <p:cNvSpPr/>
-          <p:nvPr/>
-        </p:nvSpPr>
-        <p:spPr>
-          <a:xfrm>
-            <a:off x="2052414" y="2715156"/>
-            <a:ext cx="775406" cy="490523"/>
-          </a:xfrm>
-          <a:prstGeom prst="roundRect">
-            <a:avLst>
-              <a:gd name="adj" fmla="val 14952"/>
-            </a:avLst>
-          </a:prstGeom>
-          <a:ln w="12700"/>
-        </p:spPr>
-        <p:style>
-          <a:lnRef idx="2">
-            <a:schemeClr val="dk1"/>
-          </a:lnRef>
-          <a:fillRef idx="1">
-            <a:schemeClr val="lt1"/>
-          </a:fillRef>
-          <a:effectRef idx="0">
-            <a:schemeClr val="dk1"/>
-          </a:effectRef>
-          <a:fontRef idx="minor">
-            <a:schemeClr val="dk1"/>
-          </a:fontRef>
-        </p:style>
-        <p:txBody>
-          <a:bodyPr rtlCol="0" anchor="ctr"/>
-          <a:lstStyle/>
-          <a:p>
-            <a:pPr algn="ctr"/>
-            <a:r>
-              <a:rPr lang="en-US" altLang="ko-KR" sz="800" b="1"/>
-              <a:t>Virtual</a:t>
-            </a:r>
-          </a:p>
-          <a:p>
-            <a:pPr algn="ctr"/>
-            <a:r>
-              <a:rPr lang="en-US" altLang="ko-KR" sz="800" b="1"/>
-              <a:t>Service</a:t>
-            </a:r>
-            <a:endParaRPr lang="en-US" altLang="ko-KR" sz="800"/>
-          </a:p>
-        </p:txBody>
-      </p:sp>
-      <p:sp>
-        <p:nvSpPr>
-          <p:cNvPr id="69" name="모서리가 둥근 직사각형 68">
-            <a:extLst>
-              <a:ext uri="{FF2B5EF4-FFF2-40B4-BE49-F238E27FC236}">
-                <a16:creationId xmlns:a16="http://schemas.microsoft.com/office/drawing/2014/main" id="{04DCF4BF-C940-229E-1185-4188106ED449}"/>
-              </a:ext>
-            </a:extLst>
-          </p:cNvPr>
-          <p:cNvSpPr/>
-          <p:nvPr/>
-        </p:nvSpPr>
-        <p:spPr>
-          <a:xfrm>
-            <a:off x="5978631" y="2715155"/>
-            <a:ext cx="775406" cy="490524"/>
-          </a:xfrm>
-          <a:prstGeom prst="roundRect">
-            <a:avLst>
-              <a:gd name="adj" fmla="val 14952"/>
-            </a:avLst>
-          </a:prstGeom>
-          <a:ln w="12700"/>
-        </p:spPr>
-        <p:style>
-          <a:lnRef idx="2">
-            <a:schemeClr val="dk1"/>
-          </a:lnRef>
-          <a:fillRef idx="1">
-            <a:schemeClr val="lt1"/>
-          </a:fillRef>
-          <a:effectRef idx="0">
-            <a:schemeClr val="dk1"/>
-          </a:effectRef>
-          <a:fontRef idx="minor">
-            <a:schemeClr val="dk1"/>
-          </a:fontRef>
-        </p:style>
-        <p:txBody>
-          <a:bodyPr rtlCol="0" anchor="ctr"/>
-          <a:lstStyle/>
-          <a:p>
-            <a:pPr algn="ctr"/>
-            <a:r>
-              <a:rPr lang="en-US" altLang="ko-KR" sz="800" b="1"/>
-              <a:t>Virtual</a:t>
-            </a:r>
-          </a:p>
-          <a:p>
-            <a:pPr algn="ctr"/>
-            <a:r>
-              <a:rPr lang="en-US" altLang="ko-KR" sz="800" b="1"/>
-              <a:t>Service</a:t>
-            </a:r>
-            <a:endParaRPr lang="en-US" altLang="ko-KR" sz="800"/>
-          </a:p>
-        </p:txBody>
-      </p:sp>
       <p:cxnSp>
         <p:nvCxnSpPr>
-          <p:cNvPr id="44" name="꺾인 연결선[E] 43">
-            <a:extLst>
-              <a:ext uri="{FF2B5EF4-FFF2-40B4-BE49-F238E27FC236}">
-                <a16:creationId xmlns:a16="http://schemas.microsoft.com/office/drawing/2014/main" id="{BA254445-287B-22C2-1A58-B23FBD01A6A3}"/>
-              </a:ext>
-            </a:extLst>
-          </p:cNvPr>
-          <p:cNvCxnSpPr>
-            <a:stCxn id="17" idx="0"/>
-            <a:endCxn id="3" idx="0"/>
-          </p:cNvCxnSpPr>
-          <p:nvPr/>
-        </p:nvCxnSpPr>
-        <p:spPr>
-          <a:xfrm rot="16200000" flipV="1">
-            <a:off x="1473883" y="-286421"/>
-            <a:ext cx="12700" cy="1943158"/>
-          </a:xfrm>
-          <a:prstGeom prst="bentConnector3">
-            <a:avLst>
-              <a:gd name="adj1" fmla="val 1800000"/>
-            </a:avLst>
-          </a:prstGeom>
-          <a:ln w="12700">
-            <a:solidFill>
-              <a:schemeClr val="tx1"/>
-            </a:solidFill>
-            <a:tailEnd type="triangle"/>
-          </a:ln>
-        </p:spPr>
-        <p:style>
-          <a:lnRef idx="1">
-            <a:schemeClr val="accent1"/>
-          </a:lnRef>
-          <a:fillRef idx="0">
-            <a:schemeClr val="accent1"/>
-          </a:fillRef>
-          <a:effectRef idx="0">
-            <a:schemeClr val="accent1"/>
-          </a:effectRef>
-          <a:fontRef idx="minor">
-            <a:schemeClr val="tx1"/>
-          </a:fontRef>
-        </p:style>
-      </p:cxnSp>
-      <p:cxnSp>
-        <p:nvCxnSpPr>
-          <p:cNvPr id="45" name="꺾인 연결선[E] 44">
-            <a:extLst>
-              <a:ext uri="{FF2B5EF4-FFF2-40B4-BE49-F238E27FC236}">
-                <a16:creationId xmlns:a16="http://schemas.microsoft.com/office/drawing/2014/main" id="{BDC6FE46-211B-05AC-023C-BCBDA8B583ED}"/>
+          <p:cNvPr id="97" name="직선 화살표 연결선 96">
+            <a:extLst>
+              <a:ext uri="{FF2B5EF4-FFF2-40B4-BE49-F238E27FC236}">
+                <a16:creationId xmlns:a16="http://schemas.microsoft.com/office/drawing/2014/main" id="{987C706F-DE7B-5A49-5A2F-C742195ECCC8}"/>
               </a:ext>
             </a:extLst>
           </p:cNvPr>
           <p:cNvCxnSpPr>
             <a:cxnSpLocks/>
-            <a:stCxn id="24" idx="0"/>
-            <a:endCxn id="13" idx="0"/>
+            <a:stCxn id="94" idx="2"/>
+            <a:endCxn id="95" idx="0"/>
           </p:cNvCxnSpPr>
           <p:nvPr/>
         </p:nvCxnSpPr>
         <p:spPr>
-          <a:xfrm rot="16200000" flipV="1">
-            <a:off x="6358372" y="-1246169"/>
-            <a:ext cx="12700" cy="3862653"/>
-          </a:xfrm>
-          <a:prstGeom prst="bentConnector3">
-            <a:avLst>
-              <a:gd name="adj1" fmla="val 1800000"/>
-            </a:avLst>
-          </a:prstGeom>
-          <a:ln w="12700">
-            <a:solidFill>
-              <a:schemeClr val="tx1"/>
-            </a:solidFill>
-            <a:tailEnd type="triangle"/>
-          </a:ln>
-        </p:spPr>
-        <p:style>
-          <a:lnRef idx="1">
-            <a:schemeClr val="accent1"/>
-          </a:lnRef>
-          <a:fillRef idx="0">
-            <a:schemeClr val="accent1"/>
-          </a:fillRef>
-          <a:effectRef idx="0">
-            <a:schemeClr val="accent1"/>
-          </a:effectRef>
-          <a:fontRef idx="minor">
-            <a:schemeClr val="tx1"/>
-          </a:fontRef>
-        </p:style>
-      </p:cxnSp>
-      <p:cxnSp>
-        <p:nvCxnSpPr>
-          <p:cNvPr id="50" name="꺾인 연결선[E] 49">
-            <a:extLst>
-              <a:ext uri="{FF2B5EF4-FFF2-40B4-BE49-F238E27FC236}">
-                <a16:creationId xmlns:a16="http://schemas.microsoft.com/office/drawing/2014/main" id="{6DD7AD3F-4035-81B9-0E34-90249691962F}"/>
-              </a:ext>
-            </a:extLst>
-          </p:cNvPr>
-          <p:cNvCxnSpPr>
-            <a:cxnSpLocks/>
-            <a:stCxn id="24" idx="0"/>
-            <a:endCxn id="22" idx="0"/>
-          </p:cNvCxnSpPr>
-          <p:nvPr/>
-        </p:nvCxnSpPr>
-        <p:spPr>
-          <a:xfrm rot="16200000" flipV="1">
-            <a:off x="7323315" y="-281225"/>
-            <a:ext cx="12700" cy="1932766"/>
-          </a:xfrm>
-          <a:prstGeom prst="bentConnector3">
-            <a:avLst>
-              <a:gd name="adj1" fmla="val 1800000"/>
-            </a:avLst>
-          </a:prstGeom>
-          <a:ln w="12700">
-            <a:solidFill>
-              <a:schemeClr val="tx1"/>
-            </a:solidFill>
-            <a:tailEnd type="triangle"/>
-          </a:ln>
-        </p:spPr>
-        <p:style>
-          <a:lnRef idx="1">
-            <a:schemeClr val="accent1"/>
-          </a:lnRef>
-          <a:fillRef idx="0">
-            <a:schemeClr val="accent1"/>
-          </a:fillRef>
-          <a:effectRef idx="0">
-            <a:schemeClr val="accent1"/>
-          </a:effectRef>
-          <a:fontRef idx="minor">
-            <a:schemeClr val="tx1"/>
-          </a:fontRef>
-        </p:style>
-      </p:cxnSp>
-      <p:cxnSp>
-        <p:nvCxnSpPr>
-          <p:cNvPr id="74" name="꺾인 연결선[E] 73">
-            <a:extLst>
-              <a:ext uri="{FF2B5EF4-FFF2-40B4-BE49-F238E27FC236}">
-                <a16:creationId xmlns:a16="http://schemas.microsoft.com/office/drawing/2014/main" id="{732A917B-B641-E686-CF48-8BA4C4ADCAD2}"/>
-              </a:ext>
-            </a:extLst>
-          </p:cNvPr>
-          <p:cNvCxnSpPr>
-            <a:cxnSpLocks/>
-            <a:stCxn id="39" idx="0"/>
-            <a:endCxn id="33" idx="0"/>
-          </p:cNvCxnSpPr>
-          <p:nvPr/>
-        </p:nvCxnSpPr>
-        <p:spPr>
-          <a:xfrm rot="16200000" flipV="1">
-            <a:off x="1470471" y="1745509"/>
-            <a:ext cx="12700" cy="1939293"/>
-          </a:xfrm>
-          <a:prstGeom prst="bentConnector3">
-            <a:avLst>
-              <a:gd name="adj1" fmla="val 1800000"/>
-            </a:avLst>
-          </a:prstGeom>
-          <a:ln w="12700">
-            <a:solidFill>
-              <a:schemeClr val="tx1"/>
-            </a:solidFill>
-            <a:tailEnd type="triangle"/>
-          </a:ln>
-        </p:spPr>
-        <p:style>
-          <a:lnRef idx="1">
-            <a:schemeClr val="accent1"/>
-          </a:lnRef>
-          <a:fillRef idx="0">
-            <a:schemeClr val="accent1"/>
-          </a:fillRef>
-          <a:effectRef idx="0">
-            <a:schemeClr val="accent1"/>
-          </a:effectRef>
-          <a:fontRef idx="minor">
-            <a:schemeClr val="tx1"/>
-          </a:fontRef>
-        </p:style>
-      </p:cxnSp>
-      <p:sp>
-        <p:nvSpPr>
-          <p:cNvPr id="77" name="모서리가 둥근 직사각형 76">
-            <a:extLst>
-              <a:ext uri="{FF2B5EF4-FFF2-40B4-BE49-F238E27FC236}">
-                <a16:creationId xmlns:a16="http://schemas.microsoft.com/office/drawing/2014/main" id="{F7427AC9-F16B-2499-8141-802604DF2C75}"/>
-              </a:ext>
-            </a:extLst>
-          </p:cNvPr>
-          <p:cNvSpPr/>
-          <p:nvPr/>
-        </p:nvSpPr>
-        <p:spPr>
-          <a:xfrm>
-            <a:off x="1078462" y="3512256"/>
-            <a:ext cx="775398" cy="613154"/>
-          </a:xfrm>
-          <a:prstGeom prst="roundRect">
-            <a:avLst>
-              <a:gd name="adj" fmla="val 14952"/>
-            </a:avLst>
-          </a:prstGeom>
-          <a:ln w="12700"/>
-        </p:spPr>
-        <p:style>
-          <a:lnRef idx="2">
-            <a:schemeClr val="dk1"/>
-          </a:lnRef>
-          <a:fillRef idx="1">
-            <a:schemeClr val="lt1"/>
-          </a:fillRef>
-          <a:effectRef idx="0">
-            <a:schemeClr val="dk1"/>
-          </a:effectRef>
-          <a:fontRef idx="minor">
-            <a:schemeClr val="dk1"/>
-          </a:fontRef>
-        </p:style>
-        <p:txBody>
-          <a:bodyPr rtlCol="0" anchor="ctr"/>
-          <a:lstStyle/>
-          <a:p>
-            <a:pPr algn="ctr"/>
-            <a:r>
-              <a:rPr lang="en-US" altLang="ko-KR" sz="800" b="1"/>
-              <a:t>ReplicaSet</a:t>
-            </a:r>
-            <a:endParaRPr lang="en-US" altLang="ko-KR" sz="800"/>
-          </a:p>
-          <a:p>
-            <a:pPr algn="ctr"/>
-            <a:r>
-              <a:rPr lang="en-US" altLang="ko-KR" sz="800"/>
-              <a:t>Revision : 3</a:t>
-            </a:r>
-          </a:p>
-          <a:p>
-            <a:pPr algn="ctr"/>
-            <a:r>
-              <a:rPr lang="en-US" altLang="ko-KR" sz="800"/>
-              <a:t>Replica : 0</a:t>
-            </a:r>
-          </a:p>
-          <a:p>
-            <a:pPr algn="ctr"/>
-            <a:r>
-              <a:rPr lang="en-US" altLang="ko-KR" sz="800"/>
-              <a:t>Image : 2.0</a:t>
-            </a:r>
-          </a:p>
-        </p:txBody>
-      </p:sp>
-      <p:cxnSp>
-        <p:nvCxnSpPr>
-          <p:cNvPr id="82" name="직선 화살표 연결선 81">
-            <a:extLst>
-              <a:ext uri="{FF2B5EF4-FFF2-40B4-BE49-F238E27FC236}">
-                <a16:creationId xmlns:a16="http://schemas.microsoft.com/office/drawing/2014/main" id="{2337E479-4C29-AD1B-7604-D6F3867F700B}"/>
-              </a:ext>
-            </a:extLst>
-          </p:cNvPr>
-          <p:cNvCxnSpPr>
-            <a:cxnSpLocks/>
-            <a:stCxn id="34" idx="2"/>
-            <a:endCxn id="77" idx="0"/>
-          </p:cNvCxnSpPr>
-          <p:nvPr/>
-        </p:nvCxnSpPr>
-        <p:spPr>
-          <a:xfrm>
-            <a:off x="1466157" y="3205679"/>
-            <a:ext cx="4" cy="306577"/>
+          <a:xfrm>
+            <a:off x="5781803" y="3209835"/>
+            <a:ext cx="0" cy="306577"/>
           </a:xfrm>
           <a:prstGeom prst="straightConnector1">
             <a:avLst/>
@@ -50886,12 +51279,60 @@
           </a:fontRef>
         </p:style>
       </p:cxnSp>
-      <p:sp>
-        <p:nvSpPr>
-          <p:cNvPr id="86" name="모서리가 둥근 직사각형 85">
-            <a:extLst>
-              <a:ext uri="{FF2B5EF4-FFF2-40B4-BE49-F238E27FC236}">
-                <a16:creationId xmlns:a16="http://schemas.microsoft.com/office/drawing/2014/main" id="{BC634DA2-595B-7A72-F6AB-CE9DF94367EA}"/>
+      <p:cxnSp>
+        <p:nvCxnSpPr>
+          <p:cNvPr id="98" name="꺾인 연결선[E] 97">
+            <a:extLst>
+              <a:ext uri="{FF2B5EF4-FFF2-40B4-BE49-F238E27FC236}">
+                <a16:creationId xmlns:a16="http://schemas.microsoft.com/office/drawing/2014/main" id="{5ED19D85-1AF9-5767-85B8-1F0E0735B6A0}"/>
+              </a:ext>
+            </a:extLst>
+          </p:cNvPr>
+          <p:cNvCxnSpPr>
+            <a:cxnSpLocks/>
+            <a:stCxn id="89" idx="0"/>
+            <a:endCxn id="85" idx="0"/>
+          </p:cNvCxnSpPr>
+          <p:nvPr/>
+        </p:nvCxnSpPr>
+        <p:spPr>
+          <a:xfrm rot="16200000" flipV="1">
+            <a:off x="4813284" y="783355"/>
+            <a:ext cx="12700" cy="3871913"/>
+          </a:xfrm>
+          <a:prstGeom prst="bentConnector3">
+            <a:avLst>
+              <a:gd name="adj1" fmla="val 1800000"/>
+            </a:avLst>
+          </a:prstGeom>
+          <a:ln w="12700">
+            <a:solidFill>
+              <a:schemeClr val="tx1"/>
+            </a:solidFill>
+            <a:tailEnd type="triangle"/>
+          </a:ln>
+        </p:spPr>
+        <p:style>
+          <a:lnRef idx="1">
+            <a:schemeClr val="accent1"/>
+          </a:lnRef>
+          <a:fillRef idx="0">
+            <a:schemeClr val="accent1"/>
+          </a:fillRef>
+          <a:effectRef idx="0">
+            <a:schemeClr val="accent1"/>
+          </a:effectRef>
+          <a:fontRef idx="minor">
+            <a:schemeClr val="tx1"/>
+          </a:fontRef>
+        </p:style>
+      </p:cxnSp>
+      <p:sp>
+        <p:nvSpPr>
+          <p:cNvPr id="101" name="모서리가 둥근 직사각형 100">
+            <a:extLst>
+              <a:ext uri="{FF2B5EF4-FFF2-40B4-BE49-F238E27FC236}">
+                <a16:creationId xmlns:a16="http://schemas.microsoft.com/office/drawing/2014/main" id="{62CF3309-64A8-8AF8-590D-ECDD9E968DA6}"/>
               </a:ext>
             </a:extLst>
           </p:cNvPr>
@@ -50900,8 +51341,8 @@
         </p:nvSpPr>
         <p:spPr>
           <a:xfrm>
-            <a:off x="5004679" y="3512256"/>
-            <a:ext cx="775398" cy="613154"/>
+            <a:off x="5003727" y="1483944"/>
+            <a:ext cx="775406" cy="611465"/>
           </a:xfrm>
           <a:prstGeom prst="roundRect">
             <a:avLst>
@@ -50930,54 +51371,555 @@
           <a:p>
             <a:pPr algn="ctr"/>
             <a:r>
-              <a:rPr lang="en-US" altLang="ko-KR" sz="800" b="1"/>
-              <a:t>ReplicaSet</a:t>
-            </a:r>
-            <a:endParaRPr lang="en-US" altLang="ko-KR" sz="800"/>
+              <a:rPr lang="en-US" altLang="ko-KR" sz="800" b="1">
+                <a:solidFill>
+                  <a:srgbClr val="C00000"/>
+                </a:solidFill>
+              </a:rPr>
+              <a:t>Analysis</a:t>
+            </a:r>
+          </a:p>
+          <a:p>
+            <a:pPr algn="ctr"/>
+            <a:r>
+              <a:rPr lang="en-US" altLang="ko-KR" sz="800" b="1">
+                <a:solidFill>
+                  <a:srgbClr val="C00000"/>
+                </a:solidFill>
+              </a:rPr>
+              <a:t>Run</a:t>
+            </a:r>
           </a:p>
           <a:p>
             <a:pPr algn="ctr"/>
             <a:r>
               <a:rPr lang="en-US" altLang="ko-KR" sz="800"/>
-              <a:t>Revision : 3</a:t>
+              <a:t>Ex Stable</a:t>
             </a:r>
           </a:p>
           <a:p>
             <a:pPr algn="ctr"/>
             <a:r>
               <a:rPr lang="en-US" altLang="ko-KR" sz="800"/>
-              <a:t>Replica : 5</a:t>
-            </a:r>
+              <a:t>Failed</a:t>
+            </a:r>
+          </a:p>
+        </p:txBody>
+      </p:sp>
+      <p:sp>
+        <p:nvSpPr>
+          <p:cNvPr id="102" name="모서리가 둥근 직사각형 101">
+            <a:extLst>
+              <a:ext uri="{FF2B5EF4-FFF2-40B4-BE49-F238E27FC236}">
+                <a16:creationId xmlns:a16="http://schemas.microsoft.com/office/drawing/2014/main" id="{3B88E1FB-A29E-2869-8D0D-7D40AC91FD59}"/>
+              </a:ext>
+            </a:extLst>
+          </p:cNvPr>
+          <p:cNvSpPr/>
+          <p:nvPr/>
+        </p:nvSpPr>
+        <p:spPr>
+          <a:xfrm>
+            <a:off x="7898341" y="1482258"/>
+            <a:ext cx="775406" cy="611465"/>
+          </a:xfrm>
+          <a:prstGeom prst="roundRect">
+            <a:avLst>
+              <a:gd name="adj" fmla="val 14952"/>
+            </a:avLst>
+          </a:prstGeom>
+          <a:ln w="12700"/>
+        </p:spPr>
+        <p:style>
+          <a:lnRef idx="2">
+            <a:schemeClr val="dk1"/>
+          </a:lnRef>
+          <a:fillRef idx="1">
+            <a:schemeClr val="lt1"/>
+          </a:fillRef>
+          <a:effectRef idx="0">
+            <a:schemeClr val="dk1"/>
+          </a:effectRef>
+          <a:fontRef idx="minor">
+            <a:schemeClr val="dk1"/>
+          </a:fontRef>
+        </p:style>
+        <p:txBody>
+          <a:bodyPr rtlCol="0" anchor="ctr"/>
+          <a:lstStyle/>
+          <a:p>
+            <a:pPr algn="ctr"/>
+            <a:r>
+              <a:rPr lang="en-US" altLang="ko-KR" sz="800" b="1">
+                <a:solidFill>
+                  <a:srgbClr val="C00000"/>
+                </a:solidFill>
+              </a:rPr>
+              <a:t>Analysis</a:t>
+            </a:r>
+          </a:p>
+          <a:p>
+            <a:pPr algn="ctr"/>
+            <a:r>
+              <a:rPr lang="en-US" altLang="ko-KR" sz="800" b="1">
+                <a:solidFill>
+                  <a:srgbClr val="C00000"/>
+                </a:solidFill>
+              </a:rPr>
+              <a:t>Run</a:t>
+            </a:r>
+            <a:endParaRPr lang="en-US" altLang="ko-KR" sz="800">
+              <a:solidFill>
+                <a:srgbClr val="C00000"/>
+              </a:solidFill>
+            </a:endParaRPr>
           </a:p>
           <a:p>
             <a:pPr algn="ctr"/>
             <a:r>
               <a:rPr lang="en-US" altLang="ko-KR" sz="800"/>
-              <a:t>Image : 2.0</a:t>
+              <a:t>Ex Stable</a:t>
+            </a:r>
+          </a:p>
+          <a:p>
+            <a:pPr algn="ctr"/>
+            <a:r>
+              <a:rPr lang="en-US" altLang="ko-KR" sz="800"/>
+              <a:t>Failed</a:t>
             </a:r>
           </a:p>
         </p:txBody>
       </p:sp>
       <p:cxnSp>
         <p:nvCxnSpPr>
-          <p:cNvPr id="99" name="직선 화살표 연결선 98">
-            <a:extLst>
-              <a:ext uri="{FF2B5EF4-FFF2-40B4-BE49-F238E27FC236}">
-                <a16:creationId xmlns:a16="http://schemas.microsoft.com/office/drawing/2014/main" id="{C556C645-485D-1AD5-6825-D9C845061495}"/>
+          <p:cNvPr id="103" name="직선 화살표 연결선 102">
+            <a:extLst>
+              <a:ext uri="{FF2B5EF4-FFF2-40B4-BE49-F238E27FC236}">
+                <a16:creationId xmlns:a16="http://schemas.microsoft.com/office/drawing/2014/main" id="{5A959412-05AE-7C8B-5783-CB3A8C615B11}"/>
               </a:ext>
             </a:extLst>
           </p:cNvPr>
           <p:cNvCxnSpPr>
             <a:cxnSpLocks/>
-            <a:stCxn id="4" idx="2"/>
-            <a:endCxn id="2" idx="0"/>
+            <a:stCxn id="101" idx="3"/>
+            <a:endCxn id="23" idx="1"/>
           </p:cNvCxnSpPr>
           <p:nvPr/>
         </p:nvCxnSpPr>
         <p:spPr>
+          <a:xfrm flipV="1">
+            <a:off x="5779133" y="1788835"/>
+            <a:ext cx="190100" cy="842"/>
+          </a:xfrm>
+          <a:prstGeom prst="straightConnector1">
+            <a:avLst/>
+          </a:prstGeom>
+          <a:ln w="12700">
+            <a:solidFill>
+              <a:srgbClr val="C00000"/>
+            </a:solidFill>
+            <a:prstDash val="solid"/>
+            <a:tailEnd type="triangle"/>
+          </a:ln>
+        </p:spPr>
+        <p:style>
+          <a:lnRef idx="1">
+            <a:schemeClr val="accent1"/>
+          </a:lnRef>
+          <a:fillRef idx="0">
+            <a:schemeClr val="accent1"/>
+          </a:fillRef>
+          <a:effectRef idx="0">
+            <a:schemeClr val="accent1"/>
+          </a:effectRef>
+          <a:fontRef idx="minor">
+            <a:schemeClr val="tx1"/>
+          </a:fontRef>
+        </p:style>
+      </p:cxnSp>
+      <p:cxnSp>
+        <p:nvCxnSpPr>
+          <p:cNvPr id="107" name="직선 화살표 연결선 106">
+            <a:extLst>
+              <a:ext uri="{FF2B5EF4-FFF2-40B4-BE49-F238E27FC236}">
+                <a16:creationId xmlns:a16="http://schemas.microsoft.com/office/drawing/2014/main" id="{4F01C95E-D835-320E-D53E-2F0796F5567D}"/>
+              </a:ext>
+            </a:extLst>
+          </p:cNvPr>
+          <p:cNvCxnSpPr>
+            <a:cxnSpLocks/>
+            <a:stCxn id="102" idx="1"/>
+            <a:endCxn id="29" idx="3"/>
+          </p:cNvCxnSpPr>
+          <p:nvPr/>
+        </p:nvCxnSpPr>
+        <p:spPr>
           <a:xfrm flipH="1">
-            <a:off x="500820" y="1175681"/>
-            <a:ext cx="971520" cy="306577"/>
+            <a:off x="7709960" y="1787991"/>
+            <a:ext cx="188381" cy="844"/>
+          </a:xfrm>
+          <a:prstGeom prst="straightConnector1">
+            <a:avLst/>
+          </a:prstGeom>
+          <a:ln w="12700">
+            <a:solidFill>
+              <a:srgbClr val="C00000"/>
+            </a:solidFill>
+            <a:prstDash val="solid"/>
+            <a:tailEnd type="triangle"/>
+          </a:ln>
+        </p:spPr>
+        <p:style>
+          <a:lnRef idx="1">
+            <a:schemeClr val="accent1"/>
+          </a:lnRef>
+          <a:fillRef idx="0">
+            <a:schemeClr val="accent1"/>
+          </a:fillRef>
+          <a:effectRef idx="0">
+            <a:schemeClr val="accent1"/>
+          </a:effectRef>
+          <a:fontRef idx="minor">
+            <a:schemeClr val="tx1"/>
+          </a:fontRef>
+        </p:style>
+      </p:cxnSp>
+      <p:sp>
+        <p:nvSpPr>
+          <p:cNvPr id="112" name="모서리가 둥근 직사각형 111">
+            <a:extLst>
+              <a:ext uri="{FF2B5EF4-FFF2-40B4-BE49-F238E27FC236}">
+                <a16:creationId xmlns:a16="http://schemas.microsoft.com/office/drawing/2014/main" id="{7E9690BB-4809-040A-E132-28FC1E8258A0}"/>
+              </a:ext>
+            </a:extLst>
+          </p:cNvPr>
+          <p:cNvSpPr/>
+          <p:nvPr/>
+        </p:nvSpPr>
+        <p:spPr>
+          <a:xfrm>
+            <a:off x="3463447" y="3518101"/>
+            <a:ext cx="775406" cy="611465"/>
+          </a:xfrm>
+          <a:prstGeom prst="roundRect">
+            <a:avLst>
+              <a:gd name="adj" fmla="val 14952"/>
+            </a:avLst>
+          </a:prstGeom>
+          <a:ln w="12700"/>
+        </p:spPr>
+        <p:style>
+          <a:lnRef idx="2">
+            <a:schemeClr val="dk1"/>
+          </a:lnRef>
+          <a:fillRef idx="1">
+            <a:schemeClr val="lt1"/>
+          </a:fillRef>
+          <a:effectRef idx="0">
+            <a:schemeClr val="dk1"/>
+          </a:effectRef>
+          <a:fontRef idx="minor">
+            <a:schemeClr val="dk1"/>
+          </a:fontRef>
+        </p:style>
+        <p:txBody>
+          <a:bodyPr rtlCol="0" anchor="ctr"/>
+          <a:lstStyle/>
+          <a:p>
+            <a:pPr algn="ctr"/>
+            <a:r>
+              <a:rPr lang="en-US" altLang="ko-KR" sz="800" b="1">
+                <a:solidFill>
+                  <a:schemeClr val="tx1"/>
+                </a:solidFill>
+              </a:rPr>
+              <a:t>Analysis</a:t>
+            </a:r>
+          </a:p>
+          <a:p>
+            <a:pPr algn="ctr"/>
+            <a:r>
+              <a:rPr lang="en-US" altLang="ko-KR" sz="800" b="1">
+                <a:solidFill>
+                  <a:schemeClr val="tx1"/>
+                </a:solidFill>
+              </a:rPr>
+              <a:t>Run</a:t>
+            </a:r>
+          </a:p>
+          <a:p>
+            <a:pPr algn="ctr"/>
+            <a:r>
+              <a:rPr lang="en-US" altLang="ko-KR" sz="800"/>
+              <a:t>Ex Stable</a:t>
+            </a:r>
+          </a:p>
+          <a:p>
+            <a:pPr algn="ctr"/>
+            <a:r>
+              <a:rPr lang="en-US" altLang="ko-KR" sz="800"/>
+              <a:t>Failed</a:t>
+            </a:r>
+          </a:p>
+        </p:txBody>
+      </p:sp>
+      <p:sp>
+        <p:nvSpPr>
+          <p:cNvPr id="113" name="모서리가 둥근 직사각형 112">
+            <a:extLst>
+              <a:ext uri="{FF2B5EF4-FFF2-40B4-BE49-F238E27FC236}">
+                <a16:creationId xmlns:a16="http://schemas.microsoft.com/office/drawing/2014/main" id="{F4E8B9DD-3498-ACB2-668D-221FE79CA521}"/>
+              </a:ext>
+            </a:extLst>
+          </p:cNvPr>
+          <p:cNvSpPr/>
+          <p:nvPr/>
+        </p:nvSpPr>
+        <p:spPr>
+          <a:xfrm>
+            <a:off x="6363282" y="3518101"/>
+            <a:ext cx="775406" cy="611465"/>
+          </a:xfrm>
+          <a:prstGeom prst="roundRect">
+            <a:avLst>
+              <a:gd name="adj" fmla="val 14952"/>
+            </a:avLst>
+          </a:prstGeom>
+          <a:ln w="12700"/>
+        </p:spPr>
+        <p:style>
+          <a:lnRef idx="2">
+            <a:schemeClr val="dk1"/>
+          </a:lnRef>
+          <a:fillRef idx="1">
+            <a:schemeClr val="lt1"/>
+          </a:fillRef>
+          <a:effectRef idx="0">
+            <a:schemeClr val="dk1"/>
+          </a:effectRef>
+          <a:fontRef idx="minor">
+            <a:schemeClr val="dk1"/>
+          </a:fontRef>
+        </p:style>
+        <p:txBody>
+          <a:bodyPr rtlCol="0" anchor="ctr"/>
+          <a:lstStyle/>
+          <a:p>
+            <a:pPr algn="ctr"/>
+            <a:r>
+              <a:rPr lang="en-US" altLang="ko-KR" sz="800" b="1">
+                <a:solidFill>
+                  <a:schemeClr val="tx1"/>
+                </a:solidFill>
+              </a:rPr>
+              <a:t>Analysis</a:t>
+            </a:r>
+          </a:p>
+          <a:p>
+            <a:pPr algn="ctr"/>
+            <a:r>
+              <a:rPr lang="en-US" altLang="ko-KR" sz="800" b="1">
+                <a:solidFill>
+                  <a:schemeClr val="tx1"/>
+                </a:solidFill>
+              </a:rPr>
+              <a:t>Run</a:t>
+            </a:r>
+          </a:p>
+          <a:p>
+            <a:pPr algn="ctr"/>
+            <a:r>
+              <a:rPr lang="en-US" altLang="ko-KR" sz="800"/>
+              <a:t>Ex Stable</a:t>
+            </a:r>
+          </a:p>
+          <a:p>
+            <a:pPr algn="ctr"/>
+            <a:r>
+              <a:rPr lang="en-US" altLang="ko-KR" sz="800"/>
+              <a:t>Failed</a:t>
+            </a:r>
+          </a:p>
+        </p:txBody>
+      </p:sp>
+      <p:sp>
+        <p:nvSpPr>
+          <p:cNvPr id="114" name="모서리가 둥근 직사각형 113">
+            <a:extLst>
+              <a:ext uri="{FF2B5EF4-FFF2-40B4-BE49-F238E27FC236}">
+                <a16:creationId xmlns:a16="http://schemas.microsoft.com/office/drawing/2014/main" id="{B09D935F-6B7C-83D4-F89E-0438361A2C75}"/>
+              </a:ext>
+            </a:extLst>
+          </p:cNvPr>
+          <p:cNvSpPr/>
+          <p:nvPr/>
+        </p:nvSpPr>
+        <p:spPr>
+          <a:xfrm>
+            <a:off x="4427045" y="4436143"/>
+            <a:ext cx="775406" cy="611465"/>
+          </a:xfrm>
+          <a:prstGeom prst="roundRect">
+            <a:avLst>
+              <a:gd name="adj" fmla="val 14952"/>
+            </a:avLst>
+          </a:prstGeom>
+          <a:ln w="12700"/>
+        </p:spPr>
+        <p:style>
+          <a:lnRef idx="2">
+            <a:schemeClr val="dk1"/>
+          </a:lnRef>
+          <a:fillRef idx="1">
+            <a:schemeClr val="lt1"/>
+          </a:fillRef>
+          <a:effectRef idx="0">
+            <a:schemeClr val="dk1"/>
+          </a:effectRef>
+          <a:fontRef idx="minor">
+            <a:schemeClr val="dk1"/>
+          </a:fontRef>
+        </p:style>
+        <p:txBody>
+          <a:bodyPr rtlCol="0" anchor="ctr"/>
+          <a:lstStyle/>
+          <a:p>
+            <a:pPr algn="ctr"/>
+            <a:r>
+              <a:rPr lang="en-US" altLang="ko-KR" sz="800" b="1">
+                <a:solidFill>
+                  <a:srgbClr val="C00000"/>
+                </a:solidFill>
+              </a:rPr>
+              <a:t>Analysis</a:t>
+            </a:r>
+          </a:p>
+          <a:p>
+            <a:pPr algn="ctr"/>
+            <a:r>
+              <a:rPr lang="en-US" altLang="ko-KR" sz="800" b="1">
+                <a:solidFill>
+                  <a:srgbClr val="C00000"/>
+                </a:solidFill>
+              </a:rPr>
+              <a:t>Run</a:t>
+            </a:r>
+          </a:p>
+          <a:p>
+            <a:pPr algn="ctr"/>
+            <a:r>
+              <a:rPr lang="en-US" altLang="ko-KR" sz="800"/>
+              <a:t>Ex Stable</a:t>
+            </a:r>
+          </a:p>
+          <a:p>
+            <a:pPr algn="ctr"/>
+            <a:r>
+              <a:rPr lang="en-US" altLang="ko-KR" sz="800"/>
+              <a:t>Successful</a:t>
+            </a:r>
+          </a:p>
+        </p:txBody>
+      </p:sp>
+      <p:sp>
+        <p:nvSpPr>
+          <p:cNvPr id="115" name="모서리가 둥근 직사각형 114">
+            <a:extLst>
+              <a:ext uri="{FF2B5EF4-FFF2-40B4-BE49-F238E27FC236}">
+                <a16:creationId xmlns:a16="http://schemas.microsoft.com/office/drawing/2014/main" id="{560BD751-299F-A6BE-7317-90CB340ECA67}"/>
+              </a:ext>
+            </a:extLst>
+          </p:cNvPr>
+          <p:cNvSpPr/>
+          <p:nvPr/>
+        </p:nvSpPr>
+        <p:spPr>
+          <a:xfrm>
+            <a:off x="5391430" y="4436143"/>
+            <a:ext cx="775406" cy="611465"/>
+          </a:xfrm>
+          <a:prstGeom prst="roundRect">
+            <a:avLst>
+              <a:gd name="adj" fmla="val 14952"/>
+            </a:avLst>
+          </a:prstGeom>
+          <a:ln w="12700"/>
+        </p:spPr>
+        <p:style>
+          <a:lnRef idx="2">
+            <a:schemeClr val="dk1"/>
+          </a:lnRef>
+          <a:fillRef idx="1">
+            <a:schemeClr val="lt1"/>
+          </a:fillRef>
+          <a:effectRef idx="0">
+            <a:schemeClr val="dk1"/>
+          </a:effectRef>
+          <a:fontRef idx="minor">
+            <a:schemeClr val="dk1"/>
+          </a:fontRef>
+        </p:style>
+        <p:txBody>
+          <a:bodyPr rtlCol="0" anchor="ctr"/>
+          <a:lstStyle/>
+          <a:p>
+            <a:pPr algn="ctr"/>
+            <a:r>
+              <a:rPr lang="en-US" altLang="ko-KR" sz="800" b="1">
+                <a:solidFill>
+                  <a:srgbClr val="C00000"/>
+                </a:solidFill>
+              </a:rPr>
+              <a:t>Analysis</a:t>
+            </a:r>
+          </a:p>
+          <a:p>
+            <a:pPr algn="ctr"/>
+            <a:r>
+              <a:rPr lang="en-US" altLang="ko-KR" sz="800" b="1">
+                <a:solidFill>
+                  <a:srgbClr val="C00000"/>
+                </a:solidFill>
+              </a:rPr>
+              <a:t>Run</a:t>
+            </a:r>
+          </a:p>
+          <a:p>
+            <a:pPr algn="ctr"/>
+            <a:r>
+              <a:rPr lang="en-US" altLang="ko-KR" sz="800"/>
+              <a:t>Ex Stable</a:t>
+            </a:r>
+          </a:p>
+          <a:p>
+            <a:pPr algn="ctr"/>
+            <a:r>
+              <a:rPr lang="en-US" altLang="ko-KR" sz="800"/>
+              <a:t>Successful</a:t>
+            </a:r>
+          </a:p>
+        </p:txBody>
+      </p:sp>
+      <p:cxnSp>
+        <p:nvCxnSpPr>
+          <p:cNvPr id="116" name="직선 화살표 연결선 115">
+            <a:extLst>
+              <a:ext uri="{FF2B5EF4-FFF2-40B4-BE49-F238E27FC236}">
+                <a16:creationId xmlns:a16="http://schemas.microsoft.com/office/drawing/2014/main" id="{8D3BD148-2700-BCC9-9DDF-C76A3A47584A}"/>
+              </a:ext>
+            </a:extLst>
+          </p:cNvPr>
+          <p:cNvCxnSpPr>
+            <a:cxnSpLocks/>
+            <a:stCxn id="112" idx="3"/>
+            <a:endCxn id="93" idx="1"/>
+          </p:cNvCxnSpPr>
+          <p:nvPr/>
+        </p:nvCxnSpPr>
+        <p:spPr>
+          <a:xfrm flipV="1">
+            <a:off x="4238853" y="3822989"/>
+            <a:ext cx="189922" cy="845"/>
           </a:xfrm>
           <a:prstGeom prst="straightConnector1">
             <a:avLst/>
@@ -51007,236 +51949,24 @@
       </p:cxnSp>
       <p:cxnSp>
         <p:nvCxnSpPr>
-          <p:cNvPr id="104" name="꺾인 연결선[E] 103">
-            <a:extLst>
-              <a:ext uri="{FF2B5EF4-FFF2-40B4-BE49-F238E27FC236}">
-                <a16:creationId xmlns:a16="http://schemas.microsoft.com/office/drawing/2014/main" id="{E8379D7E-5802-818A-3266-846606E97116}"/>
+          <p:cNvPr id="119" name="직선 화살표 연결선 118">
+            <a:extLst>
+              <a:ext uri="{FF2B5EF4-FFF2-40B4-BE49-F238E27FC236}">
+                <a16:creationId xmlns:a16="http://schemas.microsoft.com/office/drawing/2014/main" id="{799FC904-9521-BA61-5805-15697F7BB16D}"/>
               </a:ext>
             </a:extLst>
           </p:cNvPr>
           <p:cNvCxnSpPr>
             <a:cxnSpLocks/>
-            <a:stCxn id="69" idx="0"/>
-            <a:endCxn id="56" idx="0"/>
+            <a:stCxn id="113" idx="1"/>
+            <a:endCxn id="95" idx="3"/>
           </p:cNvCxnSpPr>
           <p:nvPr/>
         </p:nvCxnSpPr>
         <p:spPr>
-          <a:xfrm rot="16200000" flipV="1">
-            <a:off x="5881708" y="2230528"/>
-            <a:ext cx="12700" cy="969253"/>
-          </a:xfrm>
-          <a:prstGeom prst="bentConnector3">
-            <a:avLst>
-              <a:gd name="adj1" fmla="val 1800000"/>
-            </a:avLst>
-          </a:prstGeom>
-          <a:ln w="12700">
-            <a:solidFill>
-              <a:schemeClr val="tx1"/>
-            </a:solidFill>
-            <a:tailEnd type="triangle"/>
-          </a:ln>
-        </p:spPr>
-        <p:style>
-          <a:lnRef idx="1">
-            <a:schemeClr val="accent1"/>
-          </a:lnRef>
-          <a:fillRef idx="0">
-            <a:schemeClr val="accent1"/>
-          </a:fillRef>
-          <a:effectRef idx="0">
-            <a:schemeClr val="accent1"/>
-          </a:effectRef>
-          <a:fontRef idx="minor">
-            <a:schemeClr val="tx1"/>
-          </a:fontRef>
-        </p:style>
-      </p:cxnSp>
-      <p:sp>
-        <p:nvSpPr>
-          <p:cNvPr id="36" name="TextBox 35">
-            <a:extLst>
-              <a:ext uri="{FF2B5EF4-FFF2-40B4-BE49-F238E27FC236}">
-                <a16:creationId xmlns:a16="http://schemas.microsoft.com/office/drawing/2014/main" id="{81FF432F-B1AF-D804-EF13-7DE0DFE97569}"/>
-              </a:ext>
-            </a:extLst>
-          </p:cNvPr>
-          <p:cNvSpPr txBox="1"/>
-          <p:nvPr/>
-        </p:nvSpPr>
-        <p:spPr>
-          <a:xfrm>
-            <a:off x="3454687" y="2566540"/>
-            <a:ext cx="783174" cy="338554"/>
-          </a:xfrm>
-          <a:prstGeom prst="rect">
-            <a:avLst/>
-          </a:prstGeom>
-          <a:noFill/>
-        </p:spPr>
-        <p:txBody>
-          <a:bodyPr wrap="square" rtlCol="0">
-            <a:spAutoFit/>
-          </a:bodyPr>
-          <a:lstStyle/>
-          <a:p>
-            <a:pPr algn="ctr"/>
-            <a:r>
-              <a:rPr kumimoji="1" lang="en-US" altLang="ko-KR" sz="800" i="1"/>
-              <a:t>Failed</a:t>
-            </a:r>
-          </a:p>
-          <a:p>
-            <a:pPr algn="ctr"/>
-            <a:r>
-              <a:rPr kumimoji="1" lang="en-US" altLang="ko-KR" sz="800" i="1"/>
-              <a:t>Promotion</a:t>
-            </a:r>
-            <a:endParaRPr kumimoji="1" lang="ko-KR" altLang="en-US" sz="800" i="1"/>
-          </a:p>
-        </p:txBody>
-      </p:sp>
-      <p:sp>
-        <p:nvSpPr>
-          <p:cNvPr id="38" name="오른쪽 화살표[R] 37">
-            <a:extLst>
-              <a:ext uri="{FF2B5EF4-FFF2-40B4-BE49-F238E27FC236}">
-                <a16:creationId xmlns:a16="http://schemas.microsoft.com/office/drawing/2014/main" id="{9E889960-1DDD-C13E-7ABA-C1862C8BCE29}"/>
-              </a:ext>
-            </a:extLst>
-          </p:cNvPr>
-          <p:cNvSpPr/>
-          <p:nvPr/>
-        </p:nvSpPr>
-        <p:spPr>
-          <a:xfrm rot="8100000">
-            <a:off x="3653519" y="2337135"/>
-            <a:ext cx="385510" cy="181197"/>
-          </a:xfrm>
-          <a:prstGeom prst="rightArrow">
-            <a:avLst/>
-          </a:prstGeom>
-          <a:solidFill>
-            <a:schemeClr val="tx1"/>
-          </a:solidFill>
-          <a:ln>
-            <a:noFill/>
-          </a:ln>
-        </p:spPr>
-        <p:style>
-          <a:lnRef idx="2">
-            <a:schemeClr val="accent1">
-              <a:shade val="15000"/>
-            </a:schemeClr>
-          </a:lnRef>
-          <a:fillRef idx="1">
-            <a:schemeClr val="accent1"/>
-          </a:fillRef>
-          <a:effectRef idx="0">
-            <a:schemeClr val="accent1"/>
-          </a:effectRef>
-          <a:fontRef idx="minor">
-            <a:schemeClr val="lt1"/>
-          </a:fontRef>
-        </p:style>
-        <p:txBody>
-          <a:bodyPr rtlCol="0" anchor="ctr"/>
-          <a:lstStyle/>
-          <a:p>
-            <a:pPr algn="ctr"/>
-            <a:endParaRPr kumimoji="1" lang="ko-KR" altLang="en-US" sz="800"/>
-          </a:p>
-        </p:txBody>
-      </p:sp>
-      <p:sp>
-        <p:nvSpPr>
-          <p:cNvPr id="42" name="모서리가 둥근 직사각형 41">
-            <a:extLst>
-              <a:ext uri="{FF2B5EF4-FFF2-40B4-BE49-F238E27FC236}">
-                <a16:creationId xmlns:a16="http://schemas.microsoft.com/office/drawing/2014/main" id="{03AF7B71-F9CF-DA75-43F3-07651575F4BC}"/>
-              </a:ext>
-            </a:extLst>
-          </p:cNvPr>
-          <p:cNvSpPr/>
-          <p:nvPr/>
-        </p:nvSpPr>
-        <p:spPr>
-          <a:xfrm>
-            <a:off x="113121" y="4431987"/>
-            <a:ext cx="775406" cy="613154"/>
-          </a:xfrm>
-          <a:prstGeom prst="roundRect">
-            <a:avLst>
-              <a:gd name="adj" fmla="val 14952"/>
-            </a:avLst>
-          </a:prstGeom>
-          <a:ln w="12700"/>
-        </p:spPr>
-        <p:style>
-          <a:lnRef idx="2">
-            <a:schemeClr val="dk1"/>
-          </a:lnRef>
-          <a:fillRef idx="1">
-            <a:schemeClr val="lt1"/>
-          </a:fillRef>
-          <a:effectRef idx="0">
-            <a:schemeClr val="dk1"/>
-          </a:effectRef>
-          <a:fontRef idx="minor">
-            <a:schemeClr val="dk1"/>
-          </a:fontRef>
-        </p:style>
-        <p:txBody>
-          <a:bodyPr rtlCol="0" anchor="ctr"/>
-          <a:lstStyle/>
-          <a:p>
-            <a:pPr algn="ctr"/>
-            <a:r>
-              <a:rPr lang="en-US" altLang="ko-KR" sz="800" b="1"/>
-              <a:t>Analysis</a:t>
-            </a:r>
-          </a:p>
-          <a:p>
-            <a:pPr algn="ctr"/>
-            <a:r>
-              <a:rPr lang="en-US" altLang="ko-KR" sz="800" b="1"/>
-              <a:t>Run</a:t>
-            </a:r>
-          </a:p>
-          <a:p>
-            <a:pPr algn="ctr"/>
-            <a:endParaRPr lang="en-US" altLang="ko-KR" sz="800"/>
-          </a:p>
-          <a:p>
-            <a:pPr algn="ctr"/>
-            <a:r>
-              <a:rPr lang="en-US" altLang="ko-KR" sz="800"/>
-              <a:t>Failed</a:t>
-            </a:r>
-          </a:p>
-        </p:txBody>
-      </p:sp>
-      <p:cxnSp>
-        <p:nvCxnSpPr>
-          <p:cNvPr id="43" name="직선 화살표 연결선 42">
-            <a:extLst>
-              <a:ext uri="{FF2B5EF4-FFF2-40B4-BE49-F238E27FC236}">
-                <a16:creationId xmlns:a16="http://schemas.microsoft.com/office/drawing/2014/main" id="{441FE525-3362-17D2-DC10-B616A412C4AE}"/>
-              </a:ext>
-            </a:extLst>
-          </p:cNvPr>
-          <p:cNvCxnSpPr>
-            <a:cxnSpLocks/>
-            <a:stCxn id="42" idx="0"/>
-            <a:endCxn id="77" idx="2"/>
-          </p:cNvCxnSpPr>
-          <p:nvPr/>
-        </p:nvCxnSpPr>
-        <p:spPr>
-          <a:xfrm flipV="1">
-            <a:off x="500824" y="4125410"/>
-            <a:ext cx="965337" cy="306577"/>
+          <a:xfrm flipH="1" flipV="1">
+            <a:off x="6169502" y="3822989"/>
+            <a:ext cx="193780" cy="845"/>
           </a:xfrm>
           <a:prstGeom prst="straightConnector1">
             <a:avLst/>
@@ -51264,12 +51994,106 @@
           </a:fontRef>
         </p:style>
       </p:cxnSp>
-      <p:sp>
-        <p:nvSpPr>
-          <p:cNvPr id="48" name="모서리가 둥근 직사각형 47">
-            <a:extLst>
-              <a:ext uri="{FF2B5EF4-FFF2-40B4-BE49-F238E27FC236}">
-                <a16:creationId xmlns:a16="http://schemas.microsoft.com/office/drawing/2014/main" id="{8481F2C4-D301-53A5-2013-6A0E0EC5A771}"/>
+      <p:cxnSp>
+        <p:nvCxnSpPr>
+          <p:cNvPr id="123" name="직선 화살표 연결선 122">
+            <a:extLst>
+              <a:ext uri="{FF2B5EF4-FFF2-40B4-BE49-F238E27FC236}">
+                <a16:creationId xmlns:a16="http://schemas.microsoft.com/office/drawing/2014/main" id="{2010DAED-B503-C661-DCB7-75116E49C8B1}"/>
+              </a:ext>
+            </a:extLst>
+          </p:cNvPr>
+          <p:cNvCxnSpPr>
+            <a:cxnSpLocks/>
+            <a:stCxn id="115" idx="0"/>
+            <a:endCxn id="95" idx="2"/>
+          </p:cNvCxnSpPr>
+          <p:nvPr/>
+        </p:nvCxnSpPr>
+        <p:spPr>
+          <a:xfrm flipV="1">
+            <a:off x="5779133" y="4129566"/>
+            <a:ext cx="2670" cy="306577"/>
+          </a:xfrm>
+          <a:prstGeom prst="straightConnector1">
+            <a:avLst/>
+          </a:prstGeom>
+          <a:ln w="12700">
+            <a:solidFill>
+              <a:srgbClr val="C00000"/>
+            </a:solidFill>
+            <a:prstDash val="solid"/>
+            <a:tailEnd type="triangle"/>
+          </a:ln>
+        </p:spPr>
+        <p:style>
+          <a:lnRef idx="1">
+            <a:schemeClr val="accent1"/>
+          </a:lnRef>
+          <a:fillRef idx="0">
+            <a:schemeClr val="accent1"/>
+          </a:fillRef>
+          <a:effectRef idx="0">
+            <a:schemeClr val="accent1"/>
+          </a:effectRef>
+          <a:fontRef idx="minor">
+            <a:schemeClr val="tx1"/>
+          </a:fontRef>
+        </p:style>
+      </p:cxnSp>
+      <p:cxnSp>
+        <p:nvCxnSpPr>
+          <p:cNvPr id="126" name="직선 화살표 연결선 125">
+            <a:extLst>
+              <a:ext uri="{FF2B5EF4-FFF2-40B4-BE49-F238E27FC236}">
+                <a16:creationId xmlns:a16="http://schemas.microsoft.com/office/drawing/2014/main" id="{AB130043-D799-C44A-5430-CF26115F471D}"/>
+              </a:ext>
+            </a:extLst>
+          </p:cNvPr>
+          <p:cNvCxnSpPr>
+            <a:cxnSpLocks/>
+            <a:stCxn id="114" idx="0"/>
+            <a:endCxn id="93" idx="2"/>
+          </p:cNvCxnSpPr>
+          <p:nvPr/>
+        </p:nvCxnSpPr>
+        <p:spPr>
+          <a:xfrm flipV="1">
+            <a:off x="4814748" y="4129566"/>
+            <a:ext cx="1726" cy="306577"/>
+          </a:xfrm>
+          <a:prstGeom prst="straightConnector1">
+            <a:avLst/>
+          </a:prstGeom>
+          <a:ln w="12700">
+            <a:solidFill>
+              <a:srgbClr val="C00000"/>
+            </a:solidFill>
+            <a:prstDash val="solid"/>
+            <a:tailEnd type="triangle"/>
+          </a:ln>
+        </p:spPr>
+        <p:style>
+          <a:lnRef idx="1">
+            <a:schemeClr val="accent1"/>
+          </a:lnRef>
+          <a:fillRef idx="0">
+            <a:schemeClr val="accent1"/>
+          </a:fillRef>
+          <a:effectRef idx="0">
+            <a:schemeClr val="accent1"/>
+          </a:effectRef>
+          <a:fontRef idx="minor">
+            <a:schemeClr val="tx1"/>
+          </a:fontRef>
+        </p:style>
+      </p:cxnSp>
+      <p:sp>
+        <p:nvSpPr>
+          <p:cNvPr id="139" name="모서리가 둥근 직사각형 138">
+            <a:extLst>
+              <a:ext uri="{FF2B5EF4-FFF2-40B4-BE49-F238E27FC236}">
+                <a16:creationId xmlns:a16="http://schemas.microsoft.com/office/drawing/2014/main" id="{2C8ED81A-9FC6-F154-AA22-B028815D5CDA}"/>
               </a:ext>
             </a:extLst>
           </p:cNvPr>
@@ -51278,8 +52102,8 @@
         </p:nvSpPr>
         <p:spPr>
           <a:xfrm>
-            <a:off x="4039342" y="4431987"/>
-            <a:ext cx="775406" cy="613154"/>
+            <a:off x="2489624" y="3516412"/>
+            <a:ext cx="775398" cy="613154"/>
           </a:xfrm>
           <a:prstGeom prst="roundRect">
             <a:avLst>
@@ -51308,310 +52132,24 @@
           <a:p>
             <a:pPr algn="ctr"/>
             <a:r>
-              <a:rPr lang="en-US" altLang="ko-KR" sz="800" b="1"/>
-              <a:t>Analysis</a:t>
-            </a:r>
-          </a:p>
-          <a:p>
-            <a:pPr algn="ctr"/>
-            <a:r>
-              <a:rPr lang="en-US" altLang="ko-KR" sz="800" b="1"/>
-              <a:t>Run</a:t>
-            </a:r>
-          </a:p>
-          <a:p>
-            <a:pPr algn="ctr"/>
-            <a:endParaRPr lang="en-US" altLang="ko-KR" sz="800"/>
+              <a:rPr lang="en-US" altLang="ko-KR" sz="800" b="1">
+                <a:solidFill>
+                  <a:srgbClr val="C00000"/>
+                </a:solidFill>
+              </a:rPr>
+              <a:t>ReplicaSet</a:t>
+            </a:r>
+            <a:endParaRPr lang="en-US" altLang="ko-KR" sz="800">
+              <a:solidFill>
+                <a:srgbClr val="C00000"/>
+              </a:solidFill>
+            </a:endParaRPr>
           </a:p>
           <a:p>
             <a:pPr algn="ctr"/>
             <a:r>
               <a:rPr lang="en-US" altLang="ko-KR" sz="800"/>
-              <a:t>Failed</a:t>
-            </a:r>
-          </a:p>
-        </p:txBody>
-      </p:sp>
-      <p:cxnSp>
-        <p:nvCxnSpPr>
-          <p:cNvPr id="51" name="직선 화살표 연결선 50">
-            <a:extLst>
-              <a:ext uri="{FF2B5EF4-FFF2-40B4-BE49-F238E27FC236}">
-                <a16:creationId xmlns:a16="http://schemas.microsoft.com/office/drawing/2014/main" id="{75CBDB23-59D1-4240-CAED-7E96768129C1}"/>
-              </a:ext>
-            </a:extLst>
-          </p:cNvPr>
-          <p:cNvCxnSpPr>
-            <a:cxnSpLocks/>
-            <a:stCxn id="48" idx="0"/>
-          </p:cNvCxnSpPr>
-          <p:nvPr/>
-        </p:nvCxnSpPr>
-        <p:spPr>
-          <a:xfrm flipV="1">
-            <a:off x="4427045" y="4125410"/>
-            <a:ext cx="965337" cy="306577"/>
-          </a:xfrm>
-          <a:prstGeom prst="straightConnector1">
-            <a:avLst/>
-          </a:prstGeom>
-          <a:ln w="12700">
-            <a:solidFill>
-              <a:schemeClr val="tx1"/>
-            </a:solidFill>
-            <a:prstDash val="solid"/>
-            <a:tailEnd type="triangle"/>
-          </a:ln>
-        </p:spPr>
-        <p:style>
-          <a:lnRef idx="1">
-            <a:schemeClr val="accent1"/>
-          </a:lnRef>
-          <a:fillRef idx="0">
-            <a:schemeClr val="accent1"/>
-          </a:fillRef>
-          <a:effectRef idx="0">
-            <a:schemeClr val="accent1"/>
-          </a:effectRef>
-          <a:fontRef idx="minor">
-            <a:schemeClr val="tx1"/>
-          </a:fontRef>
-        </p:style>
-      </p:cxnSp>
-      <p:sp>
-        <p:nvSpPr>
-          <p:cNvPr id="52" name="모서리가 둥근 직사각형 51">
-            <a:extLst>
-              <a:ext uri="{FF2B5EF4-FFF2-40B4-BE49-F238E27FC236}">
-                <a16:creationId xmlns:a16="http://schemas.microsoft.com/office/drawing/2014/main" id="{4AD629B7-6CD6-3900-B2ED-9328A95FE716}"/>
-              </a:ext>
-            </a:extLst>
-          </p:cNvPr>
-          <p:cNvSpPr/>
-          <p:nvPr/>
-        </p:nvSpPr>
-        <p:spPr>
-          <a:xfrm>
-            <a:off x="5004671" y="4431987"/>
-            <a:ext cx="775406" cy="613154"/>
-          </a:xfrm>
-          <a:prstGeom prst="roundRect">
-            <a:avLst>
-              <a:gd name="adj" fmla="val 14952"/>
-            </a:avLst>
-          </a:prstGeom>
-          <a:ln w="12700"/>
-        </p:spPr>
-        <p:style>
-          <a:lnRef idx="2">
-            <a:schemeClr val="dk1"/>
-          </a:lnRef>
-          <a:fillRef idx="1">
-            <a:schemeClr val="lt1"/>
-          </a:fillRef>
-          <a:effectRef idx="0">
-            <a:schemeClr val="dk1"/>
-          </a:effectRef>
-          <a:fontRef idx="minor">
-            <a:schemeClr val="dk1"/>
-          </a:fontRef>
-        </p:style>
-        <p:txBody>
-          <a:bodyPr rtlCol="0" anchor="ctr"/>
-          <a:lstStyle/>
-          <a:p>
-            <a:pPr algn="ctr"/>
-            <a:r>
-              <a:rPr lang="en-US" altLang="ko-KR" sz="800" b="1"/>
-              <a:t>Analysis</a:t>
-            </a:r>
-          </a:p>
-          <a:p>
-            <a:pPr algn="ctr"/>
-            <a:r>
-              <a:rPr lang="en-US" altLang="ko-KR" sz="800" b="1"/>
-              <a:t>Run</a:t>
-            </a:r>
-          </a:p>
-          <a:p>
-            <a:pPr algn="ctr"/>
-            <a:endParaRPr lang="en-US" altLang="ko-KR" sz="800"/>
-          </a:p>
-          <a:p>
-            <a:pPr algn="ctr"/>
-            <a:r>
-              <a:rPr lang="en-US" altLang="ko-KR" sz="800"/>
-              <a:t>Successful</a:t>
-            </a:r>
-          </a:p>
-        </p:txBody>
-      </p:sp>
-      <p:cxnSp>
-        <p:nvCxnSpPr>
-          <p:cNvPr id="53" name="직선 화살표 연결선 52">
-            <a:extLst>
-              <a:ext uri="{FF2B5EF4-FFF2-40B4-BE49-F238E27FC236}">
-                <a16:creationId xmlns:a16="http://schemas.microsoft.com/office/drawing/2014/main" id="{234A221C-88F4-DA34-D98D-9794E63669CD}"/>
-              </a:ext>
-            </a:extLst>
-          </p:cNvPr>
-          <p:cNvCxnSpPr>
-            <a:cxnSpLocks/>
-            <a:stCxn id="52" idx="0"/>
-            <a:endCxn id="86" idx="2"/>
-          </p:cNvCxnSpPr>
-          <p:nvPr/>
-        </p:nvCxnSpPr>
-        <p:spPr>
-          <a:xfrm flipV="1">
-            <a:off x="5392374" y="4125410"/>
-            <a:ext cx="4" cy="306577"/>
-          </a:xfrm>
-          <a:prstGeom prst="straightConnector1">
-            <a:avLst/>
-          </a:prstGeom>
-          <a:ln w="12700">
-            <a:solidFill>
-              <a:schemeClr val="tx1"/>
-            </a:solidFill>
-            <a:prstDash val="solid"/>
-            <a:tailEnd type="triangle"/>
-          </a:ln>
-        </p:spPr>
-        <p:style>
-          <a:lnRef idx="1">
-            <a:schemeClr val="accent1"/>
-          </a:lnRef>
-          <a:fillRef idx="0">
-            <a:schemeClr val="accent1"/>
-          </a:fillRef>
-          <a:effectRef idx="0">
-            <a:schemeClr val="accent1"/>
-          </a:effectRef>
-          <a:fontRef idx="minor">
-            <a:schemeClr val="tx1"/>
-          </a:fontRef>
-        </p:style>
-      </p:cxnSp>
-      <p:sp>
-        <p:nvSpPr>
-          <p:cNvPr id="22" name="모서리가 둥근 직사각형 21">
-            <a:extLst>
-              <a:ext uri="{FF2B5EF4-FFF2-40B4-BE49-F238E27FC236}">
-                <a16:creationId xmlns:a16="http://schemas.microsoft.com/office/drawing/2014/main" id="{E87AD711-63D5-9A4A-3506-5C8FC5BB2AA4}"/>
-              </a:ext>
-            </a:extLst>
-          </p:cNvPr>
-          <p:cNvSpPr/>
-          <p:nvPr/>
-        </p:nvSpPr>
-        <p:spPr>
-          <a:xfrm>
-            <a:off x="5969229" y="685158"/>
-            <a:ext cx="775406" cy="490523"/>
-          </a:xfrm>
-          <a:prstGeom prst="roundRect">
-            <a:avLst>
-              <a:gd name="adj" fmla="val 14952"/>
-            </a:avLst>
-          </a:prstGeom>
-          <a:ln w="12700"/>
-        </p:spPr>
-        <p:style>
-          <a:lnRef idx="2">
-            <a:schemeClr val="dk1"/>
-          </a:lnRef>
-          <a:fillRef idx="1">
-            <a:schemeClr val="lt1"/>
-          </a:fillRef>
-          <a:effectRef idx="0">
-            <a:schemeClr val="dk1"/>
-          </a:effectRef>
-          <a:fontRef idx="minor">
-            <a:schemeClr val="dk1"/>
-          </a:fontRef>
-        </p:style>
-        <p:txBody>
-          <a:bodyPr rtlCol="0" anchor="ctr"/>
-          <a:lstStyle/>
-          <a:p>
-            <a:pPr algn="ctr"/>
-            <a:r>
-              <a:rPr lang="en-US" altLang="ko-KR" sz="800" b="1"/>
-              <a:t>Service</a:t>
-            </a:r>
-            <a:endParaRPr lang="en-US" altLang="ko-KR" sz="800"/>
-          </a:p>
-          <a:p>
-            <a:pPr algn="ctr"/>
-            <a:r>
-              <a:rPr lang="en-US" altLang="ko-KR" sz="800"/>
-              <a:t>experimentstable</a:t>
-            </a:r>
-          </a:p>
-        </p:txBody>
-      </p:sp>
-      <p:sp>
-        <p:nvSpPr>
-          <p:cNvPr id="23" name="모서리가 둥근 직사각형 22">
-            <a:extLst>
-              <a:ext uri="{FF2B5EF4-FFF2-40B4-BE49-F238E27FC236}">
-                <a16:creationId xmlns:a16="http://schemas.microsoft.com/office/drawing/2014/main" id="{80D6953B-8EE9-1ECB-70E2-B1523C3382EF}"/>
-              </a:ext>
-            </a:extLst>
-          </p:cNvPr>
-          <p:cNvSpPr/>
-          <p:nvPr/>
-        </p:nvSpPr>
-        <p:spPr>
-          <a:xfrm>
-            <a:off x="5969233" y="1482258"/>
-            <a:ext cx="775398" cy="613154"/>
-          </a:xfrm>
-          <a:prstGeom prst="roundRect">
-            <a:avLst>
-              <a:gd name="adj" fmla="val 14952"/>
-            </a:avLst>
-          </a:prstGeom>
-          <a:ln w="12700"/>
-        </p:spPr>
-        <p:style>
-          <a:lnRef idx="2">
-            <a:schemeClr val="dk1"/>
-          </a:lnRef>
-          <a:fillRef idx="1">
-            <a:schemeClr val="lt1"/>
-          </a:fillRef>
-          <a:effectRef idx="0">
-            <a:schemeClr val="dk1"/>
-          </a:effectRef>
-          <a:fontRef idx="minor">
-            <a:schemeClr val="dk1"/>
-          </a:fontRef>
-        </p:style>
-        <p:txBody>
-          <a:bodyPr rtlCol="0" anchor="ctr"/>
-          <a:lstStyle/>
-          <a:p>
-            <a:pPr algn="ctr"/>
-            <a:r>
-              <a:rPr lang="en-US" altLang="ko-KR" sz="800" b="1"/>
-              <a:t>ReplicaSet</a:t>
-            </a:r>
-            <a:endParaRPr lang="en-US" altLang="ko-KR" sz="800"/>
-          </a:p>
-          <a:p>
-            <a:pPr algn="ctr"/>
-            <a:r>
-              <a:rPr lang="en-US" altLang="ko-KR" sz="800"/>
-              <a:t>Ex Stable</a:t>
-            </a:r>
-          </a:p>
-          <a:p>
-            <a:pPr algn="ctr"/>
-            <a:r>
-              <a:rPr lang="en-US" altLang="ko-KR" sz="800"/>
-              <a:t>Revision : 2 </a:t>
+              <a:t>Revision : 2</a:t>
             </a:r>
           </a:p>
           <a:p>
@@ -51625,290 +52163,11 @@
             <a:pPr algn="ctr"/>
             <a:r>
               <a:rPr lang="en-US" altLang="ko-KR" sz="800"/>
-              <a:t>Image : 1.0</a:t>
-            </a:r>
-          </a:p>
-        </p:txBody>
-      </p:sp>
-      <p:sp>
-        <p:nvSpPr>
-          <p:cNvPr id="28" name="모서리가 둥근 직사각형 27">
-            <a:extLst>
-              <a:ext uri="{FF2B5EF4-FFF2-40B4-BE49-F238E27FC236}">
-                <a16:creationId xmlns:a16="http://schemas.microsoft.com/office/drawing/2014/main" id="{9277AA7C-857E-4A84-957A-DEC3A98445E1}"/>
-              </a:ext>
-            </a:extLst>
-          </p:cNvPr>
-          <p:cNvSpPr/>
-          <p:nvPr/>
-        </p:nvSpPr>
-        <p:spPr>
-          <a:xfrm>
-            <a:off x="6934558" y="685158"/>
-            <a:ext cx="775406" cy="490523"/>
-          </a:xfrm>
-          <a:prstGeom prst="roundRect">
-            <a:avLst>
-              <a:gd name="adj" fmla="val 14952"/>
-            </a:avLst>
-          </a:prstGeom>
-          <a:ln w="12700"/>
-        </p:spPr>
-        <p:style>
-          <a:lnRef idx="2">
-            <a:schemeClr val="dk1"/>
-          </a:lnRef>
-          <a:fillRef idx="1">
-            <a:schemeClr val="lt1"/>
-          </a:fillRef>
-          <a:effectRef idx="0">
-            <a:schemeClr val="dk1"/>
-          </a:effectRef>
-          <a:fontRef idx="minor">
-            <a:schemeClr val="dk1"/>
-          </a:fontRef>
-        </p:style>
-        <p:txBody>
-          <a:bodyPr rtlCol="0" anchor="ctr"/>
-          <a:lstStyle/>
-          <a:p>
-            <a:pPr algn="ctr"/>
-            <a:r>
-              <a:rPr lang="en-US" altLang="ko-KR" sz="800" b="1"/>
-              <a:t>Service</a:t>
-            </a:r>
-            <a:endParaRPr lang="en-US" altLang="ko-KR" sz="800"/>
-          </a:p>
-          <a:p>
-            <a:pPr algn="ctr"/>
-            <a:r>
-              <a:rPr lang="en-US" altLang="ko-KR" sz="800"/>
-              <a:t>experimentcanary</a:t>
-            </a:r>
-          </a:p>
-        </p:txBody>
-      </p:sp>
-      <p:sp>
-        <p:nvSpPr>
-          <p:cNvPr id="29" name="모서리가 둥근 직사각형 28">
-            <a:extLst>
-              <a:ext uri="{FF2B5EF4-FFF2-40B4-BE49-F238E27FC236}">
-                <a16:creationId xmlns:a16="http://schemas.microsoft.com/office/drawing/2014/main" id="{3D645EED-39A0-4816-A11D-66758C8FE4FC}"/>
-              </a:ext>
-            </a:extLst>
-          </p:cNvPr>
-          <p:cNvSpPr/>
-          <p:nvPr/>
-        </p:nvSpPr>
-        <p:spPr>
-          <a:xfrm>
-            <a:off x="6934562" y="1482258"/>
-            <a:ext cx="775398" cy="613154"/>
-          </a:xfrm>
-          <a:prstGeom prst="roundRect">
-            <a:avLst>
-              <a:gd name="adj" fmla="val 14952"/>
-            </a:avLst>
-          </a:prstGeom>
-          <a:ln w="12700"/>
-        </p:spPr>
-        <p:style>
-          <a:lnRef idx="2">
-            <a:schemeClr val="dk1"/>
-          </a:lnRef>
-          <a:fillRef idx="1">
-            <a:schemeClr val="lt1"/>
-          </a:fillRef>
-          <a:effectRef idx="0">
-            <a:schemeClr val="dk1"/>
-          </a:effectRef>
-          <a:fontRef idx="minor">
-            <a:schemeClr val="dk1"/>
-          </a:fontRef>
-        </p:style>
-        <p:txBody>
-          <a:bodyPr rtlCol="0" anchor="ctr"/>
-          <a:lstStyle/>
-          <a:p>
-            <a:pPr algn="ctr"/>
-            <a:r>
-              <a:rPr lang="en-US" altLang="ko-KR" sz="800" b="1"/>
-              <a:t>ReplicaSet</a:t>
-            </a:r>
-            <a:endParaRPr lang="en-US" altLang="ko-KR" sz="800"/>
-          </a:p>
-          <a:p>
-            <a:pPr algn="ctr"/>
-            <a:r>
-              <a:rPr lang="en-US" altLang="ko-KR" sz="800"/>
-              <a:t>Ex Canary</a:t>
-            </a:r>
-          </a:p>
-          <a:p>
-            <a:pPr algn="ctr"/>
-            <a:r>
-              <a:rPr lang="en-US" altLang="ko-KR" sz="800"/>
-              <a:t>Revision : 2</a:t>
-            </a:r>
-          </a:p>
-          <a:p>
-            <a:pPr algn="ctr"/>
-            <a:r>
-              <a:rPr lang="en-US" altLang="ko-KR" sz="800"/>
-              <a:t>Replica : 1</a:t>
-            </a:r>
-          </a:p>
-          <a:p>
-            <a:pPr algn="ctr"/>
-            <a:r>
-              <a:rPr lang="en-US" altLang="ko-KR" sz="800"/>
               <a:t>Image : 2.0</a:t>
             </a:r>
           </a:p>
         </p:txBody>
       </p:sp>
-      <p:cxnSp>
-        <p:nvCxnSpPr>
-          <p:cNvPr id="41" name="직선 화살표 연결선 40">
-            <a:extLst>
-              <a:ext uri="{FF2B5EF4-FFF2-40B4-BE49-F238E27FC236}">
-                <a16:creationId xmlns:a16="http://schemas.microsoft.com/office/drawing/2014/main" id="{F1B5C704-1227-F588-1F08-62732F4D200E}"/>
-              </a:ext>
-            </a:extLst>
-          </p:cNvPr>
-          <p:cNvCxnSpPr>
-            <a:cxnSpLocks/>
-            <a:stCxn id="22" idx="2"/>
-            <a:endCxn id="23" idx="0"/>
-          </p:cNvCxnSpPr>
-          <p:nvPr/>
-        </p:nvCxnSpPr>
-        <p:spPr>
-          <a:xfrm>
-            <a:off x="6356932" y="1175681"/>
-            <a:ext cx="0" cy="306577"/>
-          </a:xfrm>
-          <a:prstGeom prst="straightConnector1">
-            <a:avLst/>
-          </a:prstGeom>
-          <a:ln w="12700">
-            <a:solidFill>
-              <a:schemeClr val="tx1"/>
-            </a:solidFill>
-            <a:prstDash val="solid"/>
-            <a:tailEnd type="triangle"/>
-          </a:ln>
-        </p:spPr>
-        <p:style>
-          <a:lnRef idx="1">
-            <a:schemeClr val="accent1"/>
-          </a:lnRef>
-          <a:fillRef idx="0">
-            <a:schemeClr val="accent1"/>
-          </a:fillRef>
-          <a:effectRef idx="0">
-            <a:schemeClr val="accent1"/>
-          </a:effectRef>
-          <a:fontRef idx="minor">
-            <a:schemeClr val="tx1"/>
-          </a:fontRef>
-        </p:style>
-      </p:cxnSp>
-      <p:cxnSp>
-        <p:nvCxnSpPr>
-          <p:cNvPr id="59" name="직선 화살표 연결선 58">
-            <a:extLst>
-              <a:ext uri="{FF2B5EF4-FFF2-40B4-BE49-F238E27FC236}">
-                <a16:creationId xmlns:a16="http://schemas.microsoft.com/office/drawing/2014/main" id="{464DB761-61C7-5D6B-FEDF-5081251D7639}"/>
-              </a:ext>
-            </a:extLst>
-          </p:cNvPr>
-          <p:cNvCxnSpPr>
-            <a:cxnSpLocks/>
-            <a:stCxn id="28" idx="2"/>
-            <a:endCxn id="29" idx="0"/>
-          </p:cNvCxnSpPr>
-          <p:nvPr/>
-        </p:nvCxnSpPr>
-        <p:spPr>
-          <a:xfrm>
-            <a:off x="7322261" y="1175681"/>
-            <a:ext cx="0" cy="306577"/>
-          </a:xfrm>
-          <a:prstGeom prst="straightConnector1">
-            <a:avLst/>
-          </a:prstGeom>
-          <a:ln w="12700">
-            <a:solidFill>
-              <a:schemeClr val="tx1"/>
-            </a:solidFill>
-            <a:prstDash val="solid"/>
-            <a:tailEnd type="triangle"/>
-          </a:ln>
-        </p:spPr>
-        <p:style>
-          <a:lnRef idx="1">
-            <a:schemeClr val="accent1"/>
-          </a:lnRef>
-          <a:fillRef idx="0">
-            <a:schemeClr val="accent1"/>
-          </a:fillRef>
-          <a:effectRef idx="0">
-            <a:schemeClr val="accent1"/>
-          </a:effectRef>
-          <a:fontRef idx="minor">
-            <a:schemeClr val="tx1"/>
-          </a:fontRef>
-        </p:style>
-      </p:cxnSp>
-      <p:cxnSp>
-        <p:nvCxnSpPr>
-          <p:cNvPr id="63" name="꺾인 연결선[E] 62">
-            <a:extLst>
-              <a:ext uri="{FF2B5EF4-FFF2-40B4-BE49-F238E27FC236}">
-                <a16:creationId xmlns:a16="http://schemas.microsoft.com/office/drawing/2014/main" id="{2EC2987C-C6BB-AA8A-59AB-B3754C7E167A}"/>
-              </a:ext>
-            </a:extLst>
-          </p:cNvPr>
-          <p:cNvCxnSpPr>
-            <a:cxnSpLocks/>
-            <a:stCxn id="24" idx="0"/>
-            <a:endCxn id="28" idx="0"/>
-          </p:cNvCxnSpPr>
-          <p:nvPr/>
-        </p:nvCxnSpPr>
-        <p:spPr>
-          <a:xfrm rot="16200000" flipV="1">
-            <a:off x="7805980" y="201439"/>
-            <a:ext cx="12700" cy="967437"/>
-          </a:xfrm>
-          <a:prstGeom prst="bentConnector3">
-            <a:avLst>
-              <a:gd name="adj1" fmla="val 1800000"/>
-            </a:avLst>
-          </a:prstGeom>
-          <a:ln w="12700">
-            <a:solidFill>
-              <a:schemeClr val="tx1"/>
-            </a:solidFill>
-            <a:tailEnd type="triangle"/>
-          </a:ln>
-        </p:spPr>
-        <p:style>
-          <a:lnRef idx="1">
-            <a:schemeClr val="accent1"/>
-          </a:lnRef>
-          <a:fillRef idx="0">
-            <a:schemeClr val="accent1"/>
-          </a:fillRef>
-          <a:effectRef idx="0">
-            <a:schemeClr val="accent1"/>
-          </a:effectRef>
-          <a:fontRef idx="minor">
-            <a:schemeClr val="tx1"/>
-          </a:fontRef>
-        </p:style>
-      </p:cxnSp>
     </p:spTree>
     <p:extLst>
       <p:ext uri="{BB962C8B-B14F-4D97-AF65-F5344CB8AC3E}">
